--- a/mapping-stations.pptx
+++ b/mapping-stations.pptx
@@ -5,22 +5,24 @@
     <p:sldMasterId id="2147483660" r:id="rId4"/>
   </p:sldMasterIdLst>
   <p:notesMasterIdLst>
-    <p:notesMasterId r:id="rId18"/>
+    <p:notesMasterId r:id="rId20"/>
   </p:notesMasterIdLst>
   <p:sldIdLst>
     <p:sldId id="256" r:id="rId5"/>
     <p:sldId id="257" r:id="rId6"/>
     <p:sldId id="258" r:id="rId7"/>
     <p:sldId id="274" r:id="rId8"/>
-    <p:sldId id="273" r:id="rId9"/>
-    <p:sldId id="272" r:id="rId10"/>
-    <p:sldId id="264" r:id="rId11"/>
-    <p:sldId id="259" r:id="rId12"/>
-    <p:sldId id="271" r:id="rId13"/>
-    <p:sldId id="266" r:id="rId14"/>
-    <p:sldId id="267" r:id="rId15"/>
-    <p:sldId id="268" r:id="rId16"/>
-    <p:sldId id="275" r:id="rId17"/>
+    <p:sldId id="276" r:id="rId9"/>
+    <p:sldId id="273" r:id="rId10"/>
+    <p:sldId id="272" r:id="rId11"/>
+    <p:sldId id="264" r:id="rId12"/>
+    <p:sldId id="259" r:id="rId13"/>
+    <p:sldId id="278" r:id="rId14"/>
+    <p:sldId id="271" r:id="rId15"/>
+    <p:sldId id="267" r:id="rId16"/>
+    <p:sldId id="266" r:id="rId17"/>
+    <p:sldId id="268" r:id="rId18"/>
+    <p:sldId id="275" r:id="rId19"/>
   </p:sldIdLst>
   <p:sldSz cx="12192000" cy="6858000"/>
   <p:notesSz cx="6858000" cy="9144000"/>
@@ -217,7 +219,7 @@
           <a:p>
             <a:fld id="{79E3761A-1727-48EE-803F-EC09E4B33ACD}" type="datetimeFigureOut">
               <a:rPr lang="en-CA" smtClean="0"/>
-              <a:t>2023-11-28</a:t>
+              <a:t>2023-11-29</a:t>
             </a:fld>
             <a:endParaRPr lang="en-CA"/>
           </a:p>
@@ -634,15 +636,15 @@
           <a:p>
             <a:r>
               <a:rPr lang="en-CA" dirty="0"/>
-              <a:t>Basic </a:t>
+              <a:t>For the sake of this example, </a:t>
             </a:r>
             <a:r>
               <a:rPr lang="en-CA" dirty="0" err="1"/>
-              <a:t>dfs_search</a:t>
+              <a:t>Hydat</a:t>
             </a:r>
             <a:r>
               <a:rPr lang="en-CA" dirty="0"/>
-              <a:t>() flowchart </a:t>
+              <a:t> stations will be the origin stations, and PWQMN stations the candidate stations</a:t>
             </a:r>
           </a:p>
         </p:txBody>
@@ -673,7 +675,7 @@
     </p:spTree>
     <p:extLst>
       <p:ext uri="{BB962C8B-B14F-4D97-AF65-F5344CB8AC3E}">
-        <p14:creationId xmlns:p14="http://schemas.microsoft.com/office/powerpoint/2010/main" val="695048785"/>
+        <p14:creationId xmlns:p14="http://schemas.microsoft.com/office/powerpoint/2010/main" val="3439316518"/>
       </p:ext>
     </p:extLst>
   </p:cSld>
@@ -729,7 +731,15 @@
           <a:p>
             <a:r>
               <a:rPr lang="en-CA" dirty="0"/>
-              <a:t>Distances are not accurate, but the matching of stations is still correct</a:t>
+              <a:t>Basic </a:t>
+            </a:r>
+            <a:r>
+              <a:rPr lang="en-CA" dirty="0" err="1"/>
+              <a:t>dfs_search</a:t>
+            </a:r>
+            <a:r>
+              <a:rPr lang="en-CA" dirty="0"/>
+              <a:t>() flowchart </a:t>
             </a:r>
           </a:p>
         </p:txBody>
@@ -751,7 +761,7 @@
           <a:p>
             <a:fld id="{A76A3AFF-6D77-4BFE-AF21-4F1CE1B45C8D}" type="slidenum">
               <a:rPr lang="en-CA" smtClean="0"/>
-              <a:t>9</a:t>
+              <a:t>6</a:t>
             </a:fld>
             <a:endParaRPr lang="en-CA"/>
           </a:p>
@@ -760,7 +770,7 @@
     </p:spTree>
     <p:extLst>
       <p:ext uri="{BB962C8B-B14F-4D97-AF65-F5344CB8AC3E}">
-        <p14:creationId xmlns:p14="http://schemas.microsoft.com/office/powerpoint/2010/main" val="2559770168"/>
+        <p14:creationId xmlns:p14="http://schemas.microsoft.com/office/powerpoint/2010/main" val="695048785"/>
       </p:ext>
     </p:extLst>
   </p:cSld>
@@ -816,7 +826,7 @@
           <a:p>
             <a:r>
               <a:rPr lang="en-CA" dirty="0"/>
-              <a:t>Both distance and matching are incorrect.</a:t>
+              <a:t>To finish off, I’d like to go through some of the most common errors that occur when matching stations.</a:t>
             </a:r>
           </a:p>
         </p:txBody>
@@ -847,7 +857,7 @@
     </p:spTree>
     <p:extLst>
       <p:ext uri="{BB962C8B-B14F-4D97-AF65-F5344CB8AC3E}">
-        <p14:creationId xmlns:p14="http://schemas.microsoft.com/office/powerpoint/2010/main" val="462235680"/>
+        <p14:creationId xmlns:p14="http://schemas.microsoft.com/office/powerpoint/2010/main" val="4221532281"/>
       </p:ext>
     </p:extLst>
   </p:cSld>
@@ -901,7 +911,10 @@
           <a:bodyPr/>
           <a:lstStyle/>
           <a:p>
-            <a:endParaRPr lang="en-CA" dirty="0"/>
+            <a:r>
+              <a:rPr lang="en-CA" dirty="0"/>
+              <a:t>Distances are not accurate, but the matching of stations is still correct</a:t>
+            </a:r>
           </a:p>
         </p:txBody>
       </p:sp>
@@ -931,7 +944,7 @@
     </p:spTree>
     <p:extLst>
       <p:ext uri="{BB962C8B-B14F-4D97-AF65-F5344CB8AC3E}">
-        <p14:creationId xmlns:p14="http://schemas.microsoft.com/office/powerpoint/2010/main" val="2966035868"/>
+        <p14:creationId xmlns:p14="http://schemas.microsoft.com/office/powerpoint/2010/main" val="2559770168"/>
       </p:ext>
     </p:extLst>
   </p:cSld>
@@ -1007,6 +1020,177 @@
             <a:fld id="{A76A3AFF-6D77-4BFE-AF21-4F1CE1B45C8D}" type="slidenum">
               <a:rPr lang="en-CA" smtClean="0"/>
               <a:t>12</a:t>
+            </a:fld>
+            <a:endParaRPr lang="en-CA"/>
+          </a:p>
+        </p:txBody>
+      </p:sp>
+    </p:spTree>
+    <p:extLst>
+      <p:ext uri="{BB962C8B-B14F-4D97-AF65-F5344CB8AC3E}">
+        <p14:creationId xmlns:p14="http://schemas.microsoft.com/office/powerpoint/2010/main" val="2966035868"/>
+      </p:ext>
+    </p:extLst>
+  </p:cSld>
+  <p:clrMapOvr>
+    <a:masterClrMapping/>
+  </p:clrMapOvr>
+</p:notes>
+</file>
+
+<file path=ppt/notesSlides/notesSlide7.xml><?xml version="1.0" encoding="utf-8"?>
+<p:notes xmlns:a="http://schemas.openxmlformats.org/drawingml/2006/main" xmlns:r="http://schemas.openxmlformats.org/officeDocument/2006/relationships" xmlns:p="http://schemas.openxmlformats.org/presentationml/2006/main">
+  <p:cSld>
+    <p:spTree>
+      <p:nvGrpSpPr>
+        <p:cNvPr id="1" name=""/>
+        <p:cNvGrpSpPr/>
+        <p:nvPr/>
+      </p:nvGrpSpPr>
+      <p:grpSpPr>
+        <a:xfrm>
+          <a:off x="0" y="0"/>
+          <a:ext cx="0" cy="0"/>
+          <a:chOff x="0" y="0"/>
+          <a:chExt cx="0" cy="0"/>
+        </a:xfrm>
+      </p:grpSpPr>
+      <p:sp>
+        <p:nvSpPr>
+          <p:cNvPr id="2" name="Slide Image Placeholder 1"/>
+          <p:cNvSpPr>
+            <a:spLocks noGrp="1" noRot="1" noChangeAspect="1"/>
+          </p:cNvSpPr>
+          <p:nvPr>
+            <p:ph type="sldImg"/>
+          </p:nvPr>
+        </p:nvSpPr>
+        <p:spPr/>
+      </p:sp>
+      <p:sp>
+        <p:nvSpPr>
+          <p:cNvPr id="3" name="Notes Placeholder 2"/>
+          <p:cNvSpPr>
+            <a:spLocks noGrp="1"/>
+          </p:cNvSpPr>
+          <p:nvPr>
+            <p:ph type="body" idx="1"/>
+          </p:nvPr>
+        </p:nvSpPr>
+        <p:spPr/>
+        <p:txBody>
+          <a:bodyPr/>
+          <a:lstStyle/>
+          <a:p>
+            <a:r>
+              <a:rPr lang="en-CA" dirty="0"/>
+              <a:t>Both distance and matching are incorrect.</a:t>
+            </a:r>
+          </a:p>
+        </p:txBody>
+      </p:sp>
+      <p:sp>
+        <p:nvSpPr>
+          <p:cNvPr id="4" name="Slide Number Placeholder 3"/>
+          <p:cNvSpPr>
+            <a:spLocks noGrp="1"/>
+          </p:cNvSpPr>
+          <p:nvPr>
+            <p:ph type="sldNum" sz="quarter" idx="5"/>
+          </p:nvPr>
+        </p:nvSpPr>
+        <p:spPr/>
+        <p:txBody>
+          <a:bodyPr/>
+          <a:lstStyle/>
+          <a:p>
+            <a:fld id="{A76A3AFF-6D77-4BFE-AF21-4F1CE1B45C8D}" type="slidenum">
+              <a:rPr lang="en-CA" smtClean="0"/>
+              <a:t>13</a:t>
+            </a:fld>
+            <a:endParaRPr lang="en-CA"/>
+          </a:p>
+        </p:txBody>
+      </p:sp>
+    </p:spTree>
+    <p:extLst>
+      <p:ext uri="{BB962C8B-B14F-4D97-AF65-F5344CB8AC3E}">
+        <p14:creationId xmlns:p14="http://schemas.microsoft.com/office/powerpoint/2010/main" val="462235680"/>
+      </p:ext>
+    </p:extLst>
+  </p:cSld>
+  <p:clrMapOvr>
+    <a:masterClrMapping/>
+  </p:clrMapOvr>
+</p:notes>
+</file>
+
+<file path=ppt/notesSlides/notesSlide8.xml><?xml version="1.0" encoding="utf-8"?>
+<p:notes xmlns:a="http://schemas.openxmlformats.org/drawingml/2006/main" xmlns:r="http://schemas.openxmlformats.org/officeDocument/2006/relationships" xmlns:p="http://schemas.openxmlformats.org/presentationml/2006/main">
+  <p:cSld>
+    <p:spTree>
+      <p:nvGrpSpPr>
+        <p:cNvPr id="1" name=""/>
+        <p:cNvGrpSpPr/>
+        <p:nvPr/>
+      </p:nvGrpSpPr>
+      <p:grpSpPr>
+        <a:xfrm>
+          <a:off x="0" y="0"/>
+          <a:ext cx="0" cy="0"/>
+          <a:chOff x="0" y="0"/>
+          <a:chExt cx="0" cy="0"/>
+        </a:xfrm>
+      </p:grpSpPr>
+      <p:sp>
+        <p:nvSpPr>
+          <p:cNvPr id="2" name="Slide Image Placeholder 1"/>
+          <p:cNvSpPr>
+            <a:spLocks noGrp="1" noRot="1" noChangeAspect="1"/>
+          </p:cNvSpPr>
+          <p:nvPr>
+            <p:ph type="sldImg"/>
+          </p:nvPr>
+        </p:nvSpPr>
+        <p:spPr/>
+      </p:sp>
+      <p:sp>
+        <p:nvSpPr>
+          <p:cNvPr id="3" name="Notes Placeholder 2"/>
+          <p:cNvSpPr>
+            <a:spLocks noGrp="1"/>
+          </p:cNvSpPr>
+          <p:nvPr>
+            <p:ph type="body" idx="1"/>
+          </p:nvPr>
+        </p:nvSpPr>
+        <p:spPr/>
+        <p:txBody>
+          <a:bodyPr/>
+          <a:lstStyle/>
+          <a:p>
+            <a:endParaRPr lang="en-CA" dirty="0"/>
+          </a:p>
+        </p:txBody>
+      </p:sp>
+      <p:sp>
+        <p:nvSpPr>
+          <p:cNvPr id="4" name="Slide Number Placeholder 3"/>
+          <p:cNvSpPr>
+            <a:spLocks noGrp="1"/>
+          </p:cNvSpPr>
+          <p:nvPr>
+            <p:ph type="sldNum" sz="quarter" idx="5"/>
+          </p:nvPr>
+        </p:nvSpPr>
+        <p:spPr/>
+        <p:txBody>
+          <a:bodyPr/>
+          <a:lstStyle/>
+          <a:p>
+            <a:fld id="{A76A3AFF-6D77-4BFE-AF21-4F1CE1B45C8D}" type="slidenum">
+              <a:rPr lang="en-CA" smtClean="0"/>
+              <a:t>14</a:t>
             </a:fld>
             <a:endParaRPr lang="en-CA"/>
           </a:p>
@@ -1201,7 +1385,7 @@
           <a:p>
             <a:fld id="{F5322EAD-D2F7-4471-A3D4-D7CBA503C35D}" type="datetimeFigureOut">
               <a:rPr lang="en-CA" smtClean="0"/>
-              <a:t>2023-11-28</a:t>
+              <a:t>2023-11-29</a:t>
             </a:fld>
             <a:endParaRPr lang="en-CA"/>
           </a:p>
@@ -1371,7 +1555,7 @@
           <a:p>
             <a:fld id="{F5322EAD-D2F7-4471-A3D4-D7CBA503C35D}" type="datetimeFigureOut">
               <a:rPr lang="en-CA" smtClean="0"/>
-              <a:t>2023-11-28</a:t>
+              <a:t>2023-11-29</a:t>
             </a:fld>
             <a:endParaRPr lang="en-CA"/>
           </a:p>
@@ -1594,7 +1778,7 @@
           <a:p>
             <a:fld id="{F5322EAD-D2F7-4471-A3D4-D7CBA503C35D}" type="datetimeFigureOut">
               <a:rPr lang="en-CA" smtClean="0"/>
-              <a:t>2023-11-28</a:t>
+              <a:t>2023-11-29</a:t>
             </a:fld>
             <a:endParaRPr lang="en-CA"/>
           </a:p>
@@ -1774,7 +1958,7 @@
           <a:p>
             <a:fld id="{F5322EAD-D2F7-4471-A3D4-D7CBA503C35D}" type="datetimeFigureOut">
               <a:rPr lang="en-CA" smtClean="0"/>
-              <a:t>2023-11-28</a:t>
+              <a:t>2023-11-29</a:t>
             </a:fld>
             <a:endParaRPr lang="en-CA"/>
           </a:p>
@@ -2080,7 +2264,7 @@
           <a:p>
             <a:fld id="{F5322EAD-D2F7-4471-A3D4-D7CBA503C35D}" type="datetimeFigureOut">
               <a:rPr lang="en-CA" smtClean="0"/>
-              <a:t>2023-11-28</a:t>
+              <a:t>2023-11-29</a:t>
             </a:fld>
             <a:endParaRPr lang="en-CA"/>
           </a:p>
@@ -2384,7 +2568,7 @@
           <a:p>
             <a:fld id="{F5322EAD-D2F7-4471-A3D4-D7CBA503C35D}" type="datetimeFigureOut">
               <a:rPr lang="en-CA" smtClean="0"/>
-              <a:t>2023-11-28</a:t>
+              <a:t>2023-11-29</a:t>
             </a:fld>
             <a:endParaRPr lang="en-CA"/>
           </a:p>
@@ -2806,7 +2990,7 @@
           <a:p>
             <a:fld id="{F5322EAD-D2F7-4471-A3D4-D7CBA503C35D}" type="datetimeFigureOut">
               <a:rPr lang="en-CA" smtClean="0"/>
-              <a:t>2023-11-28</a:t>
+              <a:t>2023-11-29</a:t>
             </a:fld>
             <a:endParaRPr lang="en-CA"/>
           </a:p>
@@ -2924,7 +3108,7 @@
           <a:p>
             <a:fld id="{F5322EAD-D2F7-4471-A3D4-D7CBA503C35D}" type="datetimeFigureOut">
               <a:rPr lang="en-CA" smtClean="0"/>
-              <a:t>2023-11-28</a:t>
+              <a:t>2023-11-29</a:t>
             </a:fld>
             <a:endParaRPr lang="en-CA"/>
           </a:p>
@@ -3019,7 +3203,7 @@
           <a:p>
             <a:fld id="{F5322EAD-D2F7-4471-A3D4-D7CBA503C35D}" type="datetimeFigureOut">
               <a:rPr lang="en-CA" smtClean="0"/>
-              <a:t>2023-11-28</a:t>
+              <a:t>2023-11-29</a:t>
             </a:fld>
             <a:endParaRPr lang="en-CA"/>
           </a:p>
@@ -3292,7 +3476,7 @@
           <a:p>
             <a:fld id="{F5322EAD-D2F7-4471-A3D4-D7CBA503C35D}" type="datetimeFigureOut">
               <a:rPr lang="en-CA" smtClean="0"/>
-              <a:t>2023-11-28</a:t>
+              <a:t>2023-11-29</a:t>
             </a:fld>
             <a:endParaRPr lang="en-CA"/>
           </a:p>
@@ -3557,7 +3741,7 @@
           <a:p>
             <a:fld id="{F5322EAD-D2F7-4471-A3D4-D7CBA503C35D}" type="datetimeFigureOut">
               <a:rPr lang="en-CA" smtClean="0"/>
-              <a:t>2023-11-28</a:t>
+              <a:t>2023-11-29</a:t>
             </a:fld>
             <a:endParaRPr lang="en-CA"/>
           </a:p>
@@ -3806,7 +3990,7 @@
           <a:p>
             <a:fld id="{F5322EAD-D2F7-4471-A3D4-D7CBA503C35D}" type="datetimeFigureOut">
               <a:rPr lang="en-CA" smtClean="0"/>
-              <a:t>2023-11-28</a:t>
+              <a:t>2023-11-29</a:t>
             </a:fld>
             <a:endParaRPr lang="en-CA"/>
           </a:p>
@@ -4431,12 +4615,104 @@
           <a:chExt cx="0" cy="0"/>
         </a:xfrm>
       </p:grpSpPr>
+      <p:sp>
+        <p:nvSpPr>
+          <p:cNvPr id="2" name="Title 1">
+            <a:extLst>
+              <a:ext uri="{FF2B5EF4-FFF2-40B4-BE49-F238E27FC236}">
+                <a16:creationId xmlns:a16="http://schemas.microsoft.com/office/drawing/2014/main" id="{88BA2645-3CCE-C789-F0F2-860585C3C3C6}"/>
+              </a:ext>
+            </a:extLst>
+          </p:cNvPr>
+          <p:cNvSpPr>
+            <a:spLocks noGrp="1"/>
+          </p:cNvSpPr>
+          <p:nvPr>
+            <p:ph type="title"/>
+          </p:nvPr>
+        </p:nvSpPr>
+        <p:spPr/>
+        <p:txBody>
+          <a:bodyPr/>
+          <a:lstStyle/>
+          <a:p>
+            <a:r>
+              <a:rPr lang="en-CA" cap="none" dirty="0" err="1"/>
+              <a:t>HydroRIVERS</a:t>
+            </a:r>
+            <a:r>
+              <a:rPr lang="en-CA" cap="none" dirty="0"/>
+              <a:t> vs OHN</a:t>
+            </a:r>
+          </a:p>
+        </p:txBody>
+      </p:sp>
+      <p:sp>
+        <p:nvSpPr>
+          <p:cNvPr id="3" name="Text Placeholder 2">
+            <a:extLst>
+              <a:ext uri="{FF2B5EF4-FFF2-40B4-BE49-F238E27FC236}">
+                <a16:creationId xmlns:a16="http://schemas.microsoft.com/office/drawing/2014/main" id="{CD960C4D-D259-93EC-8C51-53D3C27ADD68}"/>
+              </a:ext>
+            </a:extLst>
+          </p:cNvPr>
+          <p:cNvSpPr>
+            <a:spLocks noGrp="1"/>
+          </p:cNvSpPr>
+          <p:nvPr>
+            <p:ph type="body" idx="1"/>
+          </p:nvPr>
+        </p:nvSpPr>
+        <p:spPr/>
+        <p:txBody>
+          <a:bodyPr>
+            <a:normAutofit/>
+          </a:bodyPr>
+          <a:lstStyle/>
+          <a:p>
+            <a:r>
+              <a:rPr lang="en-CA" sz="2800" dirty="0"/>
+              <a:t>Low vs High resolution matching</a:t>
+            </a:r>
+          </a:p>
+        </p:txBody>
+      </p:sp>
+    </p:spTree>
+    <p:extLst>
+      <p:ext uri="{BB962C8B-B14F-4D97-AF65-F5344CB8AC3E}">
+        <p14:creationId xmlns:p14="http://schemas.microsoft.com/office/powerpoint/2010/main" val="2513823216"/>
+      </p:ext>
+    </p:extLst>
+  </p:cSld>
+  <p:clrMapOvr>
+    <a:masterClrMapping/>
+  </p:clrMapOvr>
+</p:sld>
+</file>
+
+<file path=ppt/slides/slide11.xml><?xml version="1.0" encoding="utf-8"?>
+<p:sld xmlns:a="http://schemas.openxmlformats.org/drawingml/2006/main" xmlns:r="http://schemas.openxmlformats.org/officeDocument/2006/relationships" xmlns:p="http://schemas.openxmlformats.org/presentationml/2006/main">
+  <p:cSld>
+    <p:spTree>
+      <p:nvGrpSpPr>
+        <p:cNvPr id="1" name=""/>
+        <p:cNvGrpSpPr/>
+        <p:nvPr/>
+      </p:nvGrpSpPr>
+      <p:grpSpPr>
+        <a:xfrm>
+          <a:off x="0" y="0"/>
+          <a:ext cx="0" cy="0"/>
+          <a:chOff x="0" y="0"/>
+          <a:chExt cx="0" cy="0"/>
+        </a:xfrm>
+      </p:grpSpPr>
       <p:pic>
         <p:nvPicPr>
-          <p:cNvPr id="2" name="Picture 1">
+          <p:cNvPr id="4" name="Picture 3">
             <a:extLst>
               <a:ext uri="{FF2B5EF4-FFF2-40B4-BE49-F238E27FC236}">
-                <a16:creationId xmlns:a16="http://schemas.microsoft.com/office/drawing/2014/main" id="{932A9B2F-3F3C-419C-147D-862A98558201}"/>
+                <a16:creationId xmlns:a16="http://schemas.microsoft.com/office/drawing/2014/main" id="{DDBB4183-02AF-C455-F92E-115AF2BFB4E9}"/>
               </a:ext>
             </a:extLst>
           </p:cNvPr>
@@ -4446,20 +4722,15 @@
           <p:nvPr/>
         </p:nvPicPr>
         <p:blipFill>
-          <a:blip r:embed="rId3">
-            <a:extLst>
-              <a:ext uri="{28A0092B-C50C-407E-A947-70E740481C1C}">
-                <a14:useLocalDpi xmlns:a14="http://schemas.microsoft.com/office/drawing/2010/main" val="0"/>
-              </a:ext>
-            </a:extLst>
-          </a:blip>
-          <a:srcRect/>
-          <a:stretch/>
+          <a:blip r:embed="rId3"/>
+          <a:stretch>
+            <a:fillRect/>
+          </a:stretch>
         </p:blipFill>
         <p:spPr>
           <a:xfrm>
-            <a:off x="1874592" y="270013"/>
-            <a:ext cx="8442811" cy="5686171"/>
+            <a:off x="2623653" y="360873"/>
+            <a:ext cx="6944694" cy="5563376"/>
           </a:xfrm>
           <a:prstGeom prst="rect">
             <a:avLst/>
@@ -4468,10 +4739,10 @@
       </p:pic>
       <p:sp>
         <p:nvSpPr>
-          <p:cNvPr id="3" name="TextBox 2">
+          <p:cNvPr id="6" name="TextBox 5">
             <a:extLst>
               <a:ext uri="{FF2B5EF4-FFF2-40B4-BE49-F238E27FC236}">
-                <a16:creationId xmlns:a16="http://schemas.microsoft.com/office/drawing/2014/main" id="{F142C1DB-0B60-6224-83DB-52955428AB15}"/>
+                <a16:creationId xmlns:a16="http://schemas.microsoft.com/office/drawing/2014/main" id="{BDB722BF-8566-8063-0B5C-CE661438449A}"/>
               </a:ext>
             </a:extLst>
           </p:cNvPr>
@@ -4480,8 +4751,8 @@
         </p:nvSpPr>
         <p:spPr>
           <a:xfrm>
-            <a:off x="1901889" y="6027003"/>
-            <a:ext cx="8388221" cy="830997"/>
+            <a:off x="3141306" y="6114347"/>
+            <a:ext cx="5909388" cy="461665"/>
           </a:xfrm>
           <a:prstGeom prst="rect">
             <a:avLst/>
@@ -4496,25 +4767,459 @@
           <a:p>
             <a:pPr algn="ctr"/>
             <a:r>
-              <a:rPr lang="en-US" sz="2400" dirty="0"/>
-              <a:t>River segments not captured in </a:t>
-            </a:r>
-            <a:r>
-              <a:rPr lang="en-US" sz="2400" dirty="0" err="1"/>
-              <a:t>HydroRIVERs</a:t>
-            </a:r>
-            <a:r>
-              <a:rPr lang="en-US" sz="2400" dirty="0"/>
-              <a:t> – distance and matching incorrect</a:t>
-            </a:r>
-            <a:endParaRPr lang="en-CA" sz="2400" dirty="0"/>
+              <a:rPr lang="en-CA" sz="2400" dirty="0"/>
+              <a:t>Distance incorrect, but matching is functional</a:t>
+            </a:r>
           </a:p>
         </p:txBody>
       </p:sp>
+      <p:grpSp>
+        <p:nvGrpSpPr>
+          <p:cNvPr id="2" name="Group 1">
+            <a:extLst>
+              <a:ext uri="{FF2B5EF4-FFF2-40B4-BE49-F238E27FC236}">
+                <a16:creationId xmlns:a16="http://schemas.microsoft.com/office/drawing/2014/main" id="{2F50201C-1AEE-0C3C-B07B-41EECEBE2B80}"/>
+              </a:ext>
+            </a:extLst>
+          </p:cNvPr>
+          <p:cNvGrpSpPr/>
+          <p:nvPr/>
+        </p:nvGrpSpPr>
+        <p:grpSpPr>
+          <a:xfrm>
+            <a:off x="144624" y="4870886"/>
+            <a:ext cx="3076704" cy="1861458"/>
+            <a:chOff x="4327028" y="1034143"/>
+            <a:chExt cx="3076704" cy="1861458"/>
+          </a:xfrm>
+        </p:grpSpPr>
+        <p:sp>
+          <p:nvSpPr>
+            <p:cNvPr id="3" name="Rectangle 2">
+              <a:extLst>
+                <a:ext uri="{FF2B5EF4-FFF2-40B4-BE49-F238E27FC236}">
+                  <a16:creationId xmlns:a16="http://schemas.microsoft.com/office/drawing/2014/main" id="{94FD0AE1-EBC8-D994-7670-2C734972E843}"/>
+                </a:ext>
+              </a:extLst>
+            </p:cNvPr>
+            <p:cNvSpPr/>
+            <p:nvPr/>
+          </p:nvSpPr>
+          <p:spPr>
+            <a:xfrm>
+              <a:off x="4327028" y="1034143"/>
+              <a:ext cx="2892922" cy="1861458"/>
+            </a:xfrm>
+            <a:prstGeom prst="rect">
+              <a:avLst/>
+            </a:prstGeom>
+            <a:solidFill>
+              <a:schemeClr val="accent1">
+                <a:lumMod val="40000"/>
+                <a:lumOff val="60000"/>
+              </a:schemeClr>
+            </a:solidFill>
+            <a:ln>
+              <a:solidFill>
+                <a:schemeClr val="bg1"/>
+              </a:solidFill>
+            </a:ln>
+          </p:spPr>
+          <p:style>
+            <a:lnRef idx="2">
+              <a:schemeClr val="accent1">
+                <a:shade val="15000"/>
+              </a:schemeClr>
+            </a:lnRef>
+            <a:fillRef idx="1">
+              <a:schemeClr val="accent1"/>
+            </a:fillRef>
+            <a:effectRef idx="0">
+              <a:schemeClr val="accent1"/>
+            </a:effectRef>
+            <a:fontRef idx="minor">
+              <a:schemeClr val="lt1"/>
+            </a:fontRef>
+          </p:style>
+          <p:txBody>
+            <a:bodyPr rtlCol="0" anchor="ctr"/>
+            <a:lstStyle/>
+            <a:p>
+              <a:pPr algn="ctr"/>
+              <a:endParaRPr lang="en-CA"/>
+            </a:p>
+          </p:txBody>
+        </p:sp>
+        <p:sp>
+          <p:nvSpPr>
+            <p:cNvPr id="5" name="Oval 4">
+              <a:extLst>
+                <a:ext uri="{FF2B5EF4-FFF2-40B4-BE49-F238E27FC236}">
+                  <a16:creationId xmlns:a16="http://schemas.microsoft.com/office/drawing/2014/main" id="{4D566251-793A-F081-87B4-77075BD01B5F}"/>
+                </a:ext>
+              </a:extLst>
+            </p:cNvPr>
+            <p:cNvSpPr>
+              <a:spLocks noChangeAspect="1"/>
+            </p:cNvSpPr>
+            <p:nvPr/>
+          </p:nvSpPr>
+          <p:spPr>
+            <a:xfrm>
+              <a:off x="4430758" y="1132745"/>
+              <a:ext cx="350360" cy="350360"/>
+            </a:xfrm>
+            <a:prstGeom prst="ellipse">
+              <a:avLst/>
+            </a:prstGeom>
+            <a:solidFill>
+              <a:srgbClr val="0070C0"/>
+            </a:solidFill>
+            <a:ln>
+              <a:solidFill>
+                <a:schemeClr val="tx2">
+                  <a:lumMod val="10000"/>
+                </a:schemeClr>
+              </a:solidFill>
+            </a:ln>
+          </p:spPr>
+          <p:style>
+            <a:lnRef idx="2">
+              <a:schemeClr val="accent1">
+                <a:shade val="15000"/>
+              </a:schemeClr>
+            </a:lnRef>
+            <a:fillRef idx="1">
+              <a:schemeClr val="accent1"/>
+            </a:fillRef>
+            <a:effectRef idx="0">
+              <a:schemeClr val="accent1"/>
+            </a:effectRef>
+            <a:fontRef idx="minor">
+              <a:schemeClr val="lt1"/>
+            </a:fontRef>
+          </p:style>
+          <p:txBody>
+            <a:bodyPr rtlCol="0" anchor="ctr"/>
+            <a:lstStyle/>
+            <a:p>
+              <a:pPr algn="ctr"/>
+              <a:endParaRPr lang="en-CA" dirty="0"/>
+            </a:p>
+          </p:txBody>
+        </p:sp>
+        <p:sp>
+          <p:nvSpPr>
+            <p:cNvPr id="7" name="Oval 6">
+              <a:extLst>
+                <a:ext uri="{FF2B5EF4-FFF2-40B4-BE49-F238E27FC236}">
+                  <a16:creationId xmlns:a16="http://schemas.microsoft.com/office/drawing/2014/main" id="{8242152C-605F-367E-3D12-631D4D9834B0}"/>
+                </a:ext>
+              </a:extLst>
+            </p:cNvPr>
+            <p:cNvSpPr>
+              <a:spLocks noChangeAspect="1"/>
+            </p:cNvSpPr>
+            <p:nvPr/>
+          </p:nvSpPr>
+          <p:spPr>
+            <a:xfrm>
+              <a:off x="4430758" y="1625320"/>
+              <a:ext cx="350360" cy="350360"/>
+            </a:xfrm>
+            <a:prstGeom prst="ellipse">
+              <a:avLst/>
+            </a:prstGeom>
+            <a:solidFill>
+              <a:srgbClr val="FF0000"/>
+            </a:solidFill>
+            <a:ln>
+              <a:solidFill>
+                <a:schemeClr val="tx2">
+                  <a:lumMod val="10000"/>
+                </a:schemeClr>
+              </a:solidFill>
+            </a:ln>
+          </p:spPr>
+          <p:style>
+            <a:lnRef idx="2">
+              <a:schemeClr val="accent1">
+                <a:shade val="15000"/>
+              </a:schemeClr>
+            </a:lnRef>
+            <a:fillRef idx="1">
+              <a:schemeClr val="accent1"/>
+            </a:fillRef>
+            <a:effectRef idx="0">
+              <a:schemeClr val="accent1"/>
+            </a:effectRef>
+            <a:fontRef idx="minor">
+              <a:schemeClr val="lt1"/>
+            </a:fontRef>
+          </p:style>
+          <p:txBody>
+            <a:bodyPr rtlCol="0" anchor="ctr"/>
+            <a:lstStyle/>
+            <a:p>
+              <a:pPr algn="ctr"/>
+              <a:endParaRPr lang="en-CA" dirty="0"/>
+            </a:p>
+          </p:txBody>
+        </p:sp>
+        <p:cxnSp>
+          <p:nvCxnSpPr>
+            <p:cNvPr id="8" name="Straight Connector 7">
+              <a:extLst>
+                <a:ext uri="{FF2B5EF4-FFF2-40B4-BE49-F238E27FC236}">
+                  <a16:creationId xmlns:a16="http://schemas.microsoft.com/office/drawing/2014/main" id="{18141ACE-47CF-D415-A0B4-08898169122A}"/>
+                </a:ext>
+              </a:extLst>
+            </p:cNvPr>
+            <p:cNvCxnSpPr>
+              <a:cxnSpLocks/>
+            </p:cNvCxnSpPr>
+            <p:nvPr/>
+          </p:nvCxnSpPr>
+          <p:spPr>
+            <a:xfrm flipV="1">
+              <a:off x="4430758" y="2131267"/>
+              <a:ext cx="350360" cy="240578"/>
+            </a:xfrm>
+            <a:prstGeom prst="line">
+              <a:avLst/>
+            </a:prstGeom>
+            <a:ln w="76200">
+              <a:solidFill>
+                <a:srgbClr val="00B050"/>
+              </a:solidFill>
+            </a:ln>
+          </p:spPr>
+          <p:style>
+            <a:lnRef idx="1">
+              <a:schemeClr val="accent3"/>
+            </a:lnRef>
+            <a:fillRef idx="0">
+              <a:schemeClr val="accent3"/>
+            </a:fillRef>
+            <a:effectRef idx="0">
+              <a:schemeClr val="accent3"/>
+            </a:effectRef>
+            <a:fontRef idx="minor">
+              <a:schemeClr val="tx1"/>
+            </a:fontRef>
+          </p:style>
+        </p:cxnSp>
+        <p:cxnSp>
+          <p:nvCxnSpPr>
+            <p:cNvPr id="9" name="Straight Connector 8">
+              <a:extLst>
+                <a:ext uri="{FF2B5EF4-FFF2-40B4-BE49-F238E27FC236}">
+                  <a16:creationId xmlns:a16="http://schemas.microsoft.com/office/drawing/2014/main" id="{EBBEEEB9-40B1-D115-36EB-FB91282CDB5C}"/>
+                </a:ext>
+              </a:extLst>
+            </p:cNvPr>
+            <p:cNvCxnSpPr>
+              <a:cxnSpLocks/>
+            </p:cNvCxnSpPr>
+            <p:nvPr/>
+          </p:nvCxnSpPr>
+          <p:spPr>
+            <a:xfrm flipV="1">
+              <a:off x="4430758" y="2548735"/>
+              <a:ext cx="350360" cy="240578"/>
+            </a:xfrm>
+            <a:prstGeom prst="line">
+              <a:avLst/>
+            </a:prstGeom>
+            <a:ln w="76200">
+              <a:solidFill>
+                <a:schemeClr val="accent1">
+                  <a:lumMod val="75000"/>
+                </a:schemeClr>
+              </a:solidFill>
+            </a:ln>
+          </p:spPr>
+          <p:style>
+            <a:lnRef idx="1">
+              <a:schemeClr val="accent3"/>
+            </a:lnRef>
+            <a:fillRef idx="0">
+              <a:schemeClr val="accent3"/>
+            </a:fillRef>
+            <a:effectRef idx="0">
+              <a:schemeClr val="accent3"/>
+            </a:effectRef>
+            <a:fontRef idx="minor">
+              <a:schemeClr val="tx1"/>
+            </a:fontRef>
+          </p:style>
+        </p:cxnSp>
+        <p:sp>
+          <p:nvSpPr>
+            <p:cNvPr id="10" name="TextBox 9">
+              <a:extLst>
+                <a:ext uri="{FF2B5EF4-FFF2-40B4-BE49-F238E27FC236}">
+                  <a16:creationId xmlns:a16="http://schemas.microsoft.com/office/drawing/2014/main" id="{3C3019F3-05A7-EABE-79FD-6B6C4916F511}"/>
+                </a:ext>
+              </a:extLst>
+            </p:cNvPr>
+            <p:cNvSpPr txBox="1"/>
+            <p:nvPr/>
+          </p:nvSpPr>
+          <p:spPr>
+            <a:xfrm>
+              <a:off x="4776632" y="1117428"/>
+              <a:ext cx="1996767" cy="369332"/>
+            </a:xfrm>
+            <a:prstGeom prst="rect">
+              <a:avLst/>
+            </a:prstGeom>
+            <a:noFill/>
+          </p:spPr>
+          <p:txBody>
+            <a:bodyPr wrap="square" rtlCol="0">
+              <a:spAutoFit/>
+            </a:bodyPr>
+            <a:lstStyle/>
+            <a:p>
+              <a:r>
+                <a:rPr lang="en-CA" dirty="0">
+                  <a:solidFill>
+                    <a:schemeClr val="bg1"/>
+                  </a:solidFill>
+                </a:rPr>
+                <a:t>PWQMN Stations</a:t>
+              </a:r>
+            </a:p>
+          </p:txBody>
+        </p:sp>
+        <p:sp>
+          <p:nvSpPr>
+            <p:cNvPr id="11" name="TextBox 10">
+              <a:extLst>
+                <a:ext uri="{FF2B5EF4-FFF2-40B4-BE49-F238E27FC236}">
+                  <a16:creationId xmlns:a16="http://schemas.microsoft.com/office/drawing/2014/main" id="{5ADB6B9B-C053-45E9-DDC3-0AACBD0EF07E}"/>
+                </a:ext>
+              </a:extLst>
+            </p:cNvPr>
+            <p:cNvSpPr txBox="1"/>
+            <p:nvPr/>
+          </p:nvSpPr>
+          <p:spPr>
+            <a:xfrm>
+              <a:off x="4776632" y="1598537"/>
+              <a:ext cx="1998861" cy="369332"/>
+            </a:xfrm>
+            <a:prstGeom prst="rect">
+              <a:avLst/>
+            </a:prstGeom>
+            <a:noFill/>
+          </p:spPr>
+          <p:txBody>
+            <a:bodyPr wrap="square" rtlCol="0">
+              <a:spAutoFit/>
+            </a:bodyPr>
+            <a:lstStyle/>
+            <a:p>
+              <a:r>
+                <a:rPr lang="en-CA" dirty="0">
+                  <a:solidFill>
+                    <a:schemeClr val="bg1"/>
+                  </a:solidFill>
+                </a:rPr>
+                <a:t>HYDAT Stations</a:t>
+              </a:r>
+            </a:p>
+          </p:txBody>
+        </p:sp>
+        <p:sp>
+          <p:nvSpPr>
+            <p:cNvPr id="12" name="TextBox 11">
+              <a:extLst>
+                <a:ext uri="{FF2B5EF4-FFF2-40B4-BE49-F238E27FC236}">
+                  <a16:creationId xmlns:a16="http://schemas.microsoft.com/office/drawing/2014/main" id="{8130975C-8BFC-36F3-9AE2-45960B7E95B2}"/>
+                </a:ext>
+              </a:extLst>
+            </p:cNvPr>
+            <p:cNvSpPr txBox="1"/>
+            <p:nvPr/>
+          </p:nvSpPr>
+          <p:spPr>
+            <a:xfrm>
+              <a:off x="4776632" y="2061293"/>
+              <a:ext cx="2627100" cy="369332"/>
+            </a:xfrm>
+            <a:prstGeom prst="rect">
+              <a:avLst/>
+            </a:prstGeom>
+            <a:noFill/>
+          </p:spPr>
+          <p:txBody>
+            <a:bodyPr wrap="square" rtlCol="0">
+              <a:spAutoFit/>
+            </a:bodyPr>
+            <a:lstStyle/>
+            <a:p>
+              <a:r>
+                <a:rPr lang="en-CA" dirty="0">
+                  <a:solidFill>
+                    <a:schemeClr val="bg1"/>
+                  </a:solidFill>
+                </a:rPr>
+                <a:t>Ontario Hydro Network</a:t>
+              </a:r>
+            </a:p>
+          </p:txBody>
+        </p:sp>
+        <p:sp>
+          <p:nvSpPr>
+            <p:cNvPr id="13" name="TextBox 12">
+              <a:extLst>
+                <a:ext uri="{FF2B5EF4-FFF2-40B4-BE49-F238E27FC236}">
+                  <a16:creationId xmlns:a16="http://schemas.microsoft.com/office/drawing/2014/main" id="{C58239A0-F12C-DC87-62A2-9D2A6DBBB724}"/>
+                </a:ext>
+              </a:extLst>
+            </p:cNvPr>
+            <p:cNvSpPr txBox="1"/>
+            <p:nvPr/>
+          </p:nvSpPr>
+          <p:spPr>
+            <a:xfrm>
+              <a:off x="4776632" y="2484358"/>
+              <a:ext cx="2627100" cy="369332"/>
+            </a:xfrm>
+            <a:prstGeom prst="rect">
+              <a:avLst/>
+            </a:prstGeom>
+            <a:noFill/>
+          </p:spPr>
+          <p:txBody>
+            <a:bodyPr wrap="square" rtlCol="0">
+              <a:spAutoFit/>
+            </a:bodyPr>
+            <a:lstStyle/>
+            <a:p>
+              <a:r>
+                <a:rPr lang="en-CA" dirty="0" err="1">
+                  <a:solidFill>
+                    <a:schemeClr val="bg1"/>
+                  </a:solidFill>
+                </a:rPr>
+                <a:t>HydroRIVERs</a:t>
+              </a:r>
+              <a:endParaRPr lang="en-CA" dirty="0">
+                <a:solidFill>
+                  <a:schemeClr val="bg1"/>
+                </a:solidFill>
+              </a:endParaRPr>
+            </a:p>
+          </p:txBody>
+        </p:sp>
+      </p:grpSp>
     </p:spTree>
     <p:extLst>
       <p:ext uri="{BB962C8B-B14F-4D97-AF65-F5344CB8AC3E}">
-        <p14:creationId xmlns:p14="http://schemas.microsoft.com/office/powerpoint/2010/main" val="869122"/>
+        <p14:creationId xmlns:p14="http://schemas.microsoft.com/office/powerpoint/2010/main" val="2138375617"/>
       </p:ext>
     </p:extLst>
   </p:cSld>
@@ -4524,7 +5229,7 @@
 </p:sld>
 </file>
 
-<file path=ppt/slides/slide11.xml><?xml version="1.0" encoding="utf-8"?>
+<file path=ppt/slides/slide12.xml><?xml version="1.0" encoding="utf-8"?>
 <p:sld xmlns:a="http://schemas.openxmlformats.org/drawingml/2006/main" xmlns:r="http://schemas.openxmlformats.org/officeDocument/2006/relationships" xmlns:p="http://schemas.openxmlformats.org/presentationml/2006/main">
   <p:cSld>
     <p:spTree>
@@ -4590,8 +5295,8 @@
         </p:nvSpPr>
         <p:spPr>
           <a:xfrm>
-            <a:off x="1901887" y="5790041"/>
-            <a:ext cx="8388221" cy="830997"/>
+            <a:off x="2649113" y="5780912"/>
+            <a:ext cx="6893770" cy="830997"/>
           </a:xfrm>
           <a:prstGeom prst="rect">
             <a:avLst/>
@@ -4621,6 +5326,449 @@
           </a:p>
         </p:txBody>
       </p:sp>
+      <p:grpSp>
+        <p:nvGrpSpPr>
+          <p:cNvPr id="4" name="Group 3">
+            <a:extLst>
+              <a:ext uri="{FF2B5EF4-FFF2-40B4-BE49-F238E27FC236}">
+                <a16:creationId xmlns:a16="http://schemas.microsoft.com/office/drawing/2014/main" id="{DFD92920-ADF3-1FF0-4B09-61423A0E094B}"/>
+              </a:ext>
+            </a:extLst>
+          </p:cNvPr>
+          <p:cNvGrpSpPr/>
+          <p:nvPr/>
+        </p:nvGrpSpPr>
+        <p:grpSpPr>
+          <a:xfrm>
+            <a:off x="111967" y="4870886"/>
+            <a:ext cx="3076704" cy="1861458"/>
+            <a:chOff x="4327028" y="1034143"/>
+            <a:chExt cx="3076704" cy="1861458"/>
+          </a:xfrm>
+        </p:grpSpPr>
+        <p:sp>
+          <p:nvSpPr>
+            <p:cNvPr id="5" name="Rectangle 4">
+              <a:extLst>
+                <a:ext uri="{FF2B5EF4-FFF2-40B4-BE49-F238E27FC236}">
+                  <a16:creationId xmlns:a16="http://schemas.microsoft.com/office/drawing/2014/main" id="{E361CD14-2CD5-CD54-CD56-2D3A285D2C17}"/>
+                </a:ext>
+              </a:extLst>
+            </p:cNvPr>
+            <p:cNvSpPr/>
+            <p:nvPr/>
+          </p:nvSpPr>
+          <p:spPr>
+            <a:xfrm>
+              <a:off x="4327028" y="1034143"/>
+              <a:ext cx="2892922" cy="1861458"/>
+            </a:xfrm>
+            <a:prstGeom prst="rect">
+              <a:avLst/>
+            </a:prstGeom>
+            <a:solidFill>
+              <a:schemeClr val="accent1">
+                <a:lumMod val="40000"/>
+                <a:lumOff val="60000"/>
+              </a:schemeClr>
+            </a:solidFill>
+            <a:ln>
+              <a:solidFill>
+                <a:schemeClr val="bg1"/>
+              </a:solidFill>
+            </a:ln>
+          </p:spPr>
+          <p:style>
+            <a:lnRef idx="2">
+              <a:schemeClr val="accent1">
+                <a:shade val="15000"/>
+              </a:schemeClr>
+            </a:lnRef>
+            <a:fillRef idx="1">
+              <a:schemeClr val="accent1"/>
+            </a:fillRef>
+            <a:effectRef idx="0">
+              <a:schemeClr val="accent1"/>
+            </a:effectRef>
+            <a:fontRef idx="minor">
+              <a:schemeClr val="lt1"/>
+            </a:fontRef>
+          </p:style>
+          <p:txBody>
+            <a:bodyPr rtlCol="0" anchor="ctr"/>
+            <a:lstStyle/>
+            <a:p>
+              <a:pPr algn="ctr"/>
+              <a:endParaRPr lang="en-CA"/>
+            </a:p>
+          </p:txBody>
+        </p:sp>
+        <p:sp>
+          <p:nvSpPr>
+            <p:cNvPr id="6" name="Oval 5">
+              <a:extLst>
+                <a:ext uri="{FF2B5EF4-FFF2-40B4-BE49-F238E27FC236}">
+                  <a16:creationId xmlns:a16="http://schemas.microsoft.com/office/drawing/2014/main" id="{E166312C-FB48-E0EB-BBE7-CAB6D870525A}"/>
+                </a:ext>
+              </a:extLst>
+            </p:cNvPr>
+            <p:cNvSpPr>
+              <a:spLocks noChangeAspect="1"/>
+            </p:cNvSpPr>
+            <p:nvPr/>
+          </p:nvSpPr>
+          <p:spPr>
+            <a:xfrm>
+              <a:off x="4430758" y="1132745"/>
+              <a:ext cx="350360" cy="350360"/>
+            </a:xfrm>
+            <a:prstGeom prst="ellipse">
+              <a:avLst/>
+            </a:prstGeom>
+            <a:solidFill>
+              <a:srgbClr val="0070C0"/>
+            </a:solidFill>
+            <a:ln>
+              <a:solidFill>
+                <a:schemeClr val="tx2">
+                  <a:lumMod val="10000"/>
+                </a:schemeClr>
+              </a:solidFill>
+            </a:ln>
+          </p:spPr>
+          <p:style>
+            <a:lnRef idx="2">
+              <a:schemeClr val="accent1">
+                <a:shade val="15000"/>
+              </a:schemeClr>
+            </a:lnRef>
+            <a:fillRef idx="1">
+              <a:schemeClr val="accent1"/>
+            </a:fillRef>
+            <a:effectRef idx="0">
+              <a:schemeClr val="accent1"/>
+            </a:effectRef>
+            <a:fontRef idx="minor">
+              <a:schemeClr val="lt1"/>
+            </a:fontRef>
+          </p:style>
+          <p:txBody>
+            <a:bodyPr rtlCol="0" anchor="ctr"/>
+            <a:lstStyle/>
+            <a:p>
+              <a:pPr algn="ctr"/>
+              <a:endParaRPr lang="en-CA" dirty="0"/>
+            </a:p>
+          </p:txBody>
+        </p:sp>
+        <p:sp>
+          <p:nvSpPr>
+            <p:cNvPr id="7" name="Oval 6">
+              <a:extLst>
+                <a:ext uri="{FF2B5EF4-FFF2-40B4-BE49-F238E27FC236}">
+                  <a16:creationId xmlns:a16="http://schemas.microsoft.com/office/drawing/2014/main" id="{B6EBAB84-1E05-E062-60A1-1C703AB8F1D4}"/>
+                </a:ext>
+              </a:extLst>
+            </p:cNvPr>
+            <p:cNvSpPr>
+              <a:spLocks noChangeAspect="1"/>
+            </p:cNvSpPr>
+            <p:nvPr/>
+          </p:nvSpPr>
+          <p:spPr>
+            <a:xfrm>
+              <a:off x="4430758" y="1625320"/>
+              <a:ext cx="350360" cy="350360"/>
+            </a:xfrm>
+            <a:prstGeom prst="ellipse">
+              <a:avLst/>
+            </a:prstGeom>
+            <a:solidFill>
+              <a:srgbClr val="FF0000"/>
+            </a:solidFill>
+            <a:ln>
+              <a:solidFill>
+                <a:schemeClr val="tx2">
+                  <a:lumMod val="10000"/>
+                </a:schemeClr>
+              </a:solidFill>
+            </a:ln>
+          </p:spPr>
+          <p:style>
+            <a:lnRef idx="2">
+              <a:schemeClr val="accent1">
+                <a:shade val="15000"/>
+              </a:schemeClr>
+            </a:lnRef>
+            <a:fillRef idx="1">
+              <a:schemeClr val="accent1"/>
+            </a:fillRef>
+            <a:effectRef idx="0">
+              <a:schemeClr val="accent1"/>
+            </a:effectRef>
+            <a:fontRef idx="minor">
+              <a:schemeClr val="lt1"/>
+            </a:fontRef>
+          </p:style>
+          <p:txBody>
+            <a:bodyPr rtlCol="0" anchor="ctr"/>
+            <a:lstStyle/>
+            <a:p>
+              <a:pPr algn="ctr"/>
+              <a:endParaRPr lang="en-CA" dirty="0"/>
+            </a:p>
+          </p:txBody>
+        </p:sp>
+        <p:cxnSp>
+          <p:nvCxnSpPr>
+            <p:cNvPr id="8" name="Straight Connector 7">
+              <a:extLst>
+                <a:ext uri="{FF2B5EF4-FFF2-40B4-BE49-F238E27FC236}">
+                  <a16:creationId xmlns:a16="http://schemas.microsoft.com/office/drawing/2014/main" id="{CC563308-B0E2-E244-4153-AB1D99CFDE8A}"/>
+                </a:ext>
+              </a:extLst>
+            </p:cNvPr>
+            <p:cNvCxnSpPr>
+              <a:cxnSpLocks/>
+            </p:cNvCxnSpPr>
+            <p:nvPr/>
+          </p:nvCxnSpPr>
+          <p:spPr>
+            <a:xfrm flipV="1">
+              <a:off x="4430758" y="2131267"/>
+              <a:ext cx="350360" cy="240578"/>
+            </a:xfrm>
+            <a:prstGeom prst="line">
+              <a:avLst/>
+            </a:prstGeom>
+            <a:ln w="76200">
+              <a:solidFill>
+                <a:srgbClr val="00B050"/>
+              </a:solidFill>
+            </a:ln>
+          </p:spPr>
+          <p:style>
+            <a:lnRef idx="1">
+              <a:schemeClr val="accent3"/>
+            </a:lnRef>
+            <a:fillRef idx="0">
+              <a:schemeClr val="accent3"/>
+            </a:fillRef>
+            <a:effectRef idx="0">
+              <a:schemeClr val="accent3"/>
+            </a:effectRef>
+            <a:fontRef idx="minor">
+              <a:schemeClr val="tx1"/>
+            </a:fontRef>
+          </p:style>
+        </p:cxnSp>
+        <p:cxnSp>
+          <p:nvCxnSpPr>
+            <p:cNvPr id="9" name="Straight Connector 8">
+              <a:extLst>
+                <a:ext uri="{FF2B5EF4-FFF2-40B4-BE49-F238E27FC236}">
+                  <a16:creationId xmlns:a16="http://schemas.microsoft.com/office/drawing/2014/main" id="{1F955EE3-C18E-2F50-5AF3-1976AFC3B841}"/>
+                </a:ext>
+              </a:extLst>
+            </p:cNvPr>
+            <p:cNvCxnSpPr>
+              <a:cxnSpLocks/>
+            </p:cNvCxnSpPr>
+            <p:nvPr/>
+          </p:nvCxnSpPr>
+          <p:spPr>
+            <a:xfrm flipV="1">
+              <a:off x="4430758" y="2548735"/>
+              <a:ext cx="350360" cy="240578"/>
+            </a:xfrm>
+            <a:prstGeom prst="line">
+              <a:avLst/>
+            </a:prstGeom>
+            <a:ln w="76200">
+              <a:solidFill>
+                <a:schemeClr val="accent1">
+                  <a:lumMod val="75000"/>
+                </a:schemeClr>
+              </a:solidFill>
+            </a:ln>
+          </p:spPr>
+          <p:style>
+            <a:lnRef idx="1">
+              <a:schemeClr val="accent3"/>
+            </a:lnRef>
+            <a:fillRef idx="0">
+              <a:schemeClr val="accent3"/>
+            </a:fillRef>
+            <a:effectRef idx="0">
+              <a:schemeClr val="accent3"/>
+            </a:effectRef>
+            <a:fontRef idx="minor">
+              <a:schemeClr val="tx1"/>
+            </a:fontRef>
+          </p:style>
+        </p:cxnSp>
+        <p:sp>
+          <p:nvSpPr>
+            <p:cNvPr id="10" name="TextBox 9">
+              <a:extLst>
+                <a:ext uri="{FF2B5EF4-FFF2-40B4-BE49-F238E27FC236}">
+                  <a16:creationId xmlns:a16="http://schemas.microsoft.com/office/drawing/2014/main" id="{3351AE24-0A59-0E77-3627-C540EC064FCF}"/>
+                </a:ext>
+              </a:extLst>
+            </p:cNvPr>
+            <p:cNvSpPr txBox="1"/>
+            <p:nvPr/>
+          </p:nvSpPr>
+          <p:spPr>
+            <a:xfrm>
+              <a:off x="4776633" y="1117428"/>
+              <a:ext cx="1632814" cy="369332"/>
+            </a:xfrm>
+            <a:prstGeom prst="rect">
+              <a:avLst/>
+            </a:prstGeom>
+            <a:noFill/>
+          </p:spPr>
+          <p:txBody>
+            <a:bodyPr wrap="square" rtlCol="0">
+              <a:spAutoFit/>
+            </a:bodyPr>
+            <a:lstStyle/>
+            <a:p>
+              <a:r>
+                <a:rPr lang="en-CA" dirty="0">
+                  <a:solidFill>
+                    <a:schemeClr val="bg1"/>
+                  </a:solidFill>
+                </a:rPr>
+                <a:t>Origin Station</a:t>
+              </a:r>
+            </a:p>
+          </p:txBody>
+        </p:sp>
+        <p:sp>
+          <p:nvSpPr>
+            <p:cNvPr id="11" name="TextBox 10">
+              <a:extLst>
+                <a:ext uri="{FF2B5EF4-FFF2-40B4-BE49-F238E27FC236}">
+                  <a16:creationId xmlns:a16="http://schemas.microsoft.com/office/drawing/2014/main" id="{1ADE899E-9AEC-8586-C3F7-F0FE1069190A}"/>
+                </a:ext>
+              </a:extLst>
+            </p:cNvPr>
+            <p:cNvSpPr txBox="1"/>
+            <p:nvPr/>
+          </p:nvSpPr>
+          <p:spPr>
+            <a:xfrm>
+              <a:off x="4776632" y="1598537"/>
+              <a:ext cx="1998861" cy="369332"/>
+            </a:xfrm>
+            <a:prstGeom prst="rect">
+              <a:avLst/>
+            </a:prstGeom>
+            <a:noFill/>
+          </p:spPr>
+          <p:txBody>
+            <a:bodyPr wrap="square" rtlCol="0">
+              <a:spAutoFit/>
+            </a:bodyPr>
+            <a:lstStyle/>
+            <a:p>
+              <a:r>
+                <a:rPr lang="en-CA" dirty="0">
+                  <a:solidFill>
+                    <a:schemeClr val="bg1"/>
+                  </a:solidFill>
+                </a:rPr>
+                <a:t>Candidate Stations</a:t>
+              </a:r>
+            </a:p>
+          </p:txBody>
+        </p:sp>
+        <p:sp>
+          <p:nvSpPr>
+            <p:cNvPr id="12" name="TextBox 11">
+              <a:extLst>
+                <a:ext uri="{FF2B5EF4-FFF2-40B4-BE49-F238E27FC236}">
+                  <a16:creationId xmlns:a16="http://schemas.microsoft.com/office/drawing/2014/main" id="{E2F1DC4F-7AE0-AC7D-2917-5E871EA651BF}"/>
+                </a:ext>
+              </a:extLst>
+            </p:cNvPr>
+            <p:cNvSpPr txBox="1"/>
+            <p:nvPr/>
+          </p:nvSpPr>
+          <p:spPr>
+            <a:xfrm>
+              <a:off x="4776632" y="2061293"/>
+              <a:ext cx="2627100" cy="369332"/>
+            </a:xfrm>
+            <a:prstGeom prst="rect">
+              <a:avLst/>
+            </a:prstGeom>
+            <a:noFill/>
+          </p:spPr>
+          <p:txBody>
+            <a:bodyPr wrap="square" rtlCol="0">
+              <a:spAutoFit/>
+            </a:bodyPr>
+            <a:lstStyle/>
+            <a:p>
+              <a:r>
+                <a:rPr lang="en-CA" dirty="0">
+                  <a:solidFill>
+                    <a:schemeClr val="bg1"/>
+                  </a:solidFill>
+                </a:rPr>
+                <a:t>Ontario Hydro Network</a:t>
+              </a:r>
+            </a:p>
+          </p:txBody>
+        </p:sp>
+        <p:sp>
+          <p:nvSpPr>
+            <p:cNvPr id="13" name="TextBox 12">
+              <a:extLst>
+                <a:ext uri="{FF2B5EF4-FFF2-40B4-BE49-F238E27FC236}">
+                  <a16:creationId xmlns:a16="http://schemas.microsoft.com/office/drawing/2014/main" id="{8FA3C723-595E-B4C2-A333-AB6934E1ABAC}"/>
+                </a:ext>
+              </a:extLst>
+            </p:cNvPr>
+            <p:cNvSpPr txBox="1"/>
+            <p:nvPr/>
+          </p:nvSpPr>
+          <p:spPr>
+            <a:xfrm>
+              <a:off x="4776632" y="2484358"/>
+              <a:ext cx="2627100" cy="369332"/>
+            </a:xfrm>
+            <a:prstGeom prst="rect">
+              <a:avLst/>
+            </a:prstGeom>
+            <a:noFill/>
+          </p:spPr>
+          <p:txBody>
+            <a:bodyPr wrap="square" rtlCol="0">
+              <a:spAutoFit/>
+            </a:bodyPr>
+            <a:lstStyle/>
+            <a:p>
+              <a:r>
+                <a:rPr lang="en-CA" dirty="0" err="1">
+                  <a:solidFill>
+                    <a:schemeClr val="bg1"/>
+                  </a:solidFill>
+                </a:rPr>
+                <a:t>HydroRIVERs</a:t>
+              </a:r>
+              <a:endParaRPr lang="en-CA" dirty="0">
+                <a:solidFill>
+                  <a:schemeClr val="bg1"/>
+                </a:solidFill>
+              </a:endParaRPr>
+            </a:p>
+          </p:txBody>
+        </p:sp>
+      </p:grpSp>
     </p:spTree>
     <p:extLst>
       <p:ext uri="{BB962C8B-B14F-4D97-AF65-F5344CB8AC3E}">
@@ -4634,7 +5782,560 @@
 </p:sld>
 </file>
 
-<file path=ppt/slides/slide12.xml><?xml version="1.0" encoding="utf-8"?>
+<file path=ppt/slides/slide13.xml><?xml version="1.0" encoding="utf-8"?>
+<p:sld xmlns:a="http://schemas.openxmlformats.org/drawingml/2006/main" xmlns:r="http://schemas.openxmlformats.org/officeDocument/2006/relationships" xmlns:p="http://schemas.openxmlformats.org/presentationml/2006/main">
+  <p:cSld>
+    <p:spTree>
+      <p:nvGrpSpPr>
+        <p:cNvPr id="1" name=""/>
+        <p:cNvGrpSpPr/>
+        <p:nvPr/>
+      </p:nvGrpSpPr>
+      <p:grpSpPr>
+        <a:xfrm>
+          <a:off x="0" y="0"/>
+          <a:ext cx="0" cy="0"/>
+          <a:chOff x="0" y="0"/>
+          <a:chExt cx="0" cy="0"/>
+        </a:xfrm>
+      </p:grpSpPr>
+      <p:pic>
+        <p:nvPicPr>
+          <p:cNvPr id="2" name="Picture 1">
+            <a:extLst>
+              <a:ext uri="{FF2B5EF4-FFF2-40B4-BE49-F238E27FC236}">
+                <a16:creationId xmlns:a16="http://schemas.microsoft.com/office/drawing/2014/main" id="{932A9B2F-3F3C-419C-147D-862A98558201}"/>
+              </a:ext>
+            </a:extLst>
+          </p:cNvPr>
+          <p:cNvPicPr>
+            <a:picLocks noChangeAspect="1"/>
+          </p:cNvPicPr>
+          <p:nvPr/>
+        </p:nvPicPr>
+        <p:blipFill>
+          <a:blip r:embed="rId3">
+            <a:extLst>
+              <a:ext uri="{28A0092B-C50C-407E-A947-70E740481C1C}">
+                <a14:useLocalDpi xmlns:a14="http://schemas.microsoft.com/office/drawing/2010/main" val="0"/>
+              </a:ext>
+            </a:extLst>
+          </a:blip>
+          <a:srcRect/>
+          <a:stretch/>
+        </p:blipFill>
+        <p:spPr>
+          <a:xfrm>
+            <a:off x="1874592" y="270013"/>
+            <a:ext cx="8442811" cy="5686171"/>
+          </a:xfrm>
+          <a:prstGeom prst="rect">
+            <a:avLst/>
+          </a:prstGeom>
+        </p:spPr>
+      </p:pic>
+      <p:sp>
+        <p:nvSpPr>
+          <p:cNvPr id="3" name="TextBox 2">
+            <a:extLst>
+              <a:ext uri="{FF2B5EF4-FFF2-40B4-BE49-F238E27FC236}">
+                <a16:creationId xmlns:a16="http://schemas.microsoft.com/office/drawing/2014/main" id="{F142C1DB-0B60-6224-83DB-52955428AB15}"/>
+              </a:ext>
+            </a:extLst>
+          </p:cNvPr>
+          <p:cNvSpPr txBox="1"/>
+          <p:nvPr/>
+        </p:nvSpPr>
+        <p:spPr>
+          <a:xfrm>
+            <a:off x="2904927" y="5962092"/>
+            <a:ext cx="6382140" cy="830997"/>
+          </a:xfrm>
+          <a:prstGeom prst="rect">
+            <a:avLst/>
+          </a:prstGeom>
+          <a:noFill/>
+        </p:spPr>
+        <p:txBody>
+          <a:bodyPr wrap="square" rtlCol="0">
+            <a:spAutoFit/>
+          </a:bodyPr>
+          <a:lstStyle/>
+          <a:p>
+            <a:pPr algn="ctr"/>
+            <a:r>
+              <a:rPr lang="en-US" sz="2400" dirty="0"/>
+              <a:t>River segments not captured in </a:t>
+            </a:r>
+            <a:r>
+              <a:rPr lang="en-US" sz="2400" dirty="0" err="1"/>
+              <a:t>HydroRIVERs</a:t>
+            </a:r>
+            <a:r>
+              <a:rPr lang="en-US" sz="2400" dirty="0"/>
+              <a:t> – distance and matching incorrect</a:t>
+            </a:r>
+            <a:endParaRPr lang="en-CA" sz="2400" dirty="0"/>
+          </a:p>
+        </p:txBody>
+      </p:sp>
+      <p:grpSp>
+        <p:nvGrpSpPr>
+          <p:cNvPr id="4" name="Group 3">
+            <a:extLst>
+              <a:ext uri="{FF2B5EF4-FFF2-40B4-BE49-F238E27FC236}">
+                <a16:creationId xmlns:a16="http://schemas.microsoft.com/office/drawing/2014/main" id="{E6F31971-A085-E6C1-CE35-F6127AE760D8}"/>
+              </a:ext>
+            </a:extLst>
+          </p:cNvPr>
+          <p:cNvGrpSpPr/>
+          <p:nvPr/>
+        </p:nvGrpSpPr>
+        <p:grpSpPr>
+          <a:xfrm>
+            <a:off x="108857" y="4887685"/>
+            <a:ext cx="3076704" cy="1861458"/>
+            <a:chOff x="4327028" y="1034143"/>
+            <a:chExt cx="3076704" cy="1861458"/>
+          </a:xfrm>
+        </p:grpSpPr>
+        <p:sp>
+          <p:nvSpPr>
+            <p:cNvPr id="5" name="Rectangle 4">
+              <a:extLst>
+                <a:ext uri="{FF2B5EF4-FFF2-40B4-BE49-F238E27FC236}">
+                  <a16:creationId xmlns:a16="http://schemas.microsoft.com/office/drawing/2014/main" id="{B2535AA9-EA8F-DFD4-3F90-6BF4BC654261}"/>
+                </a:ext>
+              </a:extLst>
+            </p:cNvPr>
+            <p:cNvSpPr/>
+            <p:nvPr/>
+          </p:nvSpPr>
+          <p:spPr>
+            <a:xfrm>
+              <a:off x="4327028" y="1034143"/>
+              <a:ext cx="2892922" cy="1861458"/>
+            </a:xfrm>
+            <a:prstGeom prst="rect">
+              <a:avLst/>
+            </a:prstGeom>
+            <a:solidFill>
+              <a:schemeClr val="accent1">
+                <a:lumMod val="40000"/>
+                <a:lumOff val="60000"/>
+              </a:schemeClr>
+            </a:solidFill>
+            <a:ln>
+              <a:solidFill>
+                <a:schemeClr val="bg1"/>
+              </a:solidFill>
+            </a:ln>
+          </p:spPr>
+          <p:style>
+            <a:lnRef idx="2">
+              <a:schemeClr val="accent1">
+                <a:shade val="15000"/>
+              </a:schemeClr>
+            </a:lnRef>
+            <a:fillRef idx="1">
+              <a:schemeClr val="accent1"/>
+            </a:fillRef>
+            <a:effectRef idx="0">
+              <a:schemeClr val="accent1"/>
+            </a:effectRef>
+            <a:fontRef idx="minor">
+              <a:schemeClr val="lt1"/>
+            </a:fontRef>
+          </p:style>
+          <p:txBody>
+            <a:bodyPr rtlCol="0" anchor="ctr"/>
+            <a:lstStyle/>
+            <a:p>
+              <a:pPr algn="ctr"/>
+              <a:endParaRPr lang="en-CA"/>
+            </a:p>
+          </p:txBody>
+        </p:sp>
+        <p:sp>
+          <p:nvSpPr>
+            <p:cNvPr id="6" name="Oval 5">
+              <a:extLst>
+                <a:ext uri="{FF2B5EF4-FFF2-40B4-BE49-F238E27FC236}">
+                  <a16:creationId xmlns:a16="http://schemas.microsoft.com/office/drawing/2014/main" id="{35673484-423E-AD9C-7572-FE7348F33972}"/>
+                </a:ext>
+              </a:extLst>
+            </p:cNvPr>
+            <p:cNvSpPr>
+              <a:spLocks noChangeAspect="1"/>
+            </p:cNvSpPr>
+            <p:nvPr/>
+          </p:nvSpPr>
+          <p:spPr>
+            <a:xfrm>
+              <a:off x="4430758" y="1132745"/>
+              <a:ext cx="350360" cy="350360"/>
+            </a:xfrm>
+            <a:prstGeom prst="ellipse">
+              <a:avLst/>
+            </a:prstGeom>
+            <a:solidFill>
+              <a:srgbClr val="0070C0"/>
+            </a:solidFill>
+            <a:ln>
+              <a:solidFill>
+                <a:schemeClr val="tx2">
+                  <a:lumMod val="10000"/>
+                </a:schemeClr>
+              </a:solidFill>
+            </a:ln>
+          </p:spPr>
+          <p:style>
+            <a:lnRef idx="2">
+              <a:schemeClr val="accent1">
+                <a:shade val="15000"/>
+              </a:schemeClr>
+            </a:lnRef>
+            <a:fillRef idx="1">
+              <a:schemeClr val="accent1"/>
+            </a:fillRef>
+            <a:effectRef idx="0">
+              <a:schemeClr val="accent1"/>
+            </a:effectRef>
+            <a:fontRef idx="minor">
+              <a:schemeClr val="lt1"/>
+            </a:fontRef>
+          </p:style>
+          <p:txBody>
+            <a:bodyPr rtlCol="0" anchor="ctr"/>
+            <a:lstStyle/>
+            <a:p>
+              <a:pPr algn="ctr"/>
+              <a:endParaRPr lang="en-CA" dirty="0"/>
+            </a:p>
+          </p:txBody>
+        </p:sp>
+        <p:sp>
+          <p:nvSpPr>
+            <p:cNvPr id="7" name="Oval 6">
+              <a:extLst>
+                <a:ext uri="{FF2B5EF4-FFF2-40B4-BE49-F238E27FC236}">
+                  <a16:creationId xmlns:a16="http://schemas.microsoft.com/office/drawing/2014/main" id="{E8F4A151-29DC-1DA6-7998-2BE62304CE31}"/>
+                </a:ext>
+              </a:extLst>
+            </p:cNvPr>
+            <p:cNvSpPr>
+              <a:spLocks noChangeAspect="1"/>
+            </p:cNvSpPr>
+            <p:nvPr/>
+          </p:nvSpPr>
+          <p:spPr>
+            <a:xfrm>
+              <a:off x="4430758" y="1625320"/>
+              <a:ext cx="350360" cy="350360"/>
+            </a:xfrm>
+            <a:prstGeom prst="ellipse">
+              <a:avLst/>
+            </a:prstGeom>
+            <a:solidFill>
+              <a:srgbClr val="FF0000"/>
+            </a:solidFill>
+            <a:ln>
+              <a:solidFill>
+                <a:schemeClr val="tx2">
+                  <a:lumMod val="10000"/>
+                </a:schemeClr>
+              </a:solidFill>
+            </a:ln>
+          </p:spPr>
+          <p:style>
+            <a:lnRef idx="2">
+              <a:schemeClr val="accent1">
+                <a:shade val="15000"/>
+              </a:schemeClr>
+            </a:lnRef>
+            <a:fillRef idx="1">
+              <a:schemeClr val="accent1"/>
+            </a:fillRef>
+            <a:effectRef idx="0">
+              <a:schemeClr val="accent1"/>
+            </a:effectRef>
+            <a:fontRef idx="minor">
+              <a:schemeClr val="lt1"/>
+            </a:fontRef>
+          </p:style>
+          <p:txBody>
+            <a:bodyPr rtlCol="0" anchor="ctr"/>
+            <a:lstStyle/>
+            <a:p>
+              <a:pPr algn="ctr"/>
+              <a:endParaRPr lang="en-CA" dirty="0"/>
+            </a:p>
+          </p:txBody>
+        </p:sp>
+        <p:cxnSp>
+          <p:nvCxnSpPr>
+            <p:cNvPr id="8" name="Straight Connector 7">
+              <a:extLst>
+                <a:ext uri="{FF2B5EF4-FFF2-40B4-BE49-F238E27FC236}">
+                  <a16:creationId xmlns:a16="http://schemas.microsoft.com/office/drawing/2014/main" id="{B9383A58-8E14-D665-A823-D4C2CEBE9370}"/>
+                </a:ext>
+              </a:extLst>
+            </p:cNvPr>
+            <p:cNvCxnSpPr>
+              <a:cxnSpLocks/>
+            </p:cNvCxnSpPr>
+            <p:nvPr/>
+          </p:nvCxnSpPr>
+          <p:spPr>
+            <a:xfrm flipV="1">
+              <a:off x="4430758" y="2131267"/>
+              <a:ext cx="350360" cy="240578"/>
+            </a:xfrm>
+            <a:prstGeom prst="line">
+              <a:avLst/>
+            </a:prstGeom>
+            <a:ln w="76200">
+              <a:solidFill>
+                <a:srgbClr val="00B050"/>
+              </a:solidFill>
+            </a:ln>
+          </p:spPr>
+          <p:style>
+            <a:lnRef idx="1">
+              <a:schemeClr val="accent3"/>
+            </a:lnRef>
+            <a:fillRef idx="0">
+              <a:schemeClr val="accent3"/>
+            </a:fillRef>
+            <a:effectRef idx="0">
+              <a:schemeClr val="accent3"/>
+            </a:effectRef>
+            <a:fontRef idx="minor">
+              <a:schemeClr val="tx1"/>
+            </a:fontRef>
+          </p:style>
+        </p:cxnSp>
+        <p:cxnSp>
+          <p:nvCxnSpPr>
+            <p:cNvPr id="9" name="Straight Connector 8">
+              <a:extLst>
+                <a:ext uri="{FF2B5EF4-FFF2-40B4-BE49-F238E27FC236}">
+                  <a16:creationId xmlns:a16="http://schemas.microsoft.com/office/drawing/2014/main" id="{C26FFD88-8091-A6DC-4797-D690978C50C6}"/>
+                </a:ext>
+              </a:extLst>
+            </p:cNvPr>
+            <p:cNvCxnSpPr>
+              <a:cxnSpLocks/>
+            </p:cNvCxnSpPr>
+            <p:nvPr/>
+          </p:nvCxnSpPr>
+          <p:spPr>
+            <a:xfrm flipV="1">
+              <a:off x="4430758" y="2548735"/>
+              <a:ext cx="350360" cy="240578"/>
+            </a:xfrm>
+            <a:prstGeom prst="line">
+              <a:avLst/>
+            </a:prstGeom>
+            <a:ln w="76200">
+              <a:solidFill>
+                <a:schemeClr val="accent1">
+                  <a:lumMod val="75000"/>
+                </a:schemeClr>
+              </a:solidFill>
+            </a:ln>
+          </p:spPr>
+          <p:style>
+            <a:lnRef idx="1">
+              <a:schemeClr val="accent3"/>
+            </a:lnRef>
+            <a:fillRef idx="0">
+              <a:schemeClr val="accent3"/>
+            </a:fillRef>
+            <a:effectRef idx="0">
+              <a:schemeClr val="accent3"/>
+            </a:effectRef>
+            <a:fontRef idx="minor">
+              <a:schemeClr val="tx1"/>
+            </a:fontRef>
+          </p:style>
+        </p:cxnSp>
+        <p:sp>
+          <p:nvSpPr>
+            <p:cNvPr id="10" name="TextBox 9">
+              <a:extLst>
+                <a:ext uri="{FF2B5EF4-FFF2-40B4-BE49-F238E27FC236}">
+                  <a16:creationId xmlns:a16="http://schemas.microsoft.com/office/drawing/2014/main" id="{7C8F520E-6845-F6BC-78A2-E8F2EACB10FA}"/>
+                </a:ext>
+              </a:extLst>
+            </p:cNvPr>
+            <p:cNvSpPr txBox="1"/>
+            <p:nvPr/>
+          </p:nvSpPr>
+          <p:spPr>
+            <a:xfrm>
+              <a:off x="4776633" y="1117428"/>
+              <a:ext cx="1632814" cy="369332"/>
+            </a:xfrm>
+            <a:prstGeom prst="rect">
+              <a:avLst/>
+            </a:prstGeom>
+            <a:noFill/>
+          </p:spPr>
+          <p:txBody>
+            <a:bodyPr wrap="square" rtlCol="0">
+              <a:spAutoFit/>
+            </a:bodyPr>
+            <a:lstStyle/>
+            <a:p>
+              <a:r>
+                <a:rPr lang="en-CA" dirty="0">
+                  <a:solidFill>
+                    <a:schemeClr val="bg1"/>
+                  </a:solidFill>
+                </a:rPr>
+                <a:t>Origin Station</a:t>
+              </a:r>
+            </a:p>
+          </p:txBody>
+        </p:sp>
+        <p:sp>
+          <p:nvSpPr>
+            <p:cNvPr id="11" name="TextBox 10">
+              <a:extLst>
+                <a:ext uri="{FF2B5EF4-FFF2-40B4-BE49-F238E27FC236}">
+                  <a16:creationId xmlns:a16="http://schemas.microsoft.com/office/drawing/2014/main" id="{387C79F5-6E48-6A9E-95BA-443B84D0A874}"/>
+                </a:ext>
+              </a:extLst>
+            </p:cNvPr>
+            <p:cNvSpPr txBox="1"/>
+            <p:nvPr/>
+          </p:nvSpPr>
+          <p:spPr>
+            <a:xfrm>
+              <a:off x="4776632" y="1598537"/>
+              <a:ext cx="1998861" cy="369332"/>
+            </a:xfrm>
+            <a:prstGeom prst="rect">
+              <a:avLst/>
+            </a:prstGeom>
+            <a:noFill/>
+          </p:spPr>
+          <p:txBody>
+            <a:bodyPr wrap="square" rtlCol="0">
+              <a:spAutoFit/>
+            </a:bodyPr>
+            <a:lstStyle/>
+            <a:p>
+              <a:r>
+                <a:rPr lang="en-CA" dirty="0">
+                  <a:solidFill>
+                    <a:schemeClr val="bg1"/>
+                  </a:solidFill>
+                </a:rPr>
+                <a:t>Candidate Stations</a:t>
+              </a:r>
+            </a:p>
+          </p:txBody>
+        </p:sp>
+        <p:sp>
+          <p:nvSpPr>
+            <p:cNvPr id="12" name="TextBox 11">
+              <a:extLst>
+                <a:ext uri="{FF2B5EF4-FFF2-40B4-BE49-F238E27FC236}">
+                  <a16:creationId xmlns:a16="http://schemas.microsoft.com/office/drawing/2014/main" id="{8198A29B-4235-8F7C-E2A9-46EBFB44F079}"/>
+                </a:ext>
+              </a:extLst>
+            </p:cNvPr>
+            <p:cNvSpPr txBox="1"/>
+            <p:nvPr/>
+          </p:nvSpPr>
+          <p:spPr>
+            <a:xfrm>
+              <a:off x="4776632" y="2061293"/>
+              <a:ext cx="2627100" cy="369332"/>
+            </a:xfrm>
+            <a:prstGeom prst="rect">
+              <a:avLst/>
+            </a:prstGeom>
+            <a:noFill/>
+          </p:spPr>
+          <p:txBody>
+            <a:bodyPr wrap="square" rtlCol="0">
+              <a:spAutoFit/>
+            </a:bodyPr>
+            <a:lstStyle/>
+            <a:p>
+              <a:r>
+                <a:rPr lang="en-CA" dirty="0">
+                  <a:solidFill>
+                    <a:schemeClr val="bg1"/>
+                  </a:solidFill>
+                </a:rPr>
+                <a:t>Ontario Hydro Network</a:t>
+              </a:r>
+            </a:p>
+          </p:txBody>
+        </p:sp>
+        <p:sp>
+          <p:nvSpPr>
+            <p:cNvPr id="13" name="TextBox 12">
+              <a:extLst>
+                <a:ext uri="{FF2B5EF4-FFF2-40B4-BE49-F238E27FC236}">
+                  <a16:creationId xmlns:a16="http://schemas.microsoft.com/office/drawing/2014/main" id="{59057955-1068-3A40-8969-254637D62816}"/>
+                </a:ext>
+              </a:extLst>
+            </p:cNvPr>
+            <p:cNvSpPr txBox="1"/>
+            <p:nvPr/>
+          </p:nvSpPr>
+          <p:spPr>
+            <a:xfrm>
+              <a:off x="4776632" y="2484358"/>
+              <a:ext cx="2627100" cy="369332"/>
+            </a:xfrm>
+            <a:prstGeom prst="rect">
+              <a:avLst/>
+            </a:prstGeom>
+            <a:noFill/>
+          </p:spPr>
+          <p:txBody>
+            <a:bodyPr wrap="square" rtlCol="0">
+              <a:spAutoFit/>
+            </a:bodyPr>
+            <a:lstStyle/>
+            <a:p>
+              <a:r>
+                <a:rPr lang="en-CA" dirty="0" err="1">
+                  <a:solidFill>
+                    <a:schemeClr val="bg1"/>
+                  </a:solidFill>
+                </a:rPr>
+                <a:t>HydroRIVERs</a:t>
+              </a:r>
+              <a:endParaRPr lang="en-CA" dirty="0">
+                <a:solidFill>
+                  <a:schemeClr val="bg1"/>
+                </a:solidFill>
+              </a:endParaRPr>
+            </a:p>
+          </p:txBody>
+        </p:sp>
+      </p:grpSp>
+    </p:spTree>
+    <p:extLst>
+      <p:ext uri="{BB962C8B-B14F-4D97-AF65-F5344CB8AC3E}">
+        <p14:creationId xmlns:p14="http://schemas.microsoft.com/office/powerpoint/2010/main" val="869122"/>
+      </p:ext>
+    </p:extLst>
+  </p:cSld>
+  <p:clrMapOvr>
+    <a:masterClrMapping/>
+  </p:clrMapOvr>
+</p:sld>
+</file>
+
+<file path=ppt/slides/slide14.xml><?xml version="1.0" encoding="utf-8"?>
 <p:sld xmlns:a="http://schemas.openxmlformats.org/drawingml/2006/main" xmlns:r="http://schemas.openxmlformats.org/officeDocument/2006/relationships" xmlns:p="http://schemas.openxmlformats.org/presentationml/2006/main">
   <p:cSld>
     <p:spTree>
@@ -4700,8 +6401,8 @@
         </p:nvSpPr>
         <p:spPr>
           <a:xfrm>
-            <a:off x="376471" y="5878162"/>
-            <a:ext cx="10860559" cy="830997"/>
+            <a:off x="2891072" y="5936442"/>
+            <a:ext cx="8430072" cy="830997"/>
           </a:xfrm>
           <a:prstGeom prst="rect">
             <a:avLst/>
@@ -4717,12 +6418,462 @@
             <a:pPr algn="ctr"/>
             <a:r>
               <a:rPr lang="en-US" sz="2400" dirty="0"/>
-              <a:t>Station distance from river network and complex river structures – distances incorrect and matching potentially not ideal </a:t>
+              <a:t>Station distance from river network and complex river structure </a:t>
+            </a:r>
+          </a:p>
+          <a:p>
+            <a:pPr algn="ctr"/>
+            <a:r>
+              <a:rPr lang="en-US" sz="2400" dirty="0"/>
+              <a:t>– distances incorrect and matching not ideal </a:t>
             </a:r>
             <a:endParaRPr lang="en-CA" sz="2400" dirty="0"/>
           </a:p>
         </p:txBody>
       </p:sp>
+      <p:grpSp>
+        <p:nvGrpSpPr>
+          <p:cNvPr id="2" name="Group 1">
+            <a:extLst>
+              <a:ext uri="{FF2B5EF4-FFF2-40B4-BE49-F238E27FC236}">
+                <a16:creationId xmlns:a16="http://schemas.microsoft.com/office/drawing/2014/main" id="{12258900-FBA6-E1A0-4558-83B37765D36F}"/>
+              </a:ext>
+            </a:extLst>
+          </p:cNvPr>
+          <p:cNvGrpSpPr/>
+          <p:nvPr/>
+        </p:nvGrpSpPr>
+        <p:grpSpPr>
+          <a:xfrm>
+            <a:off x="111967" y="4870886"/>
+            <a:ext cx="3076704" cy="1861458"/>
+            <a:chOff x="4327028" y="1034143"/>
+            <a:chExt cx="3076704" cy="1861458"/>
+          </a:xfrm>
+        </p:grpSpPr>
+        <p:sp>
+          <p:nvSpPr>
+            <p:cNvPr id="3" name="Rectangle 2">
+              <a:extLst>
+                <a:ext uri="{FF2B5EF4-FFF2-40B4-BE49-F238E27FC236}">
+                  <a16:creationId xmlns:a16="http://schemas.microsoft.com/office/drawing/2014/main" id="{BEA5390D-E9A5-5425-5675-AFE0C03FCF8E}"/>
+                </a:ext>
+              </a:extLst>
+            </p:cNvPr>
+            <p:cNvSpPr/>
+            <p:nvPr/>
+          </p:nvSpPr>
+          <p:spPr>
+            <a:xfrm>
+              <a:off x="4327028" y="1034143"/>
+              <a:ext cx="2892922" cy="1861458"/>
+            </a:xfrm>
+            <a:prstGeom prst="rect">
+              <a:avLst/>
+            </a:prstGeom>
+            <a:solidFill>
+              <a:schemeClr val="accent1">
+                <a:lumMod val="40000"/>
+                <a:lumOff val="60000"/>
+              </a:schemeClr>
+            </a:solidFill>
+            <a:ln>
+              <a:solidFill>
+                <a:schemeClr val="bg1"/>
+              </a:solidFill>
+            </a:ln>
+          </p:spPr>
+          <p:style>
+            <a:lnRef idx="2">
+              <a:schemeClr val="accent1">
+                <a:shade val="15000"/>
+              </a:schemeClr>
+            </a:lnRef>
+            <a:fillRef idx="1">
+              <a:schemeClr val="accent1"/>
+            </a:fillRef>
+            <a:effectRef idx="0">
+              <a:schemeClr val="accent1"/>
+            </a:effectRef>
+            <a:fontRef idx="minor">
+              <a:schemeClr val="lt1"/>
+            </a:fontRef>
+          </p:style>
+          <p:txBody>
+            <a:bodyPr rtlCol="0" anchor="ctr"/>
+            <a:lstStyle/>
+            <a:p>
+              <a:pPr algn="ctr"/>
+              <a:endParaRPr lang="en-CA"/>
+            </a:p>
+          </p:txBody>
+        </p:sp>
+        <p:sp>
+          <p:nvSpPr>
+            <p:cNvPr id="4" name="Oval 3">
+              <a:extLst>
+                <a:ext uri="{FF2B5EF4-FFF2-40B4-BE49-F238E27FC236}">
+                  <a16:creationId xmlns:a16="http://schemas.microsoft.com/office/drawing/2014/main" id="{8032F14D-4402-C702-E360-457BBA1354C9}"/>
+                </a:ext>
+              </a:extLst>
+            </p:cNvPr>
+            <p:cNvSpPr>
+              <a:spLocks noChangeAspect="1"/>
+            </p:cNvSpPr>
+            <p:nvPr/>
+          </p:nvSpPr>
+          <p:spPr>
+            <a:xfrm>
+              <a:off x="4430758" y="1132745"/>
+              <a:ext cx="350360" cy="350360"/>
+            </a:xfrm>
+            <a:prstGeom prst="ellipse">
+              <a:avLst/>
+            </a:prstGeom>
+            <a:solidFill>
+              <a:srgbClr val="0070C0"/>
+            </a:solidFill>
+            <a:ln>
+              <a:solidFill>
+                <a:schemeClr val="tx2">
+                  <a:lumMod val="10000"/>
+                </a:schemeClr>
+              </a:solidFill>
+            </a:ln>
+          </p:spPr>
+          <p:style>
+            <a:lnRef idx="2">
+              <a:schemeClr val="accent1">
+                <a:shade val="15000"/>
+              </a:schemeClr>
+            </a:lnRef>
+            <a:fillRef idx="1">
+              <a:schemeClr val="accent1"/>
+            </a:fillRef>
+            <a:effectRef idx="0">
+              <a:schemeClr val="accent1"/>
+            </a:effectRef>
+            <a:fontRef idx="minor">
+              <a:schemeClr val="lt1"/>
+            </a:fontRef>
+          </p:style>
+          <p:txBody>
+            <a:bodyPr rtlCol="0" anchor="ctr"/>
+            <a:lstStyle/>
+            <a:p>
+              <a:pPr algn="ctr"/>
+              <a:endParaRPr lang="en-CA" dirty="0"/>
+            </a:p>
+          </p:txBody>
+        </p:sp>
+        <p:sp>
+          <p:nvSpPr>
+            <p:cNvPr id="7" name="Oval 6">
+              <a:extLst>
+                <a:ext uri="{FF2B5EF4-FFF2-40B4-BE49-F238E27FC236}">
+                  <a16:creationId xmlns:a16="http://schemas.microsoft.com/office/drawing/2014/main" id="{13CF7944-4333-9D92-69D3-ACDB488A7301}"/>
+                </a:ext>
+              </a:extLst>
+            </p:cNvPr>
+            <p:cNvSpPr>
+              <a:spLocks noChangeAspect="1"/>
+            </p:cNvSpPr>
+            <p:nvPr/>
+          </p:nvSpPr>
+          <p:spPr>
+            <a:xfrm>
+              <a:off x="4430758" y="1625320"/>
+              <a:ext cx="350360" cy="350360"/>
+            </a:xfrm>
+            <a:prstGeom prst="ellipse">
+              <a:avLst/>
+            </a:prstGeom>
+            <a:solidFill>
+              <a:srgbClr val="FF0000"/>
+            </a:solidFill>
+            <a:ln>
+              <a:solidFill>
+                <a:schemeClr val="tx2">
+                  <a:lumMod val="10000"/>
+                </a:schemeClr>
+              </a:solidFill>
+            </a:ln>
+          </p:spPr>
+          <p:style>
+            <a:lnRef idx="2">
+              <a:schemeClr val="accent1">
+                <a:shade val="15000"/>
+              </a:schemeClr>
+            </a:lnRef>
+            <a:fillRef idx="1">
+              <a:schemeClr val="accent1"/>
+            </a:fillRef>
+            <a:effectRef idx="0">
+              <a:schemeClr val="accent1"/>
+            </a:effectRef>
+            <a:fontRef idx="minor">
+              <a:schemeClr val="lt1"/>
+            </a:fontRef>
+          </p:style>
+          <p:txBody>
+            <a:bodyPr rtlCol="0" anchor="ctr"/>
+            <a:lstStyle/>
+            <a:p>
+              <a:pPr algn="ctr"/>
+              <a:endParaRPr lang="en-CA" dirty="0"/>
+            </a:p>
+          </p:txBody>
+        </p:sp>
+        <p:cxnSp>
+          <p:nvCxnSpPr>
+            <p:cNvPr id="8" name="Straight Connector 7">
+              <a:extLst>
+                <a:ext uri="{FF2B5EF4-FFF2-40B4-BE49-F238E27FC236}">
+                  <a16:creationId xmlns:a16="http://schemas.microsoft.com/office/drawing/2014/main" id="{9F707F13-7C2D-61F3-61C6-1B3A0252F2D9}"/>
+                </a:ext>
+              </a:extLst>
+            </p:cNvPr>
+            <p:cNvCxnSpPr>
+              <a:cxnSpLocks/>
+            </p:cNvCxnSpPr>
+            <p:nvPr/>
+          </p:nvCxnSpPr>
+          <p:spPr>
+            <a:xfrm flipV="1">
+              <a:off x="4430758" y="2131267"/>
+              <a:ext cx="350360" cy="240578"/>
+            </a:xfrm>
+            <a:prstGeom prst="line">
+              <a:avLst/>
+            </a:prstGeom>
+            <a:ln w="76200">
+              <a:solidFill>
+                <a:srgbClr val="00B050"/>
+              </a:solidFill>
+            </a:ln>
+          </p:spPr>
+          <p:style>
+            <a:lnRef idx="1">
+              <a:schemeClr val="accent3"/>
+            </a:lnRef>
+            <a:fillRef idx="0">
+              <a:schemeClr val="accent3"/>
+            </a:fillRef>
+            <a:effectRef idx="0">
+              <a:schemeClr val="accent3"/>
+            </a:effectRef>
+            <a:fontRef idx="minor">
+              <a:schemeClr val="tx1"/>
+            </a:fontRef>
+          </p:style>
+        </p:cxnSp>
+        <p:cxnSp>
+          <p:nvCxnSpPr>
+            <p:cNvPr id="9" name="Straight Connector 8">
+              <a:extLst>
+                <a:ext uri="{FF2B5EF4-FFF2-40B4-BE49-F238E27FC236}">
+                  <a16:creationId xmlns:a16="http://schemas.microsoft.com/office/drawing/2014/main" id="{5F7BFA7A-E18D-98C9-322C-E17261CE5E95}"/>
+                </a:ext>
+              </a:extLst>
+            </p:cNvPr>
+            <p:cNvCxnSpPr>
+              <a:cxnSpLocks/>
+            </p:cNvCxnSpPr>
+            <p:nvPr/>
+          </p:nvCxnSpPr>
+          <p:spPr>
+            <a:xfrm flipV="1">
+              <a:off x="4430758" y="2548735"/>
+              <a:ext cx="350360" cy="240578"/>
+            </a:xfrm>
+            <a:prstGeom prst="line">
+              <a:avLst/>
+            </a:prstGeom>
+            <a:ln w="76200">
+              <a:solidFill>
+                <a:schemeClr val="accent1">
+                  <a:lumMod val="75000"/>
+                </a:schemeClr>
+              </a:solidFill>
+            </a:ln>
+          </p:spPr>
+          <p:style>
+            <a:lnRef idx="1">
+              <a:schemeClr val="accent3"/>
+            </a:lnRef>
+            <a:fillRef idx="0">
+              <a:schemeClr val="accent3"/>
+            </a:fillRef>
+            <a:effectRef idx="0">
+              <a:schemeClr val="accent3"/>
+            </a:effectRef>
+            <a:fontRef idx="minor">
+              <a:schemeClr val="tx1"/>
+            </a:fontRef>
+          </p:style>
+        </p:cxnSp>
+        <p:sp>
+          <p:nvSpPr>
+            <p:cNvPr id="10" name="TextBox 9">
+              <a:extLst>
+                <a:ext uri="{FF2B5EF4-FFF2-40B4-BE49-F238E27FC236}">
+                  <a16:creationId xmlns:a16="http://schemas.microsoft.com/office/drawing/2014/main" id="{DEF0E83D-CC0B-CACD-C64D-E1DCB95E1CC2}"/>
+                </a:ext>
+              </a:extLst>
+            </p:cNvPr>
+            <p:cNvSpPr txBox="1"/>
+            <p:nvPr/>
+          </p:nvSpPr>
+          <p:spPr>
+            <a:xfrm>
+              <a:off x="4776633" y="1117428"/>
+              <a:ext cx="1632814" cy="369332"/>
+            </a:xfrm>
+            <a:prstGeom prst="rect">
+              <a:avLst/>
+            </a:prstGeom>
+            <a:noFill/>
+          </p:spPr>
+          <p:txBody>
+            <a:bodyPr wrap="square" rtlCol="0">
+              <a:spAutoFit/>
+            </a:bodyPr>
+            <a:lstStyle/>
+            <a:p>
+              <a:r>
+                <a:rPr lang="en-CA" dirty="0">
+                  <a:solidFill>
+                    <a:schemeClr val="bg1"/>
+                  </a:solidFill>
+                </a:rPr>
+                <a:t>Origin Station</a:t>
+              </a:r>
+            </a:p>
+          </p:txBody>
+        </p:sp>
+        <p:sp>
+          <p:nvSpPr>
+            <p:cNvPr id="11" name="TextBox 10">
+              <a:extLst>
+                <a:ext uri="{FF2B5EF4-FFF2-40B4-BE49-F238E27FC236}">
+                  <a16:creationId xmlns:a16="http://schemas.microsoft.com/office/drawing/2014/main" id="{7CBB8B10-4B28-956E-F67C-9C344C8F41C5}"/>
+                </a:ext>
+              </a:extLst>
+            </p:cNvPr>
+            <p:cNvSpPr txBox="1"/>
+            <p:nvPr/>
+          </p:nvSpPr>
+          <p:spPr>
+            <a:xfrm>
+              <a:off x="4776632" y="1598537"/>
+              <a:ext cx="1998861" cy="369332"/>
+            </a:xfrm>
+            <a:prstGeom prst="rect">
+              <a:avLst/>
+            </a:prstGeom>
+            <a:noFill/>
+          </p:spPr>
+          <p:txBody>
+            <a:bodyPr wrap="square" rtlCol="0">
+              <a:spAutoFit/>
+            </a:bodyPr>
+            <a:lstStyle/>
+            <a:p>
+              <a:r>
+                <a:rPr lang="en-CA" dirty="0">
+                  <a:solidFill>
+                    <a:schemeClr val="bg1"/>
+                  </a:solidFill>
+                </a:rPr>
+                <a:t>Candidate Stations</a:t>
+              </a:r>
+            </a:p>
+          </p:txBody>
+        </p:sp>
+        <p:sp>
+          <p:nvSpPr>
+            <p:cNvPr id="12" name="TextBox 11">
+              <a:extLst>
+                <a:ext uri="{FF2B5EF4-FFF2-40B4-BE49-F238E27FC236}">
+                  <a16:creationId xmlns:a16="http://schemas.microsoft.com/office/drawing/2014/main" id="{2179E7E2-95F9-9AD4-68D1-97145B1D741E}"/>
+                </a:ext>
+              </a:extLst>
+            </p:cNvPr>
+            <p:cNvSpPr txBox="1"/>
+            <p:nvPr/>
+          </p:nvSpPr>
+          <p:spPr>
+            <a:xfrm>
+              <a:off x="4776632" y="2061293"/>
+              <a:ext cx="2627100" cy="369332"/>
+            </a:xfrm>
+            <a:prstGeom prst="rect">
+              <a:avLst/>
+            </a:prstGeom>
+            <a:noFill/>
+          </p:spPr>
+          <p:txBody>
+            <a:bodyPr wrap="square" rtlCol="0">
+              <a:spAutoFit/>
+            </a:bodyPr>
+            <a:lstStyle/>
+            <a:p>
+              <a:r>
+                <a:rPr lang="en-CA" dirty="0">
+                  <a:solidFill>
+                    <a:schemeClr val="bg1"/>
+                  </a:solidFill>
+                </a:rPr>
+                <a:t>Ontario Hydro Network</a:t>
+              </a:r>
+            </a:p>
+          </p:txBody>
+        </p:sp>
+        <p:sp>
+          <p:nvSpPr>
+            <p:cNvPr id="13" name="TextBox 12">
+              <a:extLst>
+                <a:ext uri="{FF2B5EF4-FFF2-40B4-BE49-F238E27FC236}">
+                  <a16:creationId xmlns:a16="http://schemas.microsoft.com/office/drawing/2014/main" id="{1530FDF0-43F2-8CA4-D1C6-478617C10404}"/>
+                </a:ext>
+              </a:extLst>
+            </p:cNvPr>
+            <p:cNvSpPr txBox="1"/>
+            <p:nvPr/>
+          </p:nvSpPr>
+          <p:spPr>
+            <a:xfrm>
+              <a:off x="4776632" y="2484358"/>
+              <a:ext cx="2627100" cy="369332"/>
+            </a:xfrm>
+            <a:prstGeom prst="rect">
+              <a:avLst/>
+            </a:prstGeom>
+            <a:noFill/>
+          </p:spPr>
+          <p:txBody>
+            <a:bodyPr wrap="square" rtlCol="0">
+              <a:spAutoFit/>
+            </a:bodyPr>
+            <a:lstStyle/>
+            <a:p>
+              <a:r>
+                <a:rPr lang="en-CA" dirty="0" err="1">
+                  <a:solidFill>
+                    <a:schemeClr val="bg1"/>
+                  </a:solidFill>
+                </a:rPr>
+                <a:t>HydroRIVERs</a:t>
+              </a:r>
+              <a:endParaRPr lang="en-CA" dirty="0">
+                <a:solidFill>
+                  <a:schemeClr val="bg1"/>
+                </a:solidFill>
+              </a:endParaRPr>
+            </a:p>
+          </p:txBody>
+        </p:sp>
+      </p:grpSp>
     </p:spTree>
     <p:extLst>
       <p:ext uri="{BB962C8B-B14F-4D97-AF65-F5344CB8AC3E}">
@@ -4736,7 +6887,7 @@
 </p:sld>
 </file>
 
-<file path=ppt/slides/slide13.xml><?xml version="1.0" encoding="utf-8"?>
+<file path=ppt/slides/slide15.xml><?xml version="1.0" encoding="utf-8"?>
 <p:sld xmlns:a="http://schemas.openxmlformats.org/drawingml/2006/main" xmlns:r="http://schemas.openxmlformats.org/officeDocument/2006/relationships" xmlns:p="http://schemas.openxmlformats.org/presentationml/2006/main">
   <p:cSld>
     <p:spTree>
@@ -5207,7 +7358,7 @@
         <p:spPr>
           <a:xfrm>
             <a:off x="1113575" y="2051820"/>
-            <a:ext cx="9578567" cy="3823879"/>
+            <a:ext cx="9578567" cy="4223474"/>
           </a:xfrm>
           <a:prstGeom prst="rect">
             <a:avLst/>
@@ -5348,7 +7499,9 @@
             <a:r>
               <a:rPr lang="en-CA" u="sng" dirty="0">
                 <a:solidFill>
-                  <a:schemeClr val="bg1"/>
+                  <a:schemeClr val="bg2">
+                    <a:lumMod val="50000"/>
+                  </a:schemeClr>
                 </a:solidFill>
               </a:rPr>
               <a:t>Field Value</a:t>
@@ -5359,7 +7512,9 @@
             <a:r>
               <a:rPr lang="en-CA" dirty="0">
                 <a:solidFill>
-                  <a:schemeClr val="bg1"/>
+                  <a:schemeClr val="bg2">
+                    <a:lumMod val="50000"/>
+                  </a:schemeClr>
                 </a:solidFill>
               </a:rPr>
               <a:t>LENGTH_M: 470 </a:t>
@@ -5381,8 +7536,8 @@
         </p:nvSpPr>
         <p:spPr>
           <a:xfrm>
-            <a:off x="5811787" y="2305166"/>
-            <a:ext cx="2030992" cy="1200329"/>
+            <a:off x="1438248" y="4873194"/>
+            <a:ext cx="2122140" cy="1200329"/>
           </a:xfrm>
           <a:prstGeom prst="rect">
             <a:avLst/>
@@ -5398,7 +7553,9 @@
             <a:r>
               <a:rPr lang="en-CA" u="sng" dirty="0">
                 <a:solidFill>
-                  <a:schemeClr val="bg1"/>
+                  <a:schemeClr val="accent6">
+                    <a:lumMod val="50000"/>
+                  </a:schemeClr>
                 </a:solidFill>
               </a:rPr>
               <a:t>Calculated</a:t>
@@ -5408,7 +7565,9 @@
             <a:r>
               <a:rPr lang="en-CA" dirty="0">
                 <a:solidFill>
-                  <a:schemeClr val="bg1"/>
+                  <a:schemeClr val="accent6">
+                    <a:lumMod val="50000"/>
+                  </a:schemeClr>
                 </a:solidFill>
               </a:rPr>
               <a:t>Length: 450 m</a:t>
@@ -5418,7 +7577,9 @@
             <a:r>
               <a:rPr lang="en-CA" dirty="0" err="1">
                 <a:solidFill>
-                  <a:schemeClr val="bg1"/>
+                  <a:schemeClr val="accent6">
+                    <a:lumMod val="50000"/>
+                  </a:schemeClr>
                 </a:solidFill>
               </a:rPr>
               <a:t>Dist_along</a:t>
@@ -5426,7 +7587,9 @@
             <a:r>
               <a:rPr lang="en-CA" dirty="0">
                 <a:solidFill>
-                  <a:schemeClr val="bg1"/>
+                  <a:schemeClr val="accent6">
+                    <a:lumMod val="50000"/>
+                  </a:schemeClr>
                 </a:solidFill>
               </a:rPr>
               <a:t>: 200 m</a:t>
@@ -5436,7 +7599,9 @@
             <a:r>
               <a:rPr lang="en-CA" dirty="0" err="1">
                 <a:solidFill>
-                  <a:schemeClr val="bg1"/>
+                  <a:schemeClr val="accent6">
+                    <a:lumMod val="50000"/>
+                  </a:schemeClr>
                 </a:solidFill>
               </a:rPr>
               <a:t>Dist_from</a:t>
@@ -5444,7 +7609,9 @@
             <a:r>
               <a:rPr lang="en-CA" dirty="0">
                 <a:solidFill>
-                  <a:schemeClr val="bg1"/>
+                  <a:schemeClr val="accent6">
+                    <a:lumMod val="50000"/>
+                  </a:schemeClr>
                 </a:solidFill>
               </a:rPr>
               <a:t>: 75 m </a:t>
@@ -5725,7 +7892,7 @@
         </p:nvCxnSpPr>
         <p:spPr>
           <a:xfrm>
-            <a:off x="1427430" y="4375993"/>
+            <a:off x="1427430" y="4326547"/>
             <a:ext cx="3723991" cy="0"/>
           </a:xfrm>
           <a:prstGeom prst="line">
@@ -5770,7 +7937,7 @@
         </p:nvCxnSpPr>
         <p:spPr>
           <a:xfrm>
-            <a:off x="1427430" y="4222914"/>
+            <a:off x="1427430" y="4173468"/>
             <a:ext cx="0" cy="306157"/>
           </a:xfrm>
           <a:prstGeom prst="line">
@@ -5815,7 +7982,7 @@
         </p:nvCxnSpPr>
         <p:spPr>
           <a:xfrm>
-            <a:off x="5155946" y="4222914"/>
+            <a:off x="5155946" y="4173468"/>
             <a:ext cx="0" cy="306157"/>
           </a:xfrm>
           <a:prstGeom prst="line">
@@ -6014,7 +8181,7 @@
         </p:nvSpPr>
         <p:spPr>
           <a:xfrm>
-            <a:off x="2698249" y="4069028"/>
+            <a:off x="2698249" y="4019582"/>
             <a:ext cx="1240005" cy="369332"/>
           </a:xfrm>
           <a:prstGeom prst="rect">
@@ -6102,7 +8269,7 @@
         </p:nvSpPr>
         <p:spPr>
           <a:xfrm>
-            <a:off x="6513369" y="4438360"/>
+            <a:off x="7580764" y="5069559"/>
             <a:ext cx="2980382" cy="923330"/>
           </a:xfrm>
           <a:prstGeom prst="rect">
@@ -6159,6 +8326,283 @@
                 </a:solidFill>
               </a:rPr>
               <a:t>: 75 m </a:t>
+            </a:r>
+          </a:p>
+        </p:txBody>
+      </p:sp>
+      <p:grpSp>
+        <p:nvGrpSpPr>
+          <p:cNvPr id="20" name="Group 19">
+            <a:extLst>
+              <a:ext uri="{FF2B5EF4-FFF2-40B4-BE49-F238E27FC236}">
+                <a16:creationId xmlns:a16="http://schemas.microsoft.com/office/drawing/2014/main" id="{A50B328C-A81A-E33D-F6B2-A88CB4D6F27A}"/>
+              </a:ext>
+            </a:extLst>
+          </p:cNvPr>
+          <p:cNvGrpSpPr/>
+          <p:nvPr/>
+        </p:nvGrpSpPr>
+        <p:grpSpPr>
+          <a:xfrm>
+            <a:off x="1427433" y="4576157"/>
+            <a:ext cx="8910303" cy="306157"/>
+            <a:chOff x="1427430" y="4388369"/>
+            <a:chExt cx="3728516" cy="306157"/>
+          </a:xfrm>
+        </p:grpSpPr>
+        <p:cxnSp>
+          <p:nvCxnSpPr>
+            <p:cNvPr id="3" name="Straight Connector 2">
+              <a:extLst>
+                <a:ext uri="{FF2B5EF4-FFF2-40B4-BE49-F238E27FC236}">
+                  <a16:creationId xmlns:a16="http://schemas.microsoft.com/office/drawing/2014/main" id="{52406B27-A953-D6C5-EAEF-30691171CED2}"/>
+                </a:ext>
+              </a:extLst>
+            </p:cNvPr>
+            <p:cNvCxnSpPr>
+              <a:cxnSpLocks/>
+            </p:cNvCxnSpPr>
+            <p:nvPr/>
+          </p:nvCxnSpPr>
+          <p:spPr>
+            <a:xfrm>
+              <a:off x="1427430" y="4541448"/>
+              <a:ext cx="3723991" cy="0"/>
+            </a:xfrm>
+            <a:prstGeom prst="line">
+              <a:avLst/>
+            </a:prstGeom>
+            <a:ln w="38100">
+              <a:solidFill>
+                <a:schemeClr val="accent6">
+                  <a:lumMod val="50000"/>
+                </a:schemeClr>
+              </a:solidFill>
+            </a:ln>
+          </p:spPr>
+          <p:style>
+            <a:lnRef idx="1">
+              <a:schemeClr val="accent1"/>
+            </a:lnRef>
+            <a:fillRef idx="0">
+              <a:schemeClr val="accent1"/>
+            </a:fillRef>
+            <a:effectRef idx="0">
+              <a:schemeClr val="accent1"/>
+            </a:effectRef>
+            <a:fontRef idx="minor">
+              <a:schemeClr val="tx1"/>
+            </a:fontRef>
+          </p:style>
+        </p:cxnSp>
+        <p:cxnSp>
+          <p:nvCxnSpPr>
+            <p:cNvPr id="4" name="Straight Connector 3">
+              <a:extLst>
+                <a:ext uri="{FF2B5EF4-FFF2-40B4-BE49-F238E27FC236}">
+                  <a16:creationId xmlns:a16="http://schemas.microsoft.com/office/drawing/2014/main" id="{9E393396-4076-239F-8A4F-6C1DC71C1742}"/>
+                </a:ext>
+              </a:extLst>
+            </p:cNvPr>
+            <p:cNvCxnSpPr>
+              <a:cxnSpLocks/>
+            </p:cNvCxnSpPr>
+            <p:nvPr/>
+          </p:nvCxnSpPr>
+          <p:spPr>
+            <a:xfrm>
+              <a:off x="1427430" y="4388369"/>
+              <a:ext cx="0" cy="306157"/>
+            </a:xfrm>
+            <a:prstGeom prst="line">
+              <a:avLst/>
+            </a:prstGeom>
+            <a:ln w="38100">
+              <a:solidFill>
+                <a:schemeClr val="accent6">
+                  <a:lumMod val="50000"/>
+                </a:schemeClr>
+              </a:solidFill>
+            </a:ln>
+          </p:spPr>
+          <p:style>
+            <a:lnRef idx="1">
+              <a:schemeClr val="accent1"/>
+            </a:lnRef>
+            <a:fillRef idx="0">
+              <a:schemeClr val="accent1"/>
+            </a:fillRef>
+            <a:effectRef idx="0">
+              <a:schemeClr val="accent1"/>
+            </a:effectRef>
+            <a:fontRef idx="minor">
+              <a:schemeClr val="tx1"/>
+            </a:fontRef>
+          </p:style>
+        </p:cxnSp>
+        <p:cxnSp>
+          <p:nvCxnSpPr>
+            <p:cNvPr id="10" name="Straight Connector 9">
+              <a:extLst>
+                <a:ext uri="{FF2B5EF4-FFF2-40B4-BE49-F238E27FC236}">
+                  <a16:creationId xmlns:a16="http://schemas.microsoft.com/office/drawing/2014/main" id="{25A8C17D-3660-1C1F-6592-9BD3D3E72A1D}"/>
+                </a:ext>
+              </a:extLst>
+            </p:cNvPr>
+            <p:cNvCxnSpPr>
+              <a:cxnSpLocks/>
+            </p:cNvCxnSpPr>
+            <p:nvPr/>
+          </p:nvCxnSpPr>
+          <p:spPr>
+            <a:xfrm>
+              <a:off x="5155946" y="4388369"/>
+              <a:ext cx="0" cy="306157"/>
+            </a:xfrm>
+            <a:prstGeom prst="line">
+              <a:avLst/>
+            </a:prstGeom>
+            <a:ln w="38100">
+              <a:solidFill>
+                <a:schemeClr val="accent6">
+                  <a:lumMod val="50000"/>
+                </a:schemeClr>
+              </a:solidFill>
+            </a:ln>
+          </p:spPr>
+          <p:style>
+            <a:lnRef idx="1">
+              <a:schemeClr val="accent1"/>
+            </a:lnRef>
+            <a:fillRef idx="0">
+              <a:schemeClr val="accent1"/>
+            </a:fillRef>
+            <a:effectRef idx="0">
+              <a:schemeClr val="accent1"/>
+            </a:effectRef>
+            <a:fontRef idx="minor">
+              <a:schemeClr val="tx1"/>
+            </a:fontRef>
+          </p:style>
+        </p:cxnSp>
+      </p:grpSp>
+      <p:sp>
+        <p:nvSpPr>
+          <p:cNvPr id="21" name="TextBox 20">
+            <a:extLst>
+              <a:ext uri="{FF2B5EF4-FFF2-40B4-BE49-F238E27FC236}">
+                <a16:creationId xmlns:a16="http://schemas.microsoft.com/office/drawing/2014/main" id="{B3A998BF-03C6-D9F0-EC25-70318A1001B2}"/>
+              </a:ext>
+            </a:extLst>
+          </p:cNvPr>
+          <p:cNvSpPr txBox="1"/>
+          <p:nvPr/>
+        </p:nvSpPr>
+        <p:spPr>
+          <a:xfrm>
+            <a:off x="2677907" y="4396596"/>
+            <a:ext cx="1240003" cy="369332"/>
+          </a:xfrm>
+          <a:prstGeom prst="rect">
+            <a:avLst/>
+          </a:prstGeom>
+          <a:noFill/>
+        </p:spPr>
+        <p:txBody>
+          <a:bodyPr wrap="square" rtlCol="0">
+            <a:spAutoFit/>
+          </a:bodyPr>
+          <a:lstStyle/>
+          <a:p>
+            <a:r>
+              <a:rPr lang="en-CA" dirty="0">
+                <a:solidFill>
+                  <a:schemeClr val="bg1"/>
+                </a:solidFill>
+              </a:rPr>
+              <a:t>length</a:t>
+            </a:r>
+          </a:p>
+        </p:txBody>
+      </p:sp>
+      <p:sp>
+        <p:nvSpPr>
+          <p:cNvPr id="22" name="TextBox 21">
+            <a:extLst>
+              <a:ext uri="{FF2B5EF4-FFF2-40B4-BE49-F238E27FC236}">
+                <a16:creationId xmlns:a16="http://schemas.microsoft.com/office/drawing/2014/main" id="{C3DFAB3A-0CC4-EEB2-F947-7A585B2D2D75}"/>
+              </a:ext>
+            </a:extLst>
+          </p:cNvPr>
+          <p:cNvSpPr txBox="1"/>
+          <p:nvPr/>
+        </p:nvSpPr>
+        <p:spPr>
+          <a:xfrm>
+            <a:off x="6548202" y="3955863"/>
+            <a:ext cx="2065124" cy="369332"/>
+          </a:xfrm>
+          <a:prstGeom prst="rect">
+            <a:avLst/>
+          </a:prstGeom>
+          <a:noFill/>
+        </p:spPr>
+        <p:txBody>
+          <a:bodyPr wrap="square" rtlCol="0">
+            <a:spAutoFit/>
+          </a:bodyPr>
+          <a:lstStyle/>
+          <a:p>
+            <a:r>
+              <a:rPr lang="en-CA" b="1" dirty="0">
+                <a:solidFill>
+                  <a:schemeClr val="bg2">
+                    <a:lumMod val="50000"/>
+                  </a:schemeClr>
+                </a:solidFill>
+              </a:rPr>
+              <a:t>River Segment</a:t>
+            </a:r>
+          </a:p>
+        </p:txBody>
+      </p:sp>
+      <p:sp>
+        <p:nvSpPr>
+          <p:cNvPr id="23" name="TextBox 22">
+            <a:extLst>
+              <a:ext uri="{FF2B5EF4-FFF2-40B4-BE49-F238E27FC236}">
+                <a16:creationId xmlns:a16="http://schemas.microsoft.com/office/drawing/2014/main" id="{E48A5585-E91E-97D7-CD63-55A674B62C77}"/>
+              </a:ext>
+            </a:extLst>
+          </p:cNvPr>
+          <p:cNvSpPr txBox="1"/>
+          <p:nvPr/>
+        </p:nvSpPr>
+        <p:spPr>
+          <a:xfrm>
+            <a:off x="5330723" y="2281442"/>
+            <a:ext cx="1736603" cy="369332"/>
+          </a:xfrm>
+          <a:prstGeom prst="rect">
+            <a:avLst/>
+          </a:prstGeom>
+          <a:noFill/>
+        </p:spPr>
+        <p:txBody>
+          <a:bodyPr wrap="square" rtlCol="0">
+            <a:spAutoFit/>
+          </a:bodyPr>
+          <a:lstStyle/>
+          <a:p>
+            <a:r>
+              <a:rPr lang="en-CA" dirty="0">
+                <a:solidFill>
+                  <a:schemeClr val="tx2">
+                    <a:lumMod val="25000"/>
+                  </a:schemeClr>
+                </a:solidFill>
+              </a:rPr>
+              <a:t>Station</a:t>
             </a:r>
           </a:p>
         </p:txBody>
@@ -6198,6 +8642,4134 @@
           <p:cNvPr id="2" name="Vertical Title 1">
             <a:extLst>
               <a:ext uri="{FF2B5EF4-FFF2-40B4-BE49-F238E27FC236}">
+                <a16:creationId xmlns:a16="http://schemas.microsoft.com/office/drawing/2014/main" id="{8BA70B03-986C-D5F5-B389-09BDF68C9273}"/>
+              </a:ext>
+            </a:extLst>
+          </p:cNvPr>
+          <p:cNvSpPr>
+            <a:spLocks noGrp="1"/>
+          </p:cNvSpPr>
+          <p:nvPr>
+            <p:ph type="title" orient="vert"/>
+          </p:nvPr>
+        </p:nvSpPr>
+        <p:spPr>
+          <a:xfrm>
+            <a:off x="9065375" y="192255"/>
+            <a:ext cx="2614022" cy="2750036"/>
+          </a:xfrm>
+        </p:spPr>
+        <p:txBody>
+          <a:bodyPr vert="horz" wrap="none">
+            <a:normAutofit/>
+          </a:bodyPr>
+          <a:lstStyle/>
+          <a:p>
+            <a:r>
+              <a:rPr lang="en-CA" sz="2400" dirty="0" err="1"/>
+              <a:t>Alg</a:t>
+            </a:r>
+            <a:r>
+              <a:rPr lang="en-CA" sz="2400" dirty="0"/>
+              <a:t> Inputs:</a:t>
+            </a:r>
+            <a:br>
+              <a:rPr lang="en-CA" sz="2400" dirty="0"/>
+            </a:br>
+            <a:r>
+              <a:rPr lang="en-CA" sz="2000" cap="none" dirty="0"/>
+              <a:t>- network</a:t>
+            </a:r>
+            <a:br>
+              <a:rPr lang="en-CA" sz="2000" cap="none" dirty="0"/>
+            </a:br>
+            <a:r>
+              <a:rPr lang="en-CA" sz="2000" cap="none" dirty="0"/>
+              <a:t>- prefix1</a:t>
+            </a:r>
+            <a:br>
+              <a:rPr lang="en-CA" sz="2000" cap="none" dirty="0"/>
+            </a:br>
+            <a:r>
+              <a:rPr lang="en-CA" sz="2000" cap="none" dirty="0"/>
+              <a:t>- prefix2</a:t>
+            </a:r>
+            <a:br>
+              <a:rPr lang="en-CA" sz="2000" cap="none" dirty="0"/>
+            </a:br>
+            <a:br>
+              <a:rPr lang="en-CA" sz="2400" dirty="0"/>
+            </a:br>
+            <a:r>
+              <a:rPr lang="en-CA" sz="2400" dirty="0" err="1"/>
+              <a:t>alg</a:t>
+            </a:r>
+            <a:r>
+              <a:rPr lang="en-CA" sz="2400" dirty="0"/>
+              <a:t> Parameters:</a:t>
+            </a:r>
+            <a:br>
+              <a:rPr lang="en-CA" sz="2400" dirty="0"/>
+            </a:br>
+            <a:r>
+              <a:rPr lang="en-CA" sz="2000" cap="none" dirty="0"/>
+              <a:t>- max depth</a:t>
+            </a:r>
+            <a:br>
+              <a:rPr lang="en-CA" sz="2000" cap="none" dirty="0"/>
+            </a:br>
+            <a:r>
+              <a:rPr lang="en-CA" sz="2000" cap="none" dirty="0"/>
+              <a:t>- max distance</a:t>
+            </a:r>
+            <a:br>
+              <a:rPr lang="en-CA" sz="2000" cap="none" dirty="0"/>
+            </a:br>
+            <a:r>
+              <a:rPr lang="en-CA" sz="2000" cap="none" dirty="0"/>
+              <a:t>- max matches</a:t>
+            </a:r>
+          </a:p>
+        </p:txBody>
+      </p:sp>
+      <p:sp>
+        <p:nvSpPr>
+          <p:cNvPr id="4" name="Rectangle 3">
+            <a:extLst>
+              <a:ext uri="{FF2B5EF4-FFF2-40B4-BE49-F238E27FC236}">
+                <a16:creationId xmlns:a16="http://schemas.microsoft.com/office/drawing/2014/main" id="{AF634CD3-67CB-94DA-9FC1-B953A4CEB6DC}"/>
+              </a:ext>
+            </a:extLst>
+          </p:cNvPr>
+          <p:cNvSpPr/>
+          <p:nvPr/>
+        </p:nvSpPr>
+        <p:spPr>
+          <a:xfrm>
+            <a:off x="111967" y="63440"/>
+            <a:ext cx="8714792" cy="6643395"/>
+          </a:xfrm>
+          <a:prstGeom prst="rect">
+            <a:avLst/>
+          </a:prstGeom>
+          <a:solidFill>
+            <a:schemeClr val="accent2">
+              <a:lumMod val="40000"/>
+              <a:lumOff val="60000"/>
+            </a:schemeClr>
+          </a:solidFill>
+        </p:spPr>
+        <p:style>
+          <a:lnRef idx="2">
+            <a:schemeClr val="accent1">
+              <a:shade val="15000"/>
+            </a:schemeClr>
+          </a:lnRef>
+          <a:fillRef idx="1">
+            <a:schemeClr val="accent1"/>
+          </a:fillRef>
+          <a:effectRef idx="0">
+            <a:schemeClr val="accent1"/>
+          </a:effectRef>
+          <a:fontRef idx="minor">
+            <a:schemeClr val="lt1"/>
+          </a:fontRef>
+        </p:style>
+        <p:txBody>
+          <a:bodyPr rtlCol="0" anchor="ctr"/>
+          <a:lstStyle/>
+          <a:p>
+            <a:pPr algn="ctr"/>
+            <a:endParaRPr lang="en-CA"/>
+          </a:p>
+        </p:txBody>
+      </p:sp>
+      <p:sp>
+        <p:nvSpPr>
+          <p:cNvPr id="58" name="Rectangle 57">
+            <a:extLst>
+              <a:ext uri="{FF2B5EF4-FFF2-40B4-BE49-F238E27FC236}">
+                <a16:creationId xmlns:a16="http://schemas.microsoft.com/office/drawing/2014/main" id="{08A08C15-98F7-6514-C9A2-EB1CEF0DC04E}"/>
+              </a:ext>
+            </a:extLst>
+          </p:cNvPr>
+          <p:cNvSpPr/>
+          <p:nvPr/>
+        </p:nvSpPr>
+        <p:spPr>
+          <a:xfrm rot="845766">
+            <a:off x="2554475" y="3486160"/>
+            <a:ext cx="2181018" cy="472891"/>
+          </a:xfrm>
+          <a:prstGeom prst="rect">
+            <a:avLst/>
+          </a:prstGeom>
+          <a:solidFill>
+            <a:srgbClr val="FFC000"/>
+          </a:solidFill>
+        </p:spPr>
+        <p:style>
+          <a:lnRef idx="2">
+            <a:schemeClr val="accent1">
+              <a:shade val="15000"/>
+            </a:schemeClr>
+          </a:lnRef>
+          <a:fillRef idx="1">
+            <a:schemeClr val="accent1"/>
+          </a:fillRef>
+          <a:effectRef idx="0">
+            <a:schemeClr val="accent1"/>
+          </a:effectRef>
+          <a:fontRef idx="minor">
+            <a:schemeClr val="lt1"/>
+          </a:fontRef>
+        </p:style>
+        <p:txBody>
+          <a:bodyPr rtlCol="0" anchor="ctr"/>
+          <a:lstStyle/>
+          <a:p>
+            <a:pPr algn="ctr"/>
+            <a:endParaRPr lang="en-CA"/>
+          </a:p>
+        </p:txBody>
+      </p:sp>
+      <p:sp>
+        <p:nvSpPr>
+          <p:cNvPr id="60" name="Rectangle 59">
+            <a:extLst>
+              <a:ext uri="{FF2B5EF4-FFF2-40B4-BE49-F238E27FC236}">
+                <a16:creationId xmlns:a16="http://schemas.microsoft.com/office/drawing/2014/main" id="{D2DBEF2F-C023-406C-A77A-066D9894FC69}"/>
+              </a:ext>
+            </a:extLst>
+          </p:cNvPr>
+          <p:cNvSpPr/>
+          <p:nvPr/>
+        </p:nvSpPr>
+        <p:spPr>
+          <a:xfrm rot="2946296">
+            <a:off x="113360" y="2098738"/>
+            <a:ext cx="2878250" cy="472891"/>
+          </a:xfrm>
+          <a:prstGeom prst="rect">
+            <a:avLst/>
+          </a:prstGeom>
+          <a:solidFill>
+            <a:srgbClr val="FFC000"/>
+          </a:solidFill>
+        </p:spPr>
+        <p:style>
+          <a:lnRef idx="2">
+            <a:schemeClr val="accent1">
+              <a:shade val="15000"/>
+            </a:schemeClr>
+          </a:lnRef>
+          <a:fillRef idx="1">
+            <a:schemeClr val="accent1"/>
+          </a:fillRef>
+          <a:effectRef idx="0">
+            <a:schemeClr val="accent1"/>
+          </a:effectRef>
+          <a:fontRef idx="minor">
+            <a:schemeClr val="lt1"/>
+          </a:fontRef>
+        </p:style>
+        <p:txBody>
+          <a:bodyPr rtlCol="0" anchor="ctr"/>
+          <a:lstStyle/>
+          <a:p>
+            <a:pPr algn="ctr"/>
+            <a:endParaRPr lang="en-CA"/>
+          </a:p>
+        </p:txBody>
+      </p:sp>
+      <p:cxnSp>
+        <p:nvCxnSpPr>
+          <p:cNvPr id="10" name="Straight Connector 9">
+            <a:extLst>
+              <a:ext uri="{FF2B5EF4-FFF2-40B4-BE49-F238E27FC236}">
+                <a16:creationId xmlns:a16="http://schemas.microsoft.com/office/drawing/2014/main" id="{12A25DCF-5E09-CF14-EF5B-BB20493E0902}"/>
+              </a:ext>
+            </a:extLst>
+          </p:cNvPr>
+          <p:cNvCxnSpPr>
+            <a:cxnSpLocks/>
+          </p:cNvCxnSpPr>
+          <p:nvPr/>
+        </p:nvCxnSpPr>
+        <p:spPr>
+          <a:xfrm>
+            <a:off x="628996" y="1254659"/>
+            <a:ext cx="1931437" cy="2192694"/>
+          </a:xfrm>
+          <a:prstGeom prst="line">
+            <a:avLst/>
+          </a:prstGeom>
+          <a:ln w="76200">
+            <a:solidFill>
+              <a:srgbClr val="7030A0"/>
+            </a:solidFill>
+            <a:headEnd type="oval" w="med" len="med"/>
+            <a:tailEnd type="triangle" w="med" len="med"/>
+          </a:ln>
+        </p:spPr>
+        <p:style>
+          <a:lnRef idx="1">
+            <a:schemeClr val="accent1"/>
+          </a:lnRef>
+          <a:fillRef idx="0">
+            <a:schemeClr val="accent1"/>
+          </a:fillRef>
+          <a:effectRef idx="0">
+            <a:schemeClr val="accent1"/>
+          </a:effectRef>
+          <a:fontRef idx="minor">
+            <a:schemeClr val="tx1"/>
+          </a:fontRef>
+        </p:style>
+      </p:cxnSp>
+      <p:sp>
+        <p:nvSpPr>
+          <p:cNvPr id="59" name="Rectangle 58">
+            <a:extLst>
+              <a:ext uri="{FF2B5EF4-FFF2-40B4-BE49-F238E27FC236}">
+                <a16:creationId xmlns:a16="http://schemas.microsoft.com/office/drawing/2014/main" id="{EF802C9A-34A3-860E-F219-BA6C3E7EF7C0}"/>
+              </a:ext>
+            </a:extLst>
+          </p:cNvPr>
+          <p:cNvSpPr/>
+          <p:nvPr/>
+        </p:nvSpPr>
+        <p:spPr>
+          <a:xfrm rot="19132891">
+            <a:off x="4603181" y="2986972"/>
+            <a:ext cx="2181018" cy="472891"/>
+          </a:xfrm>
+          <a:prstGeom prst="rect">
+            <a:avLst/>
+          </a:prstGeom>
+          <a:solidFill>
+            <a:srgbClr val="FFC000"/>
+          </a:solidFill>
+        </p:spPr>
+        <p:style>
+          <a:lnRef idx="2">
+            <a:schemeClr val="accent1">
+              <a:shade val="15000"/>
+            </a:schemeClr>
+          </a:lnRef>
+          <a:fillRef idx="1">
+            <a:schemeClr val="accent1"/>
+          </a:fillRef>
+          <a:effectRef idx="0">
+            <a:schemeClr val="accent1"/>
+          </a:effectRef>
+          <a:fontRef idx="minor">
+            <a:schemeClr val="lt1"/>
+          </a:fontRef>
+        </p:style>
+        <p:txBody>
+          <a:bodyPr rtlCol="0" anchor="ctr"/>
+          <a:lstStyle/>
+          <a:p>
+            <a:pPr algn="ctr"/>
+            <a:endParaRPr lang="en-CA"/>
+          </a:p>
+        </p:txBody>
+      </p:sp>
+      <p:sp>
+        <p:nvSpPr>
+          <p:cNvPr id="62" name="Rectangle 61">
+            <a:extLst>
+              <a:ext uri="{FF2B5EF4-FFF2-40B4-BE49-F238E27FC236}">
+                <a16:creationId xmlns:a16="http://schemas.microsoft.com/office/drawing/2014/main" id="{42213977-E1AD-F6C8-747C-2266D829AC5D}"/>
+              </a:ext>
+            </a:extLst>
+          </p:cNvPr>
+          <p:cNvSpPr/>
+          <p:nvPr/>
+        </p:nvSpPr>
+        <p:spPr>
+          <a:xfrm rot="21048183">
+            <a:off x="4604936" y="3565260"/>
+            <a:ext cx="2673667" cy="472891"/>
+          </a:xfrm>
+          <a:prstGeom prst="rect">
+            <a:avLst/>
+          </a:prstGeom>
+          <a:solidFill>
+            <a:srgbClr val="FFC000"/>
+          </a:solidFill>
+        </p:spPr>
+        <p:style>
+          <a:lnRef idx="2">
+            <a:schemeClr val="accent1">
+              <a:shade val="15000"/>
+            </a:schemeClr>
+          </a:lnRef>
+          <a:fillRef idx="1">
+            <a:schemeClr val="accent1"/>
+          </a:fillRef>
+          <a:effectRef idx="0">
+            <a:schemeClr val="accent1"/>
+          </a:effectRef>
+          <a:fontRef idx="minor">
+            <a:schemeClr val="lt1"/>
+          </a:fontRef>
+        </p:style>
+        <p:txBody>
+          <a:bodyPr rtlCol="0" anchor="ctr"/>
+          <a:lstStyle/>
+          <a:p>
+            <a:pPr algn="ctr"/>
+            <a:endParaRPr lang="en-CA"/>
+          </a:p>
+        </p:txBody>
+      </p:sp>
+      <p:sp>
+        <p:nvSpPr>
+          <p:cNvPr id="61" name="Rectangle 60">
+            <a:extLst>
+              <a:ext uri="{FF2B5EF4-FFF2-40B4-BE49-F238E27FC236}">
+                <a16:creationId xmlns:a16="http://schemas.microsoft.com/office/drawing/2014/main" id="{ABE74EED-43EE-14E7-8A66-70AB42FE7A60}"/>
+              </a:ext>
+            </a:extLst>
+          </p:cNvPr>
+          <p:cNvSpPr/>
+          <p:nvPr/>
+        </p:nvSpPr>
+        <p:spPr>
+          <a:xfrm rot="508373">
+            <a:off x="6523350" y="2343225"/>
+            <a:ext cx="1747711" cy="472891"/>
+          </a:xfrm>
+          <a:prstGeom prst="rect">
+            <a:avLst/>
+          </a:prstGeom>
+          <a:solidFill>
+            <a:srgbClr val="FFC000"/>
+          </a:solidFill>
+        </p:spPr>
+        <p:style>
+          <a:lnRef idx="2">
+            <a:schemeClr val="accent1">
+              <a:shade val="15000"/>
+            </a:schemeClr>
+          </a:lnRef>
+          <a:fillRef idx="1">
+            <a:schemeClr val="accent1"/>
+          </a:fillRef>
+          <a:effectRef idx="0">
+            <a:schemeClr val="accent1"/>
+          </a:effectRef>
+          <a:fontRef idx="minor">
+            <a:schemeClr val="lt1"/>
+          </a:fontRef>
+        </p:style>
+        <p:txBody>
+          <a:bodyPr rtlCol="0" anchor="ctr"/>
+          <a:lstStyle/>
+          <a:p>
+            <a:pPr algn="ctr"/>
+            <a:endParaRPr lang="en-CA"/>
+          </a:p>
+        </p:txBody>
+      </p:sp>
+      <p:cxnSp>
+        <p:nvCxnSpPr>
+          <p:cNvPr id="17" name="Straight Connector 16">
+            <a:extLst>
+              <a:ext uri="{FF2B5EF4-FFF2-40B4-BE49-F238E27FC236}">
+                <a16:creationId xmlns:a16="http://schemas.microsoft.com/office/drawing/2014/main" id="{99590EAD-325E-4A53-3519-8883BA6BE19D}"/>
+              </a:ext>
+            </a:extLst>
+          </p:cNvPr>
+          <p:cNvCxnSpPr>
+            <a:cxnSpLocks/>
+          </p:cNvCxnSpPr>
+          <p:nvPr/>
+        </p:nvCxnSpPr>
+        <p:spPr>
+          <a:xfrm>
+            <a:off x="2560433" y="3447353"/>
+            <a:ext cx="2220685" cy="550506"/>
+          </a:xfrm>
+          <a:prstGeom prst="line">
+            <a:avLst/>
+          </a:prstGeom>
+          <a:ln w="76200">
+            <a:solidFill>
+              <a:srgbClr val="7030A0"/>
+            </a:solidFill>
+            <a:headEnd type="oval" w="med" len="med"/>
+            <a:tailEnd type="triangle" w="med" len="med"/>
+          </a:ln>
+        </p:spPr>
+        <p:style>
+          <a:lnRef idx="1">
+            <a:schemeClr val="accent1"/>
+          </a:lnRef>
+          <a:fillRef idx="0">
+            <a:schemeClr val="accent1"/>
+          </a:fillRef>
+          <a:effectRef idx="0">
+            <a:schemeClr val="accent1"/>
+          </a:effectRef>
+          <a:fontRef idx="minor">
+            <a:schemeClr val="tx1"/>
+          </a:fontRef>
+        </p:style>
+      </p:cxnSp>
+      <p:cxnSp>
+        <p:nvCxnSpPr>
+          <p:cNvPr id="24" name="Straight Connector 23">
+            <a:extLst>
+              <a:ext uri="{FF2B5EF4-FFF2-40B4-BE49-F238E27FC236}">
+                <a16:creationId xmlns:a16="http://schemas.microsoft.com/office/drawing/2014/main" id="{ED496959-C7E0-891F-C086-277A0FD4F2B1}"/>
+              </a:ext>
+            </a:extLst>
+          </p:cNvPr>
+          <p:cNvCxnSpPr>
+            <a:cxnSpLocks/>
+          </p:cNvCxnSpPr>
+          <p:nvPr/>
+        </p:nvCxnSpPr>
+        <p:spPr>
+          <a:xfrm flipV="1">
+            <a:off x="4781118" y="2448978"/>
+            <a:ext cx="1766596" cy="1548881"/>
+          </a:xfrm>
+          <a:prstGeom prst="line">
+            <a:avLst/>
+          </a:prstGeom>
+          <a:ln w="76200">
+            <a:solidFill>
+              <a:srgbClr val="7030A0"/>
+            </a:solidFill>
+            <a:headEnd type="oval" w="med" len="med"/>
+            <a:tailEnd type="triangle" w="med" len="med"/>
+          </a:ln>
+        </p:spPr>
+        <p:style>
+          <a:lnRef idx="1">
+            <a:schemeClr val="accent1"/>
+          </a:lnRef>
+          <a:fillRef idx="0">
+            <a:schemeClr val="accent1"/>
+          </a:fillRef>
+          <a:effectRef idx="0">
+            <a:schemeClr val="accent1"/>
+          </a:effectRef>
+          <a:fontRef idx="minor">
+            <a:schemeClr val="tx1"/>
+          </a:fontRef>
+        </p:style>
+      </p:cxnSp>
+      <p:cxnSp>
+        <p:nvCxnSpPr>
+          <p:cNvPr id="29" name="Straight Connector 28">
+            <a:extLst>
+              <a:ext uri="{FF2B5EF4-FFF2-40B4-BE49-F238E27FC236}">
+                <a16:creationId xmlns:a16="http://schemas.microsoft.com/office/drawing/2014/main" id="{8D7D6860-B276-C6DE-37F5-F72C26658155}"/>
+              </a:ext>
+            </a:extLst>
+          </p:cNvPr>
+          <p:cNvCxnSpPr>
+            <a:cxnSpLocks/>
+          </p:cNvCxnSpPr>
+          <p:nvPr/>
+        </p:nvCxnSpPr>
+        <p:spPr>
+          <a:xfrm flipV="1">
+            <a:off x="4781118" y="3577828"/>
+            <a:ext cx="2457882" cy="420031"/>
+          </a:xfrm>
+          <a:prstGeom prst="line">
+            <a:avLst/>
+          </a:prstGeom>
+          <a:ln w="76200">
+            <a:solidFill>
+              <a:srgbClr val="7030A0"/>
+            </a:solidFill>
+            <a:headEnd type="oval" w="med" len="med"/>
+            <a:tailEnd type="triangle" w="med" len="med"/>
+          </a:ln>
+        </p:spPr>
+        <p:style>
+          <a:lnRef idx="1">
+            <a:schemeClr val="accent1"/>
+          </a:lnRef>
+          <a:fillRef idx="0">
+            <a:schemeClr val="accent1"/>
+          </a:fillRef>
+          <a:effectRef idx="0">
+            <a:schemeClr val="accent1"/>
+          </a:effectRef>
+          <a:fontRef idx="minor">
+            <a:schemeClr val="tx1"/>
+          </a:fontRef>
+        </p:style>
+      </p:cxnSp>
+      <p:cxnSp>
+        <p:nvCxnSpPr>
+          <p:cNvPr id="34" name="Straight Connector 33">
+            <a:extLst>
+              <a:ext uri="{FF2B5EF4-FFF2-40B4-BE49-F238E27FC236}">
+                <a16:creationId xmlns:a16="http://schemas.microsoft.com/office/drawing/2014/main" id="{5DA7EC4D-B303-9094-17B8-DEF748AA6ABE}"/>
+              </a:ext>
+            </a:extLst>
+          </p:cNvPr>
+          <p:cNvCxnSpPr>
+            <a:cxnSpLocks/>
+          </p:cNvCxnSpPr>
+          <p:nvPr/>
+        </p:nvCxnSpPr>
+        <p:spPr>
+          <a:xfrm>
+            <a:off x="6547714" y="2448978"/>
+            <a:ext cx="1768151" cy="251926"/>
+          </a:xfrm>
+          <a:prstGeom prst="line">
+            <a:avLst/>
+          </a:prstGeom>
+          <a:ln w="76200">
+            <a:solidFill>
+              <a:srgbClr val="7030A0"/>
+            </a:solidFill>
+            <a:headEnd type="oval" w="med" len="med"/>
+            <a:tailEnd type="triangle" w="med" len="med"/>
+          </a:ln>
+        </p:spPr>
+        <p:style>
+          <a:lnRef idx="1">
+            <a:schemeClr val="accent1"/>
+          </a:lnRef>
+          <a:fillRef idx="0">
+            <a:schemeClr val="accent1"/>
+          </a:fillRef>
+          <a:effectRef idx="0">
+            <a:schemeClr val="accent1"/>
+          </a:effectRef>
+          <a:fontRef idx="minor">
+            <a:schemeClr val="tx1"/>
+          </a:fontRef>
+        </p:style>
+      </p:cxnSp>
+      <p:sp>
+        <p:nvSpPr>
+          <p:cNvPr id="41" name="Oval 40">
+            <a:extLst>
+              <a:ext uri="{FF2B5EF4-FFF2-40B4-BE49-F238E27FC236}">
+                <a16:creationId xmlns:a16="http://schemas.microsoft.com/office/drawing/2014/main" id="{308DDDF1-EC7B-5222-F9DC-6BD0F8A2D0E2}"/>
+              </a:ext>
+            </a:extLst>
+          </p:cNvPr>
+          <p:cNvSpPr>
+            <a:spLocks noChangeAspect="1"/>
+          </p:cNvSpPr>
+          <p:nvPr/>
+        </p:nvSpPr>
+        <p:spPr>
+          <a:xfrm>
+            <a:off x="2826887" y="3385695"/>
+            <a:ext cx="350360" cy="350360"/>
+          </a:xfrm>
+          <a:prstGeom prst="ellipse">
+            <a:avLst/>
+          </a:prstGeom>
+          <a:solidFill>
+            <a:srgbClr val="FF0000"/>
+          </a:solidFill>
+          <a:ln>
+            <a:solidFill>
+              <a:schemeClr val="tx2">
+                <a:lumMod val="10000"/>
+              </a:schemeClr>
+            </a:solidFill>
+          </a:ln>
+        </p:spPr>
+        <p:style>
+          <a:lnRef idx="2">
+            <a:schemeClr val="accent1">
+              <a:shade val="15000"/>
+            </a:schemeClr>
+          </a:lnRef>
+          <a:fillRef idx="1">
+            <a:schemeClr val="accent1"/>
+          </a:fillRef>
+          <a:effectRef idx="0">
+            <a:schemeClr val="accent1"/>
+          </a:effectRef>
+          <a:fontRef idx="minor">
+            <a:schemeClr val="lt1"/>
+          </a:fontRef>
+        </p:style>
+        <p:txBody>
+          <a:bodyPr rtlCol="0" anchor="ctr"/>
+          <a:lstStyle/>
+          <a:p>
+            <a:pPr algn="ctr"/>
+            <a:r>
+              <a:rPr lang="en-CA" dirty="0"/>
+              <a:t>1</a:t>
+            </a:r>
+          </a:p>
+        </p:txBody>
+      </p:sp>
+      <p:sp>
+        <p:nvSpPr>
+          <p:cNvPr id="42" name="Oval 41">
+            <a:extLst>
+              <a:ext uri="{FF2B5EF4-FFF2-40B4-BE49-F238E27FC236}">
+                <a16:creationId xmlns:a16="http://schemas.microsoft.com/office/drawing/2014/main" id="{23266B2A-0E01-4125-ED7E-F68FA35076B6}"/>
+              </a:ext>
+            </a:extLst>
+          </p:cNvPr>
+          <p:cNvSpPr>
+            <a:spLocks noChangeAspect="1"/>
+          </p:cNvSpPr>
+          <p:nvPr/>
+        </p:nvSpPr>
+        <p:spPr>
+          <a:xfrm>
+            <a:off x="3721085" y="3609392"/>
+            <a:ext cx="350360" cy="350360"/>
+          </a:xfrm>
+          <a:prstGeom prst="ellipse">
+            <a:avLst/>
+          </a:prstGeom>
+          <a:solidFill>
+            <a:srgbClr val="0070C0"/>
+          </a:solidFill>
+          <a:ln>
+            <a:solidFill>
+              <a:schemeClr val="tx2">
+                <a:lumMod val="10000"/>
+              </a:schemeClr>
+            </a:solidFill>
+          </a:ln>
+        </p:spPr>
+        <p:style>
+          <a:lnRef idx="2">
+            <a:schemeClr val="accent1">
+              <a:shade val="15000"/>
+            </a:schemeClr>
+          </a:lnRef>
+          <a:fillRef idx="1">
+            <a:schemeClr val="accent1"/>
+          </a:fillRef>
+          <a:effectRef idx="0">
+            <a:schemeClr val="accent1"/>
+          </a:effectRef>
+          <a:fontRef idx="minor">
+            <a:schemeClr val="lt1"/>
+          </a:fontRef>
+        </p:style>
+        <p:txBody>
+          <a:bodyPr rtlCol="0" anchor="ctr"/>
+          <a:lstStyle/>
+          <a:p>
+            <a:pPr algn="ctr"/>
+            <a:r>
+              <a:rPr lang="en-CA" dirty="0"/>
+              <a:t>A</a:t>
+            </a:r>
+          </a:p>
+        </p:txBody>
+      </p:sp>
+      <p:grpSp>
+        <p:nvGrpSpPr>
+          <p:cNvPr id="57" name="Group 56">
+            <a:extLst>
+              <a:ext uri="{FF2B5EF4-FFF2-40B4-BE49-F238E27FC236}">
+                <a16:creationId xmlns:a16="http://schemas.microsoft.com/office/drawing/2014/main" id="{BAB670D7-F984-DED2-5FD3-9C7FB1D6FA21}"/>
+              </a:ext>
+            </a:extLst>
+          </p:cNvPr>
+          <p:cNvGrpSpPr/>
+          <p:nvPr/>
+        </p:nvGrpSpPr>
+        <p:grpSpPr>
+          <a:xfrm>
+            <a:off x="111967" y="4834732"/>
+            <a:ext cx="3076704" cy="1861458"/>
+            <a:chOff x="4327028" y="1034143"/>
+            <a:chExt cx="3076704" cy="1861458"/>
+          </a:xfrm>
+        </p:grpSpPr>
+        <p:sp>
+          <p:nvSpPr>
+            <p:cNvPr id="47" name="Rectangle 46">
+              <a:extLst>
+                <a:ext uri="{FF2B5EF4-FFF2-40B4-BE49-F238E27FC236}">
+                  <a16:creationId xmlns:a16="http://schemas.microsoft.com/office/drawing/2014/main" id="{AFF746E6-4DD1-0209-CA78-031980A18B1B}"/>
+                </a:ext>
+              </a:extLst>
+            </p:cNvPr>
+            <p:cNvSpPr/>
+            <p:nvPr/>
+          </p:nvSpPr>
+          <p:spPr>
+            <a:xfrm>
+              <a:off x="4327028" y="1034143"/>
+              <a:ext cx="2892922" cy="1861458"/>
+            </a:xfrm>
+            <a:prstGeom prst="rect">
+              <a:avLst/>
+            </a:prstGeom>
+            <a:solidFill>
+              <a:schemeClr val="accent1">
+                <a:lumMod val="40000"/>
+                <a:lumOff val="60000"/>
+              </a:schemeClr>
+            </a:solidFill>
+            <a:ln>
+              <a:solidFill>
+                <a:schemeClr val="bg1"/>
+              </a:solidFill>
+            </a:ln>
+          </p:spPr>
+          <p:style>
+            <a:lnRef idx="2">
+              <a:schemeClr val="accent1">
+                <a:shade val="15000"/>
+              </a:schemeClr>
+            </a:lnRef>
+            <a:fillRef idx="1">
+              <a:schemeClr val="accent1"/>
+            </a:fillRef>
+            <a:effectRef idx="0">
+              <a:schemeClr val="accent1"/>
+            </a:effectRef>
+            <a:fontRef idx="minor">
+              <a:schemeClr val="lt1"/>
+            </a:fontRef>
+          </p:style>
+          <p:txBody>
+            <a:bodyPr rtlCol="0" anchor="ctr"/>
+            <a:lstStyle/>
+            <a:p>
+              <a:pPr algn="ctr"/>
+              <a:endParaRPr lang="en-CA"/>
+            </a:p>
+          </p:txBody>
+        </p:sp>
+        <p:sp>
+          <p:nvSpPr>
+            <p:cNvPr id="46" name="Oval 45">
+              <a:extLst>
+                <a:ext uri="{FF2B5EF4-FFF2-40B4-BE49-F238E27FC236}">
+                  <a16:creationId xmlns:a16="http://schemas.microsoft.com/office/drawing/2014/main" id="{A2D42DCB-7D40-5CAE-A3B8-21521EEB59A6}"/>
+                </a:ext>
+              </a:extLst>
+            </p:cNvPr>
+            <p:cNvSpPr>
+              <a:spLocks noChangeAspect="1"/>
+            </p:cNvSpPr>
+            <p:nvPr/>
+          </p:nvSpPr>
+          <p:spPr>
+            <a:xfrm>
+              <a:off x="4430758" y="1132745"/>
+              <a:ext cx="350360" cy="350360"/>
+            </a:xfrm>
+            <a:prstGeom prst="ellipse">
+              <a:avLst/>
+            </a:prstGeom>
+            <a:solidFill>
+              <a:srgbClr val="0070C0"/>
+            </a:solidFill>
+            <a:ln>
+              <a:solidFill>
+                <a:schemeClr val="tx2">
+                  <a:lumMod val="10000"/>
+                </a:schemeClr>
+              </a:solidFill>
+            </a:ln>
+          </p:spPr>
+          <p:style>
+            <a:lnRef idx="2">
+              <a:schemeClr val="accent1">
+                <a:shade val="15000"/>
+              </a:schemeClr>
+            </a:lnRef>
+            <a:fillRef idx="1">
+              <a:schemeClr val="accent1"/>
+            </a:fillRef>
+            <a:effectRef idx="0">
+              <a:schemeClr val="accent1"/>
+            </a:effectRef>
+            <a:fontRef idx="minor">
+              <a:schemeClr val="lt1"/>
+            </a:fontRef>
+          </p:style>
+          <p:txBody>
+            <a:bodyPr rtlCol="0" anchor="ctr"/>
+            <a:lstStyle/>
+            <a:p>
+              <a:pPr algn="ctr"/>
+              <a:endParaRPr lang="en-CA" dirty="0"/>
+            </a:p>
+          </p:txBody>
+        </p:sp>
+        <p:sp>
+          <p:nvSpPr>
+            <p:cNvPr id="48" name="Oval 47">
+              <a:extLst>
+                <a:ext uri="{FF2B5EF4-FFF2-40B4-BE49-F238E27FC236}">
+                  <a16:creationId xmlns:a16="http://schemas.microsoft.com/office/drawing/2014/main" id="{33B4D036-B98B-86D6-3191-616D2DF0D743}"/>
+                </a:ext>
+              </a:extLst>
+            </p:cNvPr>
+            <p:cNvSpPr>
+              <a:spLocks noChangeAspect="1"/>
+            </p:cNvSpPr>
+            <p:nvPr/>
+          </p:nvSpPr>
+          <p:spPr>
+            <a:xfrm>
+              <a:off x="4430758" y="1625320"/>
+              <a:ext cx="350360" cy="350360"/>
+            </a:xfrm>
+            <a:prstGeom prst="ellipse">
+              <a:avLst/>
+            </a:prstGeom>
+            <a:solidFill>
+              <a:srgbClr val="FF0000"/>
+            </a:solidFill>
+            <a:ln>
+              <a:solidFill>
+                <a:schemeClr val="tx2">
+                  <a:lumMod val="10000"/>
+                </a:schemeClr>
+              </a:solidFill>
+            </a:ln>
+          </p:spPr>
+          <p:style>
+            <a:lnRef idx="2">
+              <a:schemeClr val="accent1">
+                <a:shade val="15000"/>
+              </a:schemeClr>
+            </a:lnRef>
+            <a:fillRef idx="1">
+              <a:schemeClr val="accent1"/>
+            </a:fillRef>
+            <a:effectRef idx="0">
+              <a:schemeClr val="accent1"/>
+            </a:effectRef>
+            <a:fontRef idx="minor">
+              <a:schemeClr val="lt1"/>
+            </a:fontRef>
+          </p:style>
+          <p:txBody>
+            <a:bodyPr rtlCol="0" anchor="ctr"/>
+            <a:lstStyle/>
+            <a:p>
+              <a:pPr algn="ctr"/>
+              <a:endParaRPr lang="en-CA" dirty="0"/>
+            </a:p>
+          </p:txBody>
+        </p:sp>
+        <p:cxnSp>
+          <p:nvCxnSpPr>
+            <p:cNvPr id="50" name="Straight Connector 49">
+              <a:extLst>
+                <a:ext uri="{FF2B5EF4-FFF2-40B4-BE49-F238E27FC236}">
+                  <a16:creationId xmlns:a16="http://schemas.microsoft.com/office/drawing/2014/main" id="{C7A6554E-BDE5-9BD5-EC93-CC3A462CB9A6}"/>
+                </a:ext>
+              </a:extLst>
+            </p:cNvPr>
+            <p:cNvCxnSpPr>
+              <a:cxnSpLocks/>
+            </p:cNvCxnSpPr>
+            <p:nvPr/>
+          </p:nvCxnSpPr>
+          <p:spPr>
+            <a:xfrm flipV="1">
+              <a:off x="4430758" y="2131267"/>
+              <a:ext cx="350360" cy="240578"/>
+            </a:xfrm>
+            <a:prstGeom prst="line">
+              <a:avLst/>
+            </a:prstGeom>
+            <a:ln w="76200">
+              <a:solidFill>
+                <a:srgbClr val="00B050"/>
+              </a:solidFill>
+            </a:ln>
+          </p:spPr>
+          <p:style>
+            <a:lnRef idx="1">
+              <a:schemeClr val="accent3"/>
+            </a:lnRef>
+            <a:fillRef idx="0">
+              <a:schemeClr val="accent3"/>
+            </a:fillRef>
+            <a:effectRef idx="0">
+              <a:schemeClr val="accent3"/>
+            </a:effectRef>
+            <a:fontRef idx="minor">
+              <a:schemeClr val="tx1"/>
+            </a:fontRef>
+          </p:style>
+        </p:cxnSp>
+        <p:cxnSp>
+          <p:nvCxnSpPr>
+            <p:cNvPr id="52" name="Straight Connector 51">
+              <a:extLst>
+                <a:ext uri="{FF2B5EF4-FFF2-40B4-BE49-F238E27FC236}">
+                  <a16:creationId xmlns:a16="http://schemas.microsoft.com/office/drawing/2014/main" id="{434B0F6E-1D17-E558-950A-A1BE97021E66}"/>
+                </a:ext>
+              </a:extLst>
+            </p:cNvPr>
+            <p:cNvCxnSpPr>
+              <a:cxnSpLocks/>
+            </p:cNvCxnSpPr>
+            <p:nvPr/>
+          </p:nvCxnSpPr>
+          <p:spPr>
+            <a:xfrm flipV="1">
+              <a:off x="4430758" y="2548735"/>
+              <a:ext cx="350360" cy="240578"/>
+            </a:xfrm>
+            <a:prstGeom prst="line">
+              <a:avLst/>
+            </a:prstGeom>
+            <a:ln w="76200">
+              <a:solidFill>
+                <a:schemeClr val="accent1">
+                  <a:lumMod val="75000"/>
+                </a:schemeClr>
+              </a:solidFill>
+            </a:ln>
+          </p:spPr>
+          <p:style>
+            <a:lnRef idx="1">
+              <a:schemeClr val="accent3"/>
+            </a:lnRef>
+            <a:fillRef idx="0">
+              <a:schemeClr val="accent3"/>
+            </a:fillRef>
+            <a:effectRef idx="0">
+              <a:schemeClr val="accent3"/>
+            </a:effectRef>
+            <a:fontRef idx="minor">
+              <a:schemeClr val="tx1"/>
+            </a:fontRef>
+          </p:style>
+        </p:cxnSp>
+        <p:sp>
+          <p:nvSpPr>
+            <p:cNvPr id="53" name="TextBox 52">
+              <a:extLst>
+                <a:ext uri="{FF2B5EF4-FFF2-40B4-BE49-F238E27FC236}">
+                  <a16:creationId xmlns:a16="http://schemas.microsoft.com/office/drawing/2014/main" id="{5585BC00-9FE6-4B24-2CA2-07F0CCB03173}"/>
+                </a:ext>
+              </a:extLst>
+            </p:cNvPr>
+            <p:cNvSpPr txBox="1"/>
+            <p:nvPr/>
+          </p:nvSpPr>
+          <p:spPr>
+            <a:xfrm>
+              <a:off x="4776633" y="1117428"/>
+              <a:ext cx="1632814" cy="369332"/>
+            </a:xfrm>
+            <a:prstGeom prst="rect">
+              <a:avLst/>
+            </a:prstGeom>
+            <a:noFill/>
+          </p:spPr>
+          <p:txBody>
+            <a:bodyPr wrap="square" rtlCol="0">
+              <a:spAutoFit/>
+            </a:bodyPr>
+            <a:lstStyle/>
+            <a:p>
+              <a:r>
+                <a:rPr lang="en-CA" dirty="0">
+                  <a:solidFill>
+                    <a:schemeClr val="bg1"/>
+                  </a:solidFill>
+                </a:rPr>
+                <a:t>HYDAT Station</a:t>
+              </a:r>
+            </a:p>
+          </p:txBody>
+        </p:sp>
+        <p:sp>
+          <p:nvSpPr>
+            <p:cNvPr id="54" name="TextBox 53">
+              <a:extLst>
+                <a:ext uri="{FF2B5EF4-FFF2-40B4-BE49-F238E27FC236}">
+                  <a16:creationId xmlns:a16="http://schemas.microsoft.com/office/drawing/2014/main" id="{15C32B89-8358-95A9-D4C6-A41BA8D25043}"/>
+                </a:ext>
+              </a:extLst>
+            </p:cNvPr>
+            <p:cNvSpPr txBox="1"/>
+            <p:nvPr/>
+          </p:nvSpPr>
+          <p:spPr>
+            <a:xfrm>
+              <a:off x="4776632" y="1598537"/>
+              <a:ext cx="1998861" cy="369332"/>
+            </a:xfrm>
+            <a:prstGeom prst="rect">
+              <a:avLst/>
+            </a:prstGeom>
+            <a:noFill/>
+          </p:spPr>
+          <p:txBody>
+            <a:bodyPr wrap="square" rtlCol="0">
+              <a:spAutoFit/>
+            </a:bodyPr>
+            <a:lstStyle/>
+            <a:p>
+              <a:r>
+                <a:rPr lang="en-CA" dirty="0">
+                  <a:solidFill>
+                    <a:schemeClr val="bg1"/>
+                  </a:solidFill>
+                </a:rPr>
+                <a:t>PWQMN Stations</a:t>
+              </a:r>
+            </a:p>
+          </p:txBody>
+        </p:sp>
+        <p:sp>
+          <p:nvSpPr>
+            <p:cNvPr id="55" name="TextBox 54">
+              <a:extLst>
+                <a:ext uri="{FF2B5EF4-FFF2-40B4-BE49-F238E27FC236}">
+                  <a16:creationId xmlns:a16="http://schemas.microsoft.com/office/drawing/2014/main" id="{E028C687-E058-CBC4-2F9C-E8801F10F490}"/>
+                </a:ext>
+              </a:extLst>
+            </p:cNvPr>
+            <p:cNvSpPr txBox="1"/>
+            <p:nvPr/>
+          </p:nvSpPr>
+          <p:spPr>
+            <a:xfrm>
+              <a:off x="4776632" y="2061293"/>
+              <a:ext cx="2627100" cy="369332"/>
+            </a:xfrm>
+            <a:prstGeom prst="rect">
+              <a:avLst/>
+            </a:prstGeom>
+            <a:noFill/>
+          </p:spPr>
+          <p:txBody>
+            <a:bodyPr wrap="square" rtlCol="0">
+              <a:spAutoFit/>
+            </a:bodyPr>
+            <a:lstStyle/>
+            <a:p>
+              <a:r>
+                <a:rPr lang="en-CA" dirty="0">
+                  <a:solidFill>
+                    <a:schemeClr val="bg1"/>
+                  </a:solidFill>
+                </a:rPr>
+                <a:t>Ontario Hydro Network</a:t>
+              </a:r>
+            </a:p>
+          </p:txBody>
+        </p:sp>
+        <p:sp>
+          <p:nvSpPr>
+            <p:cNvPr id="56" name="TextBox 55">
+              <a:extLst>
+                <a:ext uri="{FF2B5EF4-FFF2-40B4-BE49-F238E27FC236}">
+                  <a16:creationId xmlns:a16="http://schemas.microsoft.com/office/drawing/2014/main" id="{E36C5F0C-E953-B3D0-DDAF-F688D3C5E088}"/>
+                </a:ext>
+              </a:extLst>
+            </p:cNvPr>
+            <p:cNvSpPr txBox="1"/>
+            <p:nvPr/>
+          </p:nvSpPr>
+          <p:spPr>
+            <a:xfrm>
+              <a:off x="4776632" y="2484358"/>
+              <a:ext cx="2627100" cy="369332"/>
+            </a:xfrm>
+            <a:prstGeom prst="rect">
+              <a:avLst/>
+            </a:prstGeom>
+            <a:noFill/>
+          </p:spPr>
+          <p:txBody>
+            <a:bodyPr wrap="square" rtlCol="0">
+              <a:spAutoFit/>
+            </a:bodyPr>
+            <a:lstStyle/>
+            <a:p>
+              <a:r>
+                <a:rPr lang="en-CA" dirty="0" err="1">
+                  <a:solidFill>
+                    <a:schemeClr val="bg1"/>
+                  </a:solidFill>
+                </a:rPr>
+                <a:t>HydroRIVERs</a:t>
+              </a:r>
+              <a:endParaRPr lang="en-CA" dirty="0">
+                <a:solidFill>
+                  <a:schemeClr val="bg1"/>
+                </a:solidFill>
+              </a:endParaRPr>
+            </a:p>
+          </p:txBody>
+        </p:sp>
+      </p:grpSp>
+      <p:cxnSp>
+        <p:nvCxnSpPr>
+          <p:cNvPr id="64" name="Straight Connector 63">
+            <a:extLst>
+              <a:ext uri="{FF2B5EF4-FFF2-40B4-BE49-F238E27FC236}">
+                <a16:creationId xmlns:a16="http://schemas.microsoft.com/office/drawing/2014/main" id="{A4B1D75D-FCA6-AC2F-3A57-81A90C4B574E}"/>
+              </a:ext>
+            </a:extLst>
+          </p:cNvPr>
+          <p:cNvCxnSpPr>
+            <a:stCxn id="39" idx="3"/>
+            <a:endCxn id="39" idx="3"/>
+          </p:cNvCxnSpPr>
+          <p:nvPr/>
+        </p:nvCxnSpPr>
+        <p:spPr>
+          <a:xfrm>
+            <a:off x="1470843" y="1956804"/>
+            <a:ext cx="0" cy="0"/>
+          </a:xfrm>
+          <a:prstGeom prst="line">
+            <a:avLst/>
+          </a:prstGeom>
+        </p:spPr>
+        <p:style>
+          <a:lnRef idx="1">
+            <a:schemeClr val="accent1"/>
+          </a:lnRef>
+          <a:fillRef idx="0">
+            <a:schemeClr val="accent1"/>
+          </a:fillRef>
+          <a:effectRef idx="0">
+            <a:schemeClr val="accent1"/>
+          </a:effectRef>
+          <a:fontRef idx="minor">
+            <a:schemeClr val="tx1"/>
+          </a:fontRef>
+        </p:style>
+      </p:cxnSp>
+      <p:cxnSp>
+        <p:nvCxnSpPr>
+          <p:cNvPr id="66" name="Straight Connector 65">
+            <a:extLst>
+              <a:ext uri="{FF2B5EF4-FFF2-40B4-BE49-F238E27FC236}">
+                <a16:creationId xmlns:a16="http://schemas.microsoft.com/office/drawing/2014/main" id="{D7E44E1C-DAA5-8D1A-986D-DF19CE79CAAC}"/>
+              </a:ext>
+            </a:extLst>
+          </p:cNvPr>
+          <p:cNvCxnSpPr>
+            <a:cxnSpLocks/>
+            <a:stCxn id="39" idx="3"/>
+          </p:cNvCxnSpPr>
+          <p:nvPr/>
+        </p:nvCxnSpPr>
+        <p:spPr>
+          <a:xfrm flipH="1">
+            <a:off x="1377979" y="1956804"/>
+            <a:ext cx="92864" cy="81546"/>
+          </a:xfrm>
+          <a:prstGeom prst="line">
+            <a:avLst/>
+          </a:prstGeom>
+          <a:ln w="76200">
+            <a:solidFill>
+              <a:srgbClr val="FF0000"/>
+            </a:solidFill>
+          </a:ln>
+        </p:spPr>
+        <p:style>
+          <a:lnRef idx="1">
+            <a:schemeClr val="accent1"/>
+          </a:lnRef>
+          <a:fillRef idx="0">
+            <a:schemeClr val="accent1"/>
+          </a:fillRef>
+          <a:effectRef idx="0">
+            <a:schemeClr val="accent1"/>
+          </a:effectRef>
+          <a:fontRef idx="minor">
+            <a:schemeClr val="tx1"/>
+          </a:fontRef>
+        </p:style>
+      </p:cxnSp>
+      <p:cxnSp>
+        <p:nvCxnSpPr>
+          <p:cNvPr id="70" name="Straight Connector 69">
+            <a:extLst>
+              <a:ext uri="{FF2B5EF4-FFF2-40B4-BE49-F238E27FC236}">
+                <a16:creationId xmlns:a16="http://schemas.microsoft.com/office/drawing/2014/main" id="{F3997A3C-1409-0583-DC19-828680D9AB65}"/>
+              </a:ext>
+            </a:extLst>
+          </p:cNvPr>
+          <p:cNvCxnSpPr>
+            <a:cxnSpLocks/>
+          </p:cNvCxnSpPr>
+          <p:nvPr/>
+        </p:nvCxnSpPr>
+        <p:spPr>
+          <a:xfrm flipH="1">
+            <a:off x="7750124" y="2183293"/>
+            <a:ext cx="75337" cy="400342"/>
+          </a:xfrm>
+          <a:prstGeom prst="line">
+            <a:avLst/>
+          </a:prstGeom>
+          <a:ln w="76200">
+            <a:solidFill>
+              <a:srgbClr val="FF0000"/>
+            </a:solidFill>
+          </a:ln>
+        </p:spPr>
+        <p:style>
+          <a:lnRef idx="1">
+            <a:schemeClr val="accent1"/>
+          </a:lnRef>
+          <a:fillRef idx="0">
+            <a:schemeClr val="accent1"/>
+          </a:fillRef>
+          <a:effectRef idx="0">
+            <a:schemeClr val="accent1"/>
+          </a:effectRef>
+          <a:fontRef idx="minor">
+            <a:schemeClr val="tx1"/>
+          </a:fontRef>
+        </p:style>
+      </p:cxnSp>
+      <p:sp>
+        <p:nvSpPr>
+          <p:cNvPr id="38" name="Oval 37">
+            <a:extLst>
+              <a:ext uri="{FF2B5EF4-FFF2-40B4-BE49-F238E27FC236}">
+                <a16:creationId xmlns:a16="http://schemas.microsoft.com/office/drawing/2014/main" id="{F4C9E66C-A99C-B7F6-8126-BD834D481DC5}"/>
+              </a:ext>
+            </a:extLst>
+          </p:cNvPr>
+          <p:cNvSpPr>
+            <a:spLocks noChangeAspect="1"/>
+          </p:cNvSpPr>
+          <p:nvPr/>
+        </p:nvSpPr>
+        <p:spPr>
+          <a:xfrm>
+            <a:off x="7648529" y="2006361"/>
+            <a:ext cx="353864" cy="353864"/>
+          </a:xfrm>
+          <a:prstGeom prst="ellipse">
+            <a:avLst/>
+          </a:prstGeom>
+          <a:solidFill>
+            <a:srgbClr val="FF0000"/>
+          </a:solidFill>
+          <a:ln>
+            <a:solidFill>
+              <a:schemeClr val="tx2">
+                <a:lumMod val="10000"/>
+              </a:schemeClr>
+            </a:solidFill>
+          </a:ln>
+        </p:spPr>
+        <p:style>
+          <a:lnRef idx="2">
+            <a:schemeClr val="accent1">
+              <a:shade val="15000"/>
+            </a:schemeClr>
+          </a:lnRef>
+          <a:fillRef idx="1">
+            <a:schemeClr val="accent1"/>
+          </a:fillRef>
+          <a:effectRef idx="0">
+            <a:schemeClr val="accent1"/>
+          </a:effectRef>
+          <a:fontRef idx="minor">
+            <a:schemeClr val="lt1"/>
+          </a:fontRef>
+        </p:style>
+        <p:txBody>
+          <a:bodyPr rtlCol="0" anchor="ctr"/>
+          <a:lstStyle/>
+          <a:p>
+            <a:pPr algn="ctr"/>
+            <a:r>
+              <a:rPr lang="en-CA" dirty="0"/>
+              <a:t>5</a:t>
+            </a:r>
+          </a:p>
+        </p:txBody>
+      </p:sp>
+      <p:sp>
+        <p:nvSpPr>
+          <p:cNvPr id="39" name="Oval 38">
+            <a:extLst>
+              <a:ext uri="{FF2B5EF4-FFF2-40B4-BE49-F238E27FC236}">
+                <a16:creationId xmlns:a16="http://schemas.microsoft.com/office/drawing/2014/main" id="{FFFA1FF5-0B0E-2583-D3B0-28DB39E4CA79}"/>
+              </a:ext>
+            </a:extLst>
+          </p:cNvPr>
+          <p:cNvSpPr>
+            <a:spLocks noChangeAspect="1"/>
+          </p:cNvSpPr>
+          <p:nvPr/>
+        </p:nvSpPr>
+        <p:spPr>
+          <a:xfrm>
+            <a:off x="1419534" y="1657753"/>
+            <a:ext cx="350360" cy="350360"/>
+          </a:xfrm>
+          <a:prstGeom prst="ellipse">
+            <a:avLst/>
+          </a:prstGeom>
+          <a:solidFill>
+            <a:srgbClr val="FF0000"/>
+          </a:solidFill>
+          <a:ln>
+            <a:solidFill>
+              <a:schemeClr val="tx2">
+                <a:lumMod val="10000"/>
+              </a:schemeClr>
+            </a:solidFill>
+          </a:ln>
+        </p:spPr>
+        <p:style>
+          <a:lnRef idx="2">
+            <a:schemeClr val="accent1">
+              <a:shade val="15000"/>
+            </a:schemeClr>
+          </a:lnRef>
+          <a:fillRef idx="1">
+            <a:schemeClr val="accent1"/>
+          </a:fillRef>
+          <a:effectRef idx="0">
+            <a:schemeClr val="accent1"/>
+          </a:effectRef>
+          <a:fontRef idx="minor">
+            <a:schemeClr val="lt1"/>
+          </a:fontRef>
+        </p:style>
+        <p:txBody>
+          <a:bodyPr rtlCol="0" anchor="ctr"/>
+          <a:lstStyle/>
+          <a:p>
+            <a:pPr algn="ctr"/>
+            <a:r>
+              <a:rPr lang="en-CA" dirty="0"/>
+              <a:t>3</a:t>
+            </a:r>
+          </a:p>
+        </p:txBody>
+      </p:sp>
+      <p:cxnSp>
+        <p:nvCxnSpPr>
+          <p:cNvPr id="75" name="Straight Connector 74">
+            <a:extLst>
+              <a:ext uri="{FF2B5EF4-FFF2-40B4-BE49-F238E27FC236}">
+                <a16:creationId xmlns:a16="http://schemas.microsoft.com/office/drawing/2014/main" id="{E7C383E8-59B9-FF6A-85AC-8DA89BACA4DA}"/>
+              </a:ext>
+            </a:extLst>
+          </p:cNvPr>
+          <p:cNvCxnSpPr>
+            <a:cxnSpLocks/>
+          </p:cNvCxnSpPr>
+          <p:nvPr/>
+        </p:nvCxnSpPr>
+        <p:spPr>
+          <a:xfrm>
+            <a:off x="6612170" y="3722605"/>
+            <a:ext cx="67876" cy="309651"/>
+          </a:xfrm>
+          <a:prstGeom prst="line">
+            <a:avLst/>
+          </a:prstGeom>
+          <a:ln w="76200">
+            <a:solidFill>
+              <a:srgbClr val="FF0000"/>
+            </a:solidFill>
+          </a:ln>
+        </p:spPr>
+        <p:style>
+          <a:lnRef idx="1">
+            <a:schemeClr val="accent1"/>
+          </a:lnRef>
+          <a:fillRef idx="0">
+            <a:schemeClr val="accent1"/>
+          </a:fillRef>
+          <a:effectRef idx="0">
+            <a:schemeClr val="accent1"/>
+          </a:effectRef>
+          <a:fontRef idx="minor">
+            <a:schemeClr val="tx1"/>
+          </a:fontRef>
+        </p:style>
+      </p:cxnSp>
+      <p:sp>
+        <p:nvSpPr>
+          <p:cNvPr id="40" name="Oval 39">
+            <a:extLst>
+              <a:ext uri="{FF2B5EF4-FFF2-40B4-BE49-F238E27FC236}">
+                <a16:creationId xmlns:a16="http://schemas.microsoft.com/office/drawing/2014/main" id="{FAEDFE26-719D-77AE-5CFC-C04B3F38EF64}"/>
+              </a:ext>
+            </a:extLst>
+          </p:cNvPr>
+          <p:cNvSpPr>
+            <a:spLocks noChangeAspect="1"/>
+          </p:cNvSpPr>
+          <p:nvPr/>
+        </p:nvSpPr>
+        <p:spPr>
+          <a:xfrm>
+            <a:off x="6502402" y="3857076"/>
+            <a:ext cx="350360" cy="350360"/>
+          </a:xfrm>
+          <a:prstGeom prst="ellipse">
+            <a:avLst/>
+          </a:prstGeom>
+          <a:solidFill>
+            <a:srgbClr val="FF0000"/>
+          </a:solidFill>
+          <a:ln>
+            <a:solidFill>
+              <a:schemeClr val="tx2">
+                <a:lumMod val="10000"/>
+              </a:schemeClr>
+            </a:solidFill>
+          </a:ln>
+        </p:spPr>
+        <p:style>
+          <a:lnRef idx="2">
+            <a:schemeClr val="accent1">
+              <a:shade val="15000"/>
+            </a:schemeClr>
+          </a:lnRef>
+          <a:fillRef idx="1">
+            <a:schemeClr val="accent1"/>
+          </a:fillRef>
+          <a:effectRef idx="0">
+            <a:schemeClr val="accent1"/>
+          </a:effectRef>
+          <a:fontRef idx="minor">
+            <a:schemeClr val="lt1"/>
+          </a:fontRef>
+        </p:style>
+        <p:txBody>
+          <a:bodyPr rtlCol="0" anchor="ctr"/>
+          <a:lstStyle/>
+          <a:p>
+            <a:pPr algn="ctr"/>
+            <a:r>
+              <a:rPr lang="en-CA" dirty="0"/>
+              <a:t>4</a:t>
+            </a:r>
+          </a:p>
+        </p:txBody>
+      </p:sp>
+      <p:cxnSp>
+        <p:nvCxnSpPr>
+          <p:cNvPr id="78" name="Straight Connector 77">
+            <a:extLst>
+              <a:ext uri="{FF2B5EF4-FFF2-40B4-BE49-F238E27FC236}">
+                <a16:creationId xmlns:a16="http://schemas.microsoft.com/office/drawing/2014/main" id="{6B4A03BE-A6AC-44E6-786F-EB7C2D0B5B6A}"/>
+              </a:ext>
+            </a:extLst>
+          </p:cNvPr>
+          <p:cNvCxnSpPr>
+            <a:cxnSpLocks/>
+          </p:cNvCxnSpPr>
+          <p:nvPr/>
+        </p:nvCxnSpPr>
+        <p:spPr>
+          <a:xfrm flipH="1">
+            <a:off x="4198756" y="3157457"/>
+            <a:ext cx="157629" cy="662068"/>
+          </a:xfrm>
+          <a:prstGeom prst="line">
+            <a:avLst/>
+          </a:prstGeom>
+          <a:ln w="76200">
+            <a:solidFill>
+              <a:srgbClr val="FF0000"/>
+            </a:solidFill>
+          </a:ln>
+        </p:spPr>
+        <p:style>
+          <a:lnRef idx="1">
+            <a:schemeClr val="accent1"/>
+          </a:lnRef>
+          <a:fillRef idx="0">
+            <a:schemeClr val="accent1"/>
+          </a:fillRef>
+          <a:effectRef idx="0">
+            <a:schemeClr val="accent1"/>
+          </a:effectRef>
+          <a:fontRef idx="minor">
+            <a:schemeClr val="tx1"/>
+          </a:fontRef>
+        </p:style>
+      </p:cxnSp>
+      <p:sp>
+        <p:nvSpPr>
+          <p:cNvPr id="77" name="Oval 76">
+            <a:extLst>
+              <a:ext uri="{FF2B5EF4-FFF2-40B4-BE49-F238E27FC236}">
+                <a16:creationId xmlns:a16="http://schemas.microsoft.com/office/drawing/2014/main" id="{1E76D0A6-5A12-6DB5-49B8-51DA44FA63BA}"/>
+              </a:ext>
+            </a:extLst>
+          </p:cNvPr>
+          <p:cNvSpPr>
+            <a:spLocks noChangeAspect="1"/>
+          </p:cNvSpPr>
+          <p:nvPr/>
+        </p:nvSpPr>
+        <p:spPr>
+          <a:xfrm>
+            <a:off x="4158709" y="3048237"/>
+            <a:ext cx="350360" cy="350360"/>
+          </a:xfrm>
+          <a:prstGeom prst="ellipse">
+            <a:avLst/>
+          </a:prstGeom>
+          <a:solidFill>
+            <a:srgbClr val="FF0000"/>
+          </a:solidFill>
+          <a:ln>
+            <a:solidFill>
+              <a:schemeClr val="tx2">
+                <a:lumMod val="10000"/>
+              </a:schemeClr>
+            </a:solidFill>
+          </a:ln>
+        </p:spPr>
+        <p:style>
+          <a:lnRef idx="2">
+            <a:schemeClr val="accent1">
+              <a:shade val="15000"/>
+            </a:schemeClr>
+          </a:lnRef>
+          <a:fillRef idx="1">
+            <a:schemeClr val="accent1"/>
+          </a:fillRef>
+          <a:effectRef idx="0">
+            <a:schemeClr val="accent1"/>
+          </a:effectRef>
+          <a:fontRef idx="minor">
+            <a:schemeClr val="lt1"/>
+          </a:fontRef>
+        </p:style>
+        <p:txBody>
+          <a:bodyPr rtlCol="0" anchor="ctr"/>
+          <a:lstStyle/>
+          <a:p>
+            <a:pPr algn="ctr"/>
+            <a:r>
+              <a:rPr lang="en-CA" dirty="0"/>
+              <a:t>2</a:t>
+            </a:r>
+          </a:p>
+        </p:txBody>
+      </p:sp>
+      <p:sp>
+        <p:nvSpPr>
+          <p:cNvPr id="96" name="Vertical Title 1">
+            <a:extLst>
+              <a:ext uri="{FF2B5EF4-FFF2-40B4-BE49-F238E27FC236}">
+                <a16:creationId xmlns:a16="http://schemas.microsoft.com/office/drawing/2014/main" id="{D5C3376A-1ACE-5922-62CF-C80F28001360}"/>
+              </a:ext>
+            </a:extLst>
+          </p:cNvPr>
+          <p:cNvSpPr txBox="1">
+            <a:spLocks/>
+          </p:cNvSpPr>
+          <p:nvPr/>
+        </p:nvSpPr>
+        <p:spPr>
+          <a:xfrm>
+            <a:off x="8977717" y="3473908"/>
+            <a:ext cx="2751078" cy="2750036"/>
+          </a:xfrm>
+          <a:prstGeom prst="rect">
+            <a:avLst/>
+          </a:prstGeom>
+        </p:spPr>
+        <p:txBody>
+          <a:bodyPr vert="horz" wrap="none" lIns="91440" tIns="45720" rIns="91440" bIns="45720" rtlCol="0" anchor="t">
+            <a:normAutofit/>
+          </a:bodyPr>
+          <a:lstStyle>
+            <a:lvl1pPr algn="l" defTabSz="914400" rtl="0" eaLnBrk="1" latinLnBrk="0" hangingPunct="1">
+              <a:lnSpc>
+                <a:spcPct val="85000"/>
+              </a:lnSpc>
+              <a:spcBef>
+                <a:spcPct val="0"/>
+              </a:spcBef>
+              <a:buNone/>
+              <a:defRPr sz="4000" kern="1200" cap="all" baseline="0">
+                <a:solidFill>
+                  <a:schemeClr val="bg2"/>
+                </a:solidFill>
+                <a:latin typeface="+mj-lt"/>
+                <a:ea typeface="+mj-ea"/>
+                <a:cs typeface="+mj-cs"/>
+              </a:defRPr>
+            </a:lvl1pPr>
+          </a:lstStyle>
+          <a:p>
+            <a:r>
+              <a:rPr lang="en-CA" sz="2400" cap="none" dirty="0"/>
+              <a:t>MATCHES</a:t>
+            </a:r>
+          </a:p>
+        </p:txBody>
+      </p:sp>
+      <p:graphicFrame>
+        <p:nvGraphicFramePr>
+          <p:cNvPr id="97" name="Table 97">
+            <a:extLst>
+              <a:ext uri="{FF2B5EF4-FFF2-40B4-BE49-F238E27FC236}">
+                <a16:creationId xmlns:a16="http://schemas.microsoft.com/office/drawing/2014/main" id="{325C2D82-F50C-9A14-5D4E-2497423F459E}"/>
+              </a:ext>
+            </a:extLst>
+          </p:cNvPr>
+          <p:cNvGraphicFramePr>
+            <a:graphicFrameLocks noGrp="1"/>
+          </p:cNvGraphicFramePr>
+          <p:nvPr>
+            <p:extLst>
+              <p:ext uri="{D42A27DB-BD31-4B8C-83A1-F6EECF244321}">
+                <p14:modId xmlns:p14="http://schemas.microsoft.com/office/powerpoint/2010/main" val="2375723475"/>
+              </p:ext>
+            </p:extLst>
+          </p:nvPr>
+        </p:nvGraphicFramePr>
+        <p:xfrm>
+          <a:off x="9027994" y="3859543"/>
+          <a:ext cx="2718711" cy="2486280"/>
+        </p:xfrm>
+        <a:graphic>
+          <a:graphicData uri="http://schemas.openxmlformats.org/drawingml/2006/table">
+            <a:tbl>
+              <a:tblPr firstRow="1" bandRow="1">
+                <a:tableStyleId>{5C22544A-7EE6-4342-B048-85BDC9FD1C3A}</a:tableStyleId>
+              </a:tblPr>
+              <a:tblGrid>
+                <a:gridCol w="906237">
+                  <a:extLst>
+                    <a:ext uri="{9D8B030D-6E8A-4147-A177-3AD203B41FA5}">
+                      <a16:colId xmlns:a16="http://schemas.microsoft.com/office/drawing/2014/main" val="2646833550"/>
+                    </a:ext>
+                  </a:extLst>
+                </a:gridCol>
+                <a:gridCol w="1085530">
+                  <a:extLst>
+                    <a:ext uri="{9D8B030D-6E8A-4147-A177-3AD203B41FA5}">
+                      <a16:colId xmlns:a16="http://schemas.microsoft.com/office/drawing/2014/main" val="1917078534"/>
+                    </a:ext>
+                  </a:extLst>
+                </a:gridCol>
+                <a:gridCol w="726944">
+                  <a:extLst>
+                    <a:ext uri="{9D8B030D-6E8A-4147-A177-3AD203B41FA5}">
+                      <a16:colId xmlns:a16="http://schemas.microsoft.com/office/drawing/2014/main" val="738380867"/>
+                    </a:ext>
+                  </a:extLst>
+                </a:gridCol>
+              </a:tblGrid>
+              <a:tr h="637319">
+                <a:tc>
+                  <a:txBody>
+                    <a:bodyPr/>
+                    <a:lstStyle/>
+                    <a:p>
+                      <a:r>
+                        <a:rPr lang="en-CA" dirty="0" err="1"/>
+                        <a:t>Hydat</a:t>
+                      </a:r>
+                      <a:r>
+                        <a:rPr lang="en-CA" dirty="0"/>
+                        <a:t> ID</a:t>
+                      </a:r>
+                    </a:p>
+                  </a:txBody>
+                  <a:tcPr/>
+                </a:tc>
+                <a:tc>
+                  <a:txBody>
+                    <a:bodyPr/>
+                    <a:lstStyle/>
+                    <a:p>
+                      <a:r>
+                        <a:rPr lang="en-CA" dirty="0"/>
+                        <a:t>PWQMN ID</a:t>
+                      </a:r>
+                    </a:p>
+                  </a:txBody>
+                  <a:tcPr/>
+                </a:tc>
+                <a:tc>
+                  <a:txBody>
+                    <a:bodyPr/>
+                    <a:lstStyle/>
+                    <a:p>
+                      <a:r>
+                        <a:rPr lang="en-CA" dirty="0"/>
+                        <a:t>Info</a:t>
+                      </a:r>
+                    </a:p>
+                  </a:txBody>
+                  <a:tcPr/>
+                </a:tc>
+                <a:extLst>
+                  <a:ext uri="{0D108BD9-81ED-4DB2-BD59-A6C34878D82A}">
+                    <a16:rowId xmlns:a16="http://schemas.microsoft.com/office/drawing/2014/main" val="1881069238"/>
+                  </a:ext>
+                </a:extLst>
+              </a:tr>
+              <a:tr h="369240">
+                <a:tc>
+                  <a:txBody>
+                    <a:bodyPr/>
+                    <a:lstStyle/>
+                    <a:p>
+                      <a:r>
+                        <a:rPr lang="en-CA" dirty="0"/>
+                        <a:t>A</a:t>
+                      </a:r>
+                    </a:p>
+                  </a:txBody>
+                  <a:tcPr/>
+                </a:tc>
+                <a:tc>
+                  <a:txBody>
+                    <a:bodyPr/>
+                    <a:lstStyle/>
+                    <a:p>
+                      <a:r>
+                        <a:rPr lang="en-CA" dirty="0"/>
+                        <a:t>1</a:t>
+                      </a:r>
+                    </a:p>
+                  </a:txBody>
+                  <a:tcPr/>
+                </a:tc>
+                <a:tc>
+                  <a:txBody>
+                    <a:bodyPr/>
+                    <a:lstStyle/>
+                    <a:p>
+                      <a:r>
+                        <a:rPr lang="en-CA" dirty="0"/>
+                        <a:t>~</a:t>
+                      </a:r>
+                    </a:p>
+                  </a:txBody>
+                  <a:tcPr/>
+                </a:tc>
+                <a:extLst>
+                  <a:ext uri="{0D108BD9-81ED-4DB2-BD59-A6C34878D82A}">
+                    <a16:rowId xmlns:a16="http://schemas.microsoft.com/office/drawing/2014/main" val="4172612800"/>
+                  </a:ext>
+                </a:extLst>
+              </a:tr>
+              <a:tr h="369240">
+                <a:tc>
+                  <a:txBody>
+                    <a:bodyPr/>
+                    <a:lstStyle/>
+                    <a:p>
+                      <a:r>
+                        <a:rPr lang="en-CA" dirty="0"/>
+                        <a:t>A</a:t>
+                      </a:r>
+                    </a:p>
+                  </a:txBody>
+                  <a:tcPr/>
+                </a:tc>
+                <a:tc>
+                  <a:txBody>
+                    <a:bodyPr/>
+                    <a:lstStyle/>
+                    <a:p>
+                      <a:r>
+                        <a:rPr lang="en-CA" dirty="0"/>
+                        <a:t>2</a:t>
+                      </a:r>
+                    </a:p>
+                  </a:txBody>
+                  <a:tcPr/>
+                </a:tc>
+                <a:tc>
+                  <a:txBody>
+                    <a:bodyPr/>
+                    <a:lstStyle/>
+                    <a:p>
+                      <a:r>
+                        <a:rPr lang="en-CA" dirty="0"/>
+                        <a:t>~</a:t>
+                      </a:r>
+                    </a:p>
+                  </a:txBody>
+                  <a:tcPr/>
+                </a:tc>
+                <a:extLst>
+                  <a:ext uri="{0D108BD9-81ED-4DB2-BD59-A6C34878D82A}">
+                    <a16:rowId xmlns:a16="http://schemas.microsoft.com/office/drawing/2014/main" val="1182756749"/>
+                  </a:ext>
+                </a:extLst>
+              </a:tr>
+              <a:tr h="369240">
+                <a:tc>
+                  <a:txBody>
+                    <a:bodyPr/>
+                    <a:lstStyle/>
+                    <a:p>
+                      <a:r>
+                        <a:rPr lang="en-CA" dirty="0"/>
+                        <a:t>A</a:t>
+                      </a:r>
+                    </a:p>
+                  </a:txBody>
+                  <a:tcPr/>
+                </a:tc>
+                <a:tc>
+                  <a:txBody>
+                    <a:bodyPr/>
+                    <a:lstStyle/>
+                    <a:p>
+                      <a:r>
+                        <a:rPr lang="en-CA" dirty="0"/>
+                        <a:t>3</a:t>
+                      </a:r>
+                    </a:p>
+                  </a:txBody>
+                  <a:tcPr/>
+                </a:tc>
+                <a:tc>
+                  <a:txBody>
+                    <a:bodyPr/>
+                    <a:lstStyle/>
+                    <a:p>
+                      <a:r>
+                        <a:rPr lang="en-CA" dirty="0"/>
+                        <a:t>~</a:t>
+                      </a:r>
+                    </a:p>
+                  </a:txBody>
+                  <a:tcPr/>
+                </a:tc>
+                <a:extLst>
+                  <a:ext uri="{0D108BD9-81ED-4DB2-BD59-A6C34878D82A}">
+                    <a16:rowId xmlns:a16="http://schemas.microsoft.com/office/drawing/2014/main" val="2163342199"/>
+                  </a:ext>
+                </a:extLst>
+              </a:tr>
+              <a:tr h="369240">
+                <a:tc>
+                  <a:txBody>
+                    <a:bodyPr/>
+                    <a:lstStyle/>
+                    <a:p>
+                      <a:r>
+                        <a:rPr lang="en-CA" dirty="0"/>
+                        <a:t>A</a:t>
+                      </a:r>
+                    </a:p>
+                  </a:txBody>
+                  <a:tcPr/>
+                </a:tc>
+                <a:tc>
+                  <a:txBody>
+                    <a:bodyPr/>
+                    <a:lstStyle/>
+                    <a:p>
+                      <a:r>
+                        <a:rPr lang="en-CA" dirty="0"/>
+                        <a:t>4</a:t>
+                      </a:r>
+                    </a:p>
+                  </a:txBody>
+                  <a:tcPr/>
+                </a:tc>
+                <a:tc>
+                  <a:txBody>
+                    <a:bodyPr/>
+                    <a:lstStyle/>
+                    <a:p>
+                      <a:r>
+                        <a:rPr lang="en-CA" dirty="0"/>
+                        <a:t>~</a:t>
+                      </a:r>
+                    </a:p>
+                  </a:txBody>
+                  <a:tcPr/>
+                </a:tc>
+                <a:extLst>
+                  <a:ext uri="{0D108BD9-81ED-4DB2-BD59-A6C34878D82A}">
+                    <a16:rowId xmlns:a16="http://schemas.microsoft.com/office/drawing/2014/main" val="3922771026"/>
+                  </a:ext>
+                </a:extLst>
+              </a:tr>
+              <a:tr h="369240">
+                <a:tc>
+                  <a:txBody>
+                    <a:bodyPr/>
+                    <a:lstStyle/>
+                    <a:p>
+                      <a:r>
+                        <a:rPr lang="en-CA" dirty="0"/>
+                        <a:t>A</a:t>
+                      </a:r>
+                    </a:p>
+                  </a:txBody>
+                  <a:tcPr/>
+                </a:tc>
+                <a:tc>
+                  <a:txBody>
+                    <a:bodyPr/>
+                    <a:lstStyle/>
+                    <a:p>
+                      <a:r>
+                        <a:rPr lang="en-CA" dirty="0"/>
+                        <a:t>5</a:t>
+                      </a:r>
+                    </a:p>
+                  </a:txBody>
+                  <a:tcPr/>
+                </a:tc>
+                <a:tc>
+                  <a:txBody>
+                    <a:bodyPr/>
+                    <a:lstStyle/>
+                    <a:p>
+                      <a:r>
+                        <a:rPr lang="en-CA" dirty="0"/>
+                        <a:t>~</a:t>
+                      </a:r>
+                    </a:p>
+                  </a:txBody>
+                  <a:tcPr/>
+                </a:tc>
+                <a:extLst>
+                  <a:ext uri="{0D108BD9-81ED-4DB2-BD59-A6C34878D82A}">
+                    <a16:rowId xmlns:a16="http://schemas.microsoft.com/office/drawing/2014/main" val="375511548"/>
+                  </a:ext>
+                </a:extLst>
+              </a:tr>
+            </a:tbl>
+          </a:graphicData>
+        </a:graphic>
+      </p:graphicFrame>
+      <p:sp>
+        <p:nvSpPr>
+          <p:cNvPr id="100" name="Rectangle 99">
+            <a:extLst>
+              <a:ext uri="{FF2B5EF4-FFF2-40B4-BE49-F238E27FC236}">
+                <a16:creationId xmlns:a16="http://schemas.microsoft.com/office/drawing/2014/main" id="{E80A5E6D-EC01-2D1E-2C4B-5DD3269DF9C0}"/>
+              </a:ext>
+            </a:extLst>
+          </p:cNvPr>
+          <p:cNvSpPr/>
+          <p:nvPr/>
+        </p:nvSpPr>
+        <p:spPr>
+          <a:xfrm>
+            <a:off x="9027994" y="4495800"/>
+            <a:ext cx="2718711" cy="758421"/>
+          </a:xfrm>
+          <a:prstGeom prst="rect">
+            <a:avLst/>
+          </a:prstGeom>
+          <a:solidFill>
+            <a:schemeClr val="tx1"/>
+          </a:solidFill>
+          <a:ln>
+            <a:noFill/>
+          </a:ln>
+        </p:spPr>
+        <p:style>
+          <a:lnRef idx="2">
+            <a:schemeClr val="accent1">
+              <a:shade val="15000"/>
+            </a:schemeClr>
+          </a:lnRef>
+          <a:fillRef idx="1">
+            <a:schemeClr val="accent1"/>
+          </a:fillRef>
+          <a:effectRef idx="0">
+            <a:schemeClr val="accent1"/>
+          </a:effectRef>
+          <a:fontRef idx="minor">
+            <a:schemeClr val="lt1"/>
+          </a:fontRef>
+        </p:style>
+        <p:txBody>
+          <a:bodyPr rtlCol="0" anchor="ctr"/>
+          <a:lstStyle/>
+          <a:p>
+            <a:pPr algn="ctr"/>
+            <a:endParaRPr lang="en-CA" dirty="0">
+              <a:highlight>
+                <a:srgbClr val="FFFF00"/>
+              </a:highlight>
+            </a:endParaRPr>
+          </a:p>
+        </p:txBody>
+      </p:sp>
+      <p:sp>
+        <p:nvSpPr>
+          <p:cNvPr id="101" name="Rectangle 100">
+            <a:extLst>
+              <a:ext uri="{FF2B5EF4-FFF2-40B4-BE49-F238E27FC236}">
+                <a16:creationId xmlns:a16="http://schemas.microsoft.com/office/drawing/2014/main" id="{8C941E5E-CB00-167C-C838-A10F7D70EF21}"/>
+              </a:ext>
+            </a:extLst>
+          </p:cNvPr>
+          <p:cNvSpPr/>
+          <p:nvPr/>
+        </p:nvSpPr>
+        <p:spPr>
+          <a:xfrm>
+            <a:off x="9032443" y="5254221"/>
+            <a:ext cx="2700801" cy="346868"/>
+          </a:xfrm>
+          <a:prstGeom prst="rect">
+            <a:avLst/>
+          </a:prstGeom>
+          <a:solidFill>
+            <a:schemeClr val="tx1"/>
+          </a:solidFill>
+          <a:ln>
+            <a:noFill/>
+          </a:ln>
+        </p:spPr>
+        <p:style>
+          <a:lnRef idx="2">
+            <a:schemeClr val="accent1">
+              <a:shade val="15000"/>
+            </a:schemeClr>
+          </a:lnRef>
+          <a:fillRef idx="1">
+            <a:schemeClr val="accent1"/>
+          </a:fillRef>
+          <a:effectRef idx="0">
+            <a:schemeClr val="accent1"/>
+          </a:effectRef>
+          <a:fontRef idx="minor">
+            <a:schemeClr val="lt1"/>
+          </a:fontRef>
+        </p:style>
+        <p:txBody>
+          <a:bodyPr rtlCol="0" anchor="ctr"/>
+          <a:lstStyle/>
+          <a:p>
+            <a:pPr algn="ctr"/>
+            <a:endParaRPr lang="en-CA" dirty="0">
+              <a:highlight>
+                <a:srgbClr val="FFFF00"/>
+              </a:highlight>
+            </a:endParaRPr>
+          </a:p>
+        </p:txBody>
+      </p:sp>
+      <p:sp>
+        <p:nvSpPr>
+          <p:cNvPr id="103" name="Rectangle 102">
+            <a:extLst>
+              <a:ext uri="{FF2B5EF4-FFF2-40B4-BE49-F238E27FC236}">
+                <a16:creationId xmlns:a16="http://schemas.microsoft.com/office/drawing/2014/main" id="{7DC4ABD8-5FA0-5C4D-A7D0-4A6BBBA86C91}"/>
+              </a:ext>
+            </a:extLst>
+          </p:cNvPr>
+          <p:cNvSpPr/>
+          <p:nvPr/>
+        </p:nvSpPr>
+        <p:spPr>
+          <a:xfrm>
+            <a:off x="9045904" y="5602835"/>
+            <a:ext cx="2700801" cy="346868"/>
+          </a:xfrm>
+          <a:prstGeom prst="rect">
+            <a:avLst/>
+          </a:prstGeom>
+          <a:solidFill>
+            <a:schemeClr val="tx1"/>
+          </a:solidFill>
+          <a:ln>
+            <a:noFill/>
+          </a:ln>
+        </p:spPr>
+        <p:style>
+          <a:lnRef idx="2">
+            <a:schemeClr val="accent1">
+              <a:shade val="15000"/>
+            </a:schemeClr>
+          </a:lnRef>
+          <a:fillRef idx="1">
+            <a:schemeClr val="accent1"/>
+          </a:fillRef>
+          <a:effectRef idx="0">
+            <a:schemeClr val="accent1"/>
+          </a:effectRef>
+          <a:fontRef idx="minor">
+            <a:schemeClr val="lt1"/>
+          </a:fontRef>
+        </p:style>
+        <p:txBody>
+          <a:bodyPr rtlCol="0" anchor="ctr"/>
+          <a:lstStyle/>
+          <a:p>
+            <a:pPr algn="ctr"/>
+            <a:endParaRPr lang="en-CA" dirty="0">
+              <a:highlight>
+                <a:srgbClr val="FFFF00"/>
+              </a:highlight>
+            </a:endParaRPr>
+          </a:p>
+        </p:txBody>
+      </p:sp>
+      <p:sp>
+        <p:nvSpPr>
+          <p:cNvPr id="104" name="Rectangle 103">
+            <a:extLst>
+              <a:ext uri="{FF2B5EF4-FFF2-40B4-BE49-F238E27FC236}">
+                <a16:creationId xmlns:a16="http://schemas.microsoft.com/office/drawing/2014/main" id="{54AD7439-F148-9723-9E70-59A3F1569A9B}"/>
+              </a:ext>
+            </a:extLst>
+          </p:cNvPr>
+          <p:cNvSpPr/>
+          <p:nvPr/>
+        </p:nvSpPr>
+        <p:spPr>
+          <a:xfrm>
+            <a:off x="9036892" y="5925811"/>
+            <a:ext cx="2700801" cy="443905"/>
+          </a:xfrm>
+          <a:prstGeom prst="rect">
+            <a:avLst/>
+          </a:prstGeom>
+          <a:solidFill>
+            <a:schemeClr val="tx1"/>
+          </a:solidFill>
+          <a:ln>
+            <a:noFill/>
+          </a:ln>
+        </p:spPr>
+        <p:style>
+          <a:lnRef idx="2">
+            <a:schemeClr val="accent1">
+              <a:shade val="15000"/>
+            </a:schemeClr>
+          </a:lnRef>
+          <a:fillRef idx="1">
+            <a:schemeClr val="accent1"/>
+          </a:fillRef>
+          <a:effectRef idx="0">
+            <a:schemeClr val="accent1"/>
+          </a:effectRef>
+          <a:fontRef idx="minor">
+            <a:schemeClr val="lt1"/>
+          </a:fontRef>
+        </p:style>
+        <p:txBody>
+          <a:bodyPr rtlCol="0" anchor="ctr"/>
+          <a:lstStyle/>
+          <a:p>
+            <a:pPr algn="ctr"/>
+            <a:endParaRPr lang="en-CA" dirty="0">
+              <a:highlight>
+                <a:srgbClr val="FFFF00"/>
+              </a:highlight>
+            </a:endParaRPr>
+          </a:p>
+        </p:txBody>
+      </p:sp>
+      <p:sp>
+        <p:nvSpPr>
+          <p:cNvPr id="106" name="Rectangle: Rounded Corners 105">
+            <a:extLst>
+              <a:ext uri="{FF2B5EF4-FFF2-40B4-BE49-F238E27FC236}">
+                <a16:creationId xmlns:a16="http://schemas.microsoft.com/office/drawing/2014/main" id="{B037A0D2-FEB2-854F-3699-F31B3E8907FE}"/>
+              </a:ext>
+            </a:extLst>
+          </p:cNvPr>
+          <p:cNvSpPr/>
+          <p:nvPr/>
+        </p:nvSpPr>
+        <p:spPr>
+          <a:xfrm>
+            <a:off x="3108619" y="4862046"/>
+            <a:ext cx="5613228" cy="1700798"/>
+          </a:xfrm>
+          <a:prstGeom prst="roundRect">
+            <a:avLst/>
+          </a:prstGeom>
+        </p:spPr>
+        <p:style>
+          <a:lnRef idx="2">
+            <a:schemeClr val="accent5">
+              <a:shade val="15000"/>
+            </a:schemeClr>
+          </a:lnRef>
+          <a:fillRef idx="1">
+            <a:schemeClr val="accent5"/>
+          </a:fillRef>
+          <a:effectRef idx="0">
+            <a:schemeClr val="accent5"/>
+          </a:effectRef>
+          <a:fontRef idx="minor">
+            <a:schemeClr val="lt1"/>
+          </a:fontRef>
+        </p:style>
+        <p:txBody>
+          <a:bodyPr rtlCol="0" anchor="ctr"/>
+          <a:lstStyle/>
+          <a:p>
+            <a:pPr algn="ctr"/>
+            <a:r>
+              <a:rPr lang="en-CA" sz="2400" dirty="0"/>
+              <a:t>Are there any candidate stations on the highlighted edge?</a:t>
+            </a:r>
+          </a:p>
+        </p:txBody>
+      </p:sp>
+      <p:sp>
+        <p:nvSpPr>
+          <p:cNvPr id="95" name="Rectangle: Rounded Corners 94">
+            <a:extLst>
+              <a:ext uri="{FF2B5EF4-FFF2-40B4-BE49-F238E27FC236}">
+                <a16:creationId xmlns:a16="http://schemas.microsoft.com/office/drawing/2014/main" id="{18E0411F-7C01-C0A4-59EB-C66F78922732}"/>
+              </a:ext>
+            </a:extLst>
+          </p:cNvPr>
+          <p:cNvSpPr/>
+          <p:nvPr/>
+        </p:nvSpPr>
+        <p:spPr>
+          <a:xfrm>
+            <a:off x="3090709" y="4862046"/>
+            <a:ext cx="5622126" cy="1721509"/>
+          </a:xfrm>
+          <a:prstGeom prst="roundRect">
+            <a:avLst/>
+          </a:prstGeom>
+        </p:spPr>
+        <p:style>
+          <a:lnRef idx="2">
+            <a:schemeClr val="accent5">
+              <a:shade val="15000"/>
+            </a:schemeClr>
+          </a:lnRef>
+          <a:fillRef idx="1">
+            <a:schemeClr val="accent5"/>
+          </a:fillRef>
+          <a:effectRef idx="0">
+            <a:schemeClr val="accent5"/>
+          </a:effectRef>
+          <a:fontRef idx="minor">
+            <a:schemeClr val="lt1"/>
+          </a:fontRef>
+        </p:style>
+        <p:txBody>
+          <a:bodyPr rtlCol="0" anchor="ctr"/>
+          <a:lstStyle/>
+          <a:p>
+            <a:pPr algn="ctr"/>
+            <a:r>
+              <a:rPr lang="en-CA" sz="2400" dirty="0"/>
+              <a:t>Yes! Add them to the list of matches.</a:t>
+            </a:r>
+          </a:p>
+        </p:txBody>
+      </p:sp>
+    </p:spTree>
+    <p:extLst>
+      <p:ext uri="{BB962C8B-B14F-4D97-AF65-F5344CB8AC3E}">
+        <p14:creationId xmlns:p14="http://schemas.microsoft.com/office/powerpoint/2010/main" val="1636197739"/>
+      </p:ext>
+    </p:extLst>
+  </p:cSld>
+  <p:clrMapOvr>
+    <a:masterClrMapping/>
+  </p:clrMapOvr>
+  <p:timing>
+    <p:tnLst>
+      <p:par>
+        <p:cTn id="1" dur="indefinite" restart="never" nodeType="tmRoot">
+          <p:childTnLst>
+            <p:seq concurrent="1" nextAc="seek">
+              <p:cTn id="2" dur="indefinite" nodeType="mainSeq">
+                <p:childTnLst>
+                  <p:par>
+                    <p:cTn id="3" fill="hold">
+                      <p:stCondLst>
+                        <p:cond delay="indefinite"/>
+                        <p:cond evt="onBegin" delay="0">
+                          <p:tn val="2"/>
+                        </p:cond>
+                      </p:stCondLst>
+                      <p:childTnLst>
+                        <p:par>
+                          <p:cTn id="4" fill="hold">
+                            <p:stCondLst>
+                              <p:cond delay="0"/>
+                            </p:stCondLst>
+                            <p:childTnLst>
+                              <p:par>
+                                <p:cTn id="5" presetID="1" presetClass="entr" presetSubtype="0" fill="hold" grpId="0" nodeType="withEffect">
+                                  <p:stCondLst>
+                                    <p:cond delay="0"/>
+                                  </p:stCondLst>
+                                  <p:childTnLst>
+                                    <p:set>
+                                      <p:cBhvr>
+                                        <p:cTn id="6" dur="1" fill="hold">
+                                          <p:stCondLst>
+                                            <p:cond delay="0"/>
+                                          </p:stCondLst>
+                                        </p:cTn>
+                                        <p:tgtEl>
+                                          <p:spTgt spid="106"/>
+                                        </p:tgtEl>
+                                        <p:attrNameLst>
+                                          <p:attrName>style.visibility</p:attrName>
+                                        </p:attrNameLst>
+                                      </p:cBhvr>
+                                      <p:to>
+                                        <p:strVal val="visible"/>
+                                      </p:to>
+                                    </p:set>
+                                  </p:childTnLst>
+                                </p:cTn>
+                              </p:par>
+                            </p:childTnLst>
+                          </p:cTn>
+                        </p:par>
+                      </p:childTnLst>
+                    </p:cTn>
+                  </p:par>
+                  <p:par>
+                    <p:cTn id="7" fill="hold">
+                      <p:stCondLst>
+                        <p:cond delay="indefinite"/>
+                      </p:stCondLst>
+                      <p:childTnLst>
+                        <p:par>
+                          <p:cTn id="8" fill="hold">
+                            <p:stCondLst>
+                              <p:cond delay="0"/>
+                            </p:stCondLst>
+                            <p:childTnLst>
+                              <p:par>
+                                <p:cTn id="9" presetID="10" presetClass="entr" presetSubtype="0" fill="hold" grpId="0" nodeType="clickEffect">
+                                  <p:stCondLst>
+                                    <p:cond delay="0"/>
+                                  </p:stCondLst>
+                                  <p:childTnLst>
+                                    <p:set>
+                                      <p:cBhvr>
+                                        <p:cTn id="10" dur="1" fill="hold">
+                                          <p:stCondLst>
+                                            <p:cond delay="0"/>
+                                          </p:stCondLst>
+                                        </p:cTn>
+                                        <p:tgtEl>
+                                          <p:spTgt spid="58"/>
+                                        </p:tgtEl>
+                                        <p:attrNameLst>
+                                          <p:attrName>style.visibility</p:attrName>
+                                        </p:attrNameLst>
+                                      </p:cBhvr>
+                                      <p:to>
+                                        <p:strVal val="visible"/>
+                                      </p:to>
+                                    </p:set>
+                                    <p:animEffect transition="in" filter="fade">
+                                      <p:cBhvr>
+                                        <p:cTn id="11" dur="500"/>
+                                        <p:tgtEl>
+                                          <p:spTgt spid="58"/>
+                                        </p:tgtEl>
+                                      </p:cBhvr>
+                                    </p:animEffect>
+                                  </p:childTnLst>
+                                </p:cTn>
+                              </p:par>
+                            </p:childTnLst>
+                          </p:cTn>
+                        </p:par>
+                        <p:par>
+                          <p:cTn id="12" fill="hold">
+                            <p:stCondLst>
+                              <p:cond delay="500"/>
+                            </p:stCondLst>
+                            <p:childTnLst>
+                              <p:par>
+                                <p:cTn id="13" presetID="10" presetClass="entr" presetSubtype="0" fill="hold" nodeType="afterEffect">
+                                  <p:stCondLst>
+                                    <p:cond delay="0"/>
+                                  </p:stCondLst>
+                                  <p:childTnLst>
+                                    <p:set>
+                                      <p:cBhvr>
+                                        <p:cTn id="14" dur="1" fill="hold">
+                                          <p:stCondLst>
+                                            <p:cond delay="0"/>
+                                          </p:stCondLst>
+                                        </p:cTn>
+                                        <p:tgtEl>
+                                          <p:spTgt spid="106">
+                                            <p:txEl>
+                                              <p:pRg st="0" end="0"/>
+                                            </p:txEl>
+                                          </p:spTgt>
+                                        </p:tgtEl>
+                                        <p:attrNameLst>
+                                          <p:attrName>style.visibility</p:attrName>
+                                        </p:attrNameLst>
+                                      </p:cBhvr>
+                                      <p:to>
+                                        <p:strVal val="visible"/>
+                                      </p:to>
+                                    </p:set>
+                                    <p:animEffect transition="in" filter="fade">
+                                      <p:cBhvr>
+                                        <p:cTn id="15" dur="500"/>
+                                        <p:tgtEl>
+                                          <p:spTgt spid="106">
+                                            <p:txEl>
+                                              <p:pRg st="0" end="0"/>
+                                            </p:txEl>
+                                          </p:spTgt>
+                                        </p:tgtEl>
+                                      </p:cBhvr>
+                                    </p:animEffect>
+                                  </p:childTnLst>
+                                </p:cTn>
+                              </p:par>
+                            </p:childTnLst>
+                          </p:cTn>
+                        </p:par>
+                      </p:childTnLst>
+                    </p:cTn>
+                  </p:par>
+                  <p:par>
+                    <p:cTn id="16" fill="hold">
+                      <p:stCondLst>
+                        <p:cond delay="indefinite"/>
+                      </p:stCondLst>
+                      <p:childTnLst>
+                        <p:par>
+                          <p:cTn id="17" fill="hold">
+                            <p:stCondLst>
+                              <p:cond delay="0"/>
+                            </p:stCondLst>
+                            <p:childTnLst>
+                              <p:par>
+                                <p:cTn id="18" presetID="27" presetClass="emph" presetSubtype="0" repeatCount="3000" fill="hold" grpId="0" nodeType="clickEffect">
+                                  <p:stCondLst>
+                                    <p:cond delay="0"/>
+                                  </p:stCondLst>
+                                  <p:childTnLst>
+                                    <p:animClr clrSpc="rgb" dir="cw">
+                                      <p:cBhvr override="childStyle">
+                                        <p:cTn id="19" dur="600" autoRev="1" fill="remove"/>
+                                        <p:tgtEl>
+                                          <p:spTgt spid="41"/>
+                                        </p:tgtEl>
+                                        <p:attrNameLst>
+                                          <p:attrName>style.color</p:attrName>
+                                        </p:attrNameLst>
+                                      </p:cBhvr>
+                                      <p:to>
+                                        <a:schemeClr val="bg1"/>
+                                      </p:to>
+                                    </p:animClr>
+                                    <p:animClr clrSpc="rgb" dir="cw">
+                                      <p:cBhvr>
+                                        <p:cTn id="20" dur="600" autoRev="1" fill="remove"/>
+                                        <p:tgtEl>
+                                          <p:spTgt spid="41"/>
+                                        </p:tgtEl>
+                                        <p:attrNameLst>
+                                          <p:attrName>fillcolor</p:attrName>
+                                        </p:attrNameLst>
+                                      </p:cBhvr>
+                                      <p:to>
+                                        <a:schemeClr val="bg1"/>
+                                      </p:to>
+                                    </p:animClr>
+                                    <p:set>
+                                      <p:cBhvr>
+                                        <p:cTn id="21" dur="600" autoRev="1" fill="remove"/>
+                                        <p:tgtEl>
+                                          <p:spTgt spid="41"/>
+                                        </p:tgtEl>
+                                        <p:attrNameLst>
+                                          <p:attrName>fill.type</p:attrName>
+                                        </p:attrNameLst>
+                                      </p:cBhvr>
+                                      <p:to>
+                                        <p:strVal val="solid"/>
+                                      </p:to>
+                                    </p:set>
+                                    <p:set>
+                                      <p:cBhvr>
+                                        <p:cTn id="22" dur="600" autoRev="1" fill="remove"/>
+                                        <p:tgtEl>
+                                          <p:spTgt spid="41"/>
+                                        </p:tgtEl>
+                                        <p:attrNameLst>
+                                          <p:attrName>fill.on</p:attrName>
+                                        </p:attrNameLst>
+                                      </p:cBhvr>
+                                      <p:to>
+                                        <p:strVal val="true"/>
+                                      </p:to>
+                                    </p:set>
+                                  </p:childTnLst>
+                                </p:cTn>
+                              </p:par>
+                              <p:par>
+                                <p:cTn id="23" presetID="27" presetClass="emph" presetSubtype="0" repeatCount="3000" fill="hold" grpId="1" nodeType="withEffect">
+                                  <p:stCondLst>
+                                    <p:cond delay="0"/>
+                                  </p:stCondLst>
+                                  <p:childTnLst>
+                                    <p:animClr clrSpc="rgb" dir="cw">
+                                      <p:cBhvr override="childStyle">
+                                        <p:cTn id="24" dur="500" autoRev="1" fill="remove"/>
+                                        <p:tgtEl>
+                                          <p:spTgt spid="77"/>
+                                        </p:tgtEl>
+                                        <p:attrNameLst>
+                                          <p:attrName>style.color</p:attrName>
+                                        </p:attrNameLst>
+                                      </p:cBhvr>
+                                      <p:to>
+                                        <a:schemeClr val="bg1"/>
+                                      </p:to>
+                                    </p:animClr>
+                                    <p:animClr clrSpc="rgb" dir="cw">
+                                      <p:cBhvr>
+                                        <p:cTn id="25" dur="500" autoRev="1" fill="remove"/>
+                                        <p:tgtEl>
+                                          <p:spTgt spid="77"/>
+                                        </p:tgtEl>
+                                        <p:attrNameLst>
+                                          <p:attrName>fillcolor</p:attrName>
+                                        </p:attrNameLst>
+                                      </p:cBhvr>
+                                      <p:to>
+                                        <a:schemeClr val="bg1"/>
+                                      </p:to>
+                                    </p:animClr>
+                                    <p:set>
+                                      <p:cBhvr>
+                                        <p:cTn id="26" dur="500" autoRev="1" fill="remove"/>
+                                        <p:tgtEl>
+                                          <p:spTgt spid="77"/>
+                                        </p:tgtEl>
+                                        <p:attrNameLst>
+                                          <p:attrName>fill.type</p:attrName>
+                                        </p:attrNameLst>
+                                      </p:cBhvr>
+                                      <p:to>
+                                        <p:strVal val="solid"/>
+                                      </p:to>
+                                    </p:set>
+                                    <p:set>
+                                      <p:cBhvr>
+                                        <p:cTn id="27" dur="500" autoRev="1" fill="remove"/>
+                                        <p:tgtEl>
+                                          <p:spTgt spid="77"/>
+                                        </p:tgtEl>
+                                        <p:attrNameLst>
+                                          <p:attrName>fill.on</p:attrName>
+                                        </p:attrNameLst>
+                                      </p:cBhvr>
+                                      <p:to>
+                                        <p:strVal val="true"/>
+                                      </p:to>
+                                    </p:set>
+                                  </p:childTnLst>
+                                </p:cTn>
+                              </p:par>
+                              <p:par>
+                                <p:cTn id="28" presetID="1" presetClass="entr" presetSubtype="0" fill="hold" grpId="0" nodeType="withEffect">
+                                  <p:stCondLst>
+                                    <p:cond delay="0"/>
+                                  </p:stCondLst>
+                                  <p:childTnLst>
+                                    <p:set>
+                                      <p:cBhvr>
+                                        <p:cTn id="29" dur="1" fill="hold">
+                                          <p:stCondLst>
+                                            <p:cond delay="0"/>
+                                          </p:stCondLst>
+                                        </p:cTn>
+                                        <p:tgtEl>
+                                          <p:spTgt spid="95"/>
+                                        </p:tgtEl>
+                                        <p:attrNameLst>
+                                          <p:attrName>style.visibility</p:attrName>
+                                        </p:attrNameLst>
+                                      </p:cBhvr>
+                                      <p:to>
+                                        <p:strVal val="visible"/>
+                                      </p:to>
+                                    </p:set>
+                                  </p:childTnLst>
+                                </p:cTn>
+                              </p:par>
+                              <p:par>
+                                <p:cTn id="30" presetID="10" presetClass="exit" presetSubtype="0" fill="hold" nodeType="withEffect">
+                                  <p:stCondLst>
+                                    <p:cond delay="0"/>
+                                  </p:stCondLst>
+                                  <p:childTnLst>
+                                    <p:animEffect transition="out" filter="fade">
+                                      <p:cBhvr>
+                                        <p:cTn id="31" dur="500"/>
+                                        <p:tgtEl>
+                                          <p:spTgt spid="106">
+                                            <p:txEl>
+                                              <p:pRg st="0" end="0"/>
+                                            </p:txEl>
+                                          </p:spTgt>
+                                        </p:tgtEl>
+                                      </p:cBhvr>
+                                    </p:animEffect>
+                                    <p:set>
+                                      <p:cBhvr>
+                                        <p:cTn id="32" dur="1" fill="hold">
+                                          <p:stCondLst>
+                                            <p:cond delay="499"/>
+                                          </p:stCondLst>
+                                        </p:cTn>
+                                        <p:tgtEl>
+                                          <p:spTgt spid="106">
+                                            <p:txEl>
+                                              <p:pRg st="0" end="0"/>
+                                            </p:txEl>
+                                          </p:spTgt>
+                                        </p:tgtEl>
+                                        <p:attrNameLst>
+                                          <p:attrName>style.visibility</p:attrName>
+                                        </p:attrNameLst>
+                                      </p:cBhvr>
+                                      <p:to>
+                                        <p:strVal val="hidden"/>
+                                      </p:to>
+                                    </p:set>
+                                  </p:childTnLst>
+                                </p:cTn>
+                              </p:par>
+                            </p:childTnLst>
+                          </p:cTn>
+                        </p:par>
+                        <p:par>
+                          <p:cTn id="33" fill="hold">
+                            <p:stCondLst>
+                              <p:cond delay="3600"/>
+                            </p:stCondLst>
+                            <p:childTnLst>
+                              <p:par>
+                                <p:cTn id="34" presetID="10" presetClass="exit" presetSubtype="0" fill="hold" grpId="0" nodeType="afterEffect">
+                                  <p:stCondLst>
+                                    <p:cond delay="1500"/>
+                                  </p:stCondLst>
+                                  <p:childTnLst>
+                                    <p:animEffect transition="out" filter="fade">
+                                      <p:cBhvr>
+                                        <p:cTn id="35" dur="500"/>
+                                        <p:tgtEl>
+                                          <p:spTgt spid="100"/>
+                                        </p:tgtEl>
+                                      </p:cBhvr>
+                                    </p:animEffect>
+                                    <p:set>
+                                      <p:cBhvr>
+                                        <p:cTn id="36" dur="1" fill="hold">
+                                          <p:stCondLst>
+                                            <p:cond delay="499"/>
+                                          </p:stCondLst>
+                                        </p:cTn>
+                                        <p:tgtEl>
+                                          <p:spTgt spid="100"/>
+                                        </p:tgtEl>
+                                        <p:attrNameLst>
+                                          <p:attrName>style.visibility</p:attrName>
+                                        </p:attrNameLst>
+                                      </p:cBhvr>
+                                      <p:to>
+                                        <p:strVal val="hidden"/>
+                                      </p:to>
+                                    </p:set>
+                                  </p:childTnLst>
+                                </p:cTn>
+                              </p:par>
+                              <p:par>
+                                <p:cTn id="37" presetID="10" presetClass="exit" presetSubtype="0" fill="hold" grpId="1" nodeType="withEffect">
+                                  <p:stCondLst>
+                                    <p:cond delay="1500"/>
+                                  </p:stCondLst>
+                                  <p:childTnLst>
+                                    <p:animEffect transition="out" filter="fade">
+                                      <p:cBhvr>
+                                        <p:cTn id="38" dur="500"/>
+                                        <p:tgtEl>
+                                          <p:spTgt spid="95"/>
+                                        </p:tgtEl>
+                                      </p:cBhvr>
+                                    </p:animEffect>
+                                    <p:set>
+                                      <p:cBhvr>
+                                        <p:cTn id="39" dur="1" fill="hold">
+                                          <p:stCondLst>
+                                            <p:cond delay="499"/>
+                                          </p:stCondLst>
+                                        </p:cTn>
+                                        <p:tgtEl>
+                                          <p:spTgt spid="95"/>
+                                        </p:tgtEl>
+                                        <p:attrNameLst>
+                                          <p:attrName>style.visibility</p:attrName>
+                                        </p:attrNameLst>
+                                      </p:cBhvr>
+                                      <p:to>
+                                        <p:strVal val="hidden"/>
+                                      </p:to>
+                                    </p:set>
+                                  </p:childTnLst>
+                                </p:cTn>
+                              </p:par>
+                            </p:childTnLst>
+                          </p:cTn>
+                        </p:par>
+                      </p:childTnLst>
+                    </p:cTn>
+                  </p:par>
+                  <p:par>
+                    <p:cTn id="40" fill="hold">
+                      <p:stCondLst>
+                        <p:cond delay="indefinite"/>
+                      </p:stCondLst>
+                      <p:childTnLst>
+                        <p:par>
+                          <p:cTn id="41" fill="hold">
+                            <p:stCondLst>
+                              <p:cond delay="0"/>
+                            </p:stCondLst>
+                            <p:childTnLst>
+                              <p:par>
+                                <p:cTn id="42" presetID="10" presetClass="exit" presetSubtype="0" fill="hold" grpId="1" nodeType="clickEffect">
+                                  <p:stCondLst>
+                                    <p:cond delay="0"/>
+                                  </p:stCondLst>
+                                  <p:childTnLst>
+                                    <p:animEffect transition="out" filter="fade">
+                                      <p:cBhvr>
+                                        <p:cTn id="43" dur="500"/>
+                                        <p:tgtEl>
+                                          <p:spTgt spid="58"/>
+                                        </p:tgtEl>
+                                      </p:cBhvr>
+                                    </p:animEffect>
+                                    <p:set>
+                                      <p:cBhvr>
+                                        <p:cTn id="44" dur="1" fill="hold">
+                                          <p:stCondLst>
+                                            <p:cond delay="499"/>
+                                          </p:stCondLst>
+                                        </p:cTn>
+                                        <p:tgtEl>
+                                          <p:spTgt spid="58"/>
+                                        </p:tgtEl>
+                                        <p:attrNameLst>
+                                          <p:attrName>style.visibility</p:attrName>
+                                        </p:attrNameLst>
+                                      </p:cBhvr>
+                                      <p:to>
+                                        <p:strVal val="hidden"/>
+                                      </p:to>
+                                    </p:set>
+                                  </p:childTnLst>
+                                </p:cTn>
+                              </p:par>
+                              <p:par>
+                                <p:cTn id="45" presetID="10" presetClass="entr" presetSubtype="0" fill="hold" grpId="0" nodeType="withEffect">
+                                  <p:stCondLst>
+                                    <p:cond delay="0"/>
+                                  </p:stCondLst>
+                                  <p:childTnLst>
+                                    <p:set>
+                                      <p:cBhvr>
+                                        <p:cTn id="46" dur="1" fill="hold">
+                                          <p:stCondLst>
+                                            <p:cond delay="0"/>
+                                          </p:stCondLst>
+                                        </p:cTn>
+                                        <p:tgtEl>
+                                          <p:spTgt spid="60"/>
+                                        </p:tgtEl>
+                                        <p:attrNameLst>
+                                          <p:attrName>style.visibility</p:attrName>
+                                        </p:attrNameLst>
+                                      </p:cBhvr>
+                                      <p:to>
+                                        <p:strVal val="visible"/>
+                                      </p:to>
+                                    </p:set>
+                                    <p:animEffect transition="in" filter="fade">
+                                      <p:cBhvr>
+                                        <p:cTn id="47" dur="500"/>
+                                        <p:tgtEl>
+                                          <p:spTgt spid="60"/>
+                                        </p:tgtEl>
+                                      </p:cBhvr>
+                                    </p:animEffect>
+                                  </p:childTnLst>
+                                </p:cTn>
+                              </p:par>
+                              <p:par>
+                                <p:cTn id="48" presetID="10" presetClass="entr" presetSubtype="0" fill="hold" grpId="0" nodeType="withEffect">
+                                  <p:stCondLst>
+                                    <p:cond delay="0"/>
+                                  </p:stCondLst>
+                                  <p:childTnLst>
+                                    <p:set>
+                                      <p:cBhvr>
+                                        <p:cTn id="49" dur="1" fill="hold">
+                                          <p:stCondLst>
+                                            <p:cond delay="0"/>
+                                          </p:stCondLst>
+                                        </p:cTn>
+                                        <p:tgtEl>
+                                          <p:spTgt spid="59"/>
+                                        </p:tgtEl>
+                                        <p:attrNameLst>
+                                          <p:attrName>style.visibility</p:attrName>
+                                        </p:attrNameLst>
+                                      </p:cBhvr>
+                                      <p:to>
+                                        <p:strVal val="visible"/>
+                                      </p:to>
+                                    </p:set>
+                                    <p:animEffect transition="in" filter="fade">
+                                      <p:cBhvr>
+                                        <p:cTn id="50" dur="500"/>
+                                        <p:tgtEl>
+                                          <p:spTgt spid="59"/>
+                                        </p:tgtEl>
+                                      </p:cBhvr>
+                                    </p:animEffect>
+                                  </p:childTnLst>
+                                </p:cTn>
+                              </p:par>
+                            </p:childTnLst>
+                          </p:cTn>
+                        </p:par>
+                        <p:par>
+                          <p:cTn id="51" fill="hold">
+                            <p:stCondLst>
+                              <p:cond delay="500"/>
+                            </p:stCondLst>
+                            <p:childTnLst>
+                              <p:par>
+                                <p:cTn id="52" presetID="10" presetClass="entr" presetSubtype="0" fill="hold" nodeType="afterEffect">
+                                  <p:stCondLst>
+                                    <p:cond delay="0"/>
+                                  </p:stCondLst>
+                                  <p:childTnLst>
+                                    <p:set>
+                                      <p:cBhvr>
+                                        <p:cTn id="53" dur="1" fill="hold">
+                                          <p:stCondLst>
+                                            <p:cond delay="0"/>
+                                          </p:stCondLst>
+                                        </p:cTn>
+                                        <p:tgtEl>
+                                          <p:spTgt spid="106">
+                                            <p:txEl>
+                                              <p:pRg st="0" end="0"/>
+                                            </p:txEl>
+                                          </p:spTgt>
+                                        </p:tgtEl>
+                                        <p:attrNameLst>
+                                          <p:attrName>style.visibility</p:attrName>
+                                        </p:attrNameLst>
+                                      </p:cBhvr>
+                                      <p:to>
+                                        <p:strVal val="visible"/>
+                                      </p:to>
+                                    </p:set>
+                                    <p:animEffect transition="in" filter="fade">
+                                      <p:cBhvr>
+                                        <p:cTn id="54" dur="500"/>
+                                        <p:tgtEl>
+                                          <p:spTgt spid="106">
+                                            <p:txEl>
+                                              <p:pRg st="0" end="0"/>
+                                            </p:txEl>
+                                          </p:spTgt>
+                                        </p:tgtEl>
+                                      </p:cBhvr>
+                                    </p:animEffect>
+                                  </p:childTnLst>
+                                </p:cTn>
+                              </p:par>
+                            </p:childTnLst>
+                          </p:cTn>
+                        </p:par>
+                      </p:childTnLst>
+                    </p:cTn>
+                  </p:par>
+                  <p:par>
+                    <p:cTn id="55" fill="hold">
+                      <p:stCondLst>
+                        <p:cond delay="indefinite"/>
+                      </p:stCondLst>
+                      <p:childTnLst>
+                        <p:par>
+                          <p:cTn id="56" fill="hold">
+                            <p:stCondLst>
+                              <p:cond delay="0"/>
+                            </p:stCondLst>
+                            <p:childTnLst>
+                              <p:par>
+                                <p:cTn id="57" presetID="27" presetClass="emph" presetSubtype="0" repeatCount="3000" fill="hold" grpId="0" nodeType="clickEffect">
+                                  <p:stCondLst>
+                                    <p:cond delay="0"/>
+                                  </p:stCondLst>
+                                  <p:childTnLst>
+                                    <p:animClr clrSpc="rgb" dir="cw">
+                                      <p:cBhvr override="childStyle">
+                                        <p:cTn id="58" dur="500" autoRev="1" fill="remove"/>
+                                        <p:tgtEl>
+                                          <p:spTgt spid="39"/>
+                                        </p:tgtEl>
+                                        <p:attrNameLst>
+                                          <p:attrName>style.color</p:attrName>
+                                        </p:attrNameLst>
+                                      </p:cBhvr>
+                                      <p:to>
+                                        <a:schemeClr val="bg1"/>
+                                      </p:to>
+                                    </p:animClr>
+                                    <p:animClr clrSpc="rgb" dir="cw">
+                                      <p:cBhvr>
+                                        <p:cTn id="59" dur="500" autoRev="1" fill="remove"/>
+                                        <p:tgtEl>
+                                          <p:spTgt spid="39"/>
+                                        </p:tgtEl>
+                                        <p:attrNameLst>
+                                          <p:attrName>fillcolor</p:attrName>
+                                        </p:attrNameLst>
+                                      </p:cBhvr>
+                                      <p:to>
+                                        <a:schemeClr val="bg1"/>
+                                      </p:to>
+                                    </p:animClr>
+                                    <p:set>
+                                      <p:cBhvr>
+                                        <p:cTn id="60" dur="500" autoRev="1" fill="remove"/>
+                                        <p:tgtEl>
+                                          <p:spTgt spid="39"/>
+                                        </p:tgtEl>
+                                        <p:attrNameLst>
+                                          <p:attrName>fill.type</p:attrName>
+                                        </p:attrNameLst>
+                                      </p:cBhvr>
+                                      <p:to>
+                                        <p:strVal val="solid"/>
+                                      </p:to>
+                                    </p:set>
+                                    <p:set>
+                                      <p:cBhvr>
+                                        <p:cTn id="61" dur="500" autoRev="1" fill="remove"/>
+                                        <p:tgtEl>
+                                          <p:spTgt spid="39"/>
+                                        </p:tgtEl>
+                                        <p:attrNameLst>
+                                          <p:attrName>fill.on</p:attrName>
+                                        </p:attrNameLst>
+                                      </p:cBhvr>
+                                      <p:to>
+                                        <p:strVal val="true"/>
+                                      </p:to>
+                                    </p:set>
+                                  </p:childTnLst>
+                                </p:cTn>
+                              </p:par>
+                              <p:par>
+                                <p:cTn id="62" presetID="1" presetClass="entr" presetSubtype="0" fill="hold" grpId="2" nodeType="withEffect">
+                                  <p:stCondLst>
+                                    <p:cond delay="0"/>
+                                  </p:stCondLst>
+                                  <p:childTnLst>
+                                    <p:set>
+                                      <p:cBhvr>
+                                        <p:cTn id="63" dur="1" fill="hold">
+                                          <p:stCondLst>
+                                            <p:cond delay="0"/>
+                                          </p:stCondLst>
+                                        </p:cTn>
+                                        <p:tgtEl>
+                                          <p:spTgt spid="95"/>
+                                        </p:tgtEl>
+                                        <p:attrNameLst>
+                                          <p:attrName>style.visibility</p:attrName>
+                                        </p:attrNameLst>
+                                      </p:cBhvr>
+                                      <p:to>
+                                        <p:strVal val="visible"/>
+                                      </p:to>
+                                    </p:set>
+                                  </p:childTnLst>
+                                </p:cTn>
+                              </p:par>
+                              <p:par>
+                                <p:cTn id="64" presetID="10" presetClass="exit" presetSubtype="0" fill="hold" nodeType="withEffect">
+                                  <p:stCondLst>
+                                    <p:cond delay="0"/>
+                                  </p:stCondLst>
+                                  <p:childTnLst>
+                                    <p:animEffect transition="out" filter="fade">
+                                      <p:cBhvr>
+                                        <p:cTn id="65" dur="500"/>
+                                        <p:tgtEl>
+                                          <p:spTgt spid="106">
+                                            <p:txEl>
+                                              <p:pRg st="0" end="0"/>
+                                            </p:txEl>
+                                          </p:spTgt>
+                                        </p:tgtEl>
+                                      </p:cBhvr>
+                                    </p:animEffect>
+                                    <p:set>
+                                      <p:cBhvr>
+                                        <p:cTn id="66" dur="1" fill="hold">
+                                          <p:stCondLst>
+                                            <p:cond delay="499"/>
+                                          </p:stCondLst>
+                                        </p:cTn>
+                                        <p:tgtEl>
+                                          <p:spTgt spid="106">
+                                            <p:txEl>
+                                              <p:pRg st="0" end="0"/>
+                                            </p:txEl>
+                                          </p:spTgt>
+                                        </p:tgtEl>
+                                        <p:attrNameLst>
+                                          <p:attrName>style.visibility</p:attrName>
+                                        </p:attrNameLst>
+                                      </p:cBhvr>
+                                      <p:to>
+                                        <p:strVal val="hidden"/>
+                                      </p:to>
+                                    </p:set>
+                                  </p:childTnLst>
+                                </p:cTn>
+                              </p:par>
+                            </p:childTnLst>
+                          </p:cTn>
+                        </p:par>
+                        <p:par>
+                          <p:cTn id="67" fill="hold">
+                            <p:stCondLst>
+                              <p:cond delay="3000"/>
+                            </p:stCondLst>
+                            <p:childTnLst>
+                              <p:par>
+                                <p:cTn id="68" presetID="10" presetClass="exit" presetSubtype="0" fill="hold" grpId="0" nodeType="afterEffect">
+                                  <p:stCondLst>
+                                    <p:cond delay="1500"/>
+                                  </p:stCondLst>
+                                  <p:childTnLst>
+                                    <p:animEffect transition="out" filter="fade">
+                                      <p:cBhvr>
+                                        <p:cTn id="69" dur="500"/>
+                                        <p:tgtEl>
+                                          <p:spTgt spid="101"/>
+                                        </p:tgtEl>
+                                      </p:cBhvr>
+                                    </p:animEffect>
+                                    <p:set>
+                                      <p:cBhvr>
+                                        <p:cTn id="70" dur="1" fill="hold">
+                                          <p:stCondLst>
+                                            <p:cond delay="499"/>
+                                          </p:stCondLst>
+                                        </p:cTn>
+                                        <p:tgtEl>
+                                          <p:spTgt spid="101"/>
+                                        </p:tgtEl>
+                                        <p:attrNameLst>
+                                          <p:attrName>style.visibility</p:attrName>
+                                        </p:attrNameLst>
+                                      </p:cBhvr>
+                                      <p:to>
+                                        <p:strVal val="hidden"/>
+                                      </p:to>
+                                    </p:set>
+                                  </p:childTnLst>
+                                </p:cTn>
+                              </p:par>
+                              <p:par>
+                                <p:cTn id="71" presetID="10" presetClass="exit" presetSubtype="0" fill="hold" grpId="3" nodeType="withEffect">
+                                  <p:stCondLst>
+                                    <p:cond delay="1500"/>
+                                  </p:stCondLst>
+                                  <p:childTnLst>
+                                    <p:animEffect transition="out" filter="fade">
+                                      <p:cBhvr>
+                                        <p:cTn id="72" dur="500"/>
+                                        <p:tgtEl>
+                                          <p:spTgt spid="95"/>
+                                        </p:tgtEl>
+                                      </p:cBhvr>
+                                    </p:animEffect>
+                                    <p:set>
+                                      <p:cBhvr>
+                                        <p:cTn id="73" dur="1" fill="hold">
+                                          <p:stCondLst>
+                                            <p:cond delay="499"/>
+                                          </p:stCondLst>
+                                        </p:cTn>
+                                        <p:tgtEl>
+                                          <p:spTgt spid="95"/>
+                                        </p:tgtEl>
+                                        <p:attrNameLst>
+                                          <p:attrName>style.visibility</p:attrName>
+                                        </p:attrNameLst>
+                                      </p:cBhvr>
+                                      <p:to>
+                                        <p:strVal val="hidden"/>
+                                      </p:to>
+                                    </p:set>
+                                  </p:childTnLst>
+                                </p:cTn>
+                              </p:par>
+                            </p:childTnLst>
+                          </p:cTn>
+                        </p:par>
+                      </p:childTnLst>
+                    </p:cTn>
+                  </p:par>
+                  <p:par>
+                    <p:cTn id="74" fill="hold">
+                      <p:stCondLst>
+                        <p:cond delay="indefinite"/>
+                      </p:stCondLst>
+                      <p:childTnLst>
+                        <p:par>
+                          <p:cTn id="75" fill="hold">
+                            <p:stCondLst>
+                              <p:cond delay="0"/>
+                            </p:stCondLst>
+                            <p:childTnLst>
+                              <p:par>
+                                <p:cTn id="76" presetID="10" presetClass="exit" presetSubtype="0" fill="hold" grpId="1" nodeType="clickEffect">
+                                  <p:stCondLst>
+                                    <p:cond delay="0"/>
+                                  </p:stCondLst>
+                                  <p:childTnLst>
+                                    <p:animEffect transition="out" filter="fade">
+                                      <p:cBhvr>
+                                        <p:cTn id="77" dur="500"/>
+                                        <p:tgtEl>
+                                          <p:spTgt spid="60"/>
+                                        </p:tgtEl>
+                                      </p:cBhvr>
+                                    </p:animEffect>
+                                    <p:set>
+                                      <p:cBhvr>
+                                        <p:cTn id="78" dur="1" fill="hold">
+                                          <p:stCondLst>
+                                            <p:cond delay="499"/>
+                                          </p:stCondLst>
+                                        </p:cTn>
+                                        <p:tgtEl>
+                                          <p:spTgt spid="60"/>
+                                        </p:tgtEl>
+                                        <p:attrNameLst>
+                                          <p:attrName>style.visibility</p:attrName>
+                                        </p:attrNameLst>
+                                      </p:cBhvr>
+                                      <p:to>
+                                        <p:strVal val="hidden"/>
+                                      </p:to>
+                                    </p:set>
+                                  </p:childTnLst>
+                                </p:cTn>
+                              </p:par>
+                              <p:par>
+                                <p:cTn id="79" presetID="10" presetClass="exit" presetSubtype="0" fill="hold" grpId="1" nodeType="withEffect">
+                                  <p:stCondLst>
+                                    <p:cond delay="0"/>
+                                  </p:stCondLst>
+                                  <p:childTnLst>
+                                    <p:animEffect transition="out" filter="fade">
+                                      <p:cBhvr>
+                                        <p:cTn id="80" dur="500"/>
+                                        <p:tgtEl>
+                                          <p:spTgt spid="59"/>
+                                        </p:tgtEl>
+                                      </p:cBhvr>
+                                    </p:animEffect>
+                                    <p:set>
+                                      <p:cBhvr>
+                                        <p:cTn id="81" dur="1" fill="hold">
+                                          <p:stCondLst>
+                                            <p:cond delay="499"/>
+                                          </p:stCondLst>
+                                        </p:cTn>
+                                        <p:tgtEl>
+                                          <p:spTgt spid="59"/>
+                                        </p:tgtEl>
+                                        <p:attrNameLst>
+                                          <p:attrName>style.visibility</p:attrName>
+                                        </p:attrNameLst>
+                                      </p:cBhvr>
+                                      <p:to>
+                                        <p:strVal val="hidden"/>
+                                      </p:to>
+                                    </p:set>
+                                  </p:childTnLst>
+                                </p:cTn>
+                              </p:par>
+                              <p:par>
+                                <p:cTn id="82" presetID="10" presetClass="entr" presetSubtype="0" fill="hold" grpId="0" nodeType="withEffect">
+                                  <p:stCondLst>
+                                    <p:cond delay="0"/>
+                                  </p:stCondLst>
+                                  <p:childTnLst>
+                                    <p:set>
+                                      <p:cBhvr>
+                                        <p:cTn id="83" dur="1" fill="hold">
+                                          <p:stCondLst>
+                                            <p:cond delay="0"/>
+                                          </p:stCondLst>
+                                        </p:cTn>
+                                        <p:tgtEl>
+                                          <p:spTgt spid="61"/>
+                                        </p:tgtEl>
+                                        <p:attrNameLst>
+                                          <p:attrName>style.visibility</p:attrName>
+                                        </p:attrNameLst>
+                                      </p:cBhvr>
+                                      <p:to>
+                                        <p:strVal val="visible"/>
+                                      </p:to>
+                                    </p:set>
+                                    <p:animEffect transition="in" filter="fade">
+                                      <p:cBhvr>
+                                        <p:cTn id="84" dur="500"/>
+                                        <p:tgtEl>
+                                          <p:spTgt spid="61"/>
+                                        </p:tgtEl>
+                                      </p:cBhvr>
+                                    </p:animEffect>
+                                  </p:childTnLst>
+                                </p:cTn>
+                              </p:par>
+                            </p:childTnLst>
+                          </p:cTn>
+                        </p:par>
+                        <p:par>
+                          <p:cTn id="85" fill="hold">
+                            <p:stCondLst>
+                              <p:cond delay="500"/>
+                            </p:stCondLst>
+                            <p:childTnLst>
+                              <p:par>
+                                <p:cTn id="86" presetID="10" presetClass="entr" presetSubtype="0" fill="hold" nodeType="afterEffect">
+                                  <p:stCondLst>
+                                    <p:cond delay="0"/>
+                                  </p:stCondLst>
+                                  <p:childTnLst>
+                                    <p:set>
+                                      <p:cBhvr>
+                                        <p:cTn id="87" dur="1" fill="hold">
+                                          <p:stCondLst>
+                                            <p:cond delay="0"/>
+                                          </p:stCondLst>
+                                        </p:cTn>
+                                        <p:tgtEl>
+                                          <p:spTgt spid="106">
+                                            <p:txEl>
+                                              <p:pRg st="0" end="0"/>
+                                            </p:txEl>
+                                          </p:spTgt>
+                                        </p:tgtEl>
+                                        <p:attrNameLst>
+                                          <p:attrName>style.visibility</p:attrName>
+                                        </p:attrNameLst>
+                                      </p:cBhvr>
+                                      <p:to>
+                                        <p:strVal val="visible"/>
+                                      </p:to>
+                                    </p:set>
+                                    <p:animEffect transition="in" filter="fade">
+                                      <p:cBhvr>
+                                        <p:cTn id="88" dur="500"/>
+                                        <p:tgtEl>
+                                          <p:spTgt spid="106">
+                                            <p:txEl>
+                                              <p:pRg st="0" end="0"/>
+                                            </p:txEl>
+                                          </p:spTgt>
+                                        </p:tgtEl>
+                                      </p:cBhvr>
+                                    </p:animEffect>
+                                  </p:childTnLst>
+                                </p:cTn>
+                              </p:par>
+                            </p:childTnLst>
+                          </p:cTn>
+                        </p:par>
+                      </p:childTnLst>
+                    </p:cTn>
+                  </p:par>
+                  <p:par>
+                    <p:cTn id="89" fill="hold">
+                      <p:stCondLst>
+                        <p:cond delay="indefinite"/>
+                      </p:stCondLst>
+                      <p:childTnLst>
+                        <p:par>
+                          <p:cTn id="90" fill="hold">
+                            <p:stCondLst>
+                              <p:cond delay="0"/>
+                            </p:stCondLst>
+                            <p:childTnLst>
+                              <p:par>
+                                <p:cTn id="91" presetID="27" presetClass="emph" presetSubtype="0" repeatCount="3000" fill="hold" grpId="0" nodeType="clickEffect">
+                                  <p:stCondLst>
+                                    <p:cond delay="0"/>
+                                  </p:stCondLst>
+                                  <p:childTnLst>
+                                    <p:animClr clrSpc="rgb" dir="cw">
+                                      <p:cBhvr override="childStyle">
+                                        <p:cTn id="92" dur="500" autoRev="1" fill="remove"/>
+                                        <p:tgtEl>
+                                          <p:spTgt spid="38"/>
+                                        </p:tgtEl>
+                                        <p:attrNameLst>
+                                          <p:attrName>style.color</p:attrName>
+                                        </p:attrNameLst>
+                                      </p:cBhvr>
+                                      <p:to>
+                                        <a:schemeClr val="bg1"/>
+                                      </p:to>
+                                    </p:animClr>
+                                    <p:animClr clrSpc="rgb" dir="cw">
+                                      <p:cBhvr>
+                                        <p:cTn id="93" dur="500" autoRev="1" fill="remove"/>
+                                        <p:tgtEl>
+                                          <p:spTgt spid="38"/>
+                                        </p:tgtEl>
+                                        <p:attrNameLst>
+                                          <p:attrName>fillcolor</p:attrName>
+                                        </p:attrNameLst>
+                                      </p:cBhvr>
+                                      <p:to>
+                                        <a:schemeClr val="bg1"/>
+                                      </p:to>
+                                    </p:animClr>
+                                    <p:set>
+                                      <p:cBhvr>
+                                        <p:cTn id="94" dur="500" autoRev="1" fill="remove"/>
+                                        <p:tgtEl>
+                                          <p:spTgt spid="38"/>
+                                        </p:tgtEl>
+                                        <p:attrNameLst>
+                                          <p:attrName>fill.type</p:attrName>
+                                        </p:attrNameLst>
+                                      </p:cBhvr>
+                                      <p:to>
+                                        <p:strVal val="solid"/>
+                                      </p:to>
+                                    </p:set>
+                                    <p:set>
+                                      <p:cBhvr>
+                                        <p:cTn id="95" dur="500" autoRev="1" fill="remove"/>
+                                        <p:tgtEl>
+                                          <p:spTgt spid="38"/>
+                                        </p:tgtEl>
+                                        <p:attrNameLst>
+                                          <p:attrName>fill.on</p:attrName>
+                                        </p:attrNameLst>
+                                      </p:cBhvr>
+                                      <p:to>
+                                        <p:strVal val="true"/>
+                                      </p:to>
+                                    </p:set>
+                                  </p:childTnLst>
+                                </p:cTn>
+                              </p:par>
+                              <p:par>
+                                <p:cTn id="96" presetID="10" presetClass="entr" presetSubtype="0" fill="hold" grpId="4" nodeType="withEffect">
+                                  <p:stCondLst>
+                                    <p:cond delay="0"/>
+                                  </p:stCondLst>
+                                  <p:childTnLst>
+                                    <p:set>
+                                      <p:cBhvr>
+                                        <p:cTn id="97" dur="1" fill="hold">
+                                          <p:stCondLst>
+                                            <p:cond delay="0"/>
+                                          </p:stCondLst>
+                                        </p:cTn>
+                                        <p:tgtEl>
+                                          <p:spTgt spid="95"/>
+                                        </p:tgtEl>
+                                        <p:attrNameLst>
+                                          <p:attrName>style.visibility</p:attrName>
+                                        </p:attrNameLst>
+                                      </p:cBhvr>
+                                      <p:to>
+                                        <p:strVal val="visible"/>
+                                      </p:to>
+                                    </p:set>
+                                    <p:animEffect transition="in" filter="fade">
+                                      <p:cBhvr>
+                                        <p:cTn id="98" dur="500"/>
+                                        <p:tgtEl>
+                                          <p:spTgt spid="95"/>
+                                        </p:tgtEl>
+                                      </p:cBhvr>
+                                    </p:animEffect>
+                                  </p:childTnLst>
+                                </p:cTn>
+                              </p:par>
+                            </p:childTnLst>
+                          </p:cTn>
+                        </p:par>
+                        <p:par>
+                          <p:cTn id="99" fill="hold">
+                            <p:stCondLst>
+                              <p:cond delay="3000"/>
+                            </p:stCondLst>
+                            <p:childTnLst>
+                              <p:par>
+                                <p:cTn id="100" presetID="10" presetClass="exit" presetSubtype="0" fill="hold" grpId="0" nodeType="afterEffect">
+                                  <p:stCondLst>
+                                    <p:cond delay="0"/>
+                                  </p:stCondLst>
+                                  <p:childTnLst>
+                                    <p:animEffect transition="out" filter="fade">
+                                      <p:cBhvr>
+                                        <p:cTn id="101" dur="500"/>
+                                        <p:tgtEl>
+                                          <p:spTgt spid="104"/>
+                                        </p:tgtEl>
+                                      </p:cBhvr>
+                                    </p:animEffect>
+                                    <p:set>
+                                      <p:cBhvr>
+                                        <p:cTn id="102" dur="1" fill="hold">
+                                          <p:stCondLst>
+                                            <p:cond delay="499"/>
+                                          </p:stCondLst>
+                                        </p:cTn>
+                                        <p:tgtEl>
+                                          <p:spTgt spid="104"/>
+                                        </p:tgtEl>
+                                        <p:attrNameLst>
+                                          <p:attrName>style.visibility</p:attrName>
+                                        </p:attrNameLst>
+                                      </p:cBhvr>
+                                      <p:to>
+                                        <p:strVal val="hidden"/>
+                                      </p:to>
+                                    </p:set>
+                                  </p:childTnLst>
+                                </p:cTn>
+                              </p:par>
+                              <p:par>
+                                <p:cTn id="103" presetID="10" presetClass="exit" presetSubtype="0" fill="hold" nodeType="withEffect">
+                                  <p:stCondLst>
+                                    <p:cond delay="0"/>
+                                  </p:stCondLst>
+                                  <p:childTnLst>
+                                    <p:animEffect transition="out" filter="fade">
+                                      <p:cBhvr>
+                                        <p:cTn id="104" dur="500"/>
+                                        <p:tgtEl>
+                                          <p:spTgt spid="106">
+                                            <p:txEl>
+                                              <p:pRg st="0" end="0"/>
+                                            </p:txEl>
+                                          </p:spTgt>
+                                        </p:tgtEl>
+                                      </p:cBhvr>
+                                    </p:animEffect>
+                                    <p:set>
+                                      <p:cBhvr>
+                                        <p:cTn id="105" dur="1" fill="hold">
+                                          <p:stCondLst>
+                                            <p:cond delay="499"/>
+                                          </p:stCondLst>
+                                        </p:cTn>
+                                        <p:tgtEl>
+                                          <p:spTgt spid="106">
+                                            <p:txEl>
+                                              <p:pRg st="0" end="0"/>
+                                            </p:txEl>
+                                          </p:spTgt>
+                                        </p:tgtEl>
+                                        <p:attrNameLst>
+                                          <p:attrName>style.visibility</p:attrName>
+                                        </p:attrNameLst>
+                                      </p:cBhvr>
+                                      <p:to>
+                                        <p:strVal val="hidden"/>
+                                      </p:to>
+                                    </p:set>
+                                  </p:childTnLst>
+                                </p:cTn>
+                              </p:par>
+                              <p:par>
+                                <p:cTn id="106" presetID="10" presetClass="exit" presetSubtype="0" fill="hold" grpId="5" nodeType="withEffect">
+                                  <p:stCondLst>
+                                    <p:cond delay="0"/>
+                                  </p:stCondLst>
+                                  <p:childTnLst>
+                                    <p:animEffect transition="out" filter="fade">
+                                      <p:cBhvr>
+                                        <p:cTn id="107" dur="500"/>
+                                        <p:tgtEl>
+                                          <p:spTgt spid="95"/>
+                                        </p:tgtEl>
+                                      </p:cBhvr>
+                                    </p:animEffect>
+                                    <p:set>
+                                      <p:cBhvr>
+                                        <p:cTn id="108" dur="1" fill="hold">
+                                          <p:stCondLst>
+                                            <p:cond delay="499"/>
+                                          </p:stCondLst>
+                                        </p:cTn>
+                                        <p:tgtEl>
+                                          <p:spTgt spid="95"/>
+                                        </p:tgtEl>
+                                        <p:attrNameLst>
+                                          <p:attrName>style.visibility</p:attrName>
+                                        </p:attrNameLst>
+                                      </p:cBhvr>
+                                      <p:to>
+                                        <p:strVal val="hidden"/>
+                                      </p:to>
+                                    </p:set>
+                                  </p:childTnLst>
+                                </p:cTn>
+                              </p:par>
+                            </p:childTnLst>
+                          </p:cTn>
+                        </p:par>
+                      </p:childTnLst>
+                    </p:cTn>
+                  </p:par>
+                  <p:par>
+                    <p:cTn id="109" fill="hold">
+                      <p:stCondLst>
+                        <p:cond delay="indefinite"/>
+                      </p:stCondLst>
+                      <p:childTnLst>
+                        <p:par>
+                          <p:cTn id="110" fill="hold">
+                            <p:stCondLst>
+                              <p:cond delay="0"/>
+                            </p:stCondLst>
+                            <p:childTnLst>
+                              <p:par>
+                                <p:cTn id="111" presetID="10" presetClass="entr" presetSubtype="0" fill="hold" grpId="0" nodeType="clickEffect">
+                                  <p:stCondLst>
+                                    <p:cond delay="0"/>
+                                  </p:stCondLst>
+                                  <p:childTnLst>
+                                    <p:set>
+                                      <p:cBhvr>
+                                        <p:cTn id="112" dur="1" fill="hold">
+                                          <p:stCondLst>
+                                            <p:cond delay="0"/>
+                                          </p:stCondLst>
+                                        </p:cTn>
+                                        <p:tgtEl>
+                                          <p:spTgt spid="62"/>
+                                        </p:tgtEl>
+                                        <p:attrNameLst>
+                                          <p:attrName>style.visibility</p:attrName>
+                                        </p:attrNameLst>
+                                      </p:cBhvr>
+                                      <p:to>
+                                        <p:strVal val="visible"/>
+                                      </p:to>
+                                    </p:set>
+                                    <p:animEffect transition="in" filter="fade">
+                                      <p:cBhvr>
+                                        <p:cTn id="113" dur="500"/>
+                                        <p:tgtEl>
+                                          <p:spTgt spid="62"/>
+                                        </p:tgtEl>
+                                      </p:cBhvr>
+                                    </p:animEffect>
+                                  </p:childTnLst>
+                                </p:cTn>
+                              </p:par>
+                              <p:par>
+                                <p:cTn id="114" presetID="10" presetClass="exit" presetSubtype="0" fill="hold" grpId="1" nodeType="withEffect">
+                                  <p:stCondLst>
+                                    <p:cond delay="0"/>
+                                  </p:stCondLst>
+                                  <p:childTnLst>
+                                    <p:animEffect transition="out" filter="fade">
+                                      <p:cBhvr>
+                                        <p:cTn id="115" dur="500"/>
+                                        <p:tgtEl>
+                                          <p:spTgt spid="61"/>
+                                        </p:tgtEl>
+                                      </p:cBhvr>
+                                    </p:animEffect>
+                                    <p:set>
+                                      <p:cBhvr>
+                                        <p:cTn id="116" dur="1" fill="hold">
+                                          <p:stCondLst>
+                                            <p:cond delay="499"/>
+                                          </p:stCondLst>
+                                        </p:cTn>
+                                        <p:tgtEl>
+                                          <p:spTgt spid="61"/>
+                                        </p:tgtEl>
+                                        <p:attrNameLst>
+                                          <p:attrName>style.visibility</p:attrName>
+                                        </p:attrNameLst>
+                                      </p:cBhvr>
+                                      <p:to>
+                                        <p:strVal val="hidden"/>
+                                      </p:to>
+                                    </p:set>
+                                  </p:childTnLst>
+                                </p:cTn>
+                              </p:par>
+                            </p:childTnLst>
+                          </p:cTn>
+                        </p:par>
+                        <p:par>
+                          <p:cTn id="117" fill="hold">
+                            <p:stCondLst>
+                              <p:cond delay="1000"/>
+                            </p:stCondLst>
+                            <p:childTnLst>
+                              <p:par>
+                                <p:cTn id="118" presetID="10" presetClass="entr" presetSubtype="0" fill="hold" nodeType="afterEffect">
+                                  <p:stCondLst>
+                                    <p:cond delay="0"/>
+                                  </p:stCondLst>
+                                  <p:childTnLst>
+                                    <p:set>
+                                      <p:cBhvr>
+                                        <p:cTn id="119" dur="1" fill="hold">
+                                          <p:stCondLst>
+                                            <p:cond delay="0"/>
+                                          </p:stCondLst>
+                                        </p:cTn>
+                                        <p:tgtEl>
+                                          <p:spTgt spid="106">
+                                            <p:txEl>
+                                              <p:pRg st="0" end="0"/>
+                                            </p:txEl>
+                                          </p:spTgt>
+                                        </p:tgtEl>
+                                        <p:attrNameLst>
+                                          <p:attrName>style.visibility</p:attrName>
+                                        </p:attrNameLst>
+                                      </p:cBhvr>
+                                      <p:to>
+                                        <p:strVal val="visible"/>
+                                      </p:to>
+                                    </p:set>
+                                    <p:animEffect transition="in" filter="fade">
+                                      <p:cBhvr>
+                                        <p:cTn id="120" dur="500"/>
+                                        <p:tgtEl>
+                                          <p:spTgt spid="106">
+                                            <p:txEl>
+                                              <p:pRg st="0" end="0"/>
+                                            </p:txEl>
+                                          </p:spTgt>
+                                        </p:tgtEl>
+                                      </p:cBhvr>
+                                    </p:animEffect>
+                                  </p:childTnLst>
+                                </p:cTn>
+                              </p:par>
+                            </p:childTnLst>
+                          </p:cTn>
+                        </p:par>
+                      </p:childTnLst>
+                    </p:cTn>
+                  </p:par>
+                  <p:par>
+                    <p:cTn id="121" fill="hold">
+                      <p:stCondLst>
+                        <p:cond delay="indefinite"/>
+                      </p:stCondLst>
+                      <p:childTnLst>
+                        <p:par>
+                          <p:cTn id="122" fill="hold">
+                            <p:stCondLst>
+                              <p:cond delay="0"/>
+                            </p:stCondLst>
+                            <p:childTnLst>
+                              <p:par>
+                                <p:cTn id="123" presetID="27" presetClass="emph" presetSubtype="0" repeatCount="3000" fill="hold" grpId="0" nodeType="clickEffect">
+                                  <p:stCondLst>
+                                    <p:cond delay="0"/>
+                                  </p:stCondLst>
+                                  <p:childTnLst>
+                                    <p:animClr clrSpc="rgb" dir="cw">
+                                      <p:cBhvr override="childStyle">
+                                        <p:cTn id="124" dur="500" autoRev="1" fill="remove"/>
+                                        <p:tgtEl>
+                                          <p:spTgt spid="40"/>
+                                        </p:tgtEl>
+                                        <p:attrNameLst>
+                                          <p:attrName>style.color</p:attrName>
+                                        </p:attrNameLst>
+                                      </p:cBhvr>
+                                      <p:to>
+                                        <a:schemeClr val="bg1"/>
+                                      </p:to>
+                                    </p:animClr>
+                                    <p:animClr clrSpc="rgb" dir="cw">
+                                      <p:cBhvr>
+                                        <p:cTn id="125" dur="500" autoRev="1" fill="remove"/>
+                                        <p:tgtEl>
+                                          <p:spTgt spid="40"/>
+                                        </p:tgtEl>
+                                        <p:attrNameLst>
+                                          <p:attrName>fillcolor</p:attrName>
+                                        </p:attrNameLst>
+                                      </p:cBhvr>
+                                      <p:to>
+                                        <a:schemeClr val="bg1"/>
+                                      </p:to>
+                                    </p:animClr>
+                                    <p:set>
+                                      <p:cBhvr>
+                                        <p:cTn id="126" dur="500" autoRev="1" fill="remove"/>
+                                        <p:tgtEl>
+                                          <p:spTgt spid="40"/>
+                                        </p:tgtEl>
+                                        <p:attrNameLst>
+                                          <p:attrName>fill.type</p:attrName>
+                                        </p:attrNameLst>
+                                      </p:cBhvr>
+                                      <p:to>
+                                        <p:strVal val="solid"/>
+                                      </p:to>
+                                    </p:set>
+                                    <p:set>
+                                      <p:cBhvr>
+                                        <p:cTn id="127" dur="500" autoRev="1" fill="remove"/>
+                                        <p:tgtEl>
+                                          <p:spTgt spid="40"/>
+                                        </p:tgtEl>
+                                        <p:attrNameLst>
+                                          <p:attrName>fill.on</p:attrName>
+                                        </p:attrNameLst>
+                                      </p:cBhvr>
+                                      <p:to>
+                                        <p:strVal val="true"/>
+                                      </p:to>
+                                    </p:set>
+                                  </p:childTnLst>
+                                </p:cTn>
+                              </p:par>
+                              <p:par>
+                                <p:cTn id="128" presetID="10" presetClass="entr" presetSubtype="0" fill="hold" grpId="6" nodeType="withEffect">
+                                  <p:stCondLst>
+                                    <p:cond delay="0"/>
+                                  </p:stCondLst>
+                                  <p:childTnLst>
+                                    <p:set>
+                                      <p:cBhvr>
+                                        <p:cTn id="129" dur="1" fill="hold">
+                                          <p:stCondLst>
+                                            <p:cond delay="0"/>
+                                          </p:stCondLst>
+                                        </p:cTn>
+                                        <p:tgtEl>
+                                          <p:spTgt spid="95"/>
+                                        </p:tgtEl>
+                                        <p:attrNameLst>
+                                          <p:attrName>style.visibility</p:attrName>
+                                        </p:attrNameLst>
+                                      </p:cBhvr>
+                                      <p:to>
+                                        <p:strVal val="visible"/>
+                                      </p:to>
+                                    </p:set>
+                                    <p:animEffect transition="in" filter="fade">
+                                      <p:cBhvr>
+                                        <p:cTn id="130" dur="500"/>
+                                        <p:tgtEl>
+                                          <p:spTgt spid="95"/>
+                                        </p:tgtEl>
+                                      </p:cBhvr>
+                                    </p:animEffect>
+                                  </p:childTnLst>
+                                </p:cTn>
+                              </p:par>
+                              <p:par>
+                                <p:cTn id="131" presetID="10" presetClass="exit" presetSubtype="0" fill="hold" nodeType="withEffect">
+                                  <p:stCondLst>
+                                    <p:cond delay="0"/>
+                                  </p:stCondLst>
+                                  <p:childTnLst>
+                                    <p:animEffect transition="out" filter="fade">
+                                      <p:cBhvr>
+                                        <p:cTn id="132" dur="500"/>
+                                        <p:tgtEl>
+                                          <p:spTgt spid="106">
+                                            <p:txEl>
+                                              <p:pRg st="0" end="0"/>
+                                            </p:txEl>
+                                          </p:spTgt>
+                                        </p:tgtEl>
+                                      </p:cBhvr>
+                                    </p:animEffect>
+                                    <p:set>
+                                      <p:cBhvr>
+                                        <p:cTn id="133" dur="1" fill="hold">
+                                          <p:stCondLst>
+                                            <p:cond delay="499"/>
+                                          </p:stCondLst>
+                                        </p:cTn>
+                                        <p:tgtEl>
+                                          <p:spTgt spid="106">
+                                            <p:txEl>
+                                              <p:pRg st="0" end="0"/>
+                                            </p:txEl>
+                                          </p:spTgt>
+                                        </p:tgtEl>
+                                        <p:attrNameLst>
+                                          <p:attrName>style.visibility</p:attrName>
+                                        </p:attrNameLst>
+                                      </p:cBhvr>
+                                      <p:to>
+                                        <p:strVal val="hidden"/>
+                                      </p:to>
+                                    </p:set>
+                                  </p:childTnLst>
+                                </p:cTn>
+                              </p:par>
+                              <p:par>
+                                <p:cTn id="134" presetID="10" presetClass="exit" presetSubtype="0" fill="hold" grpId="1" nodeType="withEffect">
+                                  <p:stCondLst>
+                                    <p:cond delay="0"/>
+                                  </p:stCondLst>
+                                  <p:childTnLst>
+                                    <p:animEffect transition="out" filter="fade">
+                                      <p:cBhvr>
+                                        <p:cTn id="135" dur="500"/>
+                                        <p:tgtEl>
+                                          <p:spTgt spid="62"/>
+                                        </p:tgtEl>
+                                      </p:cBhvr>
+                                    </p:animEffect>
+                                    <p:set>
+                                      <p:cBhvr>
+                                        <p:cTn id="136" dur="1" fill="hold">
+                                          <p:stCondLst>
+                                            <p:cond delay="499"/>
+                                          </p:stCondLst>
+                                        </p:cTn>
+                                        <p:tgtEl>
+                                          <p:spTgt spid="62"/>
+                                        </p:tgtEl>
+                                        <p:attrNameLst>
+                                          <p:attrName>style.visibility</p:attrName>
+                                        </p:attrNameLst>
+                                      </p:cBhvr>
+                                      <p:to>
+                                        <p:strVal val="hidden"/>
+                                      </p:to>
+                                    </p:set>
+                                  </p:childTnLst>
+                                </p:cTn>
+                              </p:par>
+                            </p:childTnLst>
+                          </p:cTn>
+                        </p:par>
+                        <p:par>
+                          <p:cTn id="137" fill="hold">
+                            <p:stCondLst>
+                              <p:cond delay="3500"/>
+                            </p:stCondLst>
+                            <p:childTnLst>
+                              <p:par>
+                                <p:cTn id="138" presetID="10" presetClass="exit" presetSubtype="0" fill="hold" grpId="0" nodeType="afterEffect">
+                                  <p:stCondLst>
+                                    <p:cond delay="0"/>
+                                  </p:stCondLst>
+                                  <p:childTnLst>
+                                    <p:animEffect transition="out" filter="fade">
+                                      <p:cBhvr>
+                                        <p:cTn id="139" dur="500"/>
+                                        <p:tgtEl>
+                                          <p:spTgt spid="103"/>
+                                        </p:tgtEl>
+                                      </p:cBhvr>
+                                    </p:animEffect>
+                                    <p:set>
+                                      <p:cBhvr>
+                                        <p:cTn id="140" dur="1" fill="hold">
+                                          <p:stCondLst>
+                                            <p:cond delay="499"/>
+                                          </p:stCondLst>
+                                        </p:cTn>
+                                        <p:tgtEl>
+                                          <p:spTgt spid="103"/>
+                                        </p:tgtEl>
+                                        <p:attrNameLst>
+                                          <p:attrName>style.visibility</p:attrName>
+                                        </p:attrNameLst>
+                                      </p:cBhvr>
+                                      <p:to>
+                                        <p:strVal val="hidden"/>
+                                      </p:to>
+                                    </p:set>
+                                  </p:childTnLst>
+                                </p:cTn>
+                              </p:par>
+                              <p:par>
+                                <p:cTn id="141" presetID="10" presetClass="exit" presetSubtype="0" fill="hold" grpId="7" nodeType="withEffect">
+                                  <p:stCondLst>
+                                    <p:cond delay="0"/>
+                                  </p:stCondLst>
+                                  <p:childTnLst>
+                                    <p:animEffect transition="out" filter="fade">
+                                      <p:cBhvr>
+                                        <p:cTn id="142" dur="500"/>
+                                        <p:tgtEl>
+                                          <p:spTgt spid="95"/>
+                                        </p:tgtEl>
+                                      </p:cBhvr>
+                                    </p:animEffect>
+                                    <p:set>
+                                      <p:cBhvr>
+                                        <p:cTn id="143" dur="1" fill="hold">
+                                          <p:stCondLst>
+                                            <p:cond delay="499"/>
+                                          </p:stCondLst>
+                                        </p:cTn>
+                                        <p:tgtEl>
+                                          <p:spTgt spid="95"/>
+                                        </p:tgtEl>
+                                        <p:attrNameLst>
+                                          <p:attrName>style.visibility</p:attrName>
+                                        </p:attrNameLst>
+                                      </p:cBhvr>
+                                      <p:to>
+                                        <p:strVal val="hidden"/>
+                                      </p:to>
+                                    </p:set>
+                                  </p:childTnLst>
+                                </p:cTn>
+                              </p:par>
+                            </p:childTnLst>
+                          </p:cTn>
+                        </p:par>
+                      </p:childTnLst>
+                    </p:cTn>
+                  </p:par>
+                </p:childTnLst>
+              </p:cTn>
+              <p:prevCondLst>
+                <p:cond evt="onPrev" delay="0">
+                  <p:tgtEl>
+                    <p:sldTgt/>
+                  </p:tgtEl>
+                </p:cond>
+              </p:prevCondLst>
+              <p:nextCondLst>
+                <p:cond evt="onNext" delay="0">
+                  <p:tgtEl>
+                    <p:sldTgt/>
+                  </p:tgtEl>
+                </p:cond>
+              </p:nextCondLst>
+            </p:seq>
+          </p:childTnLst>
+        </p:cTn>
+      </p:par>
+    </p:tnLst>
+    <p:bldLst>
+      <p:bldP spid="58" grpId="0" animBg="1"/>
+      <p:bldP spid="58" grpId="1" animBg="1"/>
+      <p:bldP spid="60" grpId="0" animBg="1"/>
+      <p:bldP spid="60" grpId="1" animBg="1"/>
+      <p:bldP spid="59" grpId="0" animBg="1"/>
+      <p:bldP spid="59" grpId="1" animBg="1"/>
+      <p:bldP spid="62" grpId="0" animBg="1"/>
+      <p:bldP spid="62" grpId="1" animBg="1"/>
+      <p:bldP spid="61" grpId="0" animBg="1"/>
+      <p:bldP spid="61" grpId="1" animBg="1"/>
+      <p:bldP spid="41" grpId="0" animBg="1"/>
+      <p:bldP spid="38" grpId="0" animBg="1"/>
+      <p:bldP spid="39" grpId="0" animBg="1"/>
+      <p:bldP spid="40" grpId="0" animBg="1"/>
+      <p:bldP spid="77" grpId="1" animBg="1"/>
+      <p:bldP spid="100" grpId="0" animBg="1"/>
+      <p:bldP spid="101" grpId="0" animBg="1"/>
+      <p:bldP spid="103" grpId="0" animBg="1"/>
+      <p:bldP spid="104" grpId="0" animBg="1"/>
+      <p:bldP spid="106" grpId="0" animBg="1"/>
+      <p:bldP spid="95" grpId="0" animBg="1"/>
+      <p:bldP spid="95" grpId="1" animBg="1"/>
+      <p:bldP spid="95" grpId="2" animBg="1"/>
+      <p:bldP spid="95" grpId="3" animBg="1"/>
+      <p:bldP spid="95" grpId="4" animBg="1"/>
+      <p:bldP spid="95" grpId="5" animBg="1"/>
+      <p:bldP spid="95" grpId="6" animBg="1"/>
+      <p:bldP spid="95" grpId="7" animBg="1"/>
+    </p:bldLst>
+  </p:timing>
+</p:sld>
+</file>
+
+<file path=ppt/slides/slide6.xml><?xml version="1.0" encoding="utf-8"?>
+<p:sld xmlns:a="http://schemas.openxmlformats.org/drawingml/2006/main" xmlns:r="http://schemas.openxmlformats.org/officeDocument/2006/relationships" xmlns:p="http://schemas.openxmlformats.org/presentationml/2006/main">
+  <p:cSld>
+    <p:spTree>
+      <p:nvGrpSpPr>
+        <p:cNvPr id="1" name=""/>
+        <p:cNvGrpSpPr/>
+        <p:nvPr/>
+      </p:nvGrpSpPr>
+      <p:grpSpPr>
+        <a:xfrm>
+          <a:off x="0" y="0"/>
+          <a:ext cx="0" cy="0"/>
+          <a:chOff x="0" y="0"/>
+          <a:chExt cx="0" cy="0"/>
+        </a:xfrm>
+      </p:grpSpPr>
+      <p:sp>
+        <p:nvSpPr>
+          <p:cNvPr id="2" name="Vertical Title 1">
+            <a:extLst>
+              <a:ext uri="{FF2B5EF4-FFF2-40B4-BE49-F238E27FC236}">
                 <a16:creationId xmlns:a16="http://schemas.microsoft.com/office/drawing/2014/main" id="{7039A62A-31B1-791C-2D51-1AF672F900C0}"/>
               </a:ext>
             </a:extLst>
@@ -6290,8 +12862,8 @@
         </p:nvSpPr>
         <p:spPr>
           <a:xfrm>
-            <a:off x="457882" y="1784991"/>
-            <a:ext cx="1827401" cy="662704"/>
+            <a:off x="457882" y="1668964"/>
+            <a:ext cx="1827401" cy="778731"/>
           </a:xfrm>
           <a:prstGeom prst="roundRect">
             <a:avLst/>
@@ -6324,7 +12896,7 @@
                   <a:schemeClr val="bg1"/>
                 </a:solidFill>
               </a:rPr>
-              <a:t>Are there stations on this edge?</a:t>
+              <a:t>Are there candidate stations on this edge?</a:t>
             </a:r>
             <a:endParaRPr lang="en-CA" sz="1600" dirty="0">
               <a:solidFill>
@@ -6713,8 +13285,8 @@
         </p:nvCxnSpPr>
         <p:spPr>
           <a:xfrm rot="5400000">
-            <a:off x="1099273" y="1507772"/>
-            <a:ext cx="549530" cy="4909"/>
+            <a:off x="1157287" y="1449758"/>
+            <a:ext cx="433503" cy="4909"/>
           </a:xfrm>
           <a:prstGeom prst="bentConnector3">
             <a:avLst>
@@ -6815,9 +13387,9 @@
           <p:nvPr/>
         </p:nvCxnSpPr>
         <p:spPr>
-          <a:xfrm flipV="1">
-            <a:off x="2285283" y="2106818"/>
-            <a:ext cx="610573" cy="9525"/>
+          <a:xfrm>
+            <a:off x="2285283" y="2058330"/>
+            <a:ext cx="610573" cy="48488"/>
           </a:xfrm>
           <a:prstGeom prst="straightConnector1">
             <a:avLst/>
@@ -6960,12 +13532,12 @@
         </p:nvCxnSpPr>
         <p:spPr>
           <a:xfrm rot="16200000" flipH="1" flipV="1">
-            <a:off x="2598093" y="428425"/>
-            <a:ext cx="130055" cy="2583075"/>
+            <a:off x="2656107" y="370412"/>
+            <a:ext cx="14028" cy="2583075"/>
           </a:xfrm>
           <a:prstGeom prst="bentConnector3">
             <a:avLst>
-              <a:gd name="adj1" fmla="val -175772"/>
+              <a:gd name="adj1" fmla="val -1629598"/>
             </a:avLst>
           </a:prstGeom>
           <a:ln w="28575">
@@ -7519,51 +14091,6 @@
       </p:sp>
       <p:sp>
         <p:nvSpPr>
-          <p:cNvPr id="330" name="TextBox 329">
-            <a:extLst>
-              <a:ext uri="{FF2B5EF4-FFF2-40B4-BE49-F238E27FC236}">
-                <a16:creationId xmlns:a16="http://schemas.microsoft.com/office/drawing/2014/main" id="{94F7E98E-A2B3-8C67-7B3F-87FB23558D3F}"/>
-              </a:ext>
-            </a:extLst>
-          </p:cNvPr>
-          <p:cNvSpPr txBox="1"/>
-          <p:nvPr/>
-        </p:nvSpPr>
-        <p:spPr>
-          <a:xfrm>
-            <a:off x="7011645" y="1062253"/>
-            <a:ext cx="637292" cy="377505"/>
-          </a:xfrm>
-          <a:prstGeom prst="rect">
-            <a:avLst/>
-          </a:prstGeom>
-          <a:noFill/>
-        </p:spPr>
-        <p:txBody>
-          <a:bodyPr wrap="square" rtlCol="0">
-            <a:spAutoFit/>
-          </a:bodyPr>
-          <a:lstStyle/>
-          <a:p>
-            <a:pPr algn="ctr"/>
-            <a:r>
-              <a:rPr lang="en-US" dirty="0">
-                <a:solidFill>
-                  <a:schemeClr val="bg1"/>
-                </a:solidFill>
-              </a:rPr>
-              <a:t>Yes</a:t>
-            </a:r>
-            <a:endParaRPr lang="en-CA" dirty="0">
-              <a:solidFill>
-                <a:schemeClr val="bg1"/>
-              </a:solidFill>
-            </a:endParaRPr>
-          </a:p>
-        </p:txBody>
-      </p:sp>
-      <p:sp>
-        <p:nvSpPr>
           <p:cNvPr id="332" name="TextBox 331">
             <a:extLst>
               <a:ext uri="{FF2B5EF4-FFF2-40B4-BE49-F238E27FC236}">
@@ -8080,7 +14607,7 @@
 </p:sld>
 </file>
 
-<file path=ppt/slides/slide6.xml><?xml version="1.0" encoding="utf-8"?>
+<file path=ppt/slides/slide7.xml><?xml version="1.0" encoding="utf-8"?>
 <p:sld xmlns:a="http://schemas.openxmlformats.org/drawingml/2006/main" xmlns:r="http://schemas.openxmlformats.org/officeDocument/2006/relationships" xmlns:p="http://schemas.openxmlformats.org/presentationml/2006/main">
   <p:cSld>
     <p:spTree>
@@ -8165,13 +14692,15 @@
               </a:ext>
             </a:extLst>
           </p:cNvPr>
-          <p:cNvCxnSpPr/>
+          <p:cNvCxnSpPr>
+            <a:cxnSpLocks/>
+          </p:cNvCxnSpPr>
           <p:nvPr/>
         </p:nvCxnSpPr>
         <p:spPr>
           <a:xfrm>
             <a:off x="616945" y="3161841"/>
-            <a:ext cx="2258457" cy="2335576"/>
+            <a:ext cx="2147375" cy="2224889"/>
           </a:xfrm>
           <a:prstGeom prst="straightConnector1">
             <a:avLst/>
@@ -8212,8 +14741,8 @@
         </p:nvCxnSpPr>
         <p:spPr>
           <a:xfrm flipH="1">
-            <a:off x="3028355" y="3429000"/>
-            <a:ext cx="2082297" cy="2068417"/>
+            <a:off x="3149733" y="3429000"/>
+            <a:ext cx="1960919" cy="1957730"/>
           </a:xfrm>
           <a:prstGeom prst="straightConnector1">
             <a:avLst/>
@@ -8786,6 +15315,238 @@
           </a:fontRef>
         </p:style>
       </p:cxnSp>
+      <p:sp>
+        <p:nvSpPr>
+          <p:cNvPr id="3" name="Oval 2">
+            <a:extLst>
+              <a:ext uri="{FF2B5EF4-FFF2-40B4-BE49-F238E27FC236}">
+                <a16:creationId xmlns:a16="http://schemas.microsoft.com/office/drawing/2014/main" id="{53784B29-1395-9663-7FCB-49162EB63763}"/>
+              </a:ext>
+            </a:extLst>
+          </p:cNvPr>
+          <p:cNvSpPr>
+            <a:spLocks noChangeAspect="1"/>
+          </p:cNvSpPr>
+          <p:nvPr/>
+        </p:nvSpPr>
+        <p:spPr>
+          <a:xfrm>
+            <a:off x="2764320" y="5386730"/>
+            <a:ext cx="350360" cy="350360"/>
+          </a:xfrm>
+          <a:prstGeom prst="ellipse">
+            <a:avLst/>
+          </a:prstGeom>
+          <a:solidFill>
+            <a:srgbClr val="0070C0"/>
+          </a:solidFill>
+          <a:ln>
+            <a:solidFill>
+              <a:schemeClr val="tx2">
+                <a:lumMod val="10000"/>
+              </a:schemeClr>
+            </a:solidFill>
+          </a:ln>
+        </p:spPr>
+        <p:style>
+          <a:lnRef idx="2">
+            <a:schemeClr val="accent1">
+              <a:shade val="15000"/>
+            </a:schemeClr>
+          </a:lnRef>
+          <a:fillRef idx="1">
+            <a:schemeClr val="accent1"/>
+          </a:fillRef>
+          <a:effectRef idx="0">
+            <a:schemeClr val="accent1"/>
+          </a:effectRef>
+          <a:fontRef idx="minor">
+            <a:schemeClr val="lt1"/>
+          </a:fontRef>
+        </p:style>
+        <p:txBody>
+          <a:bodyPr rtlCol="0" anchor="ctr"/>
+          <a:lstStyle/>
+          <a:p>
+            <a:pPr algn="ctr"/>
+            <a:endParaRPr lang="en-CA" dirty="0"/>
+          </a:p>
+        </p:txBody>
+      </p:sp>
+      <p:sp>
+        <p:nvSpPr>
+          <p:cNvPr id="6" name="Oval 5">
+            <a:extLst>
+              <a:ext uri="{FF2B5EF4-FFF2-40B4-BE49-F238E27FC236}">
+                <a16:creationId xmlns:a16="http://schemas.microsoft.com/office/drawing/2014/main" id="{21D7D0FB-0C12-42AD-E495-1A03C113B2E3}"/>
+              </a:ext>
+            </a:extLst>
+          </p:cNvPr>
+          <p:cNvSpPr>
+            <a:spLocks noChangeAspect="1"/>
+          </p:cNvSpPr>
+          <p:nvPr/>
+        </p:nvSpPr>
+        <p:spPr>
+          <a:xfrm>
+            <a:off x="423823" y="2938295"/>
+            <a:ext cx="350360" cy="350360"/>
+          </a:xfrm>
+          <a:prstGeom prst="ellipse">
+            <a:avLst/>
+          </a:prstGeom>
+          <a:solidFill>
+            <a:srgbClr val="FF0000"/>
+          </a:solidFill>
+          <a:ln>
+            <a:solidFill>
+              <a:schemeClr val="tx2">
+                <a:lumMod val="10000"/>
+              </a:schemeClr>
+            </a:solidFill>
+          </a:ln>
+        </p:spPr>
+        <p:style>
+          <a:lnRef idx="2">
+            <a:schemeClr val="accent1">
+              <a:shade val="15000"/>
+            </a:schemeClr>
+          </a:lnRef>
+          <a:fillRef idx="1">
+            <a:schemeClr val="accent1"/>
+          </a:fillRef>
+          <a:effectRef idx="0">
+            <a:schemeClr val="accent1"/>
+          </a:effectRef>
+          <a:fontRef idx="minor">
+            <a:schemeClr val="lt1"/>
+          </a:fontRef>
+        </p:style>
+        <p:txBody>
+          <a:bodyPr rtlCol="0" anchor="ctr"/>
+          <a:lstStyle/>
+          <a:p>
+            <a:pPr algn="ctr"/>
+            <a:endParaRPr lang="en-CA" dirty="0"/>
+          </a:p>
+        </p:txBody>
+      </p:sp>
+      <p:sp>
+        <p:nvSpPr>
+          <p:cNvPr id="7" name="Oval 6">
+            <a:extLst>
+              <a:ext uri="{FF2B5EF4-FFF2-40B4-BE49-F238E27FC236}">
+                <a16:creationId xmlns:a16="http://schemas.microsoft.com/office/drawing/2014/main" id="{6AB21F74-DD5A-3D2E-9C95-1CADE4E229BF}"/>
+              </a:ext>
+            </a:extLst>
+          </p:cNvPr>
+          <p:cNvSpPr>
+            <a:spLocks noChangeAspect="1"/>
+          </p:cNvSpPr>
+          <p:nvPr/>
+        </p:nvSpPr>
+        <p:spPr>
+          <a:xfrm>
+            <a:off x="4970525" y="3184460"/>
+            <a:ext cx="350360" cy="350360"/>
+          </a:xfrm>
+          <a:prstGeom prst="ellipse">
+            <a:avLst/>
+          </a:prstGeom>
+          <a:solidFill>
+            <a:srgbClr val="FF0000"/>
+          </a:solidFill>
+          <a:ln>
+            <a:solidFill>
+              <a:schemeClr val="tx2">
+                <a:lumMod val="10000"/>
+              </a:schemeClr>
+            </a:solidFill>
+          </a:ln>
+        </p:spPr>
+        <p:style>
+          <a:lnRef idx="2">
+            <a:schemeClr val="accent1">
+              <a:shade val="15000"/>
+            </a:schemeClr>
+          </a:lnRef>
+          <a:fillRef idx="1">
+            <a:schemeClr val="accent1"/>
+          </a:fillRef>
+          <a:effectRef idx="0">
+            <a:schemeClr val="accent1"/>
+          </a:effectRef>
+          <a:fontRef idx="minor">
+            <a:schemeClr val="lt1"/>
+          </a:fontRef>
+        </p:style>
+        <p:txBody>
+          <a:bodyPr rtlCol="0" anchor="ctr"/>
+          <a:lstStyle/>
+          <a:p>
+            <a:pPr algn="ctr"/>
+            <a:endParaRPr lang="en-CA" dirty="0"/>
+          </a:p>
+        </p:txBody>
+      </p:sp>
+      <p:sp>
+        <p:nvSpPr>
+          <p:cNvPr id="9" name="Oval 8">
+            <a:extLst>
+              <a:ext uri="{FF2B5EF4-FFF2-40B4-BE49-F238E27FC236}">
+                <a16:creationId xmlns:a16="http://schemas.microsoft.com/office/drawing/2014/main" id="{12E434F8-0424-FB82-B6AC-503E0B3D3ACE}"/>
+              </a:ext>
+            </a:extLst>
+          </p:cNvPr>
+          <p:cNvSpPr>
+            <a:spLocks noChangeAspect="1"/>
+          </p:cNvSpPr>
+          <p:nvPr/>
+        </p:nvSpPr>
+        <p:spPr>
+          <a:xfrm>
+            <a:off x="1654850" y="5351337"/>
+            <a:ext cx="350360" cy="350360"/>
+          </a:xfrm>
+          <a:prstGeom prst="ellipse">
+            <a:avLst/>
+          </a:prstGeom>
+          <a:solidFill>
+            <a:srgbClr val="FF0000"/>
+          </a:solidFill>
+          <a:ln>
+            <a:solidFill>
+              <a:schemeClr val="tx2">
+                <a:lumMod val="10000"/>
+              </a:schemeClr>
+            </a:solidFill>
+          </a:ln>
+        </p:spPr>
+        <p:style>
+          <a:lnRef idx="2">
+            <a:schemeClr val="accent1">
+              <a:shade val="15000"/>
+            </a:schemeClr>
+          </a:lnRef>
+          <a:fillRef idx="1">
+            <a:schemeClr val="accent1"/>
+          </a:fillRef>
+          <a:effectRef idx="0">
+            <a:schemeClr val="accent1"/>
+          </a:effectRef>
+          <a:fontRef idx="minor">
+            <a:schemeClr val="lt1"/>
+          </a:fontRef>
+        </p:style>
+        <p:txBody>
+          <a:bodyPr rtlCol="0" anchor="ctr"/>
+          <a:lstStyle/>
+          <a:p>
+            <a:pPr algn="ctr"/>
+            <a:endParaRPr lang="en-CA" dirty="0"/>
+          </a:p>
+        </p:txBody>
+      </p:sp>
     </p:spTree>
     <p:extLst>
       <p:ext uri="{BB962C8B-B14F-4D97-AF65-F5344CB8AC3E}">
@@ -8799,7 +15560,7 @@
 </p:sld>
 </file>
 
-<file path=ppt/slides/slide7.xml><?xml version="1.0" encoding="utf-8"?>
+<file path=ppt/slides/slide8.xml><?xml version="1.0" encoding="utf-8"?>
 <p:sld xmlns:a="http://schemas.openxmlformats.org/drawingml/2006/main" xmlns:r="http://schemas.openxmlformats.org/officeDocument/2006/relationships" xmlns:p="http://schemas.openxmlformats.org/presentationml/2006/main">
   <p:cSld>
     <p:spTree>
@@ -8970,7 +15731,7 @@
 </p:sld>
 </file>
 
-<file path=ppt/slides/slide8.xml><?xml version="1.0" encoding="utf-8"?>
+<file path=ppt/slides/slide9.xml><?xml version="1.0" encoding="utf-8"?>
 <p:sld xmlns:a="http://schemas.openxmlformats.org/drawingml/2006/main" xmlns:r="http://schemas.openxmlformats.org/officeDocument/2006/relationships" xmlns:p="http://schemas.openxmlformats.org/presentationml/2006/main">
   <p:cSld>
     <p:spTree>
@@ -9102,102 +15863,6 @@
     <p:extLst>
       <p:ext uri="{BB962C8B-B14F-4D97-AF65-F5344CB8AC3E}">
         <p14:creationId xmlns:p14="http://schemas.microsoft.com/office/powerpoint/2010/main" val="450236934"/>
-      </p:ext>
-    </p:extLst>
-  </p:cSld>
-  <p:clrMapOvr>
-    <a:masterClrMapping/>
-  </p:clrMapOvr>
-</p:sld>
-</file>
-
-<file path=ppt/slides/slide9.xml><?xml version="1.0" encoding="utf-8"?>
-<p:sld xmlns:a="http://schemas.openxmlformats.org/drawingml/2006/main" xmlns:r="http://schemas.openxmlformats.org/officeDocument/2006/relationships" xmlns:p="http://schemas.openxmlformats.org/presentationml/2006/main">
-  <p:cSld>
-    <p:spTree>
-      <p:nvGrpSpPr>
-        <p:cNvPr id="1" name=""/>
-        <p:cNvGrpSpPr/>
-        <p:nvPr/>
-      </p:nvGrpSpPr>
-      <p:grpSpPr>
-        <a:xfrm>
-          <a:off x="0" y="0"/>
-          <a:ext cx="0" cy="0"/>
-          <a:chOff x="0" y="0"/>
-          <a:chExt cx="0" cy="0"/>
-        </a:xfrm>
-      </p:grpSpPr>
-      <p:pic>
-        <p:nvPicPr>
-          <p:cNvPr id="4" name="Picture 3">
-            <a:extLst>
-              <a:ext uri="{FF2B5EF4-FFF2-40B4-BE49-F238E27FC236}">
-                <a16:creationId xmlns:a16="http://schemas.microsoft.com/office/drawing/2014/main" id="{DDBB4183-02AF-C455-F92E-115AF2BFB4E9}"/>
-              </a:ext>
-            </a:extLst>
-          </p:cNvPr>
-          <p:cNvPicPr>
-            <a:picLocks noChangeAspect="1"/>
-          </p:cNvPicPr>
-          <p:nvPr/>
-        </p:nvPicPr>
-        <p:blipFill>
-          <a:blip r:embed="rId3"/>
-          <a:stretch>
-            <a:fillRect/>
-          </a:stretch>
-        </p:blipFill>
-        <p:spPr>
-          <a:xfrm>
-            <a:off x="2623653" y="360873"/>
-            <a:ext cx="6944694" cy="5563376"/>
-          </a:xfrm>
-          <a:prstGeom prst="rect">
-            <a:avLst/>
-          </a:prstGeom>
-        </p:spPr>
-      </p:pic>
-      <p:sp>
-        <p:nvSpPr>
-          <p:cNvPr id="6" name="TextBox 5">
-            <a:extLst>
-              <a:ext uri="{FF2B5EF4-FFF2-40B4-BE49-F238E27FC236}">
-                <a16:creationId xmlns:a16="http://schemas.microsoft.com/office/drawing/2014/main" id="{BDB722BF-8566-8063-0B5C-CE661438449A}"/>
-              </a:ext>
-            </a:extLst>
-          </p:cNvPr>
-          <p:cNvSpPr txBox="1"/>
-          <p:nvPr/>
-        </p:nvSpPr>
-        <p:spPr>
-          <a:xfrm>
-            <a:off x="3572069" y="6127795"/>
-            <a:ext cx="5047861" cy="369332"/>
-          </a:xfrm>
-          <a:prstGeom prst="rect">
-            <a:avLst/>
-          </a:prstGeom>
-          <a:noFill/>
-        </p:spPr>
-        <p:txBody>
-          <a:bodyPr wrap="square" rtlCol="0">
-            <a:spAutoFit/>
-          </a:bodyPr>
-          <a:lstStyle/>
-          <a:p>
-            <a:pPr algn="ctr"/>
-            <a:r>
-              <a:rPr lang="en-CA" dirty="0"/>
-              <a:t>Distance incorrect, but matching is functional</a:t>
-            </a:r>
-          </a:p>
-        </p:txBody>
-      </p:sp>
-    </p:spTree>
-    <p:extLst>
-      <p:ext uri="{BB962C8B-B14F-4D97-AF65-F5344CB8AC3E}">
-        <p14:creationId xmlns:p14="http://schemas.microsoft.com/office/powerpoint/2010/main" val="2138375617"/>
       </p:ext>
     </p:extLst>
   </p:cSld>
@@ -9765,20 +16430,20 @@
 </file>
 
 <file path=customXml/item1.xml><?xml version="1.0" encoding="utf-8"?>
-<p:properties xmlns:p="http://schemas.microsoft.com/office/2006/metadata/properties" xmlns:xsi="http://www.w3.org/2001/XMLSchema-instance" xmlns:pc="http://schemas.microsoft.com/office/infopath/2007/PartnerControls">
-  <documentManagement>
-    <_activity xmlns="75817c9f-a069-4af9-bf19-88a4203e567d" xsi:nil="true"/>
-  </documentManagement>
-</p:properties>
-</file>
-
-<file path=customXml/item2.xml><?xml version="1.0" encoding="utf-8"?>
 <?mso-contentType ?>
 <FormTemplates xmlns="http://schemas.microsoft.com/sharepoint/v3/contenttype/forms">
   <Display>DocumentLibraryForm</Display>
   <Edit>DocumentLibraryForm</Edit>
   <New>DocumentLibraryForm</New>
 </FormTemplates>
+</file>
+
+<file path=customXml/item2.xml><?xml version="1.0" encoding="utf-8"?>
+<p:properties xmlns:p="http://schemas.microsoft.com/office/2006/metadata/properties" xmlns:xsi="http://www.w3.org/2001/XMLSchema-instance" xmlns:pc="http://schemas.microsoft.com/office/infopath/2007/PartnerControls">
+  <documentManagement>
+    <_activity xmlns="75817c9f-a069-4af9-bf19-88a4203e567d" xsi:nil="true"/>
+  </documentManagement>
+</p:properties>
 </file>
 
 <file path=customXml/item3.xml><?xml version="1.0" encoding="utf-8"?>
@@ -10023,6 +16688,14 @@
 </file>
 
 <file path=customXml/itemProps1.xml><?xml version="1.0" encoding="utf-8"?>
+<ds:datastoreItem xmlns:ds="http://schemas.openxmlformats.org/officeDocument/2006/customXml" ds:itemID="{4E06FA0F-409F-4614-B962-6D90503E8593}">
+  <ds:schemaRefs>
+    <ds:schemaRef ds:uri="http://schemas.microsoft.com/sharepoint/v3/contenttype/forms"/>
+  </ds:schemaRefs>
+</ds:datastoreItem>
+</file>
+
+<file path=customXml/itemProps2.xml><?xml version="1.0" encoding="utf-8"?>
 <ds:datastoreItem xmlns:ds="http://schemas.openxmlformats.org/officeDocument/2006/customXml" ds:itemID="{3E8831A7-B48D-40B6-935D-6161DC03AD67}">
   <ds:schemaRefs>
     <ds:schemaRef ds:uri="http://schemas.microsoft.com/office/infopath/2007/PartnerControls"/>
@@ -10035,14 +16708,6 @@
     <ds:schemaRef ds:uri="76c329b8-1b9b-4910-aef9-535b284a4dc7"/>
     <ds:schemaRef ds:uri="http://purl.org/dc/terms/"/>
     <ds:schemaRef ds:uri="http://purl.org/dc/elements/1.1/"/>
-  </ds:schemaRefs>
-</ds:datastoreItem>
-</file>
-
-<file path=customXml/itemProps2.xml><?xml version="1.0" encoding="utf-8"?>
-<ds:datastoreItem xmlns:ds="http://schemas.openxmlformats.org/officeDocument/2006/customXml" ds:itemID="{4E06FA0F-409F-4614-B962-6D90503E8593}">
-  <ds:schemaRefs>
-    <ds:schemaRef ds:uri="http://schemas.microsoft.com/sharepoint/v3/contenttype/forms"/>
   </ds:schemaRefs>
 </ds:datastoreItem>
 </file>

--- a/mapping-stations.pptx
+++ b/mapping-stations.pptx
@@ -13,16 +13,16 @@
     <p:sldId id="258" r:id="rId7"/>
     <p:sldId id="274" r:id="rId8"/>
     <p:sldId id="276" r:id="rId9"/>
-    <p:sldId id="273" r:id="rId10"/>
-    <p:sldId id="272" r:id="rId11"/>
-    <p:sldId id="264" r:id="rId12"/>
-    <p:sldId id="259" r:id="rId13"/>
-    <p:sldId id="278" r:id="rId14"/>
-    <p:sldId id="271" r:id="rId15"/>
-    <p:sldId id="267" r:id="rId16"/>
-    <p:sldId id="266" r:id="rId17"/>
-    <p:sldId id="268" r:id="rId18"/>
-    <p:sldId id="275" r:id="rId19"/>
+    <p:sldId id="272" r:id="rId10"/>
+    <p:sldId id="264" r:id="rId11"/>
+    <p:sldId id="259" r:id="rId12"/>
+    <p:sldId id="278" r:id="rId13"/>
+    <p:sldId id="271" r:id="rId14"/>
+    <p:sldId id="267" r:id="rId15"/>
+    <p:sldId id="266" r:id="rId16"/>
+    <p:sldId id="268" r:id="rId17"/>
+    <p:sldId id="275" r:id="rId18"/>
+    <p:sldId id="273" r:id="rId19"/>
   </p:sldIdLst>
   <p:sldSz cx="12192000" cy="6858000"/>
   <p:notesSz cx="6858000" cy="9144000"/>
@@ -219,7 +219,7 @@
           <a:p>
             <a:fld id="{79E3761A-1727-48EE-803F-EC09E4B33ACD}" type="datetimeFigureOut">
               <a:rPr lang="en-CA" smtClean="0"/>
-              <a:t>2023-11-29</a:t>
+              <a:t>2023-11-30</a:t>
             </a:fld>
             <a:endParaRPr lang="en-CA"/>
           </a:p>
@@ -731,15 +731,7 @@
           <a:p>
             <a:r>
               <a:rPr lang="en-CA" dirty="0"/>
-              <a:t>Basic </a:t>
-            </a:r>
-            <a:r>
-              <a:rPr lang="en-CA" dirty="0" err="1"/>
-              <a:t>dfs_search</a:t>
-            </a:r>
-            <a:r>
-              <a:rPr lang="en-CA" dirty="0"/>
-              <a:t>() flowchart </a:t>
+              <a:t>The direct distance between two points (yellow) is closer to the real world distance along the blue lines than the distance along the network (magenta).</a:t>
             </a:r>
           </a:p>
         </p:txBody>
@@ -770,7 +762,7 @@
     </p:spTree>
     <p:extLst>
       <p:ext uri="{BB962C8B-B14F-4D97-AF65-F5344CB8AC3E}">
-        <p14:creationId xmlns:p14="http://schemas.microsoft.com/office/powerpoint/2010/main" val="695048785"/>
+        <p14:creationId xmlns:p14="http://schemas.microsoft.com/office/powerpoint/2010/main" val="2182772305"/>
       </p:ext>
     </p:extLst>
   </p:cSld>
@@ -848,7 +840,7 @@
           <a:p>
             <a:fld id="{A76A3AFF-6D77-4BFE-AF21-4F1CE1B45C8D}" type="slidenum">
               <a:rPr lang="en-CA" smtClean="0"/>
-              <a:t>10</a:t>
+              <a:t>9</a:t>
             </a:fld>
             <a:endParaRPr lang="en-CA"/>
           </a:p>
@@ -935,7 +927,7 @@
           <a:p>
             <a:fld id="{A76A3AFF-6D77-4BFE-AF21-4F1CE1B45C8D}" type="slidenum">
               <a:rPr lang="en-CA" smtClean="0"/>
-              <a:t>11</a:t>
+              <a:t>10</a:t>
             </a:fld>
             <a:endParaRPr lang="en-CA"/>
           </a:p>
@@ -1019,7 +1011,7 @@
           <a:p>
             <a:fld id="{A76A3AFF-6D77-4BFE-AF21-4F1CE1B45C8D}" type="slidenum">
               <a:rPr lang="en-CA" smtClean="0"/>
-              <a:t>12</a:t>
+              <a:t>11</a:t>
             </a:fld>
             <a:endParaRPr lang="en-CA"/>
           </a:p>
@@ -1106,7 +1098,7 @@
           <a:p>
             <a:fld id="{A76A3AFF-6D77-4BFE-AF21-4F1CE1B45C8D}" type="slidenum">
               <a:rPr lang="en-CA" smtClean="0"/>
-              <a:t>13</a:t>
+              <a:t>12</a:t>
             </a:fld>
             <a:endParaRPr lang="en-CA"/>
           </a:p>
@@ -1190,7 +1182,7 @@
           <a:p>
             <a:fld id="{A76A3AFF-6D77-4BFE-AF21-4F1CE1B45C8D}" type="slidenum">
               <a:rPr lang="en-CA" smtClean="0"/>
-              <a:t>14</a:t>
+              <a:t>13</a:t>
             </a:fld>
             <a:endParaRPr lang="en-CA"/>
           </a:p>
@@ -1200,6 +1192,101 @@
     <p:extLst>
       <p:ext uri="{BB962C8B-B14F-4D97-AF65-F5344CB8AC3E}">
         <p14:creationId xmlns:p14="http://schemas.microsoft.com/office/powerpoint/2010/main" val="2045997938"/>
+      </p:ext>
+    </p:extLst>
+  </p:cSld>
+  <p:clrMapOvr>
+    <a:masterClrMapping/>
+  </p:clrMapOvr>
+</p:notes>
+</file>
+
+<file path=ppt/notesSlides/notesSlide9.xml><?xml version="1.0" encoding="utf-8"?>
+<p:notes xmlns:a="http://schemas.openxmlformats.org/drawingml/2006/main" xmlns:r="http://schemas.openxmlformats.org/officeDocument/2006/relationships" xmlns:p="http://schemas.openxmlformats.org/presentationml/2006/main">
+  <p:cSld>
+    <p:spTree>
+      <p:nvGrpSpPr>
+        <p:cNvPr id="1" name=""/>
+        <p:cNvGrpSpPr/>
+        <p:nvPr/>
+      </p:nvGrpSpPr>
+      <p:grpSpPr>
+        <a:xfrm>
+          <a:off x="0" y="0"/>
+          <a:ext cx="0" cy="0"/>
+          <a:chOff x="0" y="0"/>
+          <a:chExt cx="0" cy="0"/>
+        </a:xfrm>
+      </p:grpSpPr>
+      <p:sp>
+        <p:nvSpPr>
+          <p:cNvPr id="2" name="Slide Image Placeholder 1"/>
+          <p:cNvSpPr>
+            <a:spLocks noGrp="1" noRot="1" noChangeAspect="1"/>
+          </p:cNvSpPr>
+          <p:nvPr>
+            <p:ph type="sldImg"/>
+          </p:nvPr>
+        </p:nvSpPr>
+        <p:spPr/>
+      </p:sp>
+      <p:sp>
+        <p:nvSpPr>
+          <p:cNvPr id="3" name="Notes Placeholder 2"/>
+          <p:cNvSpPr>
+            <a:spLocks noGrp="1"/>
+          </p:cNvSpPr>
+          <p:nvPr>
+            <p:ph type="body" idx="1"/>
+          </p:nvPr>
+        </p:nvSpPr>
+        <p:spPr/>
+        <p:txBody>
+          <a:bodyPr/>
+          <a:lstStyle/>
+          <a:p>
+            <a:r>
+              <a:rPr lang="en-CA" dirty="0"/>
+              <a:t>Basic </a:t>
+            </a:r>
+            <a:r>
+              <a:rPr lang="en-CA" dirty="0" err="1"/>
+              <a:t>dfs_search</a:t>
+            </a:r>
+            <a:r>
+              <a:rPr lang="en-CA" dirty="0"/>
+              <a:t>() flowchart </a:t>
+            </a:r>
+          </a:p>
+        </p:txBody>
+      </p:sp>
+      <p:sp>
+        <p:nvSpPr>
+          <p:cNvPr id="4" name="Slide Number Placeholder 3"/>
+          <p:cNvSpPr>
+            <a:spLocks noGrp="1"/>
+          </p:cNvSpPr>
+          <p:nvPr>
+            <p:ph type="sldNum" sz="quarter" idx="5"/>
+          </p:nvPr>
+        </p:nvSpPr>
+        <p:spPr/>
+        <p:txBody>
+          <a:bodyPr/>
+          <a:lstStyle/>
+          <a:p>
+            <a:fld id="{A76A3AFF-6D77-4BFE-AF21-4F1CE1B45C8D}" type="slidenum">
+              <a:rPr lang="en-CA" smtClean="0"/>
+              <a:t>15</a:t>
+            </a:fld>
+            <a:endParaRPr lang="en-CA"/>
+          </a:p>
+        </p:txBody>
+      </p:sp>
+    </p:spTree>
+    <p:extLst>
+      <p:ext uri="{BB962C8B-B14F-4D97-AF65-F5344CB8AC3E}">
+        <p14:creationId xmlns:p14="http://schemas.microsoft.com/office/powerpoint/2010/main" val="695048785"/>
       </p:ext>
     </p:extLst>
   </p:cSld>
@@ -1385,7 +1472,7 @@
           <a:p>
             <a:fld id="{F5322EAD-D2F7-4471-A3D4-D7CBA503C35D}" type="datetimeFigureOut">
               <a:rPr lang="en-CA" smtClean="0"/>
-              <a:t>2023-11-29</a:t>
+              <a:t>2023-11-30</a:t>
             </a:fld>
             <a:endParaRPr lang="en-CA"/>
           </a:p>
@@ -1555,7 +1642,7 @@
           <a:p>
             <a:fld id="{F5322EAD-D2F7-4471-A3D4-D7CBA503C35D}" type="datetimeFigureOut">
               <a:rPr lang="en-CA" smtClean="0"/>
-              <a:t>2023-11-29</a:t>
+              <a:t>2023-11-30</a:t>
             </a:fld>
             <a:endParaRPr lang="en-CA"/>
           </a:p>
@@ -1778,7 +1865,7 @@
           <a:p>
             <a:fld id="{F5322EAD-D2F7-4471-A3D4-D7CBA503C35D}" type="datetimeFigureOut">
               <a:rPr lang="en-CA" smtClean="0"/>
-              <a:t>2023-11-29</a:t>
+              <a:t>2023-11-30</a:t>
             </a:fld>
             <a:endParaRPr lang="en-CA"/>
           </a:p>
@@ -1958,7 +2045,7 @@
           <a:p>
             <a:fld id="{F5322EAD-D2F7-4471-A3D4-D7CBA503C35D}" type="datetimeFigureOut">
               <a:rPr lang="en-CA" smtClean="0"/>
-              <a:t>2023-11-29</a:t>
+              <a:t>2023-11-30</a:t>
             </a:fld>
             <a:endParaRPr lang="en-CA"/>
           </a:p>
@@ -2264,7 +2351,7 @@
           <a:p>
             <a:fld id="{F5322EAD-D2F7-4471-A3D4-D7CBA503C35D}" type="datetimeFigureOut">
               <a:rPr lang="en-CA" smtClean="0"/>
-              <a:t>2023-11-29</a:t>
+              <a:t>2023-11-30</a:t>
             </a:fld>
             <a:endParaRPr lang="en-CA"/>
           </a:p>
@@ -2568,7 +2655,7 @@
           <a:p>
             <a:fld id="{F5322EAD-D2F7-4471-A3D4-D7CBA503C35D}" type="datetimeFigureOut">
               <a:rPr lang="en-CA" smtClean="0"/>
-              <a:t>2023-11-29</a:t>
+              <a:t>2023-11-30</a:t>
             </a:fld>
             <a:endParaRPr lang="en-CA"/>
           </a:p>
@@ -2990,7 +3077,7 @@
           <a:p>
             <a:fld id="{F5322EAD-D2F7-4471-A3D4-D7CBA503C35D}" type="datetimeFigureOut">
               <a:rPr lang="en-CA" smtClean="0"/>
-              <a:t>2023-11-29</a:t>
+              <a:t>2023-11-30</a:t>
             </a:fld>
             <a:endParaRPr lang="en-CA"/>
           </a:p>
@@ -3108,7 +3195,7 @@
           <a:p>
             <a:fld id="{F5322EAD-D2F7-4471-A3D4-D7CBA503C35D}" type="datetimeFigureOut">
               <a:rPr lang="en-CA" smtClean="0"/>
-              <a:t>2023-11-29</a:t>
+              <a:t>2023-11-30</a:t>
             </a:fld>
             <a:endParaRPr lang="en-CA"/>
           </a:p>
@@ -3203,7 +3290,7 @@
           <a:p>
             <a:fld id="{F5322EAD-D2F7-4471-A3D4-D7CBA503C35D}" type="datetimeFigureOut">
               <a:rPr lang="en-CA" smtClean="0"/>
-              <a:t>2023-11-29</a:t>
+              <a:t>2023-11-30</a:t>
             </a:fld>
             <a:endParaRPr lang="en-CA"/>
           </a:p>
@@ -3476,7 +3563,7 @@
           <a:p>
             <a:fld id="{F5322EAD-D2F7-4471-A3D4-D7CBA503C35D}" type="datetimeFigureOut">
               <a:rPr lang="en-CA" smtClean="0"/>
-              <a:t>2023-11-29</a:t>
+              <a:t>2023-11-30</a:t>
             </a:fld>
             <a:endParaRPr lang="en-CA"/>
           </a:p>
@@ -3741,7 +3828,7 @@
           <a:p>
             <a:fld id="{F5322EAD-D2F7-4471-A3D4-D7CBA503C35D}" type="datetimeFigureOut">
               <a:rPr lang="en-CA" smtClean="0"/>
-              <a:t>2023-11-29</a:t>
+              <a:t>2023-11-30</a:t>
             </a:fld>
             <a:endParaRPr lang="en-CA"/>
           </a:p>
@@ -3990,7 +4077,7 @@
           <a:p>
             <a:fld id="{F5322EAD-D2F7-4471-A3D4-D7CBA503C35D}" type="datetimeFigureOut">
               <a:rPr lang="en-CA" smtClean="0"/>
-              <a:t>2023-11-29</a:t>
+              <a:t>2023-11-30</a:t>
             </a:fld>
             <a:endParaRPr lang="en-CA"/>
           </a:p>
@@ -4599,98 +4686,6 @@
 </file>
 
 <file path=ppt/slides/slide10.xml><?xml version="1.0" encoding="utf-8"?>
-<p:sld xmlns:a="http://schemas.openxmlformats.org/drawingml/2006/main" xmlns:r="http://schemas.openxmlformats.org/officeDocument/2006/relationships" xmlns:p="http://schemas.openxmlformats.org/presentationml/2006/main">
-  <p:cSld>
-    <p:spTree>
-      <p:nvGrpSpPr>
-        <p:cNvPr id="1" name=""/>
-        <p:cNvGrpSpPr/>
-        <p:nvPr/>
-      </p:nvGrpSpPr>
-      <p:grpSpPr>
-        <a:xfrm>
-          <a:off x="0" y="0"/>
-          <a:ext cx="0" cy="0"/>
-          <a:chOff x="0" y="0"/>
-          <a:chExt cx="0" cy="0"/>
-        </a:xfrm>
-      </p:grpSpPr>
-      <p:sp>
-        <p:nvSpPr>
-          <p:cNvPr id="2" name="Title 1">
-            <a:extLst>
-              <a:ext uri="{FF2B5EF4-FFF2-40B4-BE49-F238E27FC236}">
-                <a16:creationId xmlns:a16="http://schemas.microsoft.com/office/drawing/2014/main" id="{88BA2645-3CCE-C789-F0F2-860585C3C3C6}"/>
-              </a:ext>
-            </a:extLst>
-          </p:cNvPr>
-          <p:cNvSpPr>
-            <a:spLocks noGrp="1"/>
-          </p:cNvSpPr>
-          <p:nvPr>
-            <p:ph type="title"/>
-          </p:nvPr>
-        </p:nvSpPr>
-        <p:spPr/>
-        <p:txBody>
-          <a:bodyPr/>
-          <a:lstStyle/>
-          <a:p>
-            <a:r>
-              <a:rPr lang="en-CA" cap="none" dirty="0" err="1"/>
-              <a:t>HydroRIVERS</a:t>
-            </a:r>
-            <a:r>
-              <a:rPr lang="en-CA" cap="none" dirty="0"/>
-              <a:t> vs OHN</a:t>
-            </a:r>
-          </a:p>
-        </p:txBody>
-      </p:sp>
-      <p:sp>
-        <p:nvSpPr>
-          <p:cNvPr id="3" name="Text Placeholder 2">
-            <a:extLst>
-              <a:ext uri="{FF2B5EF4-FFF2-40B4-BE49-F238E27FC236}">
-                <a16:creationId xmlns:a16="http://schemas.microsoft.com/office/drawing/2014/main" id="{CD960C4D-D259-93EC-8C51-53D3C27ADD68}"/>
-              </a:ext>
-            </a:extLst>
-          </p:cNvPr>
-          <p:cNvSpPr>
-            <a:spLocks noGrp="1"/>
-          </p:cNvSpPr>
-          <p:nvPr>
-            <p:ph type="body" idx="1"/>
-          </p:nvPr>
-        </p:nvSpPr>
-        <p:spPr/>
-        <p:txBody>
-          <a:bodyPr>
-            <a:normAutofit/>
-          </a:bodyPr>
-          <a:lstStyle/>
-          <a:p>
-            <a:r>
-              <a:rPr lang="en-CA" sz="2800" dirty="0"/>
-              <a:t>Low vs High resolution matching</a:t>
-            </a:r>
-          </a:p>
-        </p:txBody>
-      </p:sp>
-    </p:spTree>
-    <p:extLst>
-      <p:ext uri="{BB962C8B-B14F-4D97-AF65-F5344CB8AC3E}">
-        <p14:creationId xmlns:p14="http://schemas.microsoft.com/office/powerpoint/2010/main" val="2513823216"/>
-      </p:ext>
-    </p:extLst>
-  </p:cSld>
-  <p:clrMapOvr>
-    <a:masterClrMapping/>
-  </p:clrMapOvr>
-</p:sld>
-</file>
-
-<file path=ppt/slides/slide11.xml><?xml version="1.0" encoding="utf-8"?>
 <p:sld xmlns:a="http://schemas.openxmlformats.org/drawingml/2006/main" xmlns:r="http://schemas.openxmlformats.org/officeDocument/2006/relationships" xmlns:p="http://schemas.openxmlformats.org/presentationml/2006/main">
   <p:cSld>
     <p:spTree>
@@ -5229,7 +5224,7 @@
 </p:sld>
 </file>
 
-<file path=ppt/slides/slide12.xml><?xml version="1.0" encoding="utf-8"?>
+<file path=ppt/slides/slide11.xml><?xml version="1.0" encoding="utf-8"?>
 <p:sld xmlns:a="http://schemas.openxmlformats.org/drawingml/2006/main" xmlns:r="http://schemas.openxmlformats.org/officeDocument/2006/relationships" xmlns:p="http://schemas.openxmlformats.org/presentationml/2006/main">
   <p:cSld>
     <p:spTree>
@@ -5782,7 +5777,7 @@
 </p:sld>
 </file>
 
-<file path=ppt/slides/slide13.xml><?xml version="1.0" encoding="utf-8"?>
+<file path=ppt/slides/slide12.xml><?xml version="1.0" encoding="utf-8"?>
 <p:sld xmlns:a="http://schemas.openxmlformats.org/drawingml/2006/main" xmlns:r="http://schemas.openxmlformats.org/officeDocument/2006/relationships" xmlns:p="http://schemas.openxmlformats.org/presentationml/2006/main">
   <p:cSld>
     <p:spTree>
@@ -6335,7 +6330,7 @@
 </p:sld>
 </file>
 
-<file path=ppt/slides/slide14.xml><?xml version="1.0" encoding="utf-8"?>
+<file path=ppt/slides/slide13.xml><?xml version="1.0" encoding="utf-8"?>
 <p:sld xmlns:a="http://schemas.openxmlformats.org/drawingml/2006/main" xmlns:r="http://schemas.openxmlformats.org/officeDocument/2006/relationships" xmlns:p="http://schemas.openxmlformats.org/presentationml/2006/main">
   <p:cSld>
     <p:spTree>
@@ -6887,6 +6882,98 @@
 </p:sld>
 </file>
 
+<file path=ppt/slides/slide14.xml><?xml version="1.0" encoding="utf-8"?>
+<p:sld xmlns:a="http://schemas.openxmlformats.org/drawingml/2006/main" xmlns:r="http://schemas.openxmlformats.org/officeDocument/2006/relationships" xmlns:p="http://schemas.openxmlformats.org/presentationml/2006/main">
+  <p:cSld>
+    <p:spTree>
+      <p:nvGrpSpPr>
+        <p:cNvPr id="1" name=""/>
+        <p:cNvGrpSpPr/>
+        <p:nvPr/>
+      </p:nvGrpSpPr>
+      <p:grpSpPr>
+        <a:xfrm>
+          <a:off x="0" y="0"/>
+          <a:ext cx="0" cy="0"/>
+          <a:chOff x="0" y="0"/>
+          <a:chExt cx="0" cy="0"/>
+        </a:xfrm>
+      </p:grpSpPr>
+      <p:sp>
+        <p:nvSpPr>
+          <p:cNvPr id="2" name="Title 1">
+            <a:extLst>
+              <a:ext uri="{FF2B5EF4-FFF2-40B4-BE49-F238E27FC236}">
+                <a16:creationId xmlns:a16="http://schemas.microsoft.com/office/drawing/2014/main" id="{D1CBFC11-1EC0-C88A-B37C-8D9E934726B6}"/>
+              </a:ext>
+            </a:extLst>
+          </p:cNvPr>
+          <p:cNvSpPr>
+            <a:spLocks noGrp="1"/>
+          </p:cNvSpPr>
+          <p:nvPr>
+            <p:ph type="title"/>
+          </p:nvPr>
+        </p:nvSpPr>
+        <p:spPr/>
+        <p:txBody>
+          <a:bodyPr/>
+          <a:lstStyle/>
+          <a:p>
+            <a:r>
+              <a:rPr lang="en-CA" cap="none" dirty="0"/>
+              <a:t>Thank You! Questions?</a:t>
+            </a:r>
+          </a:p>
+        </p:txBody>
+      </p:sp>
+      <p:sp>
+        <p:nvSpPr>
+          <p:cNvPr id="3" name="Text Placeholder 2">
+            <a:extLst>
+              <a:ext uri="{FF2B5EF4-FFF2-40B4-BE49-F238E27FC236}">
+                <a16:creationId xmlns:a16="http://schemas.microsoft.com/office/drawing/2014/main" id="{468BEEC5-4991-7B15-802A-C4789D769403}"/>
+              </a:ext>
+            </a:extLst>
+          </p:cNvPr>
+          <p:cNvSpPr>
+            <a:spLocks noGrp="1"/>
+          </p:cNvSpPr>
+          <p:nvPr>
+            <p:ph type="body" idx="1"/>
+          </p:nvPr>
+        </p:nvSpPr>
+        <p:spPr/>
+        <p:txBody>
+          <a:bodyPr/>
+          <a:lstStyle/>
+          <a:p>
+            <a:r>
+              <a:rPr lang="en-CA" dirty="0">
+                <a:hlinkClick r:id="rId2"/>
+              </a:rPr>
+              <a:t>https://github.com/twilight-goose/Mapping-Stations</a:t>
+            </a:r>
+            <a:endParaRPr lang="en-CA" dirty="0"/>
+          </a:p>
+          <a:p>
+            <a:endParaRPr lang="en-CA" dirty="0"/>
+          </a:p>
+        </p:txBody>
+      </p:sp>
+    </p:spTree>
+    <p:extLst>
+      <p:ext uri="{BB962C8B-B14F-4D97-AF65-F5344CB8AC3E}">
+        <p14:creationId xmlns:p14="http://schemas.microsoft.com/office/powerpoint/2010/main" val="3515441466"/>
+      </p:ext>
+    </p:extLst>
+  </p:cSld>
+  <p:clrMapOvr>
+    <a:masterClrMapping/>
+  </p:clrMapOvr>
+</p:sld>
+</file>
+
 <file path=ppt/slides/slide15.xml><?xml version="1.0" encoding="utf-8"?>
 <p:sld xmlns:a="http://schemas.openxmlformats.org/drawingml/2006/main" xmlns:r="http://schemas.openxmlformats.org/officeDocument/2006/relationships" xmlns:p="http://schemas.openxmlformats.org/presentationml/2006/main">
   <p:cSld>
@@ -6906,10 +6993,10 @@
       </p:grpSpPr>
       <p:sp>
         <p:nvSpPr>
-          <p:cNvPr id="2" name="Title 1">
+          <p:cNvPr id="2" name="Vertical Title 1">
             <a:extLst>
               <a:ext uri="{FF2B5EF4-FFF2-40B4-BE49-F238E27FC236}">
-                <a16:creationId xmlns:a16="http://schemas.microsoft.com/office/drawing/2014/main" id="{D1CBFC11-1EC0-C88A-B37C-8D9E934726B6}"/>
+                <a16:creationId xmlns:a16="http://schemas.microsoft.com/office/drawing/2014/main" id="{7039A62A-31B1-791C-2D51-1AF672F900C0}"/>
               </a:ext>
             </a:extLst>
           </p:cNvPr>
@@ -6917,7 +7004,7 @@
             <a:spLocks noGrp="1"/>
           </p:cNvSpPr>
           <p:nvPr>
-            <p:ph type="title"/>
+            <p:ph type="title" orient="vert"/>
           </p:nvPr>
         </p:nvSpPr>
         <p:spPr/>
@@ -6925,51 +7012,1818 @@
           <a:bodyPr/>
           <a:lstStyle/>
           <a:p>
-            <a:r>
-              <a:rPr lang="en-CA" cap="none" dirty="0"/>
-              <a:t>Thank You! Questions?</a:t>
-            </a:r>
+            <a:endParaRPr lang="en-CA" dirty="0"/>
           </a:p>
         </p:txBody>
       </p:sp>
       <p:sp>
         <p:nvSpPr>
-          <p:cNvPr id="3" name="Text Placeholder 2">
+          <p:cNvPr id="4" name="Rectangle: Rounded Corners 3">
             <a:extLst>
               <a:ext uri="{FF2B5EF4-FFF2-40B4-BE49-F238E27FC236}">
-                <a16:creationId xmlns:a16="http://schemas.microsoft.com/office/drawing/2014/main" id="{468BEEC5-4991-7B15-802A-C4789D769403}"/>
+                <a16:creationId xmlns:a16="http://schemas.microsoft.com/office/drawing/2014/main" id="{66A9149A-4FEE-F931-6EE0-92E31CB98F7C}"/>
               </a:ext>
             </a:extLst>
           </p:cNvPr>
-          <p:cNvSpPr>
-            <a:spLocks noGrp="1"/>
-          </p:cNvSpPr>
-          <p:nvPr>
-            <p:ph type="body" idx="1"/>
-          </p:nvPr>
-        </p:nvSpPr>
-        <p:spPr/>
+          <p:cNvSpPr/>
+          <p:nvPr/>
+        </p:nvSpPr>
+        <p:spPr>
+          <a:xfrm>
+            <a:off x="462789" y="414020"/>
+            <a:ext cx="1827405" cy="821441"/>
+          </a:xfrm>
+          <a:prstGeom prst="roundRect">
+            <a:avLst/>
+          </a:prstGeom>
+        </p:spPr>
+        <p:style>
+          <a:lnRef idx="2">
+            <a:schemeClr val="accent1">
+              <a:shade val="15000"/>
+            </a:schemeClr>
+          </a:lnRef>
+          <a:fillRef idx="1">
+            <a:schemeClr val="accent1"/>
+          </a:fillRef>
+          <a:effectRef idx="0">
+            <a:schemeClr val="accent1"/>
+          </a:effectRef>
+          <a:fontRef idx="minor">
+            <a:schemeClr val="lt1"/>
+          </a:fontRef>
+        </p:style>
         <p:txBody>
-          <a:bodyPr/>
+          <a:bodyPr rtlCol="0" anchor="ctr"/>
           <a:lstStyle/>
           <a:p>
-            <a:r>
-              <a:rPr lang="en-CA" dirty="0">
-                <a:hlinkClick r:id="rId2"/>
+            <a:pPr algn="ctr"/>
+            <a:r>
+              <a:rPr lang="en-US" sz="1600" dirty="0">
+                <a:solidFill>
+                  <a:schemeClr val="bg1"/>
+                </a:solidFill>
               </a:rPr>
-              <a:t>https://github.com/twilight-goose/Mapping-Stations</a:t>
-            </a:r>
-            <a:endParaRPr lang="en-CA" dirty="0"/>
-          </a:p>
-          <a:p>
-            <a:endParaRPr lang="en-CA" dirty="0"/>
+              <a:t>Start with the edge the origin station is on</a:t>
+            </a:r>
+            <a:endParaRPr lang="en-CA" sz="1600" dirty="0">
+              <a:solidFill>
+                <a:schemeClr val="bg1"/>
+              </a:solidFill>
+            </a:endParaRPr>
+          </a:p>
+        </p:txBody>
+      </p:sp>
+      <p:sp>
+        <p:nvSpPr>
+          <p:cNvPr id="5" name="Rectangle: Rounded Corners 4">
+            <a:extLst>
+              <a:ext uri="{FF2B5EF4-FFF2-40B4-BE49-F238E27FC236}">
+                <a16:creationId xmlns:a16="http://schemas.microsoft.com/office/drawing/2014/main" id="{76A2DEE3-BF09-1F3D-8D15-754171C9C40F}"/>
+              </a:ext>
+            </a:extLst>
+          </p:cNvPr>
+          <p:cNvSpPr/>
+          <p:nvPr/>
+        </p:nvSpPr>
+        <p:spPr>
+          <a:xfrm>
+            <a:off x="457882" y="1668964"/>
+            <a:ext cx="1827401" cy="778731"/>
+          </a:xfrm>
+          <a:prstGeom prst="roundRect">
+            <a:avLst/>
+          </a:prstGeom>
+        </p:spPr>
+        <p:style>
+          <a:lnRef idx="2">
+            <a:schemeClr val="accent1">
+              <a:shade val="15000"/>
+            </a:schemeClr>
+          </a:lnRef>
+          <a:fillRef idx="1">
+            <a:schemeClr val="accent1"/>
+          </a:fillRef>
+          <a:effectRef idx="0">
+            <a:schemeClr val="accent1"/>
+          </a:effectRef>
+          <a:fontRef idx="minor">
+            <a:schemeClr val="lt1"/>
+          </a:fontRef>
+        </p:style>
+        <p:txBody>
+          <a:bodyPr rtlCol="0" anchor="ctr"/>
+          <a:lstStyle/>
+          <a:p>
+            <a:pPr algn="ctr"/>
+            <a:r>
+              <a:rPr lang="en-US" sz="1600" dirty="0">
+                <a:solidFill>
+                  <a:schemeClr val="bg1"/>
+                </a:solidFill>
+              </a:rPr>
+              <a:t>Are there candidate stations on this edge?</a:t>
+            </a:r>
+            <a:endParaRPr lang="en-CA" sz="1600" dirty="0">
+              <a:solidFill>
+                <a:schemeClr val="bg1"/>
+              </a:solidFill>
+            </a:endParaRPr>
+          </a:p>
+        </p:txBody>
+      </p:sp>
+      <p:sp>
+        <p:nvSpPr>
+          <p:cNvPr id="9" name="Rectangle: Rounded Corners 8">
+            <a:extLst>
+              <a:ext uri="{FF2B5EF4-FFF2-40B4-BE49-F238E27FC236}">
+                <a16:creationId xmlns:a16="http://schemas.microsoft.com/office/drawing/2014/main" id="{C9BABAC8-96C7-282A-92CA-C4B92A0DFCC6}"/>
+              </a:ext>
+            </a:extLst>
+          </p:cNvPr>
+          <p:cNvSpPr/>
+          <p:nvPr/>
+        </p:nvSpPr>
+        <p:spPr>
+          <a:xfrm>
+            <a:off x="462790" y="2958542"/>
+            <a:ext cx="1827401" cy="826302"/>
+          </a:xfrm>
+          <a:prstGeom prst="roundRect">
+            <a:avLst/>
+          </a:prstGeom>
+        </p:spPr>
+        <p:style>
+          <a:lnRef idx="2">
+            <a:schemeClr val="accent1">
+              <a:shade val="15000"/>
+            </a:schemeClr>
+          </a:lnRef>
+          <a:fillRef idx="1">
+            <a:schemeClr val="accent1"/>
+          </a:fillRef>
+          <a:effectRef idx="0">
+            <a:schemeClr val="accent1"/>
+          </a:effectRef>
+          <a:fontRef idx="minor">
+            <a:schemeClr val="lt1"/>
+          </a:fontRef>
+        </p:style>
+        <p:txBody>
+          <a:bodyPr rtlCol="0" anchor="ctr"/>
+          <a:lstStyle/>
+          <a:p>
+            <a:pPr algn="ctr"/>
+            <a:r>
+              <a:rPr lang="en-US" sz="1600" dirty="0">
+                <a:solidFill>
+                  <a:schemeClr val="bg1"/>
+                </a:solidFill>
+              </a:rPr>
+              <a:t>Depth travelled within algorithm parameters?</a:t>
+            </a:r>
+            <a:endParaRPr lang="en-CA" sz="1600" dirty="0">
+              <a:solidFill>
+                <a:schemeClr val="bg1"/>
+              </a:solidFill>
+            </a:endParaRPr>
+          </a:p>
+        </p:txBody>
+      </p:sp>
+      <p:cxnSp>
+        <p:nvCxnSpPr>
+          <p:cNvPr id="11" name="Straight Arrow Connector 10">
+            <a:extLst>
+              <a:ext uri="{FF2B5EF4-FFF2-40B4-BE49-F238E27FC236}">
+                <a16:creationId xmlns:a16="http://schemas.microsoft.com/office/drawing/2014/main" id="{333FB783-6728-1F2E-6D24-AE2B0199F1E4}"/>
+              </a:ext>
+            </a:extLst>
+          </p:cNvPr>
+          <p:cNvCxnSpPr>
+            <a:cxnSpLocks/>
+            <a:stCxn id="5" idx="2"/>
+            <a:endCxn id="9" idx="0"/>
+          </p:cNvCxnSpPr>
+          <p:nvPr/>
+        </p:nvCxnSpPr>
+        <p:spPr>
+          <a:xfrm>
+            <a:off x="1371583" y="2447695"/>
+            <a:ext cx="4908" cy="510847"/>
+          </a:xfrm>
+          <a:prstGeom prst="straightConnector1">
+            <a:avLst/>
+          </a:prstGeom>
+          <a:ln w="28575">
+            <a:tailEnd type="triangle"/>
+          </a:ln>
+        </p:spPr>
+        <p:style>
+          <a:lnRef idx="1">
+            <a:schemeClr val="accent1"/>
+          </a:lnRef>
+          <a:fillRef idx="0">
+            <a:schemeClr val="accent1"/>
+          </a:fillRef>
+          <a:effectRef idx="0">
+            <a:schemeClr val="accent1"/>
+          </a:effectRef>
+          <a:fontRef idx="minor">
+            <a:schemeClr val="tx1"/>
+          </a:fontRef>
+        </p:style>
+      </p:cxnSp>
+      <p:cxnSp>
+        <p:nvCxnSpPr>
+          <p:cNvPr id="18" name="Straight Arrow Connector 17">
+            <a:extLst>
+              <a:ext uri="{FF2B5EF4-FFF2-40B4-BE49-F238E27FC236}">
+                <a16:creationId xmlns:a16="http://schemas.microsoft.com/office/drawing/2014/main" id="{BD830D49-6E84-2C1F-1B3A-4FDC0F2CD28B}"/>
+              </a:ext>
+            </a:extLst>
+          </p:cNvPr>
+          <p:cNvCxnSpPr>
+            <a:cxnSpLocks/>
+            <a:stCxn id="9" idx="2"/>
+            <a:endCxn id="21" idx="0"/>
+          </p:cNvCxnSpPr>
+          <p:nvPr/>
+        </p:nvCxnSpPr>
+        <p:spPr>
+          <a:xfrm>
+            <a:off x="1376491" y="3784844"/>
+            <a:ext cx="0" cy="587642"/>
+          </a:xfrm>
+          <a:prstGeom prst="straightConnector1">
+            <a:avLst/>
+          </a:prstGeom>
+          <a:ln w="28575">
+            <a:tailEnd type="triangle"/>
+          </a:ln>
+        </p:spPr>
+        <p:style>
+          <a:lnRef idx="1">
+            <a:schemeClr val="accent1"/>
+          </a:lnRef>
+          <a:fillRef idx="0">
+            <a:schemeClr val="accent1"/>
+          </a:fillRef>
+          <a:effectRef idx="0">
+            <a:schemeClr val="accent1"/>
+          </a:effectRef>
+          <a:fontRef idx="minor">
+            <a:schemeClr val="tx1"/>
+          </a:fontRef>
+        </p:style>
+      </p:cxnSp>
+      <p:sp>
+        <p:nvSpPr>
+          <p:cNvPr id="21" name="Rectangle: Rounded Corners 20">
+            <a:extLst>
+              <a:ext uri="{FF2B5EF4-FFF2-40B4-BE49-F238E27FC236}">
+                <a16:creationId xmlns:a16="http://schemas.microsoft.com/office/drawing/2014/main" id="{2F2F94F5-3553-2AAB-A76E-F2D3A113CD3A}"/>
+              </a:ext>
+            </a:extLst>
+          </p:cNvPr>
+          <p:cNvSpPr/>
+          <p:nvPr/>
+        </p:nvSpPr>
+        <p:spPr>
+          <a:xfrm>
+            <a:off x="467699" y="4372486"/>
+            <a:ext cx="1817584" cy="732249"/>
+          </a:xfrm>
+          <a:prstGeom prst="roundRect">
+            <a:avLst/>
+          </a:prstGeom>
+        </p:spPr>
+        <p:style>
+          <a:lnRef idx="2">
+            <a:schemeClr val="accent1">
+              <a:shade val="15000"/>
+            </a:schemeClr>
+          </a:lnRef>
+          <a:fillRef idx="1">
+            <a:schemeClr val="accent1"/>
+          </a:fillRef>
+          <a:effectRef idx="0">
+            <a:schemeClr val="accent1"/>
+          </a:effectRef>
+          <a:fontRef idx="minor">
+            <a:schemeClr val="lt1"/>
+          </a:fontRef>
+        </p:style>
+        <p:txBody>
+          <a:bodyPr rtlCol="0" anchor="ctr"/>
+          <a:lstStyle/>
+          <a:p>
+            <a:pPr algn="ctr"/>
+            <a:r>
+              <a:rPr lang="en-US" sz="1600" dirty="0">
+                <a:solidFill>
+                  <a:schemeClr val="bg1"/>
+                </a:solidFill>
+              </a:rPr>
+              <a:t>Sort candidate stations by distance</a:t>
+            </a:r>
+            <a:endParaRPr lang="en-CA" sz="1600" dirty="0">
+              <a:solidFill>
+                <a:schemeClr val="bg1"/>
+              </a:solidFill>
+            </a:endParaRPr>
+          </a:p>
+        </p:txBody>
+      </p:sp>
+      <p:cxnSp>
+        <p:nvCxnSpPr>
+          <p:cNvPr id="26" name="Straight Arrow Connector 25">
+            <a:extLst>
+              <a:ext uri="{FF2B5EF4-FFF2-40B4-BE49-F238E27FC236}">
+                <a16:creationId xmlns:a16="http://schemas.microsoft.com/office/drawing/2014/main" id="{05B59BFE-8514-0D17-5F99-7C9245C2E90E}"/>
+              </a:ext>
+            </a:extLst>
+          </p:cNvPr>
+          <p:cNvCxnSpPr>
+            <a:cxnSpLocks/>
+            <a:stCxn id="21" idx="2"/>
+            <a:endCxn id="76" idx="0"/>
+          </p:cNvCxnSpPr>
+          <p:nvPr/>
+        </p:nvCxnSpPr>
+        <p:spPr>
+          <a:xfrm flipH="1">
+            <a:off x="1366674" y="5104735"/>
+            <a:ext cx="9817" cy="388281"/>
+          </a:xfrm>
+          <a:prstGeom prst="straightConnector1">
+            <a:avLst/>
+          </a:prstGeom>
+          <a:ln w="28575">
+            <a:tailEnd type="triangle"/>
+          </a:ln>
+        </p:spPr>
+        <p:style>
+          <a:lnRef idx="1">
+            <a:schemeClr val="accent1"/>
+          </a:lnRef>
+          <a:fillRef idx="0">
+            <a:schemeClr val="accent1"/>
+          </a:fillRef>
+          <a:effectRef idx="0">
+            <a:schemeClr val="accent1"/>
+          </a:effectRef>
+          <a:fontRef idx="minor">
+            <a:schemeClr val="tx1"/>
+          </a:fontRef>
+        </p:style>
+      </p:cxnSp>
+      <p:sp>
+        <p:nvSpPr>
+          <p:cNvPr id="29" name="Rectangle: Rounded Corners 28">
+            <a:extLst>
+              <a:ext uri="{FF2B5EF4-FFF2-40B4-BE49-F238E27FC236}">
+                <a16:creationId xmlns:a16="http://schemas.microsoft.com/office/drawing/2014/main" id="{AFA8C0CD-B7B7-4A8E-570C-FE6D582E6E6E}"/>
+              </a:ext>
+            </a:extLst>
+          </p:cNvPr>
+          <p:cNvSpPr/>
+          <p:nvPr/>
+        </p:nvSpPr>
+        <p:spPr>
+          <a:xfrm>
+            <a:off x="5065191" y="5415223"/>
+            <a:ext cx="2049715" cy="867005"/>
+          </a:xfrm>
+          <a:prstGeom prst="roundRect">
+            <a:avLst/>
+          </a:prstGeom>
+        </p:spPr>
+        <p:style>
+          <a:lnRef idx="2">
+            <a:schemeClr val="accent1">
+              <a:shade val="15000"/>
+            </a:schemeClr>
+          </a:lnRef>
+          <a:fillRef idx="1">
+            <a:schemeClr val="accent1"/>
+          </a:fillRef>
+          <a:effectRef idx="0">
+            <a:schemeClr val="accent1"/>
+          </a:effectRef>
+          <a:fontRef idx="minor">
+            <a:schemeClr val="lt1"/>
+          </a:fontRef>
+        </p:style>
+        <p:txBody>
+          <a:bodyPr rtlCol="0" anchor="ctr"/>
+          <a:lstStyle/>
+          <a:p>
+            <a:pPr algn="ctr"/>
+            <a:r>
+              <a:rPr lang="en-US" sz="1600" dirty="0">
+                <a:solidFill>
+                  <a:schemeClr val="bg1"/>
+                </a:solidFill>
+              </a:rPr>
+              <a:t>Add stations within distance parameters to matches</a:t>
+            </a:r>
+            <a:endParaRPr lang="en-CA" sz="1600" dirty="0">
+              <a:solidFill>
+                <a:schemeClr val="bg1"/>
+              </a:solidFill>
+            </a:endParaRPr>
+          </a:p>
+        </p:txBody>
+      </p:sp>
+      <p:sp>
+        <p:nvSpPr>
+          <p:cNvPr id="54" name="Rectangle: Rounded Corners 53">
+            <a:extLst>
+              <a:ext uri="{FF2B5EF4-FFF2-40B4-BE49-F238E27FC236}">
+                <a16:creationId xmlns:a16="http://schemas.microsoft.com/office/drawing/2014/main" id="{96B1A556-822B-0D94-0DC3-FD1E78CA8EC7}"/>
+              </a:ext>
+            </a:extLst>
+          </p:cNvPr>
+          <p:cNvSpPr/>
+          <p:nvPr/>
+        </p:nvSpPr>
+        <p:spPr>
+          <a:xfrm>
+            <a:off x="5065191" y="4218827"/>
+            <a:ext cx="2049715" cy="810433"/>
+          </a:xfrm>
+          <a:prstGeom prst="roundRect">
+            <a:avLst/>
+          </a:prstGeom>
+        </p:spPr>
+        <p:style>
+          <a:lnRef idx="2">
+            <a:schemeClr val="accent1">
+              <a:shade val="15000"/>
+            </a:schemeClr>
+          </a:lnRef>
+          <a:fillRef idx="1">
+            <a:schemeClr val="accent1"/>
+          </a:fillRef>
+          <a:effectRef idx="0">
+            <a:schemeClr val="accent1"/>
+          </a:effectRef>
+          <a:fontRef idx="minor">
+            <a:schemeClr val="lt1"/>
+          </a:fontRef>
+        </p:style>
+        <p:txBody>
+          <a:bodyPr rtlCol="0" anchor="ctr"/>
+          <a:lstStyle/>
+          <a:p>
+            <a:pPr algn="ctr"/>
+            <a:r>
+              <a:rPr lang="en-US" sz="1600" dirty="0">
+                <a:solidFill>
+                  <a:schemeClr val="bg1"/>
+                </a:solidFill>
+              </a:rPr>
+              <a:t>Have the desired number of matches been made?</a:t>
+            </a:r>
+            <a:endParaRPr lang="en-CA" sz="1600" dirty="0">
+              <a:solidFill>
+                <a:schemeClr val="bg1"/>
+              </a:solidFill>
+            </a:endParaRPr>
+          </a:p>
+        </p:txBody>
+      </p:sp>
+      <p:cxnSp>
+        <p:nvCxnSpPr>
+          <p:cNvPr id="65" name="Connector: Elbow 64">
+            <a:extLst>
+              <a:ext uri="{FF2B5EF4-FFF2-40B4-BE49-F238E27FC236}">
+                <a16:creationId xmlns:a16="http://schemas.microsoft.com/office/drawing/2014/main" id="{FBF5E6B0-2B2D-B578-B60E-4D677E1B9A93}"/>
+              </a:ext>
+            </a:extLst>
+          </p:cNvPr>
+          <p:cNvCxnSpPr>
+            <a:cxnSpLocks/>
+            <a:stCxn id="4" idx="2"/>
+            <a:endCxn id="5" idx="0"/>
+          </p:cNvCxnSpPr>
+          <p:nvPr/>
+        </p:nvCxnSpPr>
+        <p:spPr>
+          <a:xfrm rot="5400000">
+            <a:off x="1157287" y="1449758"/>
+            <a:ext cx="433503" cy="4909"/>
+          </a:xfrm>
+          <a:prstGeom prst="bentConnector3">
+            <a:avLst>
+              <a:gd name="adj1" fmla="val 50000"/>
+            </a:avLst>
+          </a:prstGeom>
+          <a:ln w="28575">
+            <a:tailEnd type="triangle"/>
+          </a:ln>
+        </p:spPr>
+        <p:style>
+          <a:lnRef idx="1">
+            <a:schemeClr val="accent1"/>
+          </a:lnRef>
+          <a:fillRef idx="0">
+            <a:schemeClr val="accent1"/>
+          </a:fillRef>
+          <a:effectRef idx="0">
+            <a:schemeClr val="accent1"/>
+          </a:effectRef>
+          <a:fontRef idx="minor">
+            <a:schemeClr val="tx1"/>
+          </a:fontRef>
+        </p:style>
+      </p:cxnSp>
+      <p:sp>
+        <p:nvSpPr>
+          <p:cNvPr id="67" name="Rectangle: Rounded Corners 66">
+            <a:extLst>
+              <a:ext uri="{FF2B5EF4-FFF2-40B4-BE49-F238E27FC236}">
+                <a16:creationId xmlns:a16="http://schemas.microsoft.com/office/drawing/2014/main" id="{26EE0B5E-E491-0633-18E0-04DFCBB17C8B}"/>
+              </a:ext>
+            </a:extLst>
+          </p:cNvPr>
+          <p:cNvSpPr/>
+          <p:nvPr/>
+        </p:nvSpPr>
+        <p:spPr>
+          <a:xfrm>
+            <a:off x="2895856" y="1654936"/>
+            <a:ext cx="2117603" cy="903764"/>
+          </a:xfrm>
+          <a:prstGeom prst="roundRect">
+            <a:avLst/>
+          </a:prstGeom>
+        </p:spPr>
+        <p:style>
+          <a:lnRef idx="2">
+            <a:schemeClr val="accent1">
+              <a:shade val="15000"/>
+            </a:schemeClr>
+          </a:lnRef>
+          <a:fillRef idx="1">
+            <a:schemeClr val="accent1"/>
+          </a:fillRef>
+          <a:effectRef idx="0">
+            <a:schemeClr val="accent1"/>
+          </a:effectRef>
+          <a:fontRef idx="minor">
+            <a:schemeClr val="lt1"/>
+          </a:fontRef>
+        </p:style>
+        <p:txBody>
+          <a:bodyPr rtlCol="0" anchor="ctr"/>
+          <a:lstStyle/>
+          <a:p>
+            <a:pPr algn="ctr"/>
+            <a:r>
+              <a:rPr lang="en-US" sz="1600" dirty="0">
+                <a:solidFill>
+                  <a:schemeClr val="bg1"/>
+                </a:solidFill>
+              </a:rPr>
+              <a:t>Move to the next edge in the direction being travelled</a:t>
+            </a:r>
+            <a:endParaRPr lang="en-CA" sz="1600" dirty="0">
+              <a:solidFill>
+                <a:schemeClr val="bg1"/>
+              </a:solidFill>
+            </a:endParaRPr>
+          </a:p>
+        </p:txBody>
+      </p:sp>
+      <p:cxnSp>
+        <p:nvCxnSpPr>
+          <p:cNvPr id="69" name="Straight Arrow Connector 68">
+            <a:extLst>
+              <a:ext uri="{FF2B5EF4-FFF2-40B4-BE49-F238E27FC236}">
+                <a16:creationId xmlns:a16="http://schemas.microsoft.com/office/drawing/2014/main" id="{140B342F-8416-E78C-D6AF-525C1AD916F2}"/>
+              </a:ext>
+            </a:extLst>
+          </p:cNvPr>
+          <p:cNvCxnSpPr>
+            <a:cxnSpLocks/>
+            <a:stCxn id="5" idx="3"/>
+            <a:endCxn id="67" idx="1"/>
+          </p:cNvCxnSpPr>
+          <p:nvPr/>
+        </p:nvCxnSpPr>
+        <p:spPr>
+          <a:xfrm>
+            <a:off x="2285283" y="2058330"/>
+            <a:ext cx="610573" cy="48488"/>
+          </a:xfrm>
+          <a:prstGeom prst="straightConnector1">
+            <a:avLst/>
+          </a:prstGeom>
+          <a:ln>
+            <a:tailEnd type="triangle"/>
+          </a:ln>
+        </p:spPr>
+        <p:style>
+          <a:lnRef idx="1">
+            <a:schemeClr val="accent1"/>
+          </a:lnRef>
+          <a:fillRef idx="0">
+            <a:schemeClr val="accent1"/>
+          </a:fillRef>
+          <a:effectRef idx="0">
+            <a:schemeClr val="accent1"/>
+          </a:effectRef>
+          <a:fontRef idx="minor">
+            <a:schemeClr val="tx1"/>
+          </a:fontRef>
+        </p:style>
+      </p:cxnSp>
+      <p:sp>
+        <p:nvSpPr>
+          <p:cNvPr id="76" name="Rectangle: Rounded Corners 75">
+            <a:extLst>
+              <a:ext uri="{FF2B5EF4-FFF2-40B4-BE49-F238E27FC236}">
+                <a16:creationId xmlns:a16="http://schemas.microsoft.com/office/drawing/2014/main" id="{E9714770-0FEE-2F6E-D0F9-D451910E3788}"/>
+              </a:ext>
+            </a:extLst>
+          </p:cNvPr>
+          <p:cNvSpPr/>
+          <p:nvPr/>
+        </p:nvSpPr>
+        <p:spPr>
+          <a:xfrm>
+            <a:off x="457882" y="5493016"/>
+            <a:ext cx="1817584" cy="711421"/>
+          </a:xfrm>
+          <a:prstGeom prst="roundRect">
+            <a:avLst/>
+          </a:prstGeom>
+        </p:spPr>
+        <p:style>
+          <a:lnRef idx="2">
+            <a:schemeClr val="accent1">
+              <a:shade val="15000"/>
+            </a:schemeClr>
+          </a:lnRef>
+          <a:fillRef idx="1">
+            <a:schemeClr val="accent1"/>
+          </a:fillRef>
+          <a:effectRef idx="0">
+            <a:schemeClr val="accent1"/>
+          </a:effectRef>
+          <a:fontRef idx="minor">
+            <a:schemeClr val="lt1"/>
+          </a:fontRef>
+        </p:style>
+        <p:txBody>
+          <a:bodyPr rtlCol="0" anchor="ctr"/>
+          <a:lstStyle/>
+          <a:p>
+            <a:pPr algn="ctr"/>
+            <a:r>
+              <a:rPr lang="en-US" sz="1600" dirty="0">
+                <a:solidFill>
+                  <a:schemeClr val="bg1"/>
+                </a:solidFill>
+              </a:rPr>
+              <a:t>Have the stations already been added?</a:t>
+            </a:r>
+            <a:endParaRPr lang="en-CA" sz="1600" dirty="0">
+              <a:solidFill>
+                <a:schemeClr val="bg1"/>
+              </a:solidFill>
+            </a:endParaRPr>
+          </a:p>
+        </p:txBody>
+      </p:sp>
+      <p:cxnSp>
+        <p:nvCxnSpPr>
+          <p:cNvPr id="85" name="Connector: Elbow 84">
+            <a:extLst>
+              <a:ext uri="{FF2B5EF4-FFF2-40B4-BE49-F238E27FC236}">
+                <a16:creationId xmlns:a16="http://schemas.microsoft.com/office/drawing/2014/main" id="{04C161FE-28FF-794C-4FCF-76485E867880}"/>
+              </a:ext>
+            </a:extLst>
+          </p:cNvPr>
+          <p:cNvCxnSpPr>
+            <a:cxnSpLocks/>
+            <a:stCxn id="76" idx="3"/>
+            <a:endCxn id="67" idx="2"/>
+          </p:cNvCxnSpPr>
+          <p:nvPr/>
+        </p:nvCxnSpPr>
+        <p:spPr>
+          <a:xfrm flipV="1">
+            <a:off x="2275466" y="2558700"/>
+            <a:ext cx="1679192" cy="3290027"/>
+          </a:xfrm>
+          <a:prstGeom prst="bentConnector2">
+            <a:avLst/>
+          </a:prstGeom>
+          <a:ln w="28575">
+            <a:tailEnd type="triangle"/>
+          </a:ln>
+        </p:spPr>
+        <p:style>
+          <a:lnRef idx="1">
+            <a:schemeClr val="accent1"/>
+          </a:lnRef>
+          <a:fillRef idx="0">
+            <a:schemeClr val="accent1"/>
+          </a:fillRef>
+          <a:effectRef idx="0">
+            <a:schemeClr val="accent1"/>
+          </a:effectRef>
+          <a:fontRef idx="minor">
+            <a:schemeClr val="tx1"/>
+          </a:fontRef>
+        </p:style>
+      </p:cxnSp>
+      <p:cxnSp>
+        <p:nvCxnSpPr>
+          <p:cNvPr id="93" name="Connector: Elbow 92">
+            <a:extLst>
+              <a:ext uri="{FF2B5EF4-FFF2-40B4-BE49-F238E27FC236}">
+                <a16:creationId xmlns:a16="http://schemas.microsoft.com/office/drawing/2014/main" id="{CB40BCB1-5F9A-BBDE-AF52-58C4BB1C3D76}"/>
+              </a:ext>
+            </a:extLst>
+          </p:cNvPr>
+          <p:cNvCxnSpPr>
+            <a:cxnSpLocks/>
+            <a:stCxn id="67" idx="0"/>
+            <a:endCxn id="5" idx="0"/>
+          </p:cNvCxnSpPr>
+          <p:nvPr/>
+        </p:nvCxnSpPr>
+        <p:spPr>
+          <a:xfrm rot="16200000" flipH="1" flipV="1">
+            <a:off x="2656107" y="370412"/>
+            <a:ext cx="14028" cy="2583075"/>
+          </a:xfrm>
+          <a:prstGeom prst="bentConnector3">
+            <a:avLst>
+              <a:gd name="adj1" fmla="val -1629598"/>
+            </a:avLst>
+          </a:prstGeom>
+          <a:ln w="28575">
+            <a:tailEnd type="triangle"/>
+          </a:ln>
+        </p:spPr>
+        <p:style>
+          <a:lnRef idx="1">
+            <a:schemeClr val="accent1"/>
+          </a:lnRef>
+          <a:fillRef idx="0">
+            <a:schemeClr val="accent1"/>
+          </a:fillRef>
+          <a:effectRef idx="0">
+            <a:schemeClr val="accent1"/>
+          </a:effectRef>
+          <a:fontRef idx="minor">
+            <a:schemeClr val="tx1"/>
+          </a:fontRef>
+        </p:style>
+      </p:cxnSp>
+      <p:sp>
+        <p:nvSpPr>
+          <p:cNvPr id="133" name="Rectangle: Rounded Corners 132">
+            <a:extLst>
+              <a:ext uri="{FF2B5EF4-FFF2-40B4-BE49-F238E27FC236}">
+                <a16:creationId xmlns:a16="http://schemas.microsoft.com/office/drawing/2014/main" id="{E91914B6-549A-FFA0-0C6A-CEC853EE983C}"/>
+              </a:ext>
+            </a:extLst>
+          </p:cNvPr>
+          <p:cNvSpPr/>
+          <p:nvPr/>
+        </p:nvSpPr>
+        <p:spPr>
+          <a:xfrm>
+            <a:off x="5246460" y="1744079"/>
+            <a:ext cx="1702965" cy="650450"/>
+          </a:xfrm>
+          <a:prstGeom prst="roundRect">
+            <a:avLst/>
+          </a:prstGeom>
+        </p:spPr>
+        <p:style>
+          <a:lnRef idx="2">
+            <a:schemeClr val="accent1">
+              <a:shade val="15000"/>
+            </a:schemeClr>
+          </a:lnRef>
+          <a:fillRef idx="1">
+            <a:schemeClr val="accent1"/>
+          </a:fillRef>
+          <a:effectRef idx="0">
+            <a:schemeClr val="accent1"/>
+          </a:effectRef>
+          <a:fontRef idx="minor">
+            <a:schemeClr val="lt1"/>
+          </a:fontRef>
+        </p:style>
+        <p:txBody>
+          <a:bodyPr rtlCol="0" anchor="ctr"/>
+          <a:lstStyle/>
+          <a:p>
+            <a:pPr algn="ctr"/>
+            <a:r>
+              <a:rPr lang="en-US" sz="1600" dirty="0">
+                <a:solidFill>
+                  <a:schemeClr val="bg1"/>
+                </a:solidFill>
+              </a:rPr>
+              <a:t>Move to the next origin station</a:t>
+            </a:r>
+            <a:endParaRPr lang="en-CA" sz="1600" dirty="0">
+              <a:solidFill>
+                <a:schemeClr val="bg1"/>
+              </a:solidFill>
+            </a:endParaRPr>
+          </a:p>
+        </p:txBody>
+      </p:sp>
+      <p:cxnSp>
+        <p:nvCxnSpPr>
+          <p:cNvPr id="137" name="Connector: Elbow 136">
+            <a:extLst>
+              <a:ext uri="{FF2B5EF4-FFF2-40B4-BE49-F238E27FC236}">
+                <a16:creationId xmlns:a16="http://schemas.microsoft.com/office/drawing/2014/main" id="{B5550DDB-6C97-92D5-79B3-582CDC411232}"/>
+              </a:ext>
+            </a:extLst>
+          </p:cNvPr>
+          <p:cNvCxnSpPr>
+            <a:cxnSpLocks/>
+            <a:stCxn id="133" idx="0"/>
+            <a:endCxn id="4" idx="3"/>
+          </p:cNvCxnSpPr>
+          <p:nvPr/>
+        </p:nvCxnSpPr>
+        <p:spPr>
+          <a:xfrm rot="16200000" flipV="1">
+            <a:off x="3734400" y="-619465"/>
+            <a:ext cx="919338" cy="3807749"/>
+          </a:xfrm>
+          <a:prstGeom prst="bentConnector2">
+            <a:avLst/>
+          </a:prstGeom>
+          <a:ln w="28575">
+            <a:tailEnd type="triangle"/>
+          </a:ln>
+        </p:spPr>
+        <p:style>
+          <a:lnRef idx="1">
+            <a:schemeClr val="accent1"/>
+          </a:lnRef>
+          <a:fillRef idx="0">
+            <a:schemeClr val="accent1"/>
+          </a:fillRef>
+          <a:effectRef idx="0">
+            <a:schemeClr val="accent1"/>
+          </a:effectRef>
+          <a:fontRef idx="minor">
+            <a:schemeClr val="tx1"/>
+          </a:fontRef>
+        </p:style>
+      </p:cxnSp>
+      <p:sp>
+        <p:nvSpPr>
+          <p:cNvPr id="143" name="Rectangle: Rounded Corners 142">
+            <a:extLst>
+              <a:ext uri="{FF2B5EF4-FFF2-40B4-BE49-F238E27FC236}">
+                <a16:creationId xmlns:a16="http://schemas.microsoft.com/office/drawing/2014/main" id="{C9E86C14-F0C8-9AD0-6B55-8E6EDAF8DAF0}"/>
+              </a:ext>
+            </a:extLst>
+          </p:cNvPr>
+          <p:cNvSpPr/>
+          <p:nvPr/>
+        </p:nvSpPr>
+        <p:spPr>
+          <a:xfrm>
+            <a:off x="5246461" y="3051495"/>
+            <a:ext cx="1702965" cy="650450"/>
+          </a:xfrm>
+          <a:prstGeom prst="roundRect">
+            <a:avLst/>
+          </a:prstGeom>
+        </p:spPr>
+        <p:style>
+          <a:lnRef idx="2">
+            <a:schemeClr val="accent1">
+              <a:shade val="15000"/>
+            </a:schemeClr>
+          </a:lnRef>
+          <a:fillRef idx="1">
+            <a:schemeClr val="accent1"/>
+          </a:fillRef>
+          <a:effectRef idx="0">
+            <a:schemeClr val="accent1"/>
+          </a:effectRef>
+          <a:fontRef idx="minor">
+            <a:schemeClr val="lt1"/>
+          </a:fontRef>
+        </p:style>
+        <p:txBody>
+          <a:bodyPr rtlCol="0" anchor="ctr"/>
+          <a:lstStyle/>
+          <a:p>
+            <a:pPr algn="ctr"/>
+            <a:r>
+              <a:rPr lang="en-US" sz="1600" dirty="0">
+                <a:solidFill>
+                  <a:schemeClr val="bg1"/>
+                </a:solidFill>
+              </a:rPr>
+              <a:t>Are there more origin stations?</a:t>
+            </a:r>
+            <a:endParaRPr lang="en-CA" sz="1600" dirty="0">
+              <a:solidFill>
+                <a:schemeClr val="bg1"/>
+              </a:solidFill>
+            </a:endParaRPr>
+          </a:p>
+        </p:txBody>
+      </p:sp>
+      <p:cxnSp>
+        <p:nvCxnSpPr>
+          <p:cNvPr id="149" name="Straight Arrow Connector 148">
+            <a:extLst>
+              <a:ext uri="{FF2B5EF4-FFF2-40B4-BE49-F238E27FC236}">
+                <a16:creationId xmlns:a16="http://schemas.microsoft.com/office/drawing/2014/main" id="{AC38DC37-5BE3-A709-F229-5246866E5F73}"/>
+              </a:ext>
+            </a:extLst>
+          </p:cNvPr>
+          <p:cNvCxnSpPr>
+            <a:cxnSpLocks/>
+            <a:stCxn id="143" idx="0"/>
+            <a:endCxn id="133" idx="2"/>
+          </p:cNvCxnSpPr>
+          <p:nvPr/>
+        </p:nvCxnSpPr>
+        <p:spPr>
+          <a:xfrm flipH="1" flipV="1">
+            <a:off x="6097943" y="2394529"/>
+            <a:ext cx="1" cy="656966"/>
+          </a:xfrm>
+          <a:prstGeom prst="straightConnector1">
+            <a:avLst/>
+          </a:prstGeom>
+          <a:ln w="28575">
+            <a:tailEnd type="triangle"/>
+          </a:ln>
+        </p:spPr>
+        <p:style>
+          <a:lnRef idx="1">
+            <a:schemeClr val="accent1"/>
+          </a:lnRef>
+          <a:fillRef idx="0">
+            <a:schemeClr val="accent1"/>
+          </a:fillRef>
+          <a:effectRef idx="0">
+            <a:schemeClr val="accent1"/>
+          </a:effectRef>
+          <a:fontRef idx="minor">
+            <a:schemeClr val="tx1"/>
+          </a:fontRef>
+        </p:style>
+      </p:cxnSp>
+      <p:sp>
+        <p:nvSpPr>
+          <p:cNvPr id="153" name="Rectangle: Rounded Corners 152">
+            <a:extLst>
+              <a:ext uri="{FF2B5EF4-FFF2-40B4-BE49-F238E27FC236}">
+                <a16:creationId xmlns:a16="http://schemas.microsoft.com/office/drawing/2014/main" id="{0BB3FB7F-F8F6-1514-81AB-3F2E6ED6D72B}"/>
+              </a:ext>
+            </a:extLst>
+          </p:cNvPr>
+          <p:cNvSpPr/>
+          <p:nvPr/>
+        </p:nvSpPr>
+        <p:spPr>
+          <a:xfrm>
+            <a:off x="7686461" y="2934844"/>
+            <a:ext cx="1308683" cy="881005"/>
+          </a:xfrm>
+          <a:prstGeom prst="roundRect">
+            <a:avLst/>
+          </a:prstGeom>
+        </p:spPr>
+        <p:style>
+          <a:lnRef idx="2">
+            <a:schemeClr val="accent1">
+              <a:shade val="15000"/>
+            </a:schemeClr>
+          </a:lnRef>
+          <a:fillRef idx="1">
+            <a:schemeClr val="accent1"/>
+          </a:fillRef>
+          <a:effectRef idx="0">
+            <a:schemeClr val="accent1"/>
+          </a:effectRef>
+          <a:fontRef idx="minor">
+            <a:schemeClr val="lt1"/>
+          </a:fontRef>
+        </p:style>
+        <p:txBody>
+          <a:bodyPr rtlCol="0" anchor="ctr"/>
+          <a:lstStyle/>
+          <a:p>
+            <a:pPr algn="ctr"/>
+            <a:r>
+              <a:rPr lang="en-US" sz="1600" dirty="0">
+                <a:solidFill>
+                  <a:schemeClr val="tx2">
+                    <a:lumMod val="10000"/>
+                  </a:schemeClr>
+                </a:solidFill>
+              </a:rPr>
+              <a:t>Exit</a:t>
+            </a:r>
+            <a:endParaRPr lang="en-CA" sz="1600" dirty="0">
+              <a:solidFill>
+                <a:schemeClr val="tx2">
+                  <a:lumMod val="10000"/>
+                </a:schemeClr>
+              </a:solidFill>
+            </a:endParaRPr>
+          </a:p>
+        </p:txBody>
+      </p:sp>
+      <p:cxnSp>
+        <p:nvCxnSpPr>
+          <p:cNvPr id="155" name="Straight Arrow Connector 154">
+            <a:extLst>
+              <a:ext uri="{FF2B5EF4-FFF2-40B4-BE49-F238E27FC236}">
+                <a16:creationId xmlns:a16="http://schemas.microsoft.com/office/drawing/2014/main" id="{8AEEB46C-8A1B-C3A7-1BA8-B688F03B4D91}"/>
+              </a:ext>
+            </a:extLst>
+          </p:cNvPr>
+          <p:cNvCxnSpPr>
+            <a:cxnSpLocks/>
+            <a:stCxn id="143" idx="3"/>
+            <a:endCxn id="153" idx="1"/>
+          </p:cNvCxnSpPr>
+          <p:nvPr/>
+        </p:nvCxnSpPr>
+        <p:spPr>
+          <a:xfrm flipV="1">
+            <a:off x="6949426" y="3375347"/>
+            <a:ext cx="737035" cy="1373"/>
+          </a:xfrm>
+          <a:prstGeom prst="straightConnector1">
+            <a:avLst/>
+          </a:prstGeom>
+          <a:ln w="28575">
+            <a:tailEnd type="triangle"/>
+          </a:ln>
+        </p:spPr>
+        <p:style>
+          <a:lnRef idx="1">
+            <a:schemeClr val="accent1"/>
+          </a:lnRef>
+          <a:fillRef idx="0">
+            <a:schemeClr val="accent1"/>
+          </a:fillRef>
+          <a:effectRef idx="0">
+            <a:schemeClr val="accent1"/>
+          </a:effectRef>
+          <a:fontRef idx="minor">
+            <a:schemeClr val="tx1"/>
+          </a:fontRef>
+        </p:style>
+      </p:cxnSp>
+      <p:cxnSp>
+        <p:nvCxnSpPr>
+          <p:cNvPr id="259" name="Straight Arrow Connector 258">
+            <a:extLst>
+              <a:ext uri="{FF2B5EF4-FFF2-40B4-BE49-F238E27FC236}">
+                <a16:creationId xmlns:a16="http://schemas.microsoft.com/office/drawing/2014/main" id="{B313B9CA-E48B-0066-09E8-3B9E67731AE8}"/>
+              </a:ext>
+            </a:extLst>
+          </p:cNvPr>
+          <p:cNvCxnSpPr>
+            <a:cxnSpLocks/>
+            <a:stCxn id="54" idx="0"/>
+            <a:endCxn id="143" idx="2"/>
+          </p:cNvCxnSpPr>
+          <p:nvPr/>
+        </p:nvCxnSpPr>
+        <p:spPr>
+          <a:xfrm flipV="1">
+            <a:off x="6090049" y="3701945"/>
+            <a:ext cx="7895" cy="516882"/>
+          </a:xfrm>
+          <a:prstGeom prst="straightConnector1">
+            <a:avLst/>
+          </a:prstGeom>
+          <a:ln w="28575">
+            <a:tailEnd type="triangle"/>
+          </a:ln>
+        </p:spPr>
+        <p:style>
+          <a:lnRef idx="1">
+            <a:schemeClr val="accent1"/>
+          </a:lnRef>
+          <a:fillRef idx="0">
+            <a:schemeClr val="accent1"/>
+          </a:fillRef>
+          <a:effectRef idx="0">
+            <a:schemeClr val="accent1"/>
+          </a:effectRef>
+          <a:fontRef idx="minor">
+            <a:schemeClr val="tx1"/>
+          </a:fontRef>
+        </p:style>
+      </p:cxnSp>
+      <p:cxnSp>
+        <p:nvCxnSpPr>
+          <p:cNvPr id="296" name="Connector: Elbow 295">
+            <a:extLst>
+              <a:ext uri="{FF2B5EF4-FFF2-40B4-BE49-F238E27FC236}">
+                <a16:creationId xmlns:a16="http://schemas.microsoft.com/office/drawing/2014/main" id="{F7D9C166-4E1E-C74D-F97D-5B506B2A56BB}"/>
+              </a:ext>
+            </a:extLst>
+          </p:cNvPr>
+          <p:cNvCxnSpPr>
+            <a:cxnSpLocks/>
+            <a:stCxn id="54" idx="1"/>
+            <a:endCxn id="67" idx="2"/>
+          </p:cNvCxnSpPr>
+          <p:nvPr/>
+        </p:nvCxnSpPr>
+        <p:spPr>
+          <a:xfrm rot="10800000">
+            <a:off x="3954659" y="2558700"/>
+            <a:ext cx="1110533" cy="2065344"/>
+          </a:xfrm>
+          <a:prstGeom prst="bentConnector2">
+            <a:avLst/>
+          </a:prstGeom>
+          <a:ln w="28575">
+            <a:tailEnd type="triangle"/>
+          </a:ln>
+        </p:spPr>
+        <p:style>
+          <a:lnRef idx="1">
+            <a:schemeClr val="accent1"/>
+          </a:lnRef>
+          <a:fillRef idx="0">
+            <a:schemeClr val="accent1"/>
+          </a:fillRef>
+          <a:effectRef idx="0">
+            <a:schemeClr val="accent1"/>
+          </a:effectRef>
+          <a:fontRef idx="minor">
+            <a:schemeClr val="tx1"/>
+          </a:fontRef>
+        </p:style>
+      </p:cxnSp>
+      <p:cxnSp>
+        <p:nvCxnSpPr>
+          <p:cNvPr id="299" name="Straight Arrow Connector 298">
+            <a:extLst>
+              <a:ext uri="{FF2B5EF4-FFF2-40B4-BE49-F238E27FC236}">
+                <a16:creationId xmlns:a16="http://schemas.microsoft.com/office/drawing/2014/main" id="{D52491AD-BE1F-55E1-F0B9-E353C104DAC0}"/>
+              </a:ext>
+            </a:extLst>
+          </p:cNvPr>
+          <p:cNvCxnSpPr>
+            <a:cxnSpLocks/>
+            <a:stCxn id="29" idx="0"/>
+            <a:endCxn id="54" idx="2"/>
+          </p:cNvCxnSpPr>
+          <p:nvPr/>
+        </p:nvCxnSpPr>
+        <p:spPr>
+          <a:xfrm flipV="1">
+            <a:off x="6090049" y="5029260"/>
+            <a:ext cx="0" cy="385963"/>
+          </a:xfrm>
+          <a:prstGeom prst="straightConnector1">
+            <a:avLst/>
+          </a:prstGeom>
+          <a:ln w="28575">
+            <a:tailEnd type="triangle"/>
+          </a:ln>
+        </p:spPr>
+        <p:style>
+          <a:lnRef idx="1">
+            <a:schemeClr val="accent1"/>
+          </a:lnRef>
+          <a:fillRef idx="0">
+            <a:schemeClr val="accent1"/>
+          </a:fillRef>
+          <a:effectRef idx="0">
+            <a:schemeClr val="accent1"/>
+          </a:effectRef>
+          <a:fontRef idx="minor">
+            <a:schemeClr val="tx1"/>
+          </a:fontRef>
+        </p:style>
+      </p:cxnSp>
+      <p:cxnSp>
+        <p:nvCxnSpPr>
+          <p:cNvPr id="303" name="Straight Arrow Connector 302">
+            <a:extLst>
+              <a:ext uri="{FF2B5EF4-FFF2-40B4-BE49-F238E27FC236}">
+                <a16:creationId xmlns:a16="http://schemas.microsoft.com/office/drawing/2014/main" id="{15110A55-EC7D-542C-C459-C57902C5D49C}"/>
+              </a:ext>
+            </a:extLst>
+          </p:cNvPr>
+          <p:cNvCxnSpPr>
+            <a:cxnSpLocks/>
+            <a:stCxn id="76" idx="3"/>
+            <a:endCxn id="29" idx="1"/>
+          </p:cNvCxnSpPr>
+          <p:nvPr/>
+        </p:nvCxnSpPr>
+        <p:spPr>
+          <a:xfrm flipV="1">
+            <a:off x="2275466" y="5848726"/>
+            <a:ext cx="2789725" cy="1"/>
+          </a:xfrm>
+          <a:prstGeom prst="straightConnector1">
+            <a:avLst/>
+          </a:prstGeom>
+          <a:ln w="28575">
+            <a:tailEnd type="triangle"/>
+          </a:ln>
+        </p:spPr>
+        <p:style>
+          <a:lnRef idx="1">
+            <a:schemeClr val="accent1"/>
+          </a:lnRef>
+          <a:fillRef idx="0">
+            <a:schemeClr val="accent1"/>
+          </a:fillRef>
+          <a:effectRef idx="0">
+            <a:schemeClr val="accent1"/>
+          </a:effectRef>
+          <a:fontRef idx="minor">
+            <a:schemeClr val="tx1"/>
+          </a:fontRef>
+        </p:style>
+      </p:cxnSp>
+      <p:sp>
+        <p:nvSpPr>
+          <p:cNvPr id="329" name="TextBox 328">
+            <a:extLst>
+              <a:ext uri="{FF2B5EF4-FFF2-40B4-BE49-F238E27FC236}">
+                <a16:creationId xmlns:a16="http://schemas.microsoft.com/office/drawing/2014/main" id="{3EA99FC1-FE2E-BB7B-DFAB-73426D921E01}"/>
+              </a:ext>
+            </a:extLst>
+          </p:cNvPr>
+          <p:cNvSpPr txBox="1"/>
+          <p:nvPr/>
+        </p:nvSpPr>
+        <p:spPr>
+          <a:xfrm>
+            <a:off x="2267015" y="1914923"/>
+            <a:ext cx="637292" cy="377505"/>
+          </a:xfrm>
+          <a:prstGeom prst="rect">
+            <a:avLst/>
+          </a:prstGeom>
+          <a:noFill/>
+        </p:spPr>
+        <p:txBody>
+          <a:bodyPr wrap="square" rtlCol="0">
+            <a:spAutoFit/>
+          </a:bodyPr>
+          <a:lstStyle/>
+          <a:p>
+            <a:pPr algn="ctr"/>
+            <a:r>
+              <a:rPr lang="en-US" b="1" dirty="0">
+                <a:solidFill>
+                  <a:schemeClr val="bg1"/>
+                </a:solidFill>
+                <a:highlight>
+                  <a:srgbClr val="00FFFF"/>
+                </a:highlight>
+              </a:rPr>
+              <a:t>No</a:t>
+            </a:r>
+            <a:endParaRPr lang="en-CA" b="1" dirty="0">
+              <a:solidFill>
+                <a:schemeClr val="bg1"/>
+              </a:solidFill>
+              <a:highlight>
+                <a:srgbClr val="00FFFF"/>
+              </a:highlight>
+            </a:endParaRPr>
+          </a:p>
+        </p:txBody>
+      </p:sp>
+      <p:sp>
+        <p:nvSpPr>
+          <p:cNvPr id="332" name="TextBox 331">
+            <a:extLst>
+              <a:ext uri="{FF2B5EF4-FFF2-40B4-BE49-F238E27FC236}">
+                <a16:creationId xmlns:a16="http://schemas.microsoft.com/office/drawing/2014/main" id="{BD9915FF-DD37-4C49-62D9-2BE2BA3E95AF}"/>
+              </a:ext>
+            </a:extLst>
+          </p:cNvPr>
+          <p:cNvSpPr txBox="1"/>
+          <p:nvPr/>
+        </p:nvSpPr>
+        <p:spPr>
+          <a:xfrm>
+            <a:off x="4229762" y="5659972"/>
+            <a:ext cx="637292" cy="377505"/>
+          </a:xfrm>
+          <a:prstGeom prst="rect">
+            <a:avLst/>
+          </a:prstGeom>
+          <a:noFill/>
+        </p:spPr>
+        <p:txBody>
+          <a:bodyPr wrap="square" rtlCol="0">
+            <a:spAutoFit/>
+          </a:bodyPr>
+          <a:lstStyle/>
+          <a:p>
+            <a:pPr algn="ctr"/>
+            <a:r>
+              <a:rPr lang="en-US" b="1" dirty="0">
+                <a:solidFill>
+                  <a:schemeClr val="bg1"/>
+                </a:solidFill>
+                <a:highlight>
+                  <a:srgbClr val="00FFFF"/>
+                </a:highlight>
+              </a:rPr>
+              <a:t>No</a:t>
+            </a:r>
+            <a:endParaRPr lang="en-CA" b="1" dirty="0">
+              <a:solidFill>
+                <a:schemeClr val="bg1"/>
+              </a:solidFill>
+              <a:highlight>
+                <a:srgbClr val="00FFFF"/>
+              </a:highlight>
+            </a:endParaRPr>
+          </a:p>
+        </p:txBody>
+      </p:sp>
+      <p:sp>
+        <p:nvSpPr>
+          <p:cNvPr id="333" name="TextBox 332">
+            <a:extLst>
+              <a:ext uri="{FF2B5EF4-FFF2-40B4-BE49-F238E27FC236}">
+                <a16:creationId xmlns:a16="http://schemas.microsoft.com/office/drawing/2014/main" id="{C57CD62A-8B9D-F4F0-42D6-6B670E590742}"/>
+              </a:ext>
+            </a:extLst>
+          </p:cNvPr>
+          <p:cNvSpPr txBox="1"/>
+          <p:nvPr/>
+        </p:nvSpPr>
+        <p:spPr>
+          <a:xfrm>
+            <a:off x="4254525" y="4228125"/>
+            <a:ext cx="637292" cy="377505"/>
+          </a:xfrm>
+          <a:prstGeom prst="rect">
+            <a:avLst/>
+          </a:prstGeom>
+          <a:noFill/>
+        </p:spPr>
+        <p:txBody>
+          <a:bodyPr wrap="square" rtlCol="0">
+            <a:spAutoFit/>
+          </a:bodyPr>
+          <a:lstStyle/>
+          <a:p>
+            <a:pPr algn="ctr"/>
+            <a:r>
+              <a:rPr lang="en-US" b="1" dirty="0">
+                <a:solidFill>
+                  <a:schemeClr val="bg1"/>
+                </a:solidFill>
+                <a:highlight>
+                  <a:srgbClr val="00FFFF"/>
+                </a:highlight>
+              </a:rPr>
+              <a:t>No</a:t>
+            </a:r>
+            <a:endParaRPr lang="en-CA" b="1" dirty="0">
+              <a:solidFill>
+                <a:schemeClr val="bg1"/>
+              </a:solidFill>
+              <a:highlight>
+                <a:srgbClr val="00FFFF"/>
+              </a:highlight>
+            </a:endParaRPr>
+          </a:p>
+        </p:txBody>
+      </p:sp>
+      <p:sp>
+        <p:nvSpPr>
+          <p:cNvPr id="334" name="TextBox 333">
+            <a:extLst>
+              <a:ext uri="{FF2B5EF4-FFF2-40B4-BE49-F238E27FC236}">
+                <a16:creationId xmlns:a16="http://schemas.microsoft.com/office/drawing/2014/main" id="{951D8A21-6B4A-68B0-F70E-3617931277CF}"/>
+              </a:ext>
+            </a:extLst>
+          </p:cNvPr>
+          <p:cNvSpPr txBox="1"/>
+          <p:nvPr/>
+        </p:nvSpPr>
+        <p:spPr>
+          <a:xfrm>
+            <a:off x="6945479" y="3182939"/>
+            <a:ext cx="637292" cy="377505"/>
+          </a:xfrm>
+          <a:prstGeom prst="rect">
+            <a:avLst/>
+          </a:prstGeom>
+          <a:noFill/>
+        </p:spPr>
+        <p:txBody>
+          <a:bodyPr wrap="square" rtlCol="0">
+            <a:spAutoFit/>
+          </a:bodyPr>
+          <a:lstStyle/>
+          <a:p>
+            <a:pPr algn="ctr"/>
+            <a:r>
+              <a:rPr lang="en-US" b="1" dirty="0">
+                <a:solidFill>
+                  <a:schemeClr val="bg1"/>
+                </a:solidFill>
+                <a:highlight>
+                  <a:srgbClr val="00FFFF"/>
+                </a:highlight>
+              </a:rPr>
+              <a:t>No</a:t>
+            </a:r>
+            <a:endParaRPr lang="en-CA" b="1" dirty="0">
+              <a:solidFill>
+                <a:schemeClr val="bg1"/>
+              </a:solidFill>
+              <a:highlight>
+                <a:srgbClr val="00FFFF"/>
+              </a:highlight>
+            </a:endParaRPr>
+          </a:p>
+        </p:txBody>
+      </p:sp>
+      <p:sp>
+        <p:nvSpPr>
+          <p:cNvPr id="335" name="TextBox 334">
+            <a:extLst>
+              <a:ext uri="{FF2B5EF4-FFF2-40B4-BE49-F238E27FC236}">
+                <a16:creationId xmlns:a16="http://schemas.microsoft.com/office/drawing/2014/main" id="{B9BE0E2C-A0E9-B24A-F378-3EBC8C472889}"/>
+              </a:ext>
+            </a:extLst>
+          </p:cNvPr>
+          <p:cNvSpPr txBox="1"/>
+          <p:nvPr/>
+        </p:nvSpPr>
+        <p:spPr>
+          <a:xfrm>
+            <a:off x="3617233" y="5014311"/>
+            <a:ext cx="637292" cy="377505"/>
+          </a:xfrm>
+          <a:prstGeom prst="rect">
+            <a:avLst/>
+          </a:prstGeom>
+          <a:noFill/>
+        </p:spPr>
+        <p:txBody>
+          <a:bodyPr wrap="square" rtlCol="0">
+            <a:spAutoFit/>
+          </a:bodyPr>
+          <a:lstStyle/>
+          <a:p>
+            <a:pPr algn="ctr"/>
+            <a:r>
+              <a:rPr lang="en-US" b="1" dirty="0">
+                <a:solidFill>
+                  <a:schemeClr val="bg1"/>
+                </a:solidFill>
+                <a:highlight>
+                  <a:srgbClr val="00FFFF"/>
+                </a:highlight>
+              </a:rPr>
+              <a:t>Yes</a:t>
+            </a:r>
+            <a:endParaRPr lang="en-CA" b="1" dirty="0">
+              <a:solidFill>
+                <a:schemeClr val="bg1"/>
+              </a:solidFill>
+              <a:highlight>
+                <a:srgbClr val="00FFFF"/>
+              </a:highlight>
+            </a:endParaRPr>
+          </a:p>
+        </p:txBody>
+      </p:sp>
+      <p:sp>
+        <p:nvSpPr>
+          <p:cNvPr id="336" name="TextBox 335">
+            <a:extLst>
+              <a:ext uri="{FF2B5EF4-FFF2-40B4-BE49-F238E27FC236}">
+                <a16:creationId xmlns:a16="http://schemas.microsoft.com/office/drawing/2014/main" id="{0FB6AB09-54F3-8599-06A8-1CB6D9FF31FA}"/>
+              </a:ext>
+            </a:extLst>
+          </p:cNvPr>
+          <p:cNvSpPr txBox="1"/>
+          <p:nvPr/>
+        </p:nvSpPr>
+        <p:spPr>
+          <a:xfrm>
+            <a:off x="5779296" y="3771633"/>
+            <a:ext cx="637292" cy="377505"/>
+          </a:xfrm>
+          <a:prstGeom prst="rect">
+            <a:avLst/>
+          </a:prstGeom>
+          <a:noFill/>
+        </p:spPr>
+        <p:txBody>
+          <a:bodyPr wrap="square" rtlCol="0">
+            <a:spAutoFit/>
+          </a:bodyPr>
+          <a:lstStyle/>
+          <a:p>
+            <a:pPr algn="ctr"/>
+            <a:r>
+              <a:rPr lang="en-US" b="1" dirty="0">
+                <a:solidFill>
+                  <a:schemeClr val="bg1"/>
+                </a:solidFill>
+                <a:highlight>
+                  <a:srgbClr val="00FFFF"/>
+                </a:highlight>
+              </a:rPr>
+              <a:t>Yes</a:t>
+            </a:r>
+            <a:endParaRPr lang="en-CA" b="1" dirty="0">
+              <a:solidFill>
+                <a:schemeClr val="bg1"/>
+              </a:solidFill>
+              <a:highlight>
+                <a:srgbClr val="00FFFF"/>
+              </a:highlight>
+            </a:endParaRPr>
+          </a:p>
+        </p:txBody>
+      </p:sp>
+      <p:sp>
+        <p:nvSpPr>
+          <p:cNvPr id="337" name="TextBox 336">
+            <a:extLst>
+              <a:ext uri="{FF2B5EF4-FFF2-40B4-BE49-F238E27FC236}">
+                <a16:creationId xmlns:a16="http://schemas.microsoft.com/office/drawing/2014/main" id="{5B69306B-C7C1-C11E-9C88-519AE563A287}"/>
+              </a:ext>
+            </a:extLst>
+          </p:cNvPr>
+          <p:cNvSpPr txBox="1"/>
+          <p:nvPr/>
+        </p:nvSpPr>
+        <p:spPr>
+          <a:xfrm>
+            <a:off x="5779296" y="2527123"/>
+            <a:ext cx="637292" cy="377505"/>
+          </a:xfrm>
+          <a:prstGeom prst="rect">
+            <a:avLst/>
+          </a:prstGeom>
+          <a:noFill/>
+        </p:spPr>
+        <p:txBody>
+          <a:bodyPr wrap="square" rtlCol="0">
+            <a:spAutoFit/>
+          </a:bodyPr>
+          <a:lstStyle/>
+          <a:p>
+            <a:pPr algn="ctr"/>
+            <a:r>
+              <a:rPr lang="en-US" b="1" dirty="0">
+                <a:solidFill>
+                  <a:schemeClr val="bg1"/>
+                </a:solidFill>
+                <a:highlight>
+                  <a:srgbClr val="00FFFF"/>
+                </a:highlight>
+              </a:rPr>
+              <a:t>Yes</a:t>
+            </a:r>
+            <a:endParaRPr lang="en-CA" b="1" dirty="0">
+              <a:solidFill>
+                <a:schemeClr val="bg1"/>
+              </a:solidFill>
+              <a:highlight>
+                <a:srgbClr val="00FFFF"/>
+              </a:highlight>
+            </a:endParaRPr>
+          </a:p>
+        </p:txBody>
+      </p:sp>
+      <p:sp>
+        <p:nvSpPr>
+          <p:cNvPr id="342" name="TextBox 341">
+            <a:extLst>
+              <a:ext uri="{FF2B5EF4-FFF2-40B4-BE49-F238E27FC236}">
+                <a16:creationId xmlns:a16="http://schemas.microsoft.com/office/drawing/2014/main" id="{FE63D8A0-8234-F4BF-DFDF-75335EB9E80C}"/>
+              </a:ext>
+            </a:extLst>
+          </p:cNvPr>
+          <p:cNvSpPr txBox="1"/>
+          <p:nvPr/>
+        </p:nvSpPr>
+        <p:spPr>
+          <a:xfrm>
+            <a:off x="1052700" y="2501105"/>
+            <a:ext cx="637292" cy="377505"/>
+          </a:xfrm>
+          <a:prstGeom prst="rect">
+            <a:avLst/>
+          </a:prstGeom>
+          <a:noFill/>
+        </p:spPr>
+        <p:txBody>
+          <a:bodyPr wrap="square" rtlCol="0">
+            <a:spAutoFit/>
+          </a:bodyPr>
+          <a:lstStyle/>
+          <a:p>
+            <a:pPr algn="ctr"/>
+            <a:r>
+              <a:rPr lang="en-US" b="1" dirty="0">
+                <a:solidFill>
+                  <a:schemeClr val="bg1"/>
+                </a:solidFill>
+                <a:highlight>
+                  <a:srgbClr val="00FFFF"/>
+                </a:highlight>
+              </a:rPr>
+              <a:t>Yes</a:t>
+            </a:r>
+            <a:endParaRPr lang="en-CA" b="1" dirty="0">
+              <a:solidFill>
+                <a:schemeClr val="bg1"/>
+              </a:solidFill>
+              <a:highlight>
+                <a:srgbClr val="00FFFF"/>
+              </a:highlight>
+            </a:endParaRPr>
+          </a:p>
+        </p:txBody>
+      </p:sp>
+      <p:sp>
+        <p:nvSpPr>
+          <p:cNvPr id="359" name="TextBox 358">
+            <a:extLst>
+              <a:ext uri="{FF2B5EF4-FFF2-40B4-BE49-F238E27FC236}">
+                <a16:creationId xmlns:a16="http://schemas.microsoft.com/office/drawing/2014/main" id="{6656723E-85A4-53DC-E36C-F0F3F89AC283}"/>
+              </a:ext>
+            </a:extLst>
+          </p:cNvPr>
+          <p:cNvSpPr txBox="1"/>
+          <p:nvPr/>
+        </p:nvSpPr>
+        <p:spPr>
+          <a:xfrm>
+            <a:off x="1048028" y="3848788"/>
+            <a:ext cx="637292" cy="377505"/>
+          </a:xfrm>
+          <a:prstGeom prst="rect">
+            <a:avLst/>
+          </a:prstGeom>
+          <a:noFill/>
+        </p:spPr>
+        <p:txBody>
+          <a:bodyPr wrap="square" rtlCol="0">
+            <a:spAutoFit/>
+          </a:bodyPr>
+          <a:lstStyle/>
+          <a:p>
+            <a:pPr algn="ctr"/>
+            <a:r>
+              <a:rPr lang="en-US" b="1" dirty="0">
+                <a:solidFill>
+                  <a:schemeClr val="bg1"/>
+                </a:solidFill>
+                <a:highlight>
+                  <a:srgbClr val="00FFFF"/>
+                </a:highlight>
+              </a:rPr>
+              <a:t>Yes</a:t>
+            </a:r>
+            <a:endParaRPr lang="en-CA" b="1" dirty="0">
+              <a:solidFill>
+                <a:schemeClr val="bg1"/>
+              </a:solidFill>
+              <a:highlight>
+                <a:srgbClr val="00FFFF"/>
+              </a:highlight>
+            </a:endParaRPr>
+          </a:p>
+        </p:txBody>
+      </p:sp>
+      <p:cxnSp>
+        <p:nvCxnSpPr>
+          <p:cNvPr id="310" name="Straight Arrow Connector 309">
+            <a:extLst>
+              <a:ext uri="{FF2B5EF4-FFF2-40B4-BE49-F238E27FC236}">
+                <a16:creationId xmlns:a16="http://schemas.microsoft.com/office/drawing/2014/main" id="{0DA0107E-DF11-13A4-0A79-CBA185F2425F}"/>
+              </a:ext>
+            </a:extLst>
+          </p:cNvPr>
+          <p:cNvCxnSpPr>
+            <a:cxnSpLocks/>
+            <a:stCxn id="9" idx="3"/>
+            <a:endCxn id="143" idx="1"/>
+          </p:cNvCxnSpPr>
+          <p:nvPr/>
+        </p:nvCxnSpPr>
+        <p:spPr>
+          <a:xfrm>
+            <a:off x="2290191" y="3371693"/>
+            <a:ext cx="2956270" cy="5027"/>
+          </a:xfrm>
+          <a:prstGeom prst="straightConnector1">
+            <a:avLst/>
+          </a:prstGeom>
+          <a:ln w="28575">
+            <a:solidFill>
+              <a:schemeClr val="accent4"/>
+            </a:solidFill>
+            <a:tailEnd type="triangle"/>
+          </a:ln>
+        </p:spPr>
+        <p:style>
+          <a:lnRef idx="1">
+            <a:schemeClr val="accent1"/>
+          </a:lnRef>
+          <a:fillRef idx="0">
+            <a:schemeClr val="accent1"/>
+          </a:fillRef>
+          <a:effectRef idx="0">
+            <a:schemeClr val="accent1"/>
+          </a:effectRef>
+          <a:fontRef idx="minor">
+            <a:schemeClr val="tx1"/>
+          </a:fontRef>
+        </p:style>
+      </p:cxnSp>
+      <p:sp>
+        <p:nvSpPr>
+          <p:cNvPr id="331" name="TextBox 330">
+            <a:extLst>
+              <a:ext uri="{FF2B5EF4-FFF2-40B4-BE49-F238E27FC236}">
+                <a16:creationId xmlns:a16="http://schemas.microsoft.com/office/drawing/2014/main" id="{6CD210BE-18EA-819F-DA00-15FBA6C002D1}"/>
+              </a:ext>
+            </a:extLst>
+          </p:cNvPr>
+          <p:cNvSpPr txBox="1"/>
+          <p:nvPr/>
+        </p:nvSpPr>
+        <p:spPr>
+          <a:xfrm>
+            <a:off x="2417603" y="3173310"/>
+            <a:ext cx="637292" cy="377505"/>
+          </a:xfrm>
+          <a:prstGeom prst="rect">
+            <a:avLst/>
+          </a:prstGeom>
+          <a:noFill/>
+        </p:spPr>
+        <p:txBody>
+          <a:bodyPr wrap="square" rtlCol="0">
+            <a:spAutoFit/>
+          </a:bodyPr>
+          <a:lstStyle/>
+          <a:p>
+            <a:pPr algn="ctr"/>
+            <a:r>
+              <a:rPr lang="en-US" b="1" dirty="0">
+                <a:solidFill>
+                  <a:schemeClr val="bg1"/>
+                </a:solidFill>
+                <a:highlight>
+                  <a:srgbClr val="00FFFF"/>
+                </a:highlight>
+              </a:rPr>
+              <a:t>No</a:t>
+            </a:r>
+            <a:endParaRPr lang="en-CA" b="1" dirty="0">
+              <a:solidFill>
+                <a:schemeClr val="bg1"/>
+              </a:solidFill>
+              <a:highlight>
+                <a:srgbClr val="00FFFF"/>
+              </a:highlight>
+            </a:endParaRPr>
           </a:p>
         </p:txBody>
       </p:sp>
     </p:spTree>
     <p:extLst>
       <p:ext uri="{BB962C8B-B14F-4D97-AF65-F5344CB8AC3E}">
-        <p14:creationId xmlns:p14="http://schemas.microsoft.com/office/powerpoint/2010/main" val="3515441466"/>
+        <p14:creationId xmlns:p14="http://schemas.microsoft.com/office/powerpoint/2010/main" val="773365594"/>
       </p:ext>
     </p:extLst>
   </p:cSld>
@@ -8941,7 +10795,7 @@
         </p:nvSpPr>
         <p:spPr>
           <a:xfrm rot="19132891">
-            <a:off x="4603181" y="2986972"/>
+            <a:off x="4593437" y="2970530"/>
             <a:ext cx="2181018" cy="472891"/>
           </a:xfrm>
           <a:prstGeom prst="rect">
@@ -12767,1865 +14621,6 @@
       </p:grpSpPr>
       <p:sp>
         <p:nvSpPr>
-          <p:cNvPr id="2" name="Vertical Title 1">
-            <a:extLst>
-              <a:ext uri="{FF2B5EF4-FFF2-40B4-BE49-F238E27FC236}">
-                <a16:creationId xmlns:a16="http://schemas.microsoft.com/office/drawing/2014/main" id="{7039A62A-31B1-791C-2D51-1AF672F900C0}"/>
-              </a:ext>
-            </a:extLst>
-          </p:cNvPr>
-          <p:cNvSpPr>
-            <a:spLocks noGrp="1"/>
-          </p:cNvSpPr>
-          <p:nvPr>
-            <p:ph type="title" orient="vert"/>
-          </p:nvPr>
-        </p:nvSpPr>
-        <p:spPr/>
-        <p:txBody>
-          <a:bodyPr/>
-          <a:lstStyle/>
-          <a:p>
-            <a:endParaRPr lang="en-CA" dirty="0"/>
-          </a:p>
-        </p:txBody>
-      </p:sp>
-      <p:sp>
-        <p:nvSpPr>
-          <p:cNvPr id="4" name="Rectangle: Rounded Corners 3">
-            <a:extLst>
-              <a:ext uri="{FF2B5EF4-FFF2-40B4-BE49-F238E27FC236}">
-                <a16:creationId xmlns:a16="http://schemas.microsoft.com/office/drawing/2014/main" id="{66A9149A-4FEE-F931-6EE0-92E31CB98F7C}"/>
-              </a:ext>
-            </a:extLst>
-          </p:cNvPr>
-          <p:cNvSpPr/>
-          <p:nvPr/>
-        </p:nvSpPr>
-        <p:spPr>
-          <a:xfrm>
-            <a:off x="462789" y="414020"/>
-            <a:ext cx="1827405" cy="821441"/>
-          </a:xfrm>
-          <a:prstGeom prst="roundRect">
-            <a:avLst/>
-          </a:prstGeom>
-        </p:spPr>
-        <p:style>
-          <a:lnRef idx="2">
-            <a:schemeClr val="accent1">
-              <a:shade val="15000"/>
-            </a:schemeClr>
-          </a:lnRef>
-          <a:fillRef idx="1">
-            <a:schemeClr val="accent1"/>
-          </a:fillRef>
-          <a:effectRef idx="0">
-            <a:schemeClr val="accent1"/>
-          </a:effectRef>
-          <a:fontRef idx="minor">
-            <a:schemeClr val="lt1"/>
-          </a:fontRef>
-        </p:style>
-        <p:txBody>
-          <a:bodyPr rtlCol="0" anchor="ctr"/>
-          <a:lstStyle/>
-          <a:p>
-            <a:pPr algn="ctr"/>
-            <a:r>
-              <a:rPr lang="en-US" sz="1600" dirty="0">
-                <a:solidFill>
-                  <a:schemeClr val="bg1"/>
-                </a:solidFill>
-              </a:rPr>
-              <a:t>Start with the edge the origin station is on</a:t>
-            </a:r>
-            <a:endParaRPr lang="en-CA" sz="1600" dirty="0">
-              <a:solidFill>
-                <a:schemeClr val="bg1"/>
-              </a:solidFill>
-            </a:endParaRPr>
-          </a:p>
-        </p:txBody>
-      </p:sp>
-      <p:sp>
-        <p:nvSpPr>
-          <p:cNvPr id="5" name="Rectangle: Rounded Corners 4">
-            <a:extLst>
-              <a:ext uri="{FF2B5EF4-FFF2-40B4-BE49-F238E27FC236}">
-                <a16:creationId xmlns:a16="http://schemas.microsoft.com/office/drawing/2014/main" id="{76A2DEE3-BF09-1F3D-8D15-754171C9C40F}"/>
-              </a:ext>
-            </a:extLst>
-          </p:cNvPr>
-          <p:cNvSpPr/>
-          <p:nvPr/>
-        </p:nvSpPr>
-        <p:spPr>
-          <a:xfrm>
-            <a:off x="457882" y="1668964"/>
-            <a:ext cx="1827401" cy="778731"/>
-          </a:xfrm>
-          <a:prstGeom prst="roundRect">
-            <a:avLst/>
-          </a:prstGeom>
-        </p:spPr>
-        <p:style>
-          <a:lnRef idx="2">
-            <a:schemeClr val="accent1">
-              <a:shade val="15000"/>
-            </a:schemeClr>
-          </a:lnRef>
-          <a:fillRef idx="1">
-            <a:schemeClr val="accent1"/>
-          </a:fillRef>
-          <a:effectRef idx="0">
-            <a:schemeClr val="accent1"/>
-          </a:effectRef>
-          <a:fontRef idx="minor">
-            <a:schemeClr val="lt1"/>
-          </a:fontRef>
-        </p:style>
-        <p:txBody>
-          <a:bodyPr rtlCol="0" anchor="ctr"/>
-          <a:lstStyle/>
-          <a:p>
-            <a:pPr algn="ctr"/>
-            <a:r>
-              <a:rPr lang="en-US" sz="1600" dirty="0">
-                <a:solidFill>
-                  <a:schemeClr val="bg1"/>
-                </a:solidFill>
-              </a:rPr>
-              <a:t>Are there candidate stations on this edge?</a:t>
-            </a:r>
-            <a:endParaRPr lang="en-CA" sz="1600" dirty="0">
-              <a:solidFill>
-                <a:schemeClr val="bg1"/>
-              </a:solidFill>
-            </a:endParaRPr>
-          </a:p>
-        </p:txBody>
-      </p:sp>
-      <p:sp>
-        <p:nvSpPr>
-          <p:cNvPr id="9" name="Rectangle: Rounded Corners 8">
-            <a:extLst>
-              <a:ext uri="{FF2B5EF4-FFF2-40B4-BE49-F238E27FC236}">
-                <a16:creationId xmlns:a16="http://schemas.microsoft.com/office/drawing/2014/main" id="{C9BABAC8-96C7-282A-92CA-C4B92A0DFCC6}"/>
-              </a:ext>
-            </a:extLst>
-          </p:cNvPr>
-          <p:cNvSpPr/>
-          <p:nvPr/>
-        </p:nvSpPr>
-        <p:spPr>
-          <a:xfrm>
-            <a:off x="462790" y="2958542"/>
-            <a:ext cx="1827401" cy="826302"/>
-          </a:xfrm>
-          <a:prstGeom prst="roundRect">
-            <a:avLst/>
-          </a:prstGeom>
-        </p:spPr>
-        <p:style>
-          <a:lnRef idx="2">
-            <a:schemeClr val="accent1">
-              <a:shade val="15000"/>
-            </a:schemeClr>
-          </a:lnRef>
-          <a:fillRef idx="1">
-            <a:schemeClr val="accent1"/>
-          </a:fillRef>
-          <a:effectRef idx="0">
-            <a:schemeClr val="accent1"/>
-          </a:effectRef>
-          <a:fontRef idx="minor">
-            <a:schemeClr val="lt1"/>
-          </a:fontRef>
-        </p:style>
-        <p:txBody>
-          <a:bodyPr rtlCol="0" anchor="ctr"/>
-          <a:lstStyle/>
-          <a:p>
-            <a:pPr algn="ctr"/>
-            <a:r>
-              <a:rPr lang="en-US" sz="1600" dirty="0">
-                <a:solidFill>
-                  <a:schemeClr val="bg1"/>
-                </a:solidFill>
-              </a:rPr>
-              <a:t>Depth travelled within algorithm parameters?</a:t>
-            </a:r>
-            <a:endParaRPr lang="en-CA" sz="1600" dirty="0">
-              <a:solidFill>
-                <a:schemeClr val="bg1"/>
-              </a:solidFill>
-            </a:endParaRPr>
-          </a:p>
-        </p:txBody>
-      </p:sp>
-      <p:cxnSp>
-        <p:nvCxnSpPr>
-          <p:cNvPr id="11" name="Straight Arrow Connector 10">
-            <a:extLst>
-              <a:ext uri="{FF2B5EF4-FFF2-40B4-BE49-F238E27FC236}">
-                <a16:creationId xmlns:a16="http://schemas.microsoft.com/office/drawing/2014/main" id="{333FB783-6728-1F2E-6D24-AE2B0199F1E4}"/>
-              </a:ext>
-            </a:extLst>
-          </p:cNvPr>
-          <p:cNvCxnSpPr>
-            <a:cxnSpLocks/>
-            <a:stCxn id="5" idx="2"/>
-            <a:endCxn id="9" idx="0"/>
-          </p:cNvCxnSpPr>
-          <p:nvPr/>
-        </p:nvCxnSpPr>
-        <p:spPr>
-          <a:xfrm>
-            <a:off x="1371583" y="2447695"/>
-            <a:ext cx="4908" cy="510847"/>
-          </a:xfrm>
-          <a:prstGeom prst="straightConnector1">
-            <a:avLst/>
-          </a:prstGeom>
-          <a:ln w="28575">
-            <a:tailEnd type="triangle"/>
-          </a:ln>
-        </p:spPr>
-        <p:style>
-          <a:lnRef idx="1">
-            <a:schemeClr val="accent1"/>
-          </a:lnRef>
-          <a:fillRef idx="0">
-            <a:schemeClr val="accent1"/>
-          </a:fillRef>
-          <a:effectRef idx="0">
-            <a:schemeClr val="accent1"/>
-          </a:effectRef>
-          <a:fontRef idx="minor">
-            <a:schemeClr val="tx1"/>
-          </a:fontRef>
-        </p:style>
-      </p:cxnSp>
-      <p:cxnSp>
-        <p:nvCxnSpPr>
-          <p:cNvPr id="18" name="Straight Arrow Connector 17">
-            <a:extLst>
-              <a:ext uri="{FF2B5EF4-FFF2-40B4-BE49-F238E27FC236}">
-                <a16:creationId xmlns:a16="http://schemas.microsoft.com/office/drawing/2014/main" id="{BD830D49-6E84-2C1F-1B3A-4FDC0F2CD28B}"/>
-              </a:ext>
-            </a:extLst>
-          </p:cNvPr>
-          <p:cNvCxnSpPr>
-            <a:cxnSpLocks/>
-            <a:stCxn id="9" idx="2"/>
-            <a:endCxn id="21" idx="0"/>
-          </p:cNvCxnSpPr>
-          <p:nvPr/>
-        </p:nvCxnSpPr>
-        <p:spPr>
-          <a:xfrm>
-            <a:off x="1376491" y="3784844"/>
-            <a:ext cx="0" cy="587642"/>
-          </a:xfrm>
-          <a:prstGeom prst="straightConnector1">
-            <a:avLst/>
-          </a:prstGeom>
-          <a:ln w="28575">
-            <a:tailEnd type="triangle"/>
-          </a:ln>
-        </p:spPr>
-        <p:style>
-          <a:lnRef idx="1">
-            <a:schemeClr val="accent1"/>
-          </a:lnRef>
-          <a:fillRef idx="0">
-            <a:schemeClr val="accent1"/>
-          </a:fillRef>
-          <a:effectRef idx="0">
-            <a:schemeClr val="accent1"/>
-          </a:effectRef>
-          <a:fontRef idx="minor">
-            <a:schemeClr val="tx1"/>
-          </a:fontRef>
-        </p:style>
-      </p:cxnSp>
-      <p:sp>
-        <p:nvSpPr>
-          <p:cNvPr id="21" name="Rectangle: Rounded Corners 20">
-            <a:extLst>
-              <a:ext uri="{FF2B5EF4-FFF2-40B4-BE49-F238E27FC236}">
-                <a16:creationId xmlns:a16="http://schemas.microsoft.com/office/drawing/2014/main" id="{2F2F94F5-3553-2AAB-A76E-F2D3A113CD3A}"/>
-              </a:ext>
-            </a:extLst>
-          </p:cNvPr>
-          <p:cNvSpPr/>
-          <p:nvPr/>
-        </p:nvSpPr>
-        <p:spPr>
-          <a:xfrm>
-            <a:off x="467699" y="4372486"/>
-            <a:ext cx="1817584" cy="732249"/>
-          </a:xfrm>
-          <a:prstGeom prst="roundRect">
-            <a:avLst/>
-          </a:prstGeom>
-        </p:spPr>
-        <p:style>
-          <a:lnRef idx="2">
-            <a:schemeClr val="accent1">
-              <a:shade val="15000"/>
-            </a:schemeClr>
-          </a:lnRef>
-          <a:fillRef idx="1">
-            <a:schemeClr val="accent1"/>
-          </a:fillRef>
-          <a:effectRef idx="0">
-            <a:schemeClr val="accent1"/>
-          </a:effectRef>
-          <a:fontRef idx="minor">
-            <a:schemeClr val="lt1"/>
-          </a:fontRef>
-        </p:style>
-        <p:txBody>
-          <a:bodyPr rtlCol="0" anchor="ctr"/>
-          <a:lstStyle/>
-          <a:p>
-            <a:pPr algn="ctr"/>
-            <a:r>
-              <a:rPr lang="en-US" sz="1600" dirty="0">
-                <a:solidFill>
-                  <a:schemeClr val="bg1"/>
-                </a:solidFill>
-              </a:rPr>
-              <a:t>Sort candidate stations by distance</a:t>
-            </a:r>
-            <a:endParaRPr lang="en-CA" sz="1600" dirty="0">
-              <a:solidFill>
-                <a:schemeClr val="bg1"/>
-              </a:solidFill>
-            </a:endParaRPr>
-          </a:p>
-        </p:txBody>
-      </p:sp>
-      <p:cxnSp>
-        <p:nvCxnSpPr>
-          <p:cNvPr id="26" name="Straight Arrow Connector 25">
-            <a:extLst>
-              <a:ext uri="{FF2B5EF4-FFF2-40B4-BE49-F238E27FC236}">
-                <a16:creationId xmlns:a16="http://schemas.microsoft.com/office/drawing/2014/main" id="{05B59BFE-8514-0D17-5F99-7C9245C2E90E}"/>
-              </a:ext>
-            </a:extLst>
-          </p:cNvPr>
-          <p:cNvCxnSpPr>
-            <a:cxnSpLocks/>
-            <a:stCxn id="21" idx="2"/>
-            <a:endCxn id="76" idx="0"/>
-          </p:cNvCxnSpPr>
-          <p:nvPr/>
-        </p:nvCxnSpPr>
-        <p:spPr>
-          <a:xfrm flipH="1">
-            <a:off x="1366674" y="5104735"/>
-            <a:ext cx="9817" cy="388281"/>
-          </a:xfrm>
-          <a:prstGeom prst="straightConnector1">
-            <a:avLst/>
-          </a:prstGeom>
-          <a:ln w="28575">
-            <a:tailEnd type="triangle"/>
-          </a:ln>
-        </p:spPr>
-        <p:style>
-          <a:lnRef idx="1">
-            <a:schemeClr val="accent1"/>
-          </a:lnRef>
-          <a:fillRef idx="0">
-            <a:schemeClr val="accent1"/>
-          </a:fillRef>
-          <a:effectRef idx="0">
-            <a:schemeClr val="accent1"/>
-          </a:effectRef>
-          <a:fontRef idx="minor">
-            <a:schemeClr val="tx1"/>
-          </a:fontRef>
-        </p:style>
-      </p:cxnSp>
-      <p:sp>
-        <p:nvSpPr>
-          <p:cNvPr id="29" name="Rectangle: Rounded Corners 28">
-            <a:extLst>
-              <a:ext uri="{FF2B5EF4-FFF2-40B4-BE49-F238E27FC236}">
-                <a16:creationId xmlns:a16="http://schemas.microsoft.com/office/drawing/2014/main" id="{AFA8C0CD-B7B7-4A8E-570C-FE6D582E6E6E}"/>
-              </a:ext>
-            </a:extLst>
-          </p:cNvPr>
-          <p:cNvSpPr/>
-          <p:nvPr/>
-        </p:nvSpPr>
-        <p:spPr>
-          <a:xfrm>
-            <a:off x="5065191" y="5415223"/>
-            <a:ext cx="2049715" cy="867005"/>
-          </a:xfrm>
-          <a:prstGeom prst="roundRect">
-            <a:avLst/>
-          </a:prstGeom>
-        </p:spPr>
-        <p:style>
-          <a:lnRef idx="2">
-            <a:schemeClr val="accent1">
-              <a:shade val="15000"/>
-            </a:schemeClr>
-          </a:lnRef>
-          <a:fillRef idx="1">
-            <a:schemeClr val="accent1"/>
-          </a:fillRef>
-          <a:effectRef idx="0">
-            <a:schemeClr val="accent1"/>
-          </a:effectRef>
-          <a:fontRef idx="minor">
-            <a:schemeClr val="lt1"/>
-          </a:fontRef>
-        </p:style>
-        <p:txBody>
-          <a:bodyPr rtlCol="0" anchor="ctr"/>
-          <a:lstStyle/>
-          <a:p>
-            <a:pPr algn="ctr"/>
-            <a:r>
-              <a:rPr lang="en-US" sz="1600" dirty="0">
-                <a:solidFill>
-                  <a:schemeClr val="bg1"/>
-                </a:solidFill>
-              </a:rPr>
-              <a:t>Add stations within distance parameters to matches</a:t>
-            </a:r>
-            <a:endParaRPr lang="en-CA" sz="1600" dirty="0">
-              <a:solidFill>
-                <a:schemeClr val="bg1"/>
-              </a:solidFill>
-            </a:endParaRPr>
-          </a:p>
-        </p:txBody>
-      </p:sp>
-      <p:sp>
-        <p:nvSpPr>
-          <p:cNvPr id="54" name="Rectangle: Rounded Corners 53">
-            <a:extLst>
-              <a:ext uri="{FF2B5EF4-FFF2-40B4-BE49-F238E27FC236}">
-                <a16:creationId xmlns:a16="http://schemas.microsoft.com/office/drawing/2014/main" id="{96B1A556-822B-0D94-0DC3-FD1E78CA8EC7}"/>
-              </a:ext>
-            </a:extLst>
-          </p:cNvPr>
-          <p:cNvSpPr/>
-          <p:nvPr/>
-        </p:nvSpPr>
-        <p:spPr>
-          <a:xfrm>
-            <a:off x="5065191" y="4218827"/>
-            <a:ext cx="2049715" cy="810433"/>
-          </a:xfrm>
-          <a:prstGeom prst="roundRect">
-            <a:avLst/>
-          </a:prstGeom>
-        </p:spPr>
-        <p:style>
-          <a:lnRef idx="2">
-            <a:schemeClr val="accent1">
-              <a:shade val="15000"/>
-            </a:schemeClr>
-          </a:lnRef>
-          <a:fillRef idx="1">
-            <a:schemeClr val="accent1"/>
-          </a:fillRef>
-          <a:effectRef idx="0">
-            <a:schemeClr val="accent1"/>
-          </a:effectRef>
-          <a:fontRef idx="minor">
-            <a:schemeClr val="lt1"/>
-          </a:fontRef>
-        </p:style>
-        <p:txBody>
-          <a:bodyPr rtlCol="0" anchor="ctr"/>
-          <a:lstStyle/>
-          <a:p>
-            <a:pPr algn="ctr"/>
-            <a:r>
-              <a:rPr lang="en-US" sz="1600" dirty="0">
-                <a:solidFill>
-                  <a:schemeClr val="bg1"/>
-                </a:solidFill>
-              </a:rPr>
-              <a:t>Have the desired number of matches been made?</a:t>
-            </a:r>
-            <a:endParaRPr lang="en-CA" sz="1600" dirty="0">
-              <a:solidFill>
-                <a:schemeClr val="bg1"/>
-              </a:solidFill>
-            </a:endParaRPr>
-          </a:p>
-        </p:txBody>
-      </p:sp>
-      <p:cxnSp>
-        <p:nvCxnSpPr>
-          <p:cNvPr id="65" name="Connector: Elbow 64">
-            <a:extLst>
-              <a:ext uri="{FF2B5EF4-FFF2-40B4-BE49-F238E27FC236}">
-                <a16:creationId xmlns:a16="http://schemas.microsoft.com/office/drawing/2014/main" id="{FBF5E6B0-2B2D-B578-B60E-4D677E1B9A93}"/>
-              </a:ext>
-            </a:extLst>
-          </p:cNvPr>
-          <p:cNvCxnSpPr>
-            <a:cxnSpLocks/>
-            <a:stCxn id="4" idx="2"/>
-            <a:endCxn id="5" idx="0"/>
-          </p:cNvCxnSpPr>
-          <p:nvPr/>
-        </p:nvCxnSpPr>
-        <p:spPr>
-          <a:xfrm rot="5400000">
-            <a:off x="1157287" y="1449758"/>
-            <a:ext cx="433503" cy="4909"/>
-          </a:xfrm>
-          <a:prstGeom prst="bentConnector3">
-            <a:avLst>
-              <a:gd name="adj1" fmla="val 50000"/>
-            </a:avLst>
-          </a:prstGeom>
-          <a:ln w="28575">
-            <a:tailEnd type="triangle"/>
-          </a:ln>
-        </p:spPr>
-        <p:style>
-          <a:lnRef idx="1">
-            <a:schemeClr val="accent1"/>
-          </a:lnRef>
-          <a:fillRef idx="0">
-            <a:schemeClr val="accent1"/>
-          </a:fillRef>
-          <a:effectRef idx="0">
-            <a:schemeClr val="accent1"/>
-          </a:effectRef>
-          <a:fontRef idx="minor">
-            <a:schemeClr val="tx1"/>
-          </a:fontRef>
-        </p:style>
-      </p:cxnSp>
-      <p:sp>
-        <p:nvSpPr>
-          <p:cNvPr id="67" name="Rectangle: Rounded Corners 66">
-            <a:extLst>
-              <a:ext uri="{FF2B5EF4-FFF2-40B4-BE49-F238E27FC236}">
-                <a16:creationId xmlns:a16="http://schemas.microsoft.com/office/drawing/2014/main" id="{26EE0B5E-E491-0633-18E0-04DFCBB17C8B}"/>
-              </a:ext>
-            </a:extLst>
-          </p:cNvPr>
-          <p:cNvSpPr/>
-          <p:nvPr/>
-        </p:nvSpPr>
-        <p:spPr>
-          <a:xfrm>
-            <a:off x="2895856" y="1654936"/>
-            <a:ext cx="2117603" cy="903764"/>
-          </a:xfrm>
-          <a:prstGeom prst="roundRect">
-            <a:avLst/>
-          </a:prstGeom>
-        </p:spPr>
-        <p:style>
-          <a:lnRef idx="2">
-            <a:schemeClr val="accent1">
-              <a:shade val="15000"/>
-            </a:schemeClr>
-          </a:lnRef>
-          <a:fillRef idx="1">
-            <a:schemeClr val="accent1"/>
-          </a:fillRef>
-          <a:effectRef idx="0">
-            <a:schemeClr val="accent1"/>
-          </a:effectRef>
-          <a:fontRef idx="minor">
-            <a:schemeClr val="lt1"/>
-          </a:fontRef>
-        </p:style>
-        <p:txBody>
-          <a:bodyPr rtlCol="0" anchor="ctr"/>
-          <a:lstStyle/>
-          <a:p>
-            <a:pPr algn="ctr"/>
-            <a:r>
-              <a:rPr lang="en-US" sz="1600" dirty="0">
-                <a:solidFill>
-                  <a:schemeClr val="bg1"/>
-                </a:solidFill>
-              </a:rPr>
-              <a:t>Move to the next edge in the direction being travelled</a:t>
-            </a:r>
-            <a:endParaRPr lang="en-CA" sz="1600" dirty="0">
-              <a:solidFill>
-                <a:schemeClr val="bg1"/>
-              </a:solidFill>
-            </a:endParaRPr>
-          </a:p>
-        </p:txBody>
-      </p:sp>
-      <p:cxnSp>
-        <p:nvCxnSpPr>
-          <p:cNvPr id="69" name="Straight Arrow Connector 68">
-            <a:extLst>
-              <a:ext uri="{FF2B5EF4-FFF2-40B4-BE49-F238E27FC236}">
-                <a16:creationId xmlns:a16="http://schemas.microsoft.com/office/drawing/2014/main" id="{140B342F-8416-E78C-D6AF-525C1AD916F2}"/>
-              </a:ext>
-            </a:extLst>
-          </p:cNvPr>
-          <p:cNvCxnSpPr>
-            <a:cxnSpLocks/>
-            <a:stCxn id="5" idx="3"/>
-            <a:endCxn id="67" idx="1"/>
-          </p:cNvCxnSpPr>
-          <p:nvPr/>
-        </p:nvCxnSpPr>
-        <p:spPr>
-          <a:xfrm>
-            <a:off x="2285283" y="2058330"/>
-            <a:ext cx="610573" cy="48488"/>
-          </a:xfrm>
-          <a:prstGeom prst="straightConnector1">
-            <a:avLst/>
-          </a:prstGeom>
-          <a:ln>
-            <a:tailEnd type="triangle"/>
-          </a:ln>
-        </p:spPr>
-        <p:style>
-          <a:lnRef idx="1">
-            <a:schemeClr val="accent1"/>
-          </a:lnRef>
-          <a:fillRef idx="0">
-            <a:schemeClr val="accent1"/>
-          </a:fillRef>
-          <a:effectRef idx="0">
-            <a:schemeClr val="accent1"/>
-          </a:effectRef>
-          <a:fontRef idx="minor">
-            <a:schemeClr val="tx1"/>
-          </a:fontRef>
-        </p:style>
-      </p:cxnSp>
-      <p:sp>
-        <p:nvSpPr>
-          <p:cNvPr id="76" name="Rectangle: Rounded Corners 75">
-            <a:extLst>
-              <a:ext uri="{FF2B5EF4-FFF2-40B4-BE49-F238E27FC236}">
-                <a16:creationId xmlns:a16="http://schemas.microsoft.com/office/drawing/2014/main" id="{E9714770-0FEE-2F6E-D0F9-D451910E3788}"/>
-              </a:ext>
-            </a:extLst>
-          </p:cNvPr>
-          <p:cNvSpPr/>
-          <p:nvPr/>
-        </p:nvSpPr>
-        <p:spPr>
-          <a:xfrm>
-            <a:off x="457882" y="5493016"/>
-            <a:ext cx="1817584" cy="711421"/>
-          </a:xfrm>
-          <a:prstGeom prst="roundRect">
-            <a:avLst/>
-          </a:prstGeom>
-        </p:spPr>
-        <p:style>
-          <a:lnRef idx="2">
-            <a:schemeClr val="accent1">
-              <a:shade val="15000"/>
-            </a:schemeClr>
-          </a:lnRef>
-          <a:fillRef idx="1">
-            <a:schemeClr val="accent1"/>
-          </a:fillRef>
-          <a:effectRef idx="0">
-            <a:schemeClr val="accent1"/>
-          </a:effectRef>
-          <a:fontRef idx="minor">
-            <a:schemeClr val="lt1"/>
-          </a:fontRef>
-        </p:style>
-        <p:txBody>
-          <a:bodyPr rtlCol="0" anchor="ctr"/>
-          <a:lstStyle/>
-          <a:p>
-            <a:pPr algn="ctr"/>
-            <a:r>
-              <a:rPr lang="en-US" sz="1600" dirty="0">
-                <a:solidFill>
-                  <a:schemeClr val="bg1"/>
-                </a:solidFill>
-              </a:rPr>
-              <a:t>Have the stations already been added?</a:t>
-            </a:r>
-            <a:endParaRPr lang="en-CA" sz="1600" dirty="0">
-              <a:solidFill>
-                <a:schemeClr val="bg1"/>
-              </a:solidFill>
-            </a:endParaRPr>
-          </a:p>
-        </p:txBody>
-      </p:sp>
-      <p:cxnSp>
-        <p:nvCxnSpPr>
-          <p:cNvPr id="85" name="Connector: Elbow 84">
-            <a:extLst>
-              <a:ext uri="{FF2B5EF4-FFF2-40B4-BE49-F238E27FC236}">
-                <a16:creationId xmlns:a16="http://schemas.microsoft.com/office/drawing/2014/main" id="{04C161FE-28FF-794C-4FCF-76485E867880}"/>
-              </a:ext>
-            </a:extLst>
-          </p:cNvPr>
-          <p:cNvCxnSpPr>
-            <a:cxnSpLocks/>
-            <a:stCxn id="76" idx="3"/>
-            <a:endCxn id="67" idx="2"/>
-          </p:cNvCxnSpPr>
-          <p:nvPr/>
-        </p:nvCxnSpPr>
-        <p:spPr>
-          <a:xfrm flipV="1">
-            <a:off x="2275466" y="2558700"/>
-            <a:ext cx="1679192" cy="3290027"/>
-          </a:xfrm>
-          <a:prstGeom prst="bentConnector2">
-            <a:avLst/>
-          </a:prstGeom>
-          <a:ln w="28575">
-            <a:tailEnd type="triangle"/>
-          </a:ln>
-        </p:spPr>
-        <p:style>
-          <a:lnRef idx="1">
-            <a:schemeClr val="accent1"/>
-          </a:lnRef>
-          <a:fillRef idx="0">
-            <a:schemeClr val="accent1"/>
-          </a:fillRef>
-          <a:effectRef idx="0">
-            <a:schemeClr val="accent1"/>
-          </a:effectRef>
-          <a:fontRef idx="minor">
-            <a:schemeClr val="tx1"/>
-          </a:fontRef>
-        </p:style>
-      </p:cxnSp>
-      <p:cxnSp>
-        <p:nvCxnSpPr>
-          <p:cNvPr id="93" name="Connector: Elbow 92">
-            <a:extLst>
-              <a:ext uri="{FF2B5EF4-FFF2-40B4-BE49-F238E27FC236}">
-                <a16:creationId xmlns:a16="http://schemas.microsoft.com/office/drawing/2014/main" id="{CB40BCB1-5F9A-BBDE-AF52-58C4BB1C3D76}"/>
-              </a:ext>
-            </a:extLst>
-          </p:cNvPr>
-          <p:cNvCxnSpPr>
-            <a:cxnSpLocks/>
-            <a:stCxn id="67" idx="0"/>
-            <a:endCxn id="5" idx="0"/>
-          </p:cNvCxnSpPr>
-          <p:nvPr/>
-        </p:nvCxnSpPr>
-        <p:spPr>
-          <a:xfrm rot="16200000" flipH="1" flipV="1">
-            <a:off x="2656107" y="370412"/>
-            <a:ext cx="14028" cy="2583075"/>
-          </a:xfrm>
-          <a:prstGeom prst="bentConnector3">
-            <a:avLst>
-              <a:gd name="adj1" fmla="val -1629598"/>
-            </a:avLst>
-          </a:prstGeom>
-          <a:ln w="28575">
-            <a:tailEnd type="triangle"/>
-          </a:ln>
-        </p:spPr>
-        <p:style>
-          <a:lnRef idx="1">
-            <a:schemeClr val="accent1"/>
-          </a:lnRef>
-          <a:fillRef idx="0">
-            <a:schemeClr val="accent1"/>
-          </a:fillRef>
-          <a:effectRef idx="0">
-            <a:schemeClr val="accent1"/>
-          </a:effectRef>
-          <a:fontRef idx="minor">
-            <a:schemeClr val="tx1"/>
-          </a:fontRef>
-        </p:style>
-      </p:cxnSp>
-      <p:sp>
-        <p:nvSpPr>
-          <p:cNvPr id="133" name="Rectangle: Rounded Corners 132">
-            <a:extLst>
-              <a:ext uri="{FF2B5EF4-FFF2-40B4-BE49-F238E27FC236}">
-                <a16:creationId xmlns:a16="http://schemas.microsoft.com/office/drawing/2014/main" id="{E91914B6-549A-FFA0-0C6A-CEC853EE983C}"/>
-              </a:ext>
-            </a:extLst>
-          </p:cNvPr>
-          <p:cNvSpPr/>
-          <p:nvPr/>
-        </p:nvSpPr>
-        <p:spPr>
-          <a:xfrm>
-            <a:off x="5246460" y="1744079"/>
-            <a:ext cx="1702965" cy="650450"/>
-          </a:xfrm>
-          <a:prstGeom prst="roundRect">
-            <a:avLst/>
-          </a:prstGeom>
-        </p:spPr>
-        <p:style>
-          <a:lnRef idx="2">
-            <a:schemeClr val="accent1">
-              <a:shade val="15000"/>
-            </a:schemeClr>
-          </a:lnRef>
-          <a:fillRef idx="1">
-            <a:schemeClr val="accent1"/>
-          </a:fillRef>
-          <a:effectRef idx="0">
-            <a:schemeClr val="accent1"/>
-          </a:effectRef>
-          <a:fontRef idx="minor">
-            <a:schemeClr val="lt1"/>
-          </a:fontRef>
-        </p:style>
-        <p:txBody>
-          <a:bodyPr rtlCol="0" anchor="ctr"/>
-          <a:lstStyle/>
-          <a:p>
-            <a:pPr algn="ctr"/>
-            <a:r>
-              <a:rPr lang="en-US" sz="1600" dirty="0">
-                <a:solidFill>
-                  <a:schemeClr val="bg1"/>
-                </a:solidFill>
-              </a:rPr>
-              <a:t>Move to the next origin station</a:t>
-            </a:r>
-            <a:endParaRPr lang="en-CA" sz="1600" dirty="0">
-              <a:solidFill>
-                <a:schemeClr val="bg1"/>
-              </a:solidFill>
-            </a:endParaRPr>
-          </a:p>
-        </p:txBody>
-      </p:sp>
-      <p:cxnSp>
-        <p:nvCxnSpPr>
-          <p:cNvPr id="137" name="Connector: Elbow 136">
-            <a:extLst>
-              <a:ext uri="{FF2B5EF4-FFF2-40B4-BE49-F238E27FC236}">
-                <a16:creationId xmlns:a16="http://schemas.microsoft.com/office/drawing/2014/main" id="{B5550DDB-6C97-92D5-79B3-582CDC411232}"/>
-              </a:ext>
-            </a:extLst>
-          </p:cNvPr>
-          <p:cNvCxnSpPr>
-            <a:cxnSpLocks/>
-            <a:stCxn id="133" idx="0"/>
-            <a:endCxn id="4" idx="3"/>
-          </p:cNvCxnSpPr>
-          <p:nvPr/>
-        </p:nvCxnSpPr>
-        <p:spPr>
-          <a:xfrm rot="16200000" flipV="1">
-            <a:off x="3734400" y="-619465"/>
-            <a:ext cx="919338" cy="3807749"/>
-          </a:xfrm>
-          <a:prstGeom prst="bentConnector2">
-            <a:avLst/>
-          </a:prstGeom>
-          <a:ln w="28575">
-            <a:tailEnd type="triangle"/>
-          </a:ln>
-        </p:spPr>
-        <p:style>
-          <a:lnRef idx="1">
-            <a:schemeClr val="accent1"/>
-          </a:lnRef>
-          <a:fillRef idx="0">
-            <a:schemeClr val="accent1"/>
-          </a:fillRef>
-          <a:effectRef idx="0">
-            <a:schemeClr val="accent1"/>
-          </a:effectRef>
-          <a:fontRef idx="minor">
-            <a:schemeClr val="tx1"/>
-          </a:fontRef>
-        </p:style>
-      </p:cxnSp>
-      <p:sp>
-        <p:nvSpPr>
-          <p:cNvPr id="143" name="Rectangle: Rounded Corners 142">
-            <a:extLst>
-              <a:ext uri="{FF2B5EF4-FFF2-40B4-BE49-F238E27FC236}">
-                <a16:creationId xmlns:a16="http://schemas.microsoft.com/office/drawing/2014/main" id="{C9E86C14-F0C8-9AD0-6B55-8E6EDAF8DAF0}"/>
-              </a:ext>
-            </a:extLst>
-          </p:cNvPr>
-          <p:cNvSpPr/>
-          <p:nvPr/>
-        </p:nvSpPr>
-        <p:spPr>
-          <a:xfrm>
-            <a:off x="5246461" y="3051495"/>
-            <a:ext cx="1702965" cy="650450"/>
-          </a:xfrm>
-          <a:prstGeom prst="roundRect">
-            <a:avLst/>
-          </a:prstGeom>
-        </p:spPr>
-        <p:style>
-          <a:lnRef idx="2">
-            <a:schemeClr val="accent1">
-              <a:shade val="15000"/>
-            </a:schemeClr>
-          </a:lnRef>
-          <a:fillRef idx="1">
-            <a:schemeClr val="accent1"/>
-          </a:fillRef>
-          <a:effectRef idx="0">
-            <a:schemeClr val="accent1"/>
-          </a:effectRef>
-          <a:fontRef idx="minor">
-            <a:schemeClr val="lt1"/>
-          </a:fontRef>
-        </p:style>
-        <p:txBody>
-          <a:bodyPr rtlCol="0" anchor="ctr"/>
-          <a:lstStyle/>
-          <a:p>
-            <a:pPr algn="ctr"/>
-            <a:r>
-              <a:rPr lang="en-US" sz="1600" dirty="0">
-                <a:solidFill>
-                  <a:schemeClr val="bg1"/>
-                </a:solidFill>
-              </a:rPr>
-              <a:t>Are there more origin stations?</a:t>
-            </a:r>
-            <a:endParaRPr lang="en-CA" sz="1600" dirty="0">
-              <a:solidFill>
-                <a:schemeClr val="bg1"/>
-              </a:solidFill>
-            </a:endParaRPr>
-          </a:p>
-        </p:txBody>
-      </p:sp>
-      <p:cxnSp>
-        <p:nvCxnSpPr>
-          <p:cNvPr id="149" name="Straight Arrow Connector 148">
-            <a:extLst>
-              <a:ext uri="{FF2B5EF4-FFF2-40B4-BE49-F238E27FC236}">
-                <a16:creationId xmlns:a16="http://schemas.microsoft.com/office/drawing/2014/main" id="{AC38DC37-5BE3-A709-F229-5246866E5F73}"/>
-              </a:ext>
-            </a:extLst>
-          </p:cNvPr>
-          <p:cNvCxnSpPr>
-            <a:cxnSpLocks/>
-            <a:stCxn id="143" idx="0"/>
-            <a:endCxn id="133" idx="2"/>
-          </p:cNvCxnSpPr>
-          <p:nvPr/>
-        </p:nvCxnSpPr>
-        <p:spPr>
-          <a:xfrm flipH="1" flipV="1">
-            <a:off x="6097943" y="2394529"/>
-            <a:ext cx="1" cy="656966"/>
-          </a:xfrm>
-          <a:prstGeom prst="straightConnector1">
-            <a:avLst/>
-          </a:prstGeom>
-          <a:ln w="28575">
-            <a:tailEnd type="triangle"/>
-          </a:ln>
-        </p:spPr>
-        <p:style>
-          <a:lnRef idx="1">
-            <a:schemeClr val="accent1"/>
-          </a:lnRef>
-          <a:fillRef idx="0">
-            <a:schemeClr val="accent1"/>
-          </a:fillRef>
-          <a:effectRef idx="0">
-            <a:schemeClr val="accent1"/>
-          </a:effectRef>
-          <a:fontRef idx="minor">
-            <a:schemeClr val="tx1"/>
-          </a:fontRef>
-        </p:style>
-      </p:cxnSp>
-      <p:sp>
-        <p:nvSpPr>
-          <p:cNvPr id="153" name="Rectangle: Rounded Corners 152">
-            <a:extLst>
-              <a:ext uri="{FF2B5EF4-FFF2-40B4-BE49-F238E27FC236}">
-                <a16:creationId xmlns:a16="http://schemas.microsoft.com/office/drawing/2014/main" id="{0BB3FB7F-F8F6-1514-81AB-3F2E6ED6D72B}"/>
-              </a:ext>
-            </a:extLst>
-          </p:cNvPr>
-          <p:cNvSpPr/>
-          <p:nvPr/>
-        </p:nvSpPr>
-        <p:spPr>
-          <a:xfrm>
-            <a:off x="7686461" y="2934844"/>
-            <a:ext cx="1308683" cy="881005"/>
-          </a:xfrm>
-          <a:prstGeom prst="roundRect">
-            <a:avLst/>
-          </a:prstGeom>
-        </p:spPr>
-        <p:style>
-          <a:lnRef idx="2">
-            <a:schemeClr val="accent1">
-              <a:shade val="15000"/>
-            </a:schemeClr>
-          </a:lnRef>
-          <a:fillRef idx="1">
-            <a:schemeClr val="accent1"/>
-          </a:fillRef>
-          <a:effectRef idx="0">
-            <a:schemeClr val="accent1"/>
-          </a:effectRef>
-          <a:fontRef idx="minor">
-            <a:schemeClr val="lt1"/>
-          </a:fontRef>
-        </p:style>
-        <p:txBody>
-          <a:bodyPr rtlCol="0" anchor="ctr"/>
-          <a:lstStyle/>
-          <a:p>
-            <a:pPr algn="ctr"/>
-            <a:r>
-              <a:rPr lang="en-US" sz="1600" dirty="0">
-                <a:solidFill>
-                  <a:schemeClr val="tx2">
-                    <a:lumMod val="10000"/>
-                  </a:schemeClr>
-                </a:solidFill>
-              </a:rPr>
-              <a:t>Exit</a:t>
-            </a:r>
-            <a:endParaRPr lang="en-CA" sz="1600" dirty="0">
-              <a:solidFill>
-                <a:schemeClr val="tx2">
-                  <a:lumMod val="10000"/>
-                </a:schemeClr>
-              </a:solidFill>
-            </a:endParaRPr>
-          </a:p>
-        </p:txBody>
-      </p:sp>
-      <p:cxnSp>
-        <p:nvCxnSpPr>
-          <p:cNvPr id="155" name="Straight Arrow Connector 154">
-            <a:extLst>
-              <a:ext uri="{FF2B5EF4-FFF2-40B4-BE49-F238E27FC236}">
-                <a16:creationId xmlns:a16="http://schemas.microsoft.com/office/drawing/2014/main" id="{8AEEB46C-8A1B-C3A7-1BA8-B688F03B4D91}"/>
-              </a:ext>
-            </a:extLst>
-          </p:cNvPr>
-          <p:cNvCxnSpPr>
-            <a:cxnSpLocks/>
-            <a:stCxn id="143" idx="3"/>
-            <a:endCxn id="153" idx="1"/>
-          </p:cNvCxnSpPr>
-          <p:nvPr/>
-        </p:nvCxnSpPr>
-        <p:spPr>
-          <a:xfrm flipV="1">
-            <a:off x="6949426" y="3375347"/>
-            <a:ext cx="737035" cy="1373"/>
-          </a:xfrm>
-          <a:prstGeom prst="straightConnector1">
-            <a:avLst/>
-          </a:prstGeom>
-          <a:ln w="28575">
-            <a:tailEnd type="triangle"/>
-          </a:ln>
-        </p:spPr>
-        <p:style>
-          <a:lnRef idx="1">
-            <a:schemeClr val="accent1"/>
-          </a:lnRef>
-          <a:fillRef idx="0">
-            <a:schemeClr val="accent1"/>
-          </a:fillRef>
-          <a:effectRef idx="0">
-            <a:schemeClr val="accent1"/>
-          </a:effectRef>
-          <a:fontRef idx="minor">
-            <a:schemeClr val="tx1"/>
-          </a:fontRef>
-        </p:style>
-      </p:cxnSp>
-      <p:cxnSp>
-        <p:nvCxnSpPr>
-          <p:cNvPr id="259" name="Straight Arrow Connector 258">
-            <a:extLst>
-              <a:ext uri="{FF2B5EF4-FFF2-40B4-BE49-F238E27FC236}">
-                <a16:creationId xmlns:a16="http://schemas.microsoft.com/office/drawing/2014/main" id="{B313B9CA-E48B-0066-09E8-3B9E67731AE8}"/>
-              </a:ext>
-            </a:extLst>
-          </p:cNvPr>
-          <p:cNvCxnSpPr>
-            <a:cxnSpLocks/>
-            <a:stCxn id="54" idx="0"/>
-            <a:endCxn id="143" idx="2"/>
-          </p:cNvCxnSpPr>
-          <p:nvPr/>
-        </p:nvCxnSpPr>
-        <p:spPr>
-          <a:xfrm flipV="1">
-            <a:off x="6090049" y="3701945"/>
-            <a:ext cx="7895" cy="516882"/>
-          </a:xfrm>
-          <a:prstGeom prst="straightConnector1">
-            <a:avLst/>
-          </a:prstGeom>
-          <a:ln w="28575">
-            <a:tailEnd type="triangle"/>
-          </a:ln>
-        </p:spPr>
-        <p:style>
-          <a:lnRef idx="1">
-            <a:schemeClr val="accent1"/>
-          </a:lnRef>
-          <a:fillRef idx="0">
-            <a:schemeClr val="accent1"/>
-          </a:fillRef>
-          <a:effectRef idx="0">
-            <a:schemeClr val="accent1"/>
-          </a:effectRef>
-          <a:fontRef idx="minor">
-            <a:schemeClr val="tx1"/>
-          </a:fontRef>
-        </p:style>
-      </p:cxnSp>
-      <p:cxnSp>
-        <p:nvCxnSpPr>
-          <p:cNvPr id="296" name="Connector: Elbow 295">
-            <a:extLst>
-              <a:ext uri="{FF2B5EF4-FFF2-40B4-BE49-F238E27FC236}">
-                <a16:creationId xmlns:a16="http://schemas.microsoft.com/office/drawing/2014/main" id="{F7D9C166-4E1E-C74D-F97D-5B506B2A56BB}"/>
-              </a:ext>
-            </a:extLst>
-          </p:cNvPr>
-          <p:cNvCxnSpPr>
-            <a:cxnSpLocks/>
-            <a:stCxn id="54" idx="1"/>
-            <a:endCxn id="67" idx="2"/>
-          </p:cNvCxnSpPr>
-          <p:nvPr/>
-        </p:nvCxnSpPr>
-        <p:spPr>
-          <a:xfrm rot="10800000">
-            <a:off x="3954659" y="2558700"/>
-            <a:ext cx="1110533" cy="2065344"/>
-          </a:xfrm>
-          <a:prstGeom prst="bentConnector2">
-            <a:avLst/>
-          </a:prstGeom>
-          <a:ln w="28575">
-            <a:tailEnd type="triangle"/>
-          </a:ln>
-        </p:spPr>
-        <p:style>
-          <a:lnRef idx="1">
-            <a:schemeClr val="accent1"/>
-          </a:lnRef>
-          <a:fillRef idx="0">
-            <a:schemeClr val="accent1"/>
-          </a:fillRef>
-          <a:effectRef idx="0">
-            <a:schemeClr val="accent1"/>
-          </a:effectRef>
-          <a:fontRef idx="minor">
-            <a:schemeClr val="tx1"/>
-          </a:fontRef>
-        </p:style>
-      </p:cxnSp>
-      <p:cxnSp>
-        <p:nvCxnSpPr>
-          <p:cNvPr id="299" name="Straight Arrow Connector 298">
-            <a:extLst>
-              <a:ext uri="{FF2B5EF4-FFF2-40B4-BE49-F238E27FC236}">
-                <a16:creationId xmlns:a16="http://schemas.microsoft.com/office/drawing/2014/main" id="{D52491AD-BE1F-55E1-F0B9-E353C104DAC0}"/>
-              </a:ext>
-            </a:extLst>
-          </p:cNvPr>
-          <p:cNvCxnSpPr>
-            <a:cxnSpLocks/>
-            <a:stCxn id="29" idx="0"/>
-            <a:endCxn id="54" idx="2"/>
-          </p:cNvCxnSpPr>
-          <p:nvPr/>
-        </p:nvCxnSpPr>
-        <p:spPr>
-          <a:xfrm flipV="1">
-            <a:off x="6090049" y="5029260"/>
-            <a:ext cx="0" cy="385963"/>
-          </a:xfrm>
-          <a:prstGeom prst="straightConnector1">
-            <a:avLst/>
-          </a:prstGeom>
-          <a:ln w="28575">
-            <a:tailEnd type="triangle"/>
-          </a:ln>
-        </p:spPr>
-        <p:style>
-          <a:lnRef idx="1">
-            <a:schemeClr val="accent1"/>
-          </a:lnRef>
-          <a:fillRef idx="0">
-            <a:schemeClr val="accent1"/>
-          </a:fillRef>
-          <a:effectRef idx="0">
-            <a:schemeClr val="accent1"/>
-          </a:effectRef>
-          <a:fontRef idx="minor">
-            <a:schemeClr val="tx1"/>
-          </a:fontRef>
-        </p:style>
-      </p:cxnSp>
-      <p:cxnSp>
-        <p:nvCxnSpPr>
-          <p:cNvPr id="303" name="Straight Arrow Connector 302">
-            <a:extLst>
-              <a:ext uri="{FF2B5EF4-FFF2-40B4-BE49-F238E27FC236}">
-                <a16:creationId xmlns:a16="http://schemas.microsoft.com/office/drawing/2014/main" id="{15110A55-EC7D-542C-C459-C57902C5D49C}"/>
-              </a:ext>
-            </a:extLst>
-          </p:cNvPr>
-          <p:cNvCxnSpPr>
-            <a:cxnSpLocks/>
-            <a:stCxn id="76" idx="3"/>
-            <a:endCxn id="29" idx="1"/>
-          </p:cNvCxnSpPr>
-          <p:nvPr/>
-        </p:nvCxnSpPr>
-        <p:spPr>
-          <a:xfrm flipV="1">
-            <a:off x="2275466" y="5848726"/>
-            <a:ext cx="2789725" cy="1"/>
-          </a:xfrm>
-          <a:prstGeom prst="straightConnector1">
-            <a:avLst/>
-          </a:prstGeom>
-          <a:ln w="28575">
-            <a:tailEnd type="triangle"/>
-          </a:ln>
-        </p:spPr>
-        <p:style>
-          <a:lnRef idx="1">
-            <a:schemeClr val="accent1"/>
-          </a:lnRef>
-          <a:fillRef idx="0">
-            <a:schemeClr val="accent1"/>
-          </a:fillRef>
-          <a:effectRef idx="0">
-            <a:schemeClr val="accent1"/>
-          </a:effectRef>
-          <a:fontRef idx="minor">
-            <a:schemeClr val="tx1"/>
-          </a:fontRef>
-        </p:style>
-      </p:cxnSp>
-      <p:sp>
-        <p:nvSpPr>
-          <p:cNvPr id="329" name="TextBox 328">
-            <a:extLst>
-              <a:ext uri="{FF2B5EF4-FFF2-40B4-BE49-F238E27FC236}">
-                <a16:creationId xmlns:a16="http://schemas.microsoft.com/office/drawing/2014/main" id="{3EA99FC1-FE2E-BB7B-DFAB-73426D921E01}"/>
-              </a:ext>
-            </a:extLst>
-          </p:cNvPr>
-          <p:cNvSpPr txBox="1"/>
-          <p:nvPr/>
-        </p:nvSpPr>
-        <p:spPr>
-          <a:xfrm>
-            <a:off x="2267015" y="1914923"/>
-            <a:ext cx="637292" cy="377505"/>
-          </a:xfrm>
-          <a:prstGeom prst="rect">
-            <a:avLst/>
-          </a:prstGeom>
-          <a:noFill/>
-        </p:spPr>
-        <p:txBody>
-          <a:bodyPr wrap="square" rtlCol="0">
-            <a:spAutoFit/>
-          </a:bodyPr>
-          <a:lstStyle/>
-          <a:p>
-            <a:pPr algn="ctr"/>
-            <a:r>
-              <a:rPr lang="en-US" b="1" dirty="0">
-                <a:solidFill>
-                  <a:schemeClr val="bg1"/>
-                </a:solidFill>
-                <a:highlight>
-                  <a:srgbClr val="00FFFF"/>
-                </a:highlight>
-              </a:rPr>
-              <a:t>No</a:t>
-            </a:r>
-            <a:endParaRPr lang="en-CA" b="1" dirty="0">
-              <a:solidFill>
-                <a:schemeClr val="bg1"/>
-              </a:solidFill>
-              <a:highlight>
-                <a:srgbClr val="00FFFF"/>
-              </a:highlight>
-            </a:endParaRPr>
-          </a:p>
-        </p:txBody>
-      </p:sp>
-      <p:sp>
-        <p:nvSpPr>
-          <p:cNvPr id="332" name="TextBox 331">
-            <a:extLst>
-              <a:ext uri="{FF2B5EF4-FFF2-40B4-BE49-F238E27FC236}">
-                <a16:creationId xmlns:a16="http://schemas.microsoft.com/office/drawing/2014/main" id="{BD9915FF-DD37-4C49-62D9-2BE2BA3E95AF}"/>
-              </a:ext>
-            </a:extLst>
-          </p:cNvPr>
-          <p:cNvSpPr txBox="1"/>
-          <p:nvPr/>
-        </p:nvSpPr>
-        <p:spPr>
-          <a:xfrm>
-            <a:off x="4229762" y="5659972"/>
-            <a:ext cx="637292" cy="377505"/>
-          </a:xfrm>
-          <a:prstGeom prst="rect">
-            <a:avLst/>
-          </a:prstGeom>
-          <a:noFill/>
-        </p:spPr>
-        <p:txBody>
-          <a:bodyPr wrap="square" rtlCol="0">
-            <a:spAutoFit/>
-          </a:bodyPr>
-          <a:lstStyle/>
-          <a:p>
-            <a:pPr algn="ctr"/>
-            <a:r>
-              <a:rPr lang="en-US" b="1" dirty="0">
-                <a:solidFill>
-                  <a:schemeClr val="bg1"/>
-                </a:solidFill>
-                <a:highlight>
-                  <a:srgbClr val="00FFFF"/>
-                </a:highlight>
-              </a:rPr>
-              <a:t>No</a:t>
-            </a:r>
-            <a:endParaRPr lang="en-CA" b="1" dirty="0">
-              <a:solidFill>
-                <a:schemeClr val="bg1"/>
-              </a:solidFill>
-              <a:highlight>
-                <a:srgbClr val="00FFFF"/>
-              </a:highlight>
-            </a:endParaRPr>
-          </a:p>
-        </p:txBody>
-      </p:sp>
-      <p:sp>
-        <p:nvSpPr>
-          <p:cNvPr id="333" name="TextBox 332">
-            <a:extLst>
-              <a:ext uri="{FF2B5EF4-FFF2-40B4-BE49-F238E27FC236}">
-                <a16:creationId xmlns:a16="http://schemas.microsoft.com/office/drawing/2014/main" id="{C57CD62A-8B9D-F4F0-42D6-6B670E590742}"/>
-              </a:ext>
-            </a:extLst>
-          </p:cNvPr>
-          <p:cNvSpPr txBox="1"/>
-          <p:nvPr/>
-        </p:nvSpPr>
-        <p:spPr>
-          <a:xfrm>
-            <a:off x="4254525" y="4228125"/>
-            <a:ext cx="637292" cy="377505"/>
-          </a:xfrm>
-          <a:prstGeom prst="rect">
-            <a:avLst/>
-          </a:prstGeom>
-          <a:noFill/>
-        </p:spPr>
-        <p:txBody>
-          <a:bodyPr wrap="square" rtlCol="0">
-            <a:spAutoFit/>
-          </a:bodyPr>
-          <a:lstStyle/>
-          <a:p>
-            <a:pPr algn="ctr"/>
-            <a:r>
-              <a:rPr lang="en-US" b="1" dirty="0">
-                <a:solidFill>
-                  <a:schemeClr val="bg1"/>
-                </a:solidFill>
-                <a:highlight>
-                  <a:srgbClr val="00FFFF"/>
-                </a:highlight>
-              </a:rPr>
-              <a:t>No</a:t>
-            </a:r>
-            <a:endParaRPr lang="en-CA" b="1" dirty="0">
-              <a:solidFill>
-                <a:schemeClr val="bg1"/>
-              </a:solidFill>
-              <a:highlight>
-                <a:srgbClr val="00FFFF"/>
-              </a:highlight>
-            </a:endParaRPr>
-          </a:p>
-        </p:txBody>
-      </p:sp>
-      <p:sp>
-        <p:nvSpPr>
-          <p:cNvPr id="334" name="TextBox 333">
-            <a:extLst>
-              <a:ext uri="{FF2B5EF4-FFF2-40B4-BE49-F238E27FC236}">
-                <a16:creationId xmlns:a16="http://schemas.microsoft.com/office/drawing/2014/main" id="{951D8A21-6B4A-68B0-F70E-3617931277CF}"/>
-              </a:ext>
-            </a:extLst>
-          </p:cNvPr>
-          <p:cNvSpPr txBox="1"/>
-          <p:nvPr/>
-        </p:nvSpPr>
-        <p:spPr>
-          <a:xfrm>
-            <a:off x="6945479" y="3182939"/>
-            <a:ext cx="637292" cy="377505"/>
-          </a:xfrm>
-          <a:prstGeom prst="rect">
-            <a:avLst/>
-          </a:prstGeom>
-          <a:noFill/>
-        </p:spPr>
-        <p:txBody>
-          <a:bodyPr wrap="square" rtlCol="0">
-            <a:spAutoFit/>
-          </a:bodyPr>
-          <a:lstStyle/>
-          <a:p>
-            <a:pPr algn="ctr"/>
-            <a:r>
-              <a:rPr lang="en-US" b="1" dirty="0">
-                <a:solidFill>
-                  <a:schemeClr val="bg1"/>
-                </a:solidFill>
-                <a:highlight>
-                  <a:srgbClr val="00FFFF"/>
-                </a:highlight>
-              </a:rPr>
-              <a:t>No</a:t>
-            </a:r>
-            <a:endParaRPr lang="en-CA" b="1" dirty="0">
-              <a:solidFill>
-                <a:schemeClr val="bg1"/>
-              </a:solidFill>
-              <a:highlight>
-                <a:srgbClr val="00FFFF"/>
-              </a:highlight>
-            </a:endParaRPr>
-          </a:p>
-        </p:txBody>
-      </p:sp>
-      <p:sp>
-        <p:nvSpPr>
-          <p:cNvPr id="335" name="TextBox 334">
-            <a:extLst>
-              <a:ext uri="{FF2B5EF4-FFF2-40B4-BE49-F238E27FC236}">
-                <a16:creationId xmlns:a16="http://schemas.microsoft.com/office/drawing/2014/main" id="{B9BE0E2C-A0E9-B24A-F378-3EBC8C472889}"/>
-              </a:ext>
-            </a:extLst>
-          </p:cNvPr>
-          <p:cNvSpPr txBox="1"/>
-          <p:nvPr/>
-        </p:nvSpPr>
-        <p:spPr>
-          <a:xfrm>
-            <a:off x="3617233" y="5014311"/>
-            <a:ext cx="637292" cy="377505"/>
-          </a:xfrm>
-          <a:prstGeom prst="rect">
-            <a:avLst/>
-          </a:prstGeom>
-          <a:noFill/>
-        </p:spPr>
-        <p:txBody>
-          <a:bodyPr wrap="square" rtlCol="0">
-            <a:spAutoFit/>
-          </a:bodyPr>
-          <a:lstStyle/>
-          <a:p>
-            <a:pPr algn="ctr"/>
-            <a:r>
-              <a:rPr lang="en-US" b="1" dirty="0">
-                <a:solidFill>
-                  <a:schemeClr val="bg1"/>
-                </a:solidFill>
-                <a:highlight>
-                  <a:srgbClr val="00FFFF"/>
-                </a:highlight>
-              </a:rPr>
-              <a:t>Yes</a:t>
-            </a:r>
-            <a:endParaRPr lang="en-CA" b="1" dirty="0">
-              <a:solidFill>
-                <a:schemeClr val="bg1"/>
-              </a:solidFill>
-              <a:highlight>
-                <a:srgbClr val="00FFFF"/>
-              </a:highlight>
-            </a:endParaRPr>
-          </a:p>
-        </p:txBody>
-      </p:sp>
-      <p:sp>
-        <p:nvSpPr>
-          <p:cNvPr id="336" name="TextBox 335">
-            <a:extLst>
-              <a:ext uri="{FF2B5EF4-FFF2-40B4-BE49-F238E27FC236}">
-                <a16:creationId xmlns:a16="http://schemas.microsoft.com/office/drawing/2014/main" id="{0FB6AB09-54F3-8599-06A8-1CB6D9FF31FA}"/>
-              </a:ext>
-            </a:extLst>
-          </p:cNvPr>
-          <p:cNvSpPr txBox="1"/>
-          <p:nvPr/>
-        </p:nvSpPr>
-        <p:spPr>
-          <a:xfrm>
-            <a:off x="5779296" y="3771633"/>
-            <a:ext cx="637292" cy="377505"/>
-          </a:xfrm>
-          <a:prstGeom prst="rect">
-            <a:avLst/>
-          </a:prstGeom>
-          <a:noFill/>
-        </p:spPr>
-        <p:txBody>
-          <a:bodyPr wrap="square" rtlCol="0">
-            <a:spAutoFit/>
-          </a:bodyPr>
-          <a:lstStyle/>
-          <a:p>
-            <a:pPr algn="ctr"/>
-            <a:r>
-              <a:rPr lang="en-US" b="1" dirty="0">
-                <a:solidFill>
-                  <a:schemeClr val="bg1"/>
-                </a:solidFill>
-                <a:highlight>
-                  <a:srgbClr val="00FFFF"/>
-                </a:highlight>
-              </a:rPr>
-              <a:t>Yes</a:t>
-            </a:r>
-            <a:endParaRPr lang="en-CA" b="1" dirty="0">
-              <a:solidFill>
-                <a:schemeClr val="bg1"/>
-              </a:solidFill>
-              <a:highlight>
-                <a:srgbClr val="00FFFF"/>
-              </a:highlight>
-            </a:endParaRPr>
-          </a:p>
-        </p:txBody>
-      </p:sp>
-      <p:sp>
-        <p:nvSpPr>
-          <p:cNvPr id="337" name="TextBox 336">
-            <a:extLst>
-              <a:ext uri="{FF2B5EF4-FFF2-40B4-BE49-F238E27FC236}">
-                <a16:creationId xmlns:a16="http://schemas.microsoft.com/office/drawing/2014/main" id="{5B69306B-C7C1-C11E-9C88-519AE563A287}"/>
-              </a:ext>
-            </a:extLst>
-          </p:cNvPr>
-          <p:cNvSpPr txBox="1"/>
-          <p:nvPr/>
-        </p:nvSpPr>
-        <p:spPr>
-          <a:xfrm>
-            <a:off x="5779296" y="2527123"/>
-            <a:ext cx="637292" cy="377505"/>
-          </a:xfrm>
-          <a:prstGeom prst="rect">
-            <a:avLst/>
-          </a:prstGeom>
-          <a:noFill/>
-        </p:spPr>
-        <p:txBody>
-          <a:bodyPr wrap="square" rtlCol="0">
-            <a:spAutoFit/>
-          </a:bodyPr>
-          <a:lstStyle/>
-          <a:p>
-            <a:pPr algn="ctr"/>
-            <a:r>
-              <a:rPr lang="en-US" b="1" dirty="0">
-                <a:solidFill>
-                  <a:schemeClr val="bg1"/>
-                </a:solidFill>
-                <a:highlight>
-                  <a:srgbClr val="00FFFF"/>
-                </a:highlight>
-              </a:rPr>
-              <a:t>Yes</a:t>
-            </a:r>
-            <a:endParaRPr lang="en-CA" b="1" dirty="0">
-              <a:solidFill>
-                <a:schemeClr val="bg1"/>
-              </a:solidFill>
-              <a:highlight>
-                <a:srgbClr val="00FFFF"/>
-              </a:highlight>
-            </a:endParaRPr>
-          </a:p>
-        </p:txBody>
-      </p:sp>
-      <p:sp>
-        <p:nvSpPr>
-          <p:cNvPr id="342" name="TextBox 341">
-            <a:extLst>
-              <a:ext uri="{FF2B5EF4-FFF2-40B4-BE49-F238E27FC236}">
-                <a16:creationId xmlns:a16="http://schemas.microsoft.com/office/drawing/2014/main" id="{FE63D8A0-8234-F4BF-DFDF-75335EB9E80C}"/>
-              </a:ext>
-            </a:extLst>
-          </p:cNvPr>
-          <p:cNvSpPr txBox="1"/>
-          <p:nvPr/>
-        </p:nvSpPr>
-        <p:spPr>
-          <a:xfrm>
-            <a:off x="1052700" y="2501105"/>
-            <a:ext cx="637292" cy="377505"/>
-          </a:xfrm>
-          <a:prstGeom prst="rect">
-            <a:avLst/>
-          </a:prstGeom>
-          <a:noFill/>
-        </p:spPr>
-        <p:txBody>
-          <a:bodyPr wrap="square" rtlCol="0">
-            <a:spAutoFit/>
-          </a:bodyPr>
-          <a:lstStyle/>
-          <a:p>
-            <a:pPr algn="ctr"/>
-            <a:r>
-              <a:rPr lang="en-US" b="1" dirty="0">
-                <a:solidFill>
-                  <a:schemeClr val="bg1"/>
-                </a:solidFill>
-                <a:highlight>
-                  <a:srgbClr val="00FFFF"/>
-                </a:highlight>
-              </a:rPr>
-              <a:t>Yes</a:t>
-            </a:r>
-            <a:endParaRPr lang="en-CA" b="1" dirty="0">
-              <a:solidFill>
-                <a:schemeClr val="bg1"/>
-              </a:solidFill>
-              <a:highlight>
-                <a:srgbClr val="00FFFF"/>
-              </a:highlight>
-            </a:endParaRPr>
-          </a:p>
-        </p:txBody>
-      </p:sp>
-      <p:sp>
-        <p:nvSpPr>
-          <p:cNvPr id="359" name="TextBox 358">
-            <a:extLst>
-              <a:ext uri="{FF2B5EF4-FFF2-40B4-BE49-F238E27FC236}">
-                <a16:creationId xmlns:a16="http://schemas.microsoft.com/office/drawing/2014/main" id="{6656723E-85A4-53DC-E36C-F0F3F89AC283}"/>
-              </a:ext>
-            </a:extLst>
-          </p:cNvPr>
-          <p:cNvSpPr txBox="1"/>
-          <p:nvPr/>
-        </p:nvSpPr>
-        <p:spPr>
-          <a:xfrm>
-            <a:off x="1048028" y="3848788"/>
-            <a:ext cx="637292" cy="377505"/>
-          </a:xfrm>
-          <a:prstGeom prst="rect">
-            <a:avLst/>
-          </a:prstGeom>
-          <a:noFill/>
-        </p:spPr>
-        <p:txBody>
-          <a:bodyPr wrap="square" rtlCol="0">
-            <a:spAutoFit/>
-          </a:bodyPr>
-          <a:lstStyle/>
-          <a:p>
-            <a:pPr algn="ctr"/>
-            <a:r>
-              <a:rPr lang="en-US" b="1" dirty="0">
-                <a:solidFill>
-                  <a:schemeClr val="bg1"/>
-                </a:solidFill>
-                <a:highlight>
-                  <a:srgbClr val="00FFFF"/>
-                </a:highlight>
-              </a:rPr>
-              <a:t>Yes</a:t>
-            </a:r>
-            <a:endParaRPr lang="en-CA" b="1" dirty="0">
-              <a:solidFill>
-                <a:schemeClr val="bg1"/>
-              </a:solidFill>
-              <a:highlight>
-                <a:srgbClr val="00FFFF"/>
-              </a:highlight>
-            </a:endParaRPr>
-          </a:p>
-        </p:txBody>
-      </p:sp>
-      <p:cxnSp>
-        <p:nvCxnSpPr>
-          <p:cNvPr id="310" name="Straight Arrow Connector 309">
-            <a:extLst>
-              <a:ext uri="{FF2B5EF4-FFF2-40B4-BE49-F238E27FC236}">
-                <a16:creationId xmlns:a16="http://schemas.microsoft.com/office/drawing/2014/main" id="{0DA0107E-DF11-13A4-0A79-CBA185F2425F}"/>
-              </a:ext>
-            </a:extLst>
-          </p:cNvPr>
-          <p:cNvCxnSpPr>
-            <a:cxnSpLocks/>
-            <a:stCxn id="9" idx="3"/>
-            <a:endCxn id="143" idx="1"/>
-          </p:cNvCxnSpPr>
-          <p:nvPr/>
-        </p:nvCxnSpPr>
-        <p:spPr>
-          <a:xfrm>
-            <a:off x="2290191" y="3371693"/>
-            <a:ext cx="2956270" cy="5027"/>
-          </a:xfrm>
-          <a:prstGeom prst="straightConnector1">
-            <a:avLst/>
-          </a:prstGeom>
-          <a:ln w="28575">
-            <a:solidFill>
-              <a:schemeClr val="accent4"/>
-            </a:solidFill>
-            <a:tailEnd type="triangle"/>
-          </a:ln>
-        </p:spPr>
-        <p:style>
-          <a:lnRef idx="1">
-            <a:schemeClr val="accent1"/>
-          </a:lnRef>
-          <a:fillRef idx="0">
-            <a:schemeClr val="accent1"/>
-          </a:fillRef>
-          <a:effectRef idx="0">
-            <a:schemeClr val="accent1"/>
-          </a:effectRef>
-          <a:fontRef idx="minor">
-            <a:schemeClr val="tx1"/>
-          </a:fontRef>
-        </p:style>
-      </p:cxnSp>
-      <p:sp>
-        <p:nvSpPr>
-          <p:cNvPr id="331" name="TextBox 330">
-            <a:extLst>
-              <a:ext uri="{FF2B5EF4-FFF2-40B4-BE49-F238E27FC236}">
-                <a16:creationId xmlns:a16="http://schemas.microsoft.com/office/drawing/2014/main" id="{6CD210BE-18EA-819F-DA00-15FBA6C002D1}"/>
-              </a:ext>
-            </a:extLst>
-          </p:cNvPr>
-          <p:cNvSpPr txBox="1"/>
-          <p:nvPr/>
-        </p:nvSpPr>
-        <p:spPr>
-          <a:xfrm>
-            <a:off x="2417603" y="3173310"/>
-            <a:ext cx="637292" cy="377505"/>
-          </a:xfrm>
-          <a:prstGeom prst="rect">
-            <a:avLst/>
-          </a:prstGeom>
-          <a:noFill/>
-        </p:spPr>
-        <p:txBody>
-          <a:bodyPr wrap="square" rtlCol="0">
-            <a:spAutoFit/>
-          </a:bodyPr>
-          <a:lstStyle/>
-          <a:p>
-            <a:pPr algn="ctr"/>
-            <a:r>
-              <a:rPr lang="en-US" b="1" dirty="0">
-                <a:solidFill>
-                  <a:schemeClr val="bg1"/>
-                </a:solidFill>
-                <a:highlight>
-                  <a:srgbClr val="00FFFF"/>
-                </a:highlight>
-              </a:rPr>
-              <a:t>No</a:t>
-            </a:r>
-            <a:endParaRPr lang="en-CA" b="1" dirty="0">
-              <a:solidFill>
-                <a:schemeClr val="bg1"/>
-              </a:solidFill>
-              <a:highlight>
-                <a:srgbClr val="00FFFF"/>
-              </a:highlight>
-            </a:endParaRPr>
-          </a:p>
-        </p:txBody>
-      </p:sp>
-    </p:spTree>
-    <p:extLst>
-      <p:ext uri="{BB962C8B-B14F-4D97-AF65-F5344CB8AC3E}">
-        <p14:creationId xmlns:p14="http://schemas.microsoft.com/office/powerpoint/2010/main" val="773365594"/>
-      </p:ext>
-    </p:extLst>
-  </p:cSld>
-  <p:clrMapOvr>
-    <a:masterClrMapping/>
-  </p:clrMapOvr>
-</p:sld>
-</file>
-
-<file path=ppt/slides/slide7.xml><?xml version="1.0" encoding="utf-8"?>
-<p:sld xmlns:a="http://schemas.openxmlformats.org/drawingml/2006/main" xmlns:r="http://schemas.openxmlformats.org/officeDocument/2006/relationships" xmlns:p="http://schemas.openxmlformats.org/presentationml/2006/main">
-  <p:cSld>
-    <p:spTree>
-      <p:nvGrpSpPr>
-        <p:cNvPr id="1" name=""/>
-        <p:cNvGrpSpPr/>
-        <p:nvPr/>
-      </p:nvGrpSpPr>
-      <p:grpSpPr>
-        <a:xfrm>
-          <a:off x="0" y="0"/>
-          <a:ext cx="0" cy="0"/>
-          <a:chOff x="0" y="0"/>
-          <a:chExt cx="0" cy="0"/>
-        </a:xfrm>
-      </p:grpSpPr>
-      <p:sp>
-        <p:nvSpPr>
           <p:cNvPr id="2" name="Title 1">
             <a:extLst>
               <a:ext uri="{FF2B5EF4-FFF2-40B4-BE49-F238E27FC236}">
@@ -14668,7 +14663,7 @@
           <p:nvPr/>
         </p:nvPicPr>
         <p:blipFill>
-          <a:blip r:embed="rId2"/>
+          <a:blip r:embed="rId3"/>
           <a:stretch>
             <a:fillRect/>
           </a:stretch>
@@ -14683,90 +14678,6 @@
           </a:prstGeom>
         </p:spPr>
       </p:pic>
-      <p:cxnSp>
-        <p:nvCxnSpPr>
-          <p:cNvPr id="56" name="Straight Arrow Connector 55">
-            <a:extLst>
-              <a:ext uri="{FF2B5EF4-FFF2-40B4-BE49-F238E27FC236}">
-                <a16:creationId xmlns:a16="http://schemas.microsoft.com/office/drawing/2014/main" id="{C8B41A83-3020-C3E6-965C-A5BA901249C6}"/>
-              </a:ext>
-            </a:extLst>
-          </p:cNvPr>
-          <p:cNvCxnSpPr>
-            <a:cxnSpLocks/>
-          </p:cNvCxnSpPr>
-          <p:nvPr/>
-        </p:nvCxnSpPr>
-        <p:spPr>
-          <a:xfrm>
-            <a:off x="616945" y="3161841"/>
-            <a:ext cx="2147375" cy="2224889"/>
-          </a:xfrm>
-          <a:prstGeom prst="straightConnector1">
-            <a:avLst/>
-          </a:prstGeom>
-          <a:ln w="57150">
-            <a:prstDash val="dash"/>
-            <a:tailEnd type="triangle"/>
-          </a:ln>
-        </p:spPr>
-        <p:style>
-          <a:lnRef idx="1">
-            <a:schemeClr val="accent1"/>
-          </a:lnRef>
-          <a:fillRef idx="0">
-            <a:schemeClr val="accent1"/>
-          </a:fillRef>
-          <a:effectRef idx="0">
-            <a:schemeClr val="accent1"/>
-          </a:effectRef>
-          <a:fontRef idx="minor">
-            <a:schemeClr val="tx1"/>
-          </a:fontRef>
-        </p:style>
-      </p:cxnSp>
-      <p:cxnSp>
-        <p:nvCxnSpPr>
-          <p:cNvPr id="57" name="Straight Arrow Connector 56">
-            <a:extLst>
-              <a:ext uri="{FF2B5EF4-FFF2-40B4-BE49-F238E27FC236}">
-                <a16:creationId xmlns:a16="http://schemas.microsoft.com/office/drawing/2014/main" id="{BFC49C95-C29D-3D71-5F2A-9CD986F1B86E}"/>
-              </a:ext>
-            </a:extLst>
-          </p:cNvPr>
-          <p:cNvCxnSpPr>
-            <a:cxnSpLocks/>
-          </p:cNvCxnSpPr>
-          <p:nvPr/>
-        </p:nvCxnSpPr>
-        <p:spPr>
-          <a:xfrm flipH="1">
-            <a:off x="3149733" y="3429000"/>
-            <a:ext cx="1960919" cy="1957730"/>
-          </a:xfrm>
-          <a:prstGeom prst="straightConnector1">
-            <a:avLst/>
-          </a:prstGeom>
-          <a:ln w="57150">
-            <a:prstDash val="dash"/>
-            <a:tailEnd type="triangle"/>
-          </a:ln>
-        </p:spPr>
-        <p:style>
-          <a:lnRef idx="1">
-            <a:schemeClr val="accent1"/>
-          </a:lnRef>
-          <a:fillRef idx="0">
-            <a:schemeClr val="accent1"/>
-          </a:fillRef>
-          <a:effectRef idx="0">
-            <a:schemeClr val="accent1"/>
-          </a:effectRef>
-          <a:fontRef idx="minor">
-            <a:schemeClr val="tx1"/>
-          </a:fontRef>
-        </p:style>
-      </p:cxnSp>
       <p:sp>
         <p:nvSpPr>
           <p:cNvPr id="60" name="TextBox 59">
@@ -15505,7 +15416,7 @@
         </p:nvSpPr>
         <p:spPr>
           <a:xfrm>
-            <a:off x="1654850" y="5351337"/>
+            <a:off x="1690632" y="5386730"/>
             <a:ext cx="350360" cy="350360"/>
           </a:xfrm>
           <a:prstGeom prst="ellipse">
@@ -15547,6 +15458,243 @@
           </a:p>
         </p:txBody>
       </p:sp>
+      <p:pic>
+        <p:nvPicPr>
+          <p:cNvPr id="10" name="Picture 9">
+            <a:extLst>
+              <a:ext uri="{FF2B5EF4-FFF2-40B4-BE49-F238E27FC236}">
+                <a16:creationId xmlns:a16="http://schemas.microsoft.com/office/drawing/2014/main" id="{1361E6AE-AAF9-5EF2-D553-084D255318CD}"/>
+              </a:ext>
+            </a:extLst>
+          </p:cNvPr>
+          <p:cNvPicPr>
+            <a:picLocks noChangeAspect="1"/>
+          </p:cNvPicPr>
+          <p:nvPr/>
+        </p:nvPicPr>
+        <p:blipFill>
+          <a:blip r:embed="rId4"/>
+          <a:stretch>
+            <a:fillRect/>
+          </a:stretch>
+        </p:blipFill>
+        <p:spPr>
+          <a:xfrm>
+            <a:off x="423823" y="1952248"/>
+            <a:ext cx="5679894" cy="4621576"/>
+          </a:xfrm>
+          <a:prstGeom prst="rect">
+            <a:avLst/>
+          </a:prstGeom>
+        </p:spPr>
+      </p:pic>
+      <p:cxnSp>
+        <p:nvCxnSpPr>
+          <p:cNvPr id="24" name="Straight Connector 23">
+            <a:extLst>
+              <a:ext uri="{FF2B5EF4-FFF2-40B4-BE49-F238E27FC236}">
+                <a16:creationId xmlns:a16="http://schemas.microsoft.com/office/drawing/2014/main" id="{FC20F30A-E85A-1D05-D291-7808320F1FFE}"/>
+              </a:ext>
+            </a:extLst>
+          </p:cNvPr>
+          <p:cNvCxnSpPr>
+            <a:cxnSpLocks/>
+          </p:cNvCxnSpPr>
+          <p:nvPr/>
+        </p:nvCxnSpPr>
+        <p:spPr>
+          <a:xfrm flipV="1">
+            <a:off x="5303928" y="4284662"/>
+            <a:ext cx="0" cy="478398"/>
+          </a:xfrm>
+          <a:prstGeom prst="line">
+            <a:avLst/>
+          </a:prstGeom>
+          <a:ln w="76200">
+            <a:solidFill>
+              <a:srgbClr val="00B050"/>
+            </a:solidFill>
+            <a:prstDash val="sysDash"/>
+          </a:ln>
+        </p:spPr>
+        <p:style>
+          <a:lnRef idx="1">
+            <a:schemeClr val="accent1"/>
+          </a:lnRef>
+          <a:fillRef idx="0">
+            <a:schemeClr val="accent1"/>
+          </a:fillRef>
+          <a:effectRef idx="0">
+            <a:schemeClr val="accent1"/>
+          </a:effectRef>
+          <a:fontRef idx="minor">
+            <a:schemeClr val="tx1"/>
+          </a:fontRef>
+        </p:style>
+      </p:cxnSp>
+      <p:cxnSp>
+        <p:nvCxnSpPr>
+          <p:cNvPr id="20" name="Straight Connector 19">
+            <a:extLst>
+              <a:ext uri="{FF2B5EF4-FFF2-40B4-BE49-F238E27FC236}">
+                <a16:creationId xmlns:a16="http://schemas.microsoft.com/office/drawing/2014/main" id="{EA2E624F-FB63-B1D8-A9A6-4F177EB59B37}"/>
+              </a:ext>
+            </a:extLst>
+          </p:cNvPr>
+          <p:cNvCxnSpPr>
+            <a:cxnSpLocks/>
+          </p:cNvCxnSpPr>
+          <p:nvPr/>
+        </p:nvCxnSpPr>
+        <p:spPr>
+          <a:xfrm flipV="1">
+            <a:off x="1036223" y="3819525"/>
+            <a:ext cx="0" cy="443511"/>
+          </a:xfrm>
+          <a:prstGeom prst="line">
+            <a:avLst/>
+          </a:prstGeom>
+          <a:ln w="76200">
+            <a:solidFill>
+              <a:srgbClr val="00B050"/>
+            </a:solidFill>
+            <a:prstDash val="sysDash"/>
+          </a:ln>
+        </p:spPr>
+        <p:style>
+          <a:lnRef idx="1">
+            <a:schemeClr val="accent1"/>
+          </a:lnRef>
+          <a:fillRef idx="0">
+            <a:schemeClr val="accent1"/>
+          </a:fillRef>
+          <a:effectRef idx="0">
+            <a:schemeClr val="accent1"/>
+          </a:effectRef>
+          <a:fontRef idx="minor">
+            <a:schemeClr val="tx1"/>
+          </a:fontRef>
+        </p:style>
+      </p:cxnSp>
+      <p:cxnSp>
+        <p:nvCxnSpPr>
+          <p:cNvPr id="17" name="Straight Connector 16">
+            <a:extLst>
+              <a:ext uri="{FF2B5EF4-FFF2-40B4-BE49-F238E27FC236}">
+                <a16:creationId xmlns:a16="http://schemas.microsoft.com/office/drawing/2014/main" id="{626A1429-C377-CC70-E32B-CF47C1DB2A09}"/>
+              </a:ext>
+            </a:extLst>
+          </p:cNvPr>
+          <p:cNvCxnSpPr>
+            <a:cxnSpLocks/>
+          </p:cNvCxnSpPr>
+          <p:nvPr/>
+        </p:nvCxnSpPr>
+        <p:spPr>
+          <a:xfrm>
+            <a:off x="995363" y="4284662"/>
+            <a:ext cx="4325522" cy="0"/>
+          </a:xfrm>
+          <a:prstGeom prst="line">
+            <a:avLst/>
+          </a:prstGeom>
+          <a:ln w="76200">
+            <a:solidFill>
+              <a:schemeClr val="accent4">
+                <a:lumMod val="75000"/>
+              </a:schemeClr>
+            </a:solidFill>
+            <a:prstDash val="sysDash"/>
+          </a:ln>
+        </p:spPr>
+        <p:style>
+          <a:lnRef idx="1">
+            <a:schemeClr val="accent1"/>
+          </a:lnRef>
+          <a:fillRef idx="0">
+            <a:schemeClr val="accent1"/>
+          </a:fillRef>
+          <a:effectRef idx="0">
+            <a:schemeClr val="accent1"/>
+          </a:effectRef>
+          <a:fontRef idx="minor">
+            <a:schemeClr val="tx1"/>
+          </a:fontRef>
+        </p:style>
+      </p:cxnSp>
+      <p:cxnSp>
+        <p:nvCxnSpPr>
+          <p:cNvPr id="12" name="Straight Connector 11">
+            <a:extLst>
+              <a:ext uri="{FF2B5EF4-FFF2-40B4-BE49-F238E27FC236}">
+                <a16:creationId xmlns:a16="http://schemas.microsoft.com/office/drawing/2014/main" id="{26AD8CBA-1E5F-C591-4AFD-EC5523751C1C}"/>
+              </a:ext>
+            </a:extLst>
+          </p:cNvPr>
+          <p:cNvCxnSpPr>
+            <a:cxnSpLocks/>
+          </p:cNvCxnSpPr>
+          <p:nvPr/>
+        </p:nvCxnSpPr>
+        <p:spPr>
+          <a:xfrm>
+            <a:off x="1117600" y="3734705"/>
+            <a:ext cx="4070350" cy="1099915"/>
+          </a:xfrm>
+          <a:prstGeom prst="line">
+            <a:avLst/>
+          </a:prstGeom>
+          <a:ln w="76200">
+            <a:prstDash val="sysDash"/>
+          </a:ln>
+        </p:spPr>
+        <p:style>
+          <a:lnRef idx="1">
+            <a:schemeClr val="accent1"/>
+          </a:lnRef>
+          <a:fillRef idx="0">
+            <a:schemeClr val="accent1"/>
+          </a:fillRef>
+          <a:effectRef idx="0">
+            <a:schemeClr val="accent1"/>
+          </a:effectRef>
+          <a:fontRef idx="minor">
+            <a:schemeClr val="tx1"/>
+          </a:fontRef>
+        </p:style>
+      </p:cxnSp>
+      <p:sp>
+        <p:nvSpPr>
+          <p:cNvPr id="30" name="TextBox 29">
+            <a:extLst>
+              <a:ext uri="{FF2B5EF4-FFF2-40B4-BE49-F238E27FC236}">
+                <a16:creationId xmlns:a16="http://schemas.microsoft.com/office/drawing/2014/main" id="{5C3A2DC4-C0C7-B5D9-D2E6-996A47CA2D11}"/>
+              </a:ext>
+            </a:extLst>
+          </p:cNvPr>
+          <p:cNvSpPr txBox="1"/>
+          <p:nvPr/>
+        </p:nvSpPr>
+        <p:spPr>
+          <a:xfrm>
+            <a:off x="6361690" y="3890865"/>
+            <a:ext cx="5679894" cy="1026368"/>
+          </a:xfrm>
+          <a:prstGeom prst="rect">
+            <a:avLst/>
+          </a:prstGeom>
+          <a:noFill/>
+        </p:spPr>
+        <p:txBody>
+          <a:bodyPr wrap="square" rtlCol="0">
+            <a:spAutoFit/>
+          </a:bodyPr>
+          <a:lstStyle/>
+          <a:p>
+            <a:endParaRPr lang="en-CA" dirty="0"/>
+          </a:p>
+        </p:txBody>
+      </p:sp>
     </p:spTree>
     <p:extLst>
       <p:ext uri="{BB962C8B-B14F-4D97-AF65-F5344CB8AC3E}">
@@ -15557,10 +15705,233 @@
   <p:clrMapOvr>
     <a:masterClrMapping/>
   </p:clrMapOvr>
+  <p:timing>
+    <p:tnLst>
+      <p:par>
+        <p:cTn id="1" dur="indefinite" restart="never" nodeType="tmRoot">
+          <p:childTnLst>
+            <p:seq concurrent="1" nextAc="seek">
+              <p:cTn id="2" dur="indefinite" nodeType="mainSeq">
+                <p:childTnLst>
+                  <p:par>
+                    <p:cTn id="3" fill="hold">
+                      <p:stCondLst>
+                        <p:cond delay="indefinite"/>
+                      </p:stCondLst>
+                      <p:childTnLst>
+                        <p:par>
+                          <p:cTn id="4" fill="hold">
+                            <p:stCondLst>
+                              <p:cond delay="0"/>
+                            </p:stCondLst>
+                            <p:childTnLst>
+                              <p:par>
+                                <p:cTn id="5" presetID="10" presetClass="entr" presetSubtype="0" fill="hold" nodeType="clickEffect">
+                                  <p:stCondLst>
+                                    <p:cond delay="0"/>
+                                  </p:stCondLst>
+                                  <p:childTnLst>
+                                    <p:set>
+                                      <p:cBhvr>
+                                        <p:cTn id="6" dur="1" fill="hold">
+                                          <p:stCondLst>
+                                            <p:cond delay="0"/>
+                                          </p:stCondLst>
+                                        </p:cTn>
+                                        <p:tgtEl>
+                                          <p:spTgt spid="10"/>
+                                        </p:tgtEl>
+                                        <p:attrNameLst>
+                                          <p:attrName>style.visibility</p:attrName>
+                                        </p:attrNameLst>
+                                      </p:cBhvr>
+                                      <p:to>
+                                        <p:strVal val="visible"/>
+                                      </p:to>
+                                    </p:set>
+                                    <p:animEffect transition="in" filter="fade">
+                                      <p:cBhvr>
+                                        <p:cTn id="7" dur="500"/>
+                                        <p:tgtEl>
+                                          <p:spTgt spid="10"/>
+                                        </p:tgtEl>
+                                      </p:cBhvr>
+                                    </p:animEffect>
+                                  </p:childTnLst>
+                                </p:cTn>
+                              </p:par>
+                              <p:par>
+                                <p:cTn id="8" presetID="10" presetClass="entr" presetSubtype="0" fill="hold" nodeType="withEffect">
+                                  <p:stCondLst>
+                                    <p:cond delay="0"/>
+                                  </p:stCondLst>
+                                  <p:childTnLst>
+                                    <p:set>
+                                      <p:cBhvr>
+                                        <p:cTn id="9" dur="1" fill="hold">
+                                          <p:stCondLst>
+                                            <p:cond delay="0"/>
+                                          </p:stCondLst>
+                                        </p:cTn>
+                                        <p:tgtEl>
+                                          <p:spTgt spid="20"/>
+                                        </p:tgtEl>
+                                        <p:attrNameLst>
+                                          <p:attrName>style.visibility</p:attrName>
+                                        </p:attrNameLst>
+                                      </p:cBhvr>
+                                      <p:to>
+                                        <p:strVal val="visible"/>
+                                      </p:to>
+                                    </p:set>
+                                    <p:animEffect transition="in" filter="fade">
+                                      <p:cBhvr>
+                                        <p:cTn id="10" dur="500"/>
+                                        <p:tgtEl>
+                                          <p:spTgt spid="20"/>
+                                        </p:tgtEl>
+                                      </p:cBhvr>
+                                    </p:animEffect>
+                                  </p:childTnLst>
+                                </p:cTn>
+                              </p:par>
+                              <p:par>
+                                <p:cTn id="11" presetID="10" presetClass="entr" presetSubtype="0" fill="hold" nodeType="withEffect">
+                                  <p:stCondLst>
+                                    <p:cond delay="0"/>
+                                  </p:stCondLst>
+                                  <p:childTnLst>
+                                    <p:set>
+                                      <p:cBhvr>
+                                        <p:cTn id="12" dur="1" fill="hold">
+                                          <p:stCondLst>
+                                            <p:cond delay="0"/>
+                                          </p:stCondLst>
+                                        </p:cTn>
+                                        <p:tgtEl>
+                                          <p:spTgt spid="12"/>
+                                        </p:tgtEl>
+                                        <p:attrNameLst>
+                                          <p:attrName>style.visibility</p:attrName>
+                                        </p:attrNameLst>
+                                      </p:cBhvr>
+                                      <p:to>
+                                        <p:strVal val="visible"/>
+                                      </p:to>
+                                    </p:set>
+                                    <p:animEffect transition="in" filter="fade">
+                                      <p:cBhvr>
+                                        <p:cTn id="13" dur="500"/>
+                                        <p:tgtEl>
+                                          <p:spTgt spid="12"/>
+                                        </p:tgtEl>
+                                      </p:cBhvr>
+                                    </p:animEffect>
+                                  </p:childTnLst>
+                                </p:cTn>
+                              </p:par>
+                              <p:par>
+                                <p:cTn id="14" presetID="10" presetClass="entr" presetSubtype="0" fill="hold" nodeType="withEffect">
+                                  <p:stCondLst>
+                                    <p:cond delay="0"/>
+                                  </p:stCondLst>
+                                  <p:childTnLst>
+                                    <p:set>
+                                      <p:cBhvr>
+                                        <p:cTn id="15" dur="1" fill="hold">
+                                          <p:stCondLst>
+                                            <p:cond delay="0"/>
+                                          </p:stCondLst>
+                                        </p:cTn>
+                                        <p:tgtEl>
+                                          <p:spTgt spid="17"/>
+                                        </p:tgtEl>
+                                        <p:attrNameLst>
+                                          <p:attrName>style.visibility</p:attrName>
+                                        </p:attrNameLst>
+                                      </p:cBhvr>
+                                      <p:to>
+                                        <p:strVal val="visible"/>
+                                      </p:to>
+                                    </p:set>
+                                    <p:animEffect transition="in" filter="fade">
+                                      <p:cBhvr>
+                                        <p:cTn id="16" dur="500"/>
+                                        <p:tgtEl>
+                                          <p:spTgt spid="17"/>
+                                        </p:tgtEl>
+                                      </p:cBhvr>
+                                    </p:animEffect>
+                                  </p:childTnLst>
+                                </p:cTn>
+                              </p:par>
+                              <p:par>
+                                <p:cTn id="17" presetID="10" presetClass="entr" presetSubtype="0" fill="hold" nodeType="withEffect">
+                                  <p:stCondLst>
+                                    <p:cond delay="0"/>
+                                  </p:stCondLst>
+                                  <p:childTnLst>
+                                    <p:set>
+                                      <p:cBhvr>
+                                        <p:cTn id="18" dur="1" fill="hold">
+                                          <p:stCondLst>
+                                            <p:cond delay="0"/>
+                                          </p:stCondLst>
+                                        </p:cTn>
+                                        <p:tgtEl>
+                                          <p:spTgt spid="24"/>
+                                        </p:tgtEl>
+                                        <p:attrNameLst>
+                                          <p:attrName>style.visibility</p:attrName>
+                                        </p:attrNameLst>
+                                      </p:cBhvr>
+                                      <p:to>
+                                        <p:strVal val="visible"/>
+                                      </p:to>
+                                    </p:set>
+                                    <p:animEffect transition="in" filter="fade">
+                                      <p:cBhvr>
+                                        <p:cTn id="19" dur="500"/>
+                                        <p:tgtEl>
+                                          <p:spTgt spid="24"/>
+                                        </p:tgtEl>
+                                      </p:cBhvr>
+                                    </p:animEffect>
+                                  </p:childTnLst>
+                                </p:cTn>
+                              </p:par>
+                            </p:childTnLst>
+                          </p:cTn>
+                        </p:par>
+                      </p:childTnLst>
+                    </p:cTn>
+                  </p:par>
+                </p:childTnLst>
+              </p:cTn>
+              <p:prevCondLst>
+                <p:cond evt="onPrev" delay="0">
+                  <p:tgtEl>
+                    <p:sldTgt/>
+                  </p:tgtEl>
+                </p:cond>
+              </p:prevCondLst>
+              <p:nextCondLst>
+                <p:cond evt="onNext" delay="0">
+                  <p:tgtEl>
+                    <p:sldTgt/>
+                  </p:tgtEl>
+                </p:cond>
+              </p:nextCondLst>
+            </p:seq>
+          </p:childTnLst>
+        </p:cTn>
+      </p:par>
+    </p:tnLst>
+  </p:timing>
 </p:sld>
 </file>
 
-<file path=ppt/slides/slide8.xml><?xml version="1.0" encoding="utf-8"?>
+<file path=ppt/slides/slide7.xml><?xml version="1.0" encoding="utf-8"?>
 <p:sld xmlns:a="http://schemas.openxmlformats.org/drawingml/2006/main" xmlns:r="http://schemas.openxmlformats.org/officeDocument/2006/relationships" xmlns:p="http://schemas.openxmlformats.org/presentationml/2006/main">
   <p:cSld>
     <p:spTree>
@@ -15731,7 +16102,7 @@
 </p:sld>
 </file>
 
-<file path=ppt/slides/slide9.xml><?xml version="1.0" encoding="utf-8"?>
+<file path=ppt/slides/slide8.xml><?xml version="1.0" encoding="utf-8"?>
 <p:sld xmlns:a="http://schemas.openxmlformats.org/drawingml/2006/main" xmlns:r="http://schemas.openxmlformats.org/officeDocument/2006/relationships" xmlns:p="http://schemas.openxmlformats.org/presentationml/2006/main">
   <p:cSld>
     <p:spTree>
@@ -15863,6 +16234,98 @@
     <p:extLst>
       <p:ext uri="{BB962C8B-B14F-4D97-AF65-F5344CB8AC3E}">
         <p14:creationId xmlns:p14="http://schemas.microsoft.com/office/powerpoint/2010/main" val="450236934"/>
+      </p:ext>
+    </p:extLst>
+  </p:cSld>
+  <p:clrMapOvr>
+    <a:masterClrMapping/>
+  </p:clrMapOvr>
+</p:sld>
+</file>
+
+<file path=ppt/slides/slide9.xml><?xml version="1.0" encoding="utf-8"?>
+<p:sld xmlns:a="http://schemas.openxmlformats.org/drawingml/2006/main" xmlns:r="http://schemas.openxmlformats.org/officeDocument/2006/relationships" xmlns:p="http://schemas.openxmlformats.org/presentationml/2006/main">
+  <p:cSld>
+    <p:spTree>
+      <p:nvGrpSpPr>
+        <p:cNvPr id="1" name=""/>
+        <p:cNvGrpSpPr/>
+        <p:nvPr/>
+      </p:nvGrpSpPr>
+      <p:grpSpPr>
+        <a:xfrm>
+          <a:off x="0" y="0"/>
+          <a:ext cx="0" cy="0"/>
+          <a:chOff x="0" y="0"/>
+          <a:chExt cx="0" cy="0"/>
+        </a:xfrm>
+      </p:grpSpPr>
+      <p:sp>
+        <p:nvSpPr>
+          <p:cNvPr id="2" name="Title 1">
+            <a:extLst>
+              <a:ext uri="{FF2B5EF4-FFF2-40B4-BE49-F238E27FC236}">
+                <a16:creationId xmlns:a16="http://schemas.microsoft.com/office/drawing/2014/main" id="{88BA2645-3CCE-C789-F0F2-860585C3C3C6}"/>
+              </a:ext>
+            </a:extLst>
+          </p:cNvPr>
+          <p:cNvSpPr>
+            <a:spLocks noGrp="1"/>
+          </p:cNvSpPr>
+          <p:nvPr>
+            <p:ph type="title"/>
+          </p:nvPr>
+        </p:nvSpPr>
+        <p:spPr/>
+        <p:txBody>
+          <a:bodyPr/>
+          <a:lstStyle/>
+          <a:p>
+            <a:r>
+              <a:rPr lang="en-CA" cap="none" dirty="0" err="1"/>
+              <a:t>HydroRIVERS</a:t>
+            </a:r>
+            <a:r>
+              <a:rPr lang="en-CA" cap="none" dirty="0"/>
+              <a:t> vs OHN</a:t>
+            </a:r>
+          </a:p>
+        </p:txBody>
+      </p:sp>
+      <p:sp>
+        <p:nvSpPr>
+          <p:cNvPr id="3" name="Text Placeholder 2">
+            <a:extLst>
+              <a:ext uri="{FF2B5EF4-FFF2-40B4-BE49-F238E27FC236}">
+                <a16:creationId xmlns:a16="http://schemas.microsoft.com/office/drawing/2014/main" id="{CD960C4D-D259-93EC-8C51-53D3C27ADD68}"/>
+              </a:ext>
+            </a:extLst>
+          </p:cNvPr>
+          <p:cNvSpPr>
+            <a:spLocks noGrp="1"/>
+          </p:cNvSpPr>
+          <p:nvPr>
+            <p:ph type="body" idx="1"/>
+          </p:nvPr>
+        </p:nvSpPr>
+        <p:spPr/>
+        <p:txBody>
+          <a:bodyPr>
+            <a:normAutofit/>
+          </a:bodyPr>
+          <a:lstStyle/>
+          <a:p>
+            <a:r>
+              <a:rPr lang="en-CA" sz="2800" dirty="0"/>
+              <a:t>Low vs High resolution matching</a:t>
+            </a:r>
+          </a:p>
+        </p:txBody>
+      </p:sp>
+    </p:spTree>
+    <p:extLst>
+      <p:ext uri="{BB962C8B-B14F-4D97-AF65-F5344CB8AC3E}">
+        <p14:creationId xmlns:p14="http://schemas.microsoft.com/office/powerpoint/2010/main" val="2513823216"/>
       </p:ext>
     </p:extLst>
   </p:cSld>
@@ -16430,20 +16893,20 @@
 </file>
 
 <file path=customXml/item1.xml><?xml version="1.0" encoding="utf-8"?>
+<p:properties xmlns:p="http://schemas.microsoft.com/office/2006/metadata/properties" xmlns:xsi="http://www.w3.org/2001/XMLSchema-instance" xmlns:pc="http://schemas.microsoft.com/office/infopath/2007/PartnerControls">
+  <documentManagement>
+    <_activity xmlns="75817c9f-a069-4af9-bf19-88a4203e567d" xsi:nil="true"/>
+  </documentManagement>
+</p:properties>
+</file>
+
+<file path=customXml/item2.xml><?xml version="1.0" encoding="utf-8"?>
 <?mso-contentType ?>
 <FormTemplates xmlns="http://schemas.microsoft.com/sharepoint/v3/contenttype/forms">
   <Display>DocumentLibraryForm</Display>
   <Edit>DocumentLibraryForm</Edit>
   <New>DocumentLibraryForm</New>
 </FormTemplates>
-</file>
-
-<file path=customXml/item2.xml><?xml version="1.0" encoding="utf-8"?>
-<p:properties xmlns:p="http://schemas.microsoft.com/office/2006/metadata/properties" xmlns:xsi="http://www.w3.org/2001/XMLSchema-instance" xmlns:pc="http://schemas.microsoft.com/office/infopath/2007/PartnerControls">
-  <documentManagement>
-    <_activity xmlns="75817c9f-a069-4af9-bf19-88a4203e567d" xsi:nil="true"/>
-  </documentManagement>
-</p:properties>
 </file>
 
 <file path=customXml/item3.xml><?xml version="1.0" encoding="utf-8"?>
@@ -16688,14 +17151,6 @@
 </file>
 
 <file path=customXml/itemProps1.xml><?xml version="1.0" encoding="utf-8"?>
-<ds:datastoreItem xmlns:ds="http://schemas.openxmlformats.org/officeDocument/2006/customXml" ds:itemID="{4E06FA0F-409F-4614-B962-6D90503E8593}">
-  <ds:schemaRefs>
-    <ds:schemaRef ds:uri="http://schemas.microsoft.com/sharepoint/v3/contenttype/forms"/>
-  </ds:schemaRefs>
-</ds:datastoreItem>
-</file>
-
-<file path=customXml/itemProps2.xml><?xml version="1.0" encoding="utf-8"?>
 <ds:datastoreItem xmlns:ds="http://schemas.openxmlformats.org/officeDocument/2006/customXml" ds:itemID="{3E8831A7-B48D-40B6-935D-6161DC03AD67}">
   <ds:schemaRefs>
     <ds:schemaRef ds:uri="http://schemas.microsoft.com/office/infopath/2007/PartnerControls"/>
@@ -16708,6 +17163,14 @@
     <ds:schemaRef ds:uri="76c329b8-1b9b-4910-aef9-535b284a4dc7"/>
     <ds:schemaRef ds:uri="http://purl.org/dc/terms/"/>
     <ds:schemaRef ds:uri="http://purl.org/dc/elements/1.1/"/>
+  </ds:schemaRefs>
+</ds:datastoreItem>
+</file>
+
+<file path=customXml/itemProps2.xml><?xml version="1.0" encoding="utf-8"?>
+<ds:datastoreItem xmlns:ds="http://schemas.openxmlformats.org/officeDocument/2006/customXml" ds:itemID="{4E06FA0F-409F-4614-B962-6D90503E8593}">
+  <ds:schemaRefs>
+    <ds:schemaRef ds:uri="http://schemas.microsoft.com/sharepoint/v3/contenttype/forms"/>
   </ds:schemaRefs>
 </ds:datastoreItem>
 </file>

--- a/mapping-stations.pptx
+++ b/mapping-stations.pptx
@@ -531,26 +531,7 @@
           <a:bodyPr/>
           <a:lstStyle/>
           <a:p>
-            <a:r>
-              <a:rPr lang="en-CA" dirty="0"/>
-              <a:t>The assumption is made that the distance calculations generated by the organizations developing the datasets is more accurate and checked to a greater standard than what is calculated during script runtime. Therefore, the </a:t>
-            </a:r>
-            <a:r>
-              <a:rPr lang="en-CA" dirty="0" err="1"/>
-              <a:t>dist_along</a:t>
-            </a:r>
-            <a:r>
-              <a:rPr lang="en-CA" dirty="0"/>
-              <a:t> is calculated relative to the dataset length, IF PROVIDED and present in the line dataset. If not explicitly provided, the runtime calculated distance is used for </a:t>
-            </a:r>
-            <a:r>
-              <a:rPr lang="en-CA" dirty="0" err="1"/>
-              <a:t>dist_along</a:t>
-            </a:r>
-            <a:r>
-              <a:rPr lang="en-CA" dirty="0"/>
-              <a:t>. These values and station data are stored in a data container within the line segment attributes.</a:t>
-            </a:r>
+            <a:endParaRPr lang="en-CA" dirty="0"/>
           </a:p>
         </p:txBody>
       </p:sp>
@@ -571,7 +552,7 @@
           <a:p>
             <a:fld id="{A76A3AFF-6D77-4BFE-AF21-4F1CE1B45C8D}" type="slidenum">
               <a:rPr lang="en-CA" smtClean="0"/>
-              <a:t>4</a:t>
+              <a:t>1</a:t>
             </a:fld>
             <a:endParaRPr lang="en-CA"/>
           </a:p>
@@ -580,7 +561,102 @@
     </p:spTree>
     <p:extLst>
       <p:ext uri="{BB962C8B-B14F-4D97-AF65-F5344CB8AC3E}">
-        <p14:creationId xmlns:p14="http://schemas.microsoft.com/office/powerpoint/2010/main" val="3843206"/>
+        <p14:creationId xmlns:p14="http://schemas.microsoft.com/office/powerpoint/2010/main" val="1924463052"/>
+      </p:ext>
+    </p:extLst>
+  </p:cSld>
+  <p:clrMapOvr>
+    <a:masterClrMapping/>
+  </p:clrMapOvr>
+</p:notes>
+</file>
+
+<file path=ppt/notesSlides/notesSlide10.xml><?xml version="1.0" encoding="utf-8"?>
+<p:notes xmlns:a="http://schemas.openxmlformats.org/drawingml/2006/main" xmlns:r="http://schemas.openxmlformats.org/officeDocument/2006/relationships" xmlns:p="http://schemas.openxmlformats.org/presentationml/2006/main">
+  <p:cSld>
+    <p:spTree>
+      <p:nvGrpSpPr>
+        <p:cNvPr id="1" name=""/>
+        <p:cNvGrpSpPr/>
+        <p:nvPr/>
+      </p:nvGrpSpPr>
+      <p:grpSpPr>
+        <a:xfrm>
+          <a:off x="0" y="0"/>
+          <a:ext cx="0" cy="0"/>
+          <a:chOff x="0" y="0"/>
+          <a:chExt cx="0" cy="0"/>
+        </a:xfrm>
+      </p:grpSpPr>
+      <p:sp>
+        <p:nvSpPr>
+          <p:cNvPr id="2" name="Slide Image Placeholder 1"/>
+          <p:cNvSpPr>
+            <a:spLocks noGrp="1" noRot="1" noChangeAspect="1"/>
+          </p:cNvSpPr>
+          <p:nvPr>
+            <p:ph type="sldImg"/>
+          </p:nvPr>
+        </p:nvSpPr>
+        <p:spPr/>
+      </p:sp>
+      <p:sp>
+        <p:nvSpPr>
+          <p:cNvPr id="3" name="Notes Placeholder 2"/>
+          <p:cNvSpPr>
+            <a:spLocks noGrp="1"/>
+          </p:cNvSpPr>
+          <p:nvPr>
+            <p:ph type="body" idx="1"/>
+          </p:nvPr>
+        </p:nvSpPr>
+        <p:spPr/>
+        <p:txBody>
+          <a:bodyPr/>
+          <a:lstStyle/>
+          <a:p>
+            <a:r>
+              <a:rPr lang="en-CA" dirty="0"/>
+              <a:t>Basic </a:t>
+            </a:r>
+            <a:r>
+              <a:rPr lang="en-CA" dirty="0" err="1"/>
+              <a:t>dfs_search</a:t>
+            </a:r>
+            <a:r>
+              <a:rPr lang="en-CA" dirty="0"/>
+              <a:t>() flowchart </a:t>
+            </a:r>
+          </a:p>
+        </p:txBody>
+      </p:sp>
+      <p:sp>
+        <p:nvSpPr>
+          <p:cNvPr id="4" name="Slide Number Placeholder 3"/>
+          <p:cNvSpPr>
+            <a:spLocks noGrp="1"/>
+          </p:cNvSpPr>
+          <p:nvPr>
+            <p:ph type="sldNum" sz="quarter" idx="5"/>
+          </p:nvPr>
+        </p:nvSpPr>
+        <p:spPr/>
+        <p:txBody>
+          <a:bodyPr/>
+          <a:lstStyle/>
+          <a:p>
+            <a:fld id="{A76A3AFF-6D77-4BFE-AF21-4F1CE1B45C8D}" type="slidenum">
+              <a:rPr lang="en-CA" smtClean="0"/>
+              <a:t>15</a:t>
+            </a:fld>
+            <a:endParaRPr lang="en-CA"/>
+          </a:p>
+        </p:txBody>
+      </p:sp>
+    </p:spTree>
+    <p:extLst>
+      <p:ext uri="{BB962C8B-B14F-4D97-AF65-F5344CB8AC3E}">
+        <p14:creationId xmlns:p14="http://schemas.microsoft.com/office/powerpoint/2010/main" val="695048785"/>
       </p:ext>
     </p:extLst>
   </p:cSld>
@@ -636,15 +712,23 @@
           <a:p>
             <a:r>
               <a:rPr lang="en-CA" dirty="0"/>
-              <a:t>For the sake of this example, </a:t>
+              <a:t>The assumption is made that the distance calculations generated by the organizations developing the datasets are more accurate and checked to a greater standard than what is calculated during script runtime. Therefore, the </a:t>
             </a:r>
             <a:r>
               <a:rPr lang="en-CA" dirty="0" err="1"/>
-              <a:t>Hydat</a:t>
+              <a:t>dist_along</a:t>
             </a:r>
             <a:r>
               <a:rPr lang="en-CA" dirty="0"/>
-              <a:t> stations will be the origin stations, and PWQMN stations the candidate stations</a:t>
+              <a:t> is calculated relative to the dataset length, IF PROVIDED and present in the line dataset. If not explicitly provided, the runtime calculated distance is used for </a:t>
+            </a:r>
+            <a:r>
+              <a:rPr lang="en-CA" dirty="0" err="1"/>
+              <a:t>dist_along</a:t>
+            </a:r>
+            <a:r>
+              <a:rPr lang="en-CA" dirty="0"/>
+              <a:t>. These values and station data are stored in a data container within the line segment attributes.</a:t>
             </a:r>
           </a:p>
         </p:txBody>
@@ -666,7 +750,7 @@
           <a:p>
             <a:fld id="{A76A3AFF-6D77-4BFE-AF21-4F1CE1B45C8D}" type="slidenum">
               <a:rPr lang="en-CA" smtClean="0"/>
-              <a:t>5</a:t>
+              <a:t>4</a:t>
             </a:fld>
             <a:endParaRPr lang="en-CA"/>
           </a:p>
@@ -675,7 +759,7 @@
     </p:spTree>
     <p:extLst>
       <p:ext uri="{BB962C8B-B14F-4D97-AF65-F5344CB8AC3E}">
-        <p14:creationId xmlns:p14="http://schemas.microsoft.com/office/powerpoint/2010/main" val="3439316518"/>
+        <p14:creationId xmlns:p14="http://schemas.microsoft.com/office/powerpoint/2010/main" val="3843206"/>
       </p:ext>
     </p:extLst>
   </p:cSld>
@@ -731,7 +815,15 @@
           <a:p>
             <a:r>
               <a:rPr lang="en-CA" dirty="0"/>
-              <a:t>The direct distance between two points (yellow) is closer to the real world distance along the blue lines than the distance along the network (magenta).</a:t>
+              <a:t>For the sake of this example, </a:t>
+            </a:r>
+            <a:r>
+              <a:rPr lang="en-CA" dirty="0" err="1"/>
+              <a:t>Hydat</a:t>
+            </a:r>
+            <a:r>
+              <a:rPr lang="en-CA" dirty="0"/>
+              <a:t> stations will be the origin stations, and PWQMN stations the candidate stations</a:t>
             </a:r>
           </a:p>
         </p:txBody>
@@ -753,7 +845,7 @@
           <a:p>
             <a:fld id="{A76A3AFF-6D77-4BFE-AF21-4F1CE1B45C8D}" type="slidenum">
               <a:rPr lang="en-CA" smtClean="0"/>
-              <a:t>6</a:t>
+              <a:t>5</a:t>
             </a:fld>
             <a:endParaRPr lang="en-CA"/>
           </a:p>
@@ -762,7 +854,7 @@
     </p:spTree>
     <p:extLst>
       <p:ext uri="{BB962C8B-B14F-4D97-AF65-F5344CB8AC3E}">
-        <p14:creationId xmlns:p14="http://schemas.microsoft.com/office/powerpoint/2010/main" val="2182772305"/>
+        <p14:creationId xmlns:p14="http://schemas.microsoft.com/office/powerpoint/2010/main" val="3439316518"/>
       </p:ext>
     </p:extLst>
   </p:cSld>
@@ -818,7 +910,7 @@
           <a:p>
             <a:r>
               <a:rPr lang="en-CA" dirty="0"/>
-              <a:t>To finish off, I’d like to go through some of the most common errors that occur when matching stations.</a:t>
+              <a:t>The direct distance between two points (yellow) is closer to the real world distance along the blue lines than the distance along the network (magenta).</a:t>
             </a:r>
           </a:p>
         </p:txBody>
@@ -840,7 +932,7 @@
           <a:p>
             <a:fld id="{A76A3AFF-6D77-4BFE-AF21-4F1CE1B45C8D}" type="slidenum">
               <a:rPr lang="en-CA" smtClean="0"/>
-              <a:t>9</a:t>
+              <a:t>6</a:t>
             </a:fld>
             <a:endParaRPr lang="en-CA"/>
           </a:p>
@@ -849,7 +941,7 @@
     </p:spTree>
     <p:extLst>
       <p:ext uri="{BB962C8B-B14F-4D97-AF65-F5344CB8AC3E}">
-        <p14:creationId xmlns:p14="http://schemas.microsoft.com/office/powerpoint/2010/main" val="4221532281"/>
+        <p14:creationId xmlns:p14="http://schemas.microsoft.com/office/powerpoint/2010/main" val="2182772305"/>
       </p:ext>
     </p:extLst>
   </p:cSld>
@@ -905,7 +997,7 @@
           <a:p>
             <a:r>
               <a:rPr lang="en-CA" dirty="0"/>
-              <a:t>Distances are not accurate, but the matching of stations is still correct</a:t>
+              <a:t>To finish off, I’d like to go through some of the most common errors that occur when matching stations.</a:t>
             </a:r>
           </a:p>
         </p:txBody>
@@ -927,7 +1019,7 @@
           <a:p>
             <a:fld id="{A76A3AFF-6D77-4BFE-AF21-4F1CE1B45C8D}" type="slidenum">
               <a:rPr lang="en-CA" smtClean="0"/>
-              <a:t>10</a:t>
+              <a:t>9</a:t>
             </a:fld>
             <a:endParaRPr lang="en-CA"/>
           </a:p>
@@ -936,7 +1028,7 @@
     </p:spTree>
     <p:extLst>
       <p:ext uri="{BB962C8B-B14F-4D97-AF65-F5344CB8AC3E}">
-        <p14:creationId xmlns:p14="http://schemas.microsoft.com/office/powerpoint/2010/main" val="2559770168"/>
+        <p14:creationId xmlns:p14="http://schemas.microsoft.com/office/powerpoint/2010/main" val="4221532281"/>
       </p:ext>
     </p:extLst>
   </p:cSld>
@@ -990,7 +1082,10 @@
           <a:bodyPr/>
           <a:lstStyle/>
           <a:p>
-            <a:endParaRPr lang="en-CA" dirty="0"/>
+            <a:r>
+              <a:rPr lang="en-CA" dirty="0"/>
+              <a:t>Distances are not accurate, but the matching of stations is still correct</a:t>
+            </a:r>
           </a:p>
         </p:txBody>
       </p:sp>
@@ -1011,7 +1106,7 @@
           <a:p>
             <a:fld id="{A76A3AFF-6D77-4BFE-AF21-4F1CE1B45C8D}" type="slidenum">
               <a:rPr lang="en-CA" smtClean="0"/>
-              <a:t>11</a:t>
+              <a:t>10</a:t>
             </a:fld>
             <a:endParaRPr lang="en-CA"/>
           </a:p>
@@ -1020,7 +1115,7 @@
     </p:spTree>
     <p:extLst>
       <p:ext uri="{BB962C8B-B14F-4D97-AF65-F5344CB8AC3E}">
-        <p14:creationId xmlns:p14="http://schemas.microsoft.com/office/powerpoint/2010/main" val="2966035868"/>
+        <p14:creationId xmlns:p14="http://schemas.microsoft.com/office/powerpoint/2010/main" val="2559770168"/>
       </p:ext>
     </p:extLst>
   </p:cSld>
@@ -1074,10 +1169,7 @@
           <a:bodyPr/>
           <a:lstStyle/>
           <a:p>
-            <a:r>
-              <a:rPr lang="en-CA" dirty="0"/>
-              <a:t>Both distance and matching are incorrect.</a:t>
-            </a:r>
+            <a:endParaRPr lang="en-CA" dirty="0"/>
           </a:p>
         </p:txBody>
       </p:sp>
@@ -1098,7 +1190,7 @@
           <a:p>
             <a:fld id="{A76A3AFF-6D77-4BFE-AF21-4F1CE1B45C8D}" type="slidenum">
               <a:rPr lang="en-CA" smtClean="0"/>
-              <a:t>12</a:t>
+              <a:t>11</a:t>
             </a:fld>
             <a:endParaRPr lang="en-CA"/>
           </a:p>
@@ -1107,7 +1199,7 @@
     </p:spTree>
     <p:extLst>
       <p:ext uri="{BB962C8B-B14F-4D97-AF65-F5344CB8AC3E}">
-        <p14:creationId xmlns:p14="http://schemas.microsoft.com/office/powerpoint/2010/main" val="462235680"/>
+        <p14:creationId xmlns:p14="http://schemas.microsoft.com/office/powerpoint/2010/main" val="2966035868"/>
       </p:ext>
     </p:extLst>
   </p:cSld>
@@ -1161,7 +1253,10 @@
           <a:bodyPr/>
           <a:lstStyle/>
           <a:p>
-            <a:endParaRPr lang="en-CA" dirty="0"/>
+            <a:r>
+              <a:rPr lang="en-CA" dirty="0"/>
+              <a:t>Both distance and matching are incorrect.</a:t>
+            </a:r>
           </a:p>
         </p:txBody>
       </p:sp>
@@ -1182,7 +1277,7 @@
           <a:p>
             <a:fld id="{A76A3AFF-6D77-4BFE-AF21-4F1CE1B45C8D}" type="slidenum">
               <a:rPr lang="en-CA" smtClean="0"/>
-              <a:t>13</a:t>
+              <a:t>12</a:t>
             </a:fld>
             <a:endParaRPr lang="en-CA"/>
           </a:p>
@@ -1191,7 +1286,7 @@
     </p:spTree>
     <p:extLst>
       <p:ext uri="{BB962C8B-B14F-4D97-AF65-F5344CB8AC3E}">
-        <p14:creationId xmlns:p14="http://schemas.microsoft.com/office/powerpoint/2010/main" val="2045997938"/>
+        <p14:creationId xmlns:p14="http://schemas.microsoft.com/office/powerpoint/2010/main" val="462235680"/>
       </p:ext>
     </p:extLst>
   </p:cSld>
@@ -1245,18 +1340,7 @@
           <a:bodyPr/>
           <a:lstStyle/>
           <a:p>
-            <a:r>
-              <a:rPr lang="en-CA" dirty="0"/>
-              <a:t>Basic </a:t>
-            </a:r>
-            <a:r>
-              <a:rPr lang="en-CA" dirty="0" err="1"/>
-              <a:t>dfs_search</a:t>
-            </a:r>
-            <a:r>
-              <a:rPr lang="en-CA" dirty="0"/>
-              <a:t>() flowchart </a:t>
-            </a:r>
+            <a:endParaRPr lang="en-CA" dirty="0"/>
           </a:p>
         </p:txBody>
       </p:sp>
@@ -1277,7 +1361,7 @@
           <a:p>
             <a:fld id="{A76A3AFF-6D77-4BFE-AF21-4F1CE1B45C8D}" type="slidenum">
               <a:rPr lang="en-CA" smtClean="0"/>
-              <a:t>15</a:t>
+              <a:t>13</a:t>
             </a:fld>
             <a:endParaRPr lang="en-CA"/>
           </a:p>
@@ -1286,7 +1370,7 @@
     </p:spTree>
     <p:extLst>
       <p:ext uri="{BB962C8B-B14F-4D97-AF65-F5344CB8AC3E}">
-        <p14:creationId xmlns:p14="http://schemas.microsoft.com/office/powerpoint/2010/main" val="695048785"/>
+        <p14:creationId xmlns:p14="http://schemas.microsoft.com/office/powerpoint/2010/main" val="2045997938"/>
       </p:ext>
     </p:extLst>
   </p:cSld>
@@ -10123,7 +10207,7 @@
         </p:nvSpPr>
         <p:spPr>
           <a:xfrm>
-            <a:off x="7580764" y="5069559"/>
+            <a:off x="7580764" y="5047290"/>
             <a:ext cx="2980382" cy="923330"/>
           </a:xfrm>
           <a:prstGeom prst="rect">
@@ -10661,6 +10745,9 @@
           <a:solidFill>
             <a:srgbClr val="FFC000"/>
           </a:solidFill>
+          <a:ln>
+            <a:noFill/>
+          </a:ln>
         </p:spPr>
         <p:style>
           <a:lnRef idx="2">
@@ -10710,6 +10797,9 @@
           <a:solidFill>
             <a:srgbClr val="FFC000"/>
           </a:solidFill>
+          <a:ln>
+            <a:noFill/>
+          </a:ln>
         </p:spPr>
         <p:style>
           <a:lnRef idx="2">
@@ -10804,6 +10894,9 @@
           <a:solidFill>
             <a:srgbClr val="FFC000"/>
           </a:solidFill>
+          <a:ln>
+            <a:noFill/>
+          </a:ln>
         </p:spPr>
         <p:style>
           <a:lnRef idx="2">
@@ -10853,6 +10946,9 @@
           <a:solidFill>
             <a:srgbClr val="FFC000"/>
           </a:solidFill>
+          <a:ln>
+            <a:noFill/>
+          </a:ln>
         </p:spPr>
         <p:style>
           <a:lnRef idx="2">
@@ -10902,6 +10998,9 @@
           <a:solidFill>
             <a:srgbClr val="FFC000"/>
           </a:solidFill>
+          <a:ln>
+            <a:noFill/>
+          </a:ln>
         </p:spPr>
         <p:style>
           <a:lnRef idx="2">
@@ -11447,52 +11546,7 @@
             </a:prstGeom>
             <a:ln w="76200">
               <a:solidFill>
-                <a:srgbClr val="00B050"/>
-              </a:solidFill>
-            </a:ln>
-          </p:spPr>
-          <p:style>
-            <a:lnRef idx="1">
-              <a:schemeClr val="accent3"/>
-            </a:lnRef>
-            <a:fillRef idx="0">
-              <a:schemeClr val="accent3"/>
-            </a:fillRef>
-            <a:effectRef idx="0">
-              <a:schemeClr val="accent3"/>
-            </a:effectRef>
-            <a:fontRef idx="minor">
-              <a:schemeClr val="tx1"/>
-            </a:fontRef>
-          </p:style>
-        </p:cxnSp>
-        <p:cxnSp>
-          <p:nvCxnSpPr>
-            <p:cNvPr id="52" name="Straight Connector 51">
-              <a:extLst>
-                <a:ext uri="{FF2B5EF4-FFF2-40B4-BE49-F238E27FC236}">
-                  <a16:creationId xmlns:a16="http://schemas.microsoft.com/office/drawing/2014/main" id="{434B0F6E-1D17-E558-950A-A1BE97021E66}"/>
-                </a:ext>
-              </a:extLst>
-            </p:cNvPr>
-            <p:cNvCxnSpPr>
-              <a:cxnSpLocks/>
-            </p:cNvCxnSpPr>
-            <p:nvPr/>
-          </p:nvCxnSpPr>
-          <p:spPr>
-            <a:xfrm flipV="1">
-              <a:off x="4430758" y="2548735"/>
-              <a:ext cx="350360" cy="240578"/>
-            </a:xfrm>
-            <a:prstGeom prst="line">
-              <a:avLst/>
-            </a:prstGeom>
-            <a:ln w="76200">
-              <a:solidFill>
-                <a:schemeClr val="accent1">
-                  <a:lumMod val="75000"/>
-                </a:schemeClr>
+                <a:srgbClr val="7030A0"/>
               </a:solidFill>
             </a:ln>
           </p:spPr>
@@ -11623,52 +11677,8 @@
                     <a:schemeClr val="bg1"/>
                   </a:solidFill>
                 </a:rPr>
-                <a:t>Ontario Hydro Network</a:t>
+                <a:t>River Network</a:t>
               </a:r>
-            </a:p>
-          </p:txBody>
-        </p:sp>
-        <p:sp>
-          <p:nvSpPr>
-            <p:cNvPr id="56" name="TextBox 55">
-              <a:extLst>
-                <a:ext uri="{FF2B5EF4-FFF2-40B4-BE49-F238E27FC236}">
-                  <a16:creationId xmlns:a16="http://schemas.microsoft.com/office/drawing/2014/main" id="{E36C5F0C-E953-B3D0-DDAF-F688D3C5E088}"/>
-                </a:ext>
-              </a:extLst>
-            </p:cNvPr>
-            <p:cNvSpPr txBox="1"/>
-            <p:nvPr/>
-          </p:nvSpPr>
-          <p:spPr>
-            <a:xfrm>
-              <a:off x="4776632" y="2484358"/>
-              <a:ext cx="2627100" cy="369332"/>
-            </a:xfrm>
-            <a:prstGeom prst="rect">
-              <a:avLst/>
-            </a:prstGeom>
-            <a:noFill/>
-          </p:spPr>
-          <p:txBody>
-            <a:bodyPr wrap="square" rtlCol="0">
-              <a:spAutoFit/>
-            </a:bodyPr>
-            <a:lstStyle/>
-            <a:p>
-              <a:r>
-                <a:rPr lang="en-CA" dirty="0" err="1">
-                  <a:solidFill>
-                    <a:schemeClr val="bg1"/>
-                  </a:solidFill>
-                </a:rPr>
-                <a:t>HydroRIVERs</a:t>
-              </a:r>
-              <a:endParaRPr lang="en-CA" dirty="0">
-                <a:solidFill>
-                  <a:schemeClr val="bg1"/>
-                </a:solidFill>
-              </a:endParaRPr>
             </a:p>
           </p:txBody>
         </p:sp>
@@ -11723,13 +11733,12 @@
           </p:cNvPr>
           <p:cNvCxnSpPr>
             <a:cxnSpLocks/>
-            <a:stCxn id="39" idx="3"/>
           </p:cNvCxnSpPr>
           <p:nvPr/>
         </p:nvCxnSpPr>
         <p:spPr>
           <a:xfrm flipH="1">
-            <a:off x="1377979" y="1956804"/>
+            <a:off x="1364831" y="1958348"/>
             <a:ext cx="92864" cy="81546"/>
           </a:xfrm>
           <a:prstGeom prst="line">
@@ -15663,38 +15672,6 @@
           </a:fontRef>
         </p:style>
       </p:cxnSp>
-      <p:sp>
-        <p:nvSpPr>
-          <p:cNvPr id="30" name="TextBox 29">
-            <a:extLst>
-              <a:ext uri="{FF2B5EF4-FFF2-40B4-BE49-F238E27FC236}">
-                <a16:creationId xmlns:a16="http://schemas.microsoft.com/office/drawing/2014/main" id="{5C3A2DC4-C0C7-B5D9-D2E6-996A47CA2D11}"/>
-              </a:ext>
-            </a:extLst>
-          </p:cNvPr>
-          <p:cNvSpPr txBox="1"/>
-          <p:nvPr/>
-        </p:nvSpPr>
-        <p:spPr>
-          <a:xfrm>
-            <a:off x="6361690" y="3890865"/>
-            <a:ext cx="5679894" cy="1026368"/>
-          </a:xfrm>
-          <a:prstGeom prst="rect">
-            <a:avLst/>
-          </a:prstGeom>
-          <a:noFill/>
-        </p:spPr>
-        <p:txBody>
-          <a:bodyPr wrap="square" rtlCol="0">
-            <a:spAutoFit/>
-          </a:bodyPr>
-          <a:lstStyle/>
-          <a:p>
-            <a:endParaRPr lang="en-CA" dirty="0"/>
-          </a:p>
-        </p:txBody>
-      </p:sp>
     </p:spTree>
     <p:extLst>
       <p:ext uri="{BB962C8B-B14F-4D97-AF65-F5344CB8AC3E}">
